--- a/development/SpaDES – Spatial Discrete Event Simulation.pptx
+++ b/development/SpaDES – Spatial Discrete Event Simulation.pptx
@@ -4,20 +4,19 @@
   <p:sldMasterIdLst>
     <p:sldMasterId id="2147483648" r:id="rId1"/>
     <p:sldMasterId id="2147483660" r:id="rId2"/>
-    <p:sldMasterId id="2147483681" r:id="rId3"/>
   </p:sldMasterIdLst>
   <p:sldIdLst>
-    <p:sldId id="256" r:id="rId4"/>
-    <p:sldId id="265" r:id="rId5"/>
-    <p:sldId id="257" r:id="rId6"/>
-    <p:sldId id="261" r:id="rId7"/>
-    <p:sldId id="266" r:id="rId8"/>
-    <p:sldId id="264" r:id="rId9"/>
-    <p:sldId id="262" r:id="rId10"/>
-    <p:sldId id="263" r:id="rId11"/>
-    <p:sldId id="258" r:id="rId12"/>
-    <p:sldId id="259" r:id="rId13"/>
-    <p:sldId id="260" r:id="rId14"/>
+    <p:sldId id="256" r:id="rId3"/>
+    <p:sldId id="265" r:id="rId4"/>
+    <p:sldId id="257" r:id="rId5"/>
+    <p:sldId id="261" r:id="rId6"/>
+    <p:sldId id="266" r:id="rId7"/>
+    <p:sldId id="264" r:id="rId8"/>
+    <p:sldId id="262" r:id="rId9"/>
+    <p:sldId id="263" r:id="rId10"/>
+    <p:sldId id="258" r:id="rId11"/>
+    <p:sldId id="267" r:id="rId12"/>
+    <p:sldId id="268" r:id="rId13"/>
   </p:sldIdLst>
   <p:sldSz cx="9144000" cy="6858000" type="screen4x3"/>
   <p:notesSz cx="6858000" cy="9144000"/>
@@ -300,7 +299,7 @@
           <a:p>
             <a:fld id="{251BE8C5-5F70-427A-B471-4B6EB4966070}" type="datetimeFigureOut">
               <a:rPr lang="en-CA" smtClean="0"/>
-              <a:t>2014-08-12</a:t>
+              <a:t>2014-08-17</a:t>
             </a:fld>
             <a:endParaRPr lang="en-CA"/>
           </a:p>
@@ -470,7 +469,7 @@
           <a:p>
             <a:fld id="{251BE8C5-5F70-427A-B471-4B6EB4966070}" type="datetimeFigureOut">
               <a:rPr lang="en-CA" smtClean="0"/>
-              <a:t>2014-08-12</a:t>
+              <a:t>2014-08-17</a:t>
             </a:fld>
             <a:endParaRPr lang="en-CA"/>
           </a:p>
@@ -650,7 +649,7 @@
           <a:p>
             <a:fld id="{251BE8C5-5F70-427A-B471-4B6EB4966070}" type="datetimeFigureOut">
               <a:rPr lang="en-CA" smtClean="0"/>
-              <a:t>2014-08-12</a:t>
+              <a:t>2014-08-17</a:t>
             </a:fld>
             <a:endParaRPr lang="en-CA"/>
           </a:p>
@@ -912,7 +911,7 @@
           <a:p>
             <a:fld id="{251BE8C5-5F70-427A-B471-4B6EB4966070}" type="datetimeFigureOut">
               <a:rPr lang="en-CA" smtClean="0"/>
-              <a:t>2014-08-12</a:t>
+              <a:t>2014-08-17</a:t>
             </a:fld>
             <a:endParaRPr lang="en-CA"/>
           </a:p>
@@ -1386,7 +1385,7 @@
           <a:p>
             <a:fld id="{251BE8C5-5F70-427A-B471-4B6EB4966070}" type="datetimeFigureOut">
               <a:rPr lang="en-CA" smtClean="0"/>
-              <a:t>2014-08-12</a:t>
+              <a:t>2014-08-17</a:t>
             </a:fld>
             <a:endParaRPr lang="en-CA"/>
           </a:p>
@@ -1688,7 +1687,7 @@
           <a:p>
             <a:fld id="{251BE8C5-5F70-427A-B471-4B6EB4966070}" type="datetimeFigureOut">
               <a:rPr lang="en-CA" smtClean="0"/>
-              <a:t>2014-08-12</a:t>
+              <a:t>2014-08-17</a:t>
             </a:fld>
             <a:endParaRPr lang="en-CA"/>
           </a:p>
@@ -2077,7 +2076,7 @@
           <a:p>
             <a:fld id="{251BE8C5-5F70-427A-B471-4B6EB4966070}" type="datetimeFigureOut">
               <a:rPr lang="en-CA" smtClean="0"/>
-              <a:t>2014-08-12</a:t>
+              <a:t>2014-08-17</a:t>
             </a:fld>
             <a:endParaRPr lang="en-CA"/>
           </a:p>
@@ -2666,7 +2665,7 @@
           <a:p>
             <a:fld id="{251BE8C5-5F70-427A-B471-4B6EB4966070}" type="datetimeFigureOut">
               <a:rPr lang="en-CA" smtClean="0"/>
-              <a:t>2014-08-12</a:t>
+              <a:t>2014-08-17</a:t>
             </a:fld>
             <a:endParaRPr lang="en-CA"/>
           </a:p>
@@ -3181,7 +3180,7 @@
           <a:p>
             <a:fld id="{251BE8C5-5F70-427A-B471-4B6EB4966070}" type="datetimeFigureOut">
               <a:rPr lang="en-CA" smtClean="0"/>
-              <a:t>2014-08-12</a:t>
+              <a:t>2014-08-17</a:t>
             </a:fld>
             <a:endParaRPr lang="en-CA"/>
           </a:p>
@@ -3554,7 +3553,7 @@
           <a:p>
             <a:fld id="{251BE8C5-5F70-427A-B471-4B6EB4966070}" type="datetimeFigureOut">
               <a:rPr lang="en-CA" smtClean="0"/>
-              <a:t>2014-08-12</a:t>
+              <a:t>2014-08-17</a:t>
             </a:fld>
             <a:endParaRPr lang="en-CA"/>
           </a:p>
@@ -3953,7 +3952,7 @@
           <a:p>
             <a:fld id="{251BE8C5-5F70-427A-B471-4B6EB4966070}" type="datetimeFigureOut">
               <a:rPr lang="en-CA" smtClean="0"/>
-              <a:t>2014-08-12</a:t>
+              <a:t>2014-08-17</a:t>
             </a:fld>
             <a:endParaRPr lang="en-CA"/>
           </a:p>
@@ -4256,7 +4255,7 @@
           <a:p>
             <a:fld id="{251BE8C5-5F70-427A-B471-4B6EB4966070}" type="datetimeFigureOut">
               <a:rPr lang="en-CA" smtClean="0"/>
-              <a:t>2014-08-12</a:t>
+              <a:t>2014-08-17</a:t>
             </a:fld>
             <a:endParaRPr lang="en-CA"/>
           </a:p>
@@ -4543,7 +4542,7 @@
           <a:p>
             <a:fld id="{251BE8C5-5F70-427A-B471-4B6EB4966070}" type="datetimeFigureOut">
               <a:rPr lang="en-CA" smtClean="0"/>
-              <a:t>2014-08-12</a:t>
+              <a:t>2014-08-17</a:t>
             </a:fld>
             <a:endParaRPr lang="en-CA"/>
           </a:p>
@@ -4912,7 +4911,7 @@
           <a:p>
             <a:fld id="{251BE8C5-5F70-427A-B471-4B6EB4966070}" type="datetimeFigureOut">
               <a:rPr lang="en-CA" smtClean="0"/>
-              <a:t>2014-08-12</a:t>
+              <a:t>2014-08-17</a:t>
             </a:fld>
             <a:endParaRPr lang="en-CA"/>
           </a:p>
@@ -5455,7 +5454,7 @@
           <a:p>
             <a:fld id="{251BE8C5-5F70-427A-B471-4B6EB4966070}" type="datetimeFigureOut">
               <a:rPr lang="en-CA" smtClean="0"/>
-              <a:t>2014-08-12</a:t>
+              <a:t>2014-08-17</a:t>
             </a:fld>
             <a:endParaRPr lang="en-CA"/>
           </a:p>
@@ -5591,7 +5590,7 @@
           <a:p>
             <a:fld id="{251BE8C5-5F70-427A-B471-4B6EB4966070}" type="datetimeFigureOut">
               <a:rPr lang="en-CA" smtClean="0"/>
-              <a:t>2014-08-12</a:t>
+              <a:t>2014-08-17</a:t>
             </a:fld>
             <a:endParaRPr lang="en-CA"/>
           </a:p>
@@ -5929,7 +5928,7 @@
           <a:p>
             <a:fld id="{251BE8C5-5F70-427A-B471-4B6EB4966070}" type="datetimeFigureOut">
               <a:rPr lang="en-CA" smtClean="0"/>
-              <a:t>2014-08-12</a:t>
+              <a:t>2014-08-17</a:t>
             </a:fld>
             <a:endParaRPr lang="en-CA"/>
           </a:p>
@@ -6255,7 +6254,7 @@
           <a:p>
             <a:fld id="{251BE8C5-5F70-427A-B471-4B6EB4966070}" type="datetimeFigureOut">
               <a:rPr lang="en-CA" smtClean="0"/>
-              <a:t>2014-08-12</a:t>
+              <a:t>2014-08-17</a:t>
             </a:fld>
             <a:endParaRPr lang="en-CA"/>
           </a:p>
@@ -6553,7 +6552,7 @@
           <a:p>
             <a:fld id="{251BE8C5-5F70-427A-B471-4B6EB4966070}" type="datetimeFigureOut">
               <a:rPr lang="en-CA" smtClean="0"/>
-              <a:t>2014-08-12</a:t>
+              <a:t>2014-08-17</a:t>
             </a:fld>
             <a:endParaRPr lang="en-CA"/>
           </a:p>
@@ -6940,7 +6939,7 @@
           <a:p>
             <a:fld id="{251BE8C5-5F70-427A-B471-4B6EB4966070}" type="datetimeFigureOut">
               <a:rPr lang="en-CA" smtClean="0"/>
-              <a:t>2014-08-12</a:t>
+              <a:t>2014-08-17</a:t>
             </a:fld>
             <a:endParaRPr lang="en-CA"/>
           </a:p>
@@ -7360,7 +7359,7 @@
           <a:p>
             <a:fld id="{251BE8C5-5F70-427A-B471-4B6EB4966070}" type="datetimeFigureOut">
               <a:rPr lang="en-CA" smtClean="0"/>
-              <a:t>2014-08-12</a:t>
+              <a:t>2014-08-17</a:t>
             </a:fld>
             <a:endParaRPr lang="en-CA"/>
           </a:p>
@@ -7908,7 +7907,7 @@
           <a:p>
             <a:fld id="{251BE8C5-5F70-427A-B471-4B6EB4966070}" type="datetimeFigureOut">
               <a:rPr lang="en-CA" smtClean="0"/>
-              <a:t>2014-08-12</a:t>
+              <a:t>2014-08-17</a:t>
             </a:fld>
             <a:endParaRPr lang="en-CA"/>
           </a:p>
@@ -8256,7 +8255,7 @@
           <a:p>
             <a:fld id="{251BE8C5-5F70-427A-B471-4B6EB4966070}" type="datetimeFigureOut">
               <a:rPr lang="en-CA" smtClean="0"/>
-              <a:t>2014-08-12</a:t>
+              <a:t>2014-08-17</a:t>
             </a:fld>
             <a:endParaRPr lang="en-CA"/>
           </a:p>
@@ -8512,7 +8511,7 @@
           <a:p>
             <a:fld id="{251BE8C5-5F70-427A-B471-4B6EB4966070}" type="datetimeFigureOut">
               <a:rPr lang="en-CA" smtClean="0"/>
-              <a:t>2014-08-12</a:t>
+              <a:t>2014-08-17</a:t>
             </a:fld>
             <a:endParaRPr lang="en-CA"/>
           </a:p>
@@ -8737,7 +8736,7 @@
           <a:p>
             <a:fld id="{251BE8C5-5F70-427A-B471-4B6EB4966070}" type="datetimeFigureOut">
               <a:rPr lang="en-CA" smtClean="0"/>
-              <a:t>2014-08-12</a:t>
+              <a:t>2014-08-17</a:t>
             </a:fld>
             <a:endParaRPr lang="en-CA"/>
           </a:p>
@@ -8818,3442 +8817,6 @@
               </a:rPr>
               <a:t>+</a:t>
             </a:r>
-          </a:p>
-        </p:txBody>
-      </p:sp>
-    </p:spTree>
-  </p:cSld>
-  <p:clrMapOvr>
-    <a:masterClrMapping/>
-  </p:clrMapOvr>
-</p:sldLayout>
-</file>
-
-<file path=ppt/slideLayouts/slideLayout32.xml><?xml version="1.0" encoding="utf-8"?>
-<p:sldLayout xmlns:a="http://schemas.openxmlformats.org/drawingml/2006/main" xmlns:r="http://schemas.openxmlformats.org/officeDocument/2006/relationships" xmlns:p="http://schemas.openxmlformats.org/presentationml/2006/main" showMasterSp="0" type="title" preserve="1">
-  <p:cSld name="Title Slide">
-    <p:spTree>
-      <p:nvGrpSpPr>
-        <p:cNvPr id="1" name=""/>
-        <p:cNvGrpSpPr/>
-        <p:nvPr/>
-      </p:nvGrpSpPr>
-      <p:grpSpPr>
-        <a:xfrm>
-          <a:off x="0" y="0"/>
-          <a:ext cx="0" cy="0"/>
-          <a:chOff x="0" y="0"/>
-          <a:chExt cx="0" cy="0"/>
-        </a:xfrm>
-      </p:grpSpPr>
-      <p:sp>
-        <p:nvSpPr>
-          <p:cNvPr id="2" name="Title 1"/>
-          <p:cNvSpPr>
-            <a:spLocks noGrp="1"/>
-          </p:cNvSpPr>
-          <p:nvPr>
-            <p:ph type="ctrTitle"/>
-          </p:nvPr>
-        </p:nvSpPr>
-        <p:spPr>
-          <a:xfrm>
-            <a:off x="4800600" y="4624668"/>
-            <a:ext cx="4038600" cy="933450"/>
-          </a:xfrm>
-        </p:spPr>
-        <p:txBody>
-          <a:bodyPr>
-            <a:normAutofit/>
-          </a:bodyPr>
-          <a:lstStyle>
-            <a:lvl1pPr>
-              <a:defRPr sz="2800"/>
-            </a:lvl1pPr>
-          </a:lstStyle>
-          <a:p>
-            <a:r>
-              <a:rPr lang="x-none" smtClean="0"/>
-              <a:t>Click to edit Master title style</a:t>
-            </a:r>
-            <a:endParaRPr/>
-          </a:p>
-        </p:txBody>
-      </p:sp>
-      <p:sp>
-        <p:nvSpPr>
-          <p:cNvPr id="3" name="Subtitle 2"/>
-          <p:cNvSpPr>
-            <a:spLocks noGrp="1"/>
-          </p:cNvSpPr>
-          <p:nvPr>
-            <p:ph type="subTitle" idx="1"/>
-          </p:nvPr>
-        </p:nvSpPr>
-        <p:spPr>
-          <a:xfrm>
-            <a:off x="4800600" y="5562599"/>
-            <a:ext cx="4038600" cy="748553"/>
-          </a:xfrm>
-        </p:spPr>
-        <p:txBody>
-          <a:bodyPr>
-            <a:normAutofit/>
-          </a:bodyPr>
-          <a:lstStyle>
-            <a:lvl1pPr marL="0" indent="0" algn="l">
-              <a:spcBef>
-                <a:spcPts val="300"/>
-              </a:spcBef>
-              <a:buNone/>
-              <a:defRPr sz="1400">
-                <a:solidFill>
-                  <a:schemeClr val="tx1">
-                    <a:tint val="75000"/>
-                  </a:schemeClr>
-                </a:solidFill>
-              </a:defRPr>
-            </a:lvl1pPr>
-            <a:lvl2pPr marL="457200" indent="0" algn="ctr">
-              <a:buNone/>
-              <a:defRPr>
-                <a:solidFill>
-                  <a:schemeClr val="tx1">
-                    <a:tint val="75000"/>
-                  </a:schemeClr>
-                </a:solidFill>
-              </a:defRPr>
-            </a:lvl2pPr>
-            <a:lvl3pPr marL="914400" indent="0" algn="ctr">
-              <a:buNone/>
-              <a:defRPr>
-                <a:solidFill>
-                  <a:schemeClr val="tx1">
-                    <a:tint val="75000"/>
-                  </a:schemeClr>
-                </a:solidFill>
-              </a:defRPr>
-            </a:lvl3pPr>
-            <a:lvl4pPr marL="1371600" indent="0" algn="ctr">
-              <a:buNone/>
-              <a:defRPr>
-                <a:solidFill>
-                  <a:schemeClr val="tx1">
-                    <a:tint val="75000"/>
-                  </a:schemeClr>
-                </a:solidFill>
-              </a:defRPr>
-            </a:lvl4pPr>
-            <a:lvl5pPr marL="1828800" indent="0" algn="ctr">
-              <a:buNone/>
-              <a:defRPr>
-                <a:solidFill>
-                  <a:schemeClr val="tx1">
-                    <a:tint val="75000"/>
-                  </a:schemeClr>
-                </a:solidFill>
-              </a:defRPr>
-            </a:lvl5pPr>
-            <a:lvl6pPr marL="2286000" indent="0" algn="ctr">
-              <a:buNone/>
-              <a:defRPr>
-                <a:solidFill>
-                  <a:schemeClr val="tx1">
-                    <a:tint val="75000"/>
-                  </a:schemeClr>
-                </a:solidFill>
-              </a:defRPr>
-            </a:lvl6pPr>
-            <a:lvl7pPr marL="2743200" indent="0" algn="ctr">
-              <a:buNone/>
-              <a:defRPr>
-                <a:solidFill>
-                  <a:schemeClr val="tx1">
-                    <a:tint val="75000"/>
-                  </a:schemeClr>
-                </a:solidFill>
-              </a:defRPr>
-            </a:lvl7pPr>
-            <a:lvl8pPr marL="3200400" indent="0" algn="ctr">
-              <a:buNone/>
-              <a:defRPr>
-                <a:solidFill>
-                  <a:schemeClr val="tx1">
-                    <a:tint val="75000"/>
-                  </a:schemeClr>
-                </a:solidFill>
-              </a:defRPr>
-            </a:lvl8pPr>
-            <a:lvl9pPr marL="3657600" indent="0" algn="ctr">
-              <a:buNone/>
-              <a:defRPr>
-                <a:solidFill>
-                  <a:schemeClr val="tx1">
-                    <a:tint val="75000"/>
-                  </a:schemeClr>
-                </a:solidFill>
-              </a:defRPr>
-            </a:lvl9pPr>
-          </a:lstStyle>
-          <a:p>
-            <a:r>
-              <a:rPr lang="x-none" smtClean="0"/>
-              <a:t>Click to edit Master subtitle style</a:t>
-            </a:r>
-            <a:endParaRPr/>
-          </a:p>
-        </p:txBody>
-      </p:sp>
-      <p:sp>
-        <p:nvSpPr>
-          <p:cNvPr id="4" name="Date Placeholder 3"/>
-          <p:cNvSpPr>
-            <a:spLocks noGrp="1"/>
-          </p:cNvSpPr>
-          <p:nvPr>
-            <p:ph type="dt" sz="half" idx="10"/>
-          </p:nvPr>
-        </p:nvSpPr>
-        <p:spPr>
-          <a:xfrm>
-            <a:off x="4800600" y="6425640"/>
-            <a:ext cx="1232647" cy="365125"/>
-          </a:xfrm>
-        </p:spPr>
-        <p:txBody>
-          <a:bodyPr/>
-          <a:lstStyle>
-            <a:lvl1pPr algn="l">
-              <a:defRPr/>
-            </a:lvl1pPr>
-          </a:lstStyle>
-          <a:p>
-            <a:fld id="{251BE8C5-5F70-427A-B471-4B6EB4966070}" type="datetimeFigureOut">
-              <a:rPr lang="en-CA" smtClean="0"/>
-              <a:t>2014-08-12</a:t>
-            </a:fld>
-            <a:endParaRPr lang="en-CA"/>
-          </a:p>
-        </p:txBody>
-      </p:sp>
-      <p:sp>
-        <p:nvSpPr>
-          <p:cNvPr id="5" name="Footer Placeholder 4"/>
-          <p:cNvSpPr>
-            <a:spLocks noGrp="1"/>
-          </p:cNvSpPr>
-          <p:nvPr>
-            <p:ph type="ftr" sz="quarter" idx="11"/>
-          </p:nvPr>
-        </p:nvSpPr>
-        <p:spPr>
-          <a:xfrm>
-            <a:off x="6311153" y="6425640"/>
-            <a:ext cx="2617694" cy="365125"/>
-          </a:xfrm>
-        </p:spPr>
-        <p:txBody>
-          <a:bodyPr/>
-          <a:lstStyle>
-            <a:lvl1pPr algn="r">
-              <a:defRPr/>
-            </a:lvl1pPr>
-          </a:lstStyle>
-          <a:p>
-            <a:endParaRPr lang="en-CA"/>
-          </a:p>
-        </p:txBody>
-      </p:sp>
-      <p:sp>
-        <p:nvSpPr>
-          <p:cNvPr id="7" name="Rectangle 6"/>
-          <p:cNvSpPr/>
-          <p:nvPr/>
-        </p:nvSpPr>
-        <p:spPr>
-          <a:xfrm>
-            <a:off x="282575" y="228600"/>
-            <a:ext cx="4235450" cy="4187952"/>
-          </a:xfrm>
-          <a:prstGeom prst="rect">
-            <a:avLst/>
-          </a:prstGeom>
-          <a:solidFill>
-            <a:schemeClr val="accent1"/>
-          </a:solidFill>
-          <a:ln>
-            <a:noFill/>
-          </a:ln>
-        </p:spPr>
-        <p:style>
-          <a:lnRef idx="2">
-            <a:schemeClr val="accent1">
-              <a:shade val="50000"/>
-            </a:schemeClr>
-          </a:lnRef>
-          <a:fillRef idx="1">
-            <a:schemeClr val="accent1"/>
-          </a:fillRef>
-          <a:effectRef idx="0">
-            <a:schemeClr val="accent1"/>
-          </a:effectRef>
-          <a:fontRef idx="minor">
-            <a:schemeClr val="lt1"/>
-          </a:fontRef>
-        </p:style>
-        <p:txBody>
-          <a:bodyPr rtlCol="0" anchor="ctr"/>
-          <a:lstStyle/>
-          <a:p>
-            <a:pPr algn="ctr"/>
-            <a:endParaRPr/>
-          </a:p>
-        </p:txBody>
-      </p:sp>
-      <p:sp>
-        <p:nvSpPr>
-          <p:cNvPr id="8" name="Rectangle 7"/>
-          <p:cNvSpPr/>
-          <p:nvPr/>
-        </p:nvSpPr>
-        <p:spPr>
-          <a:xfrm>
-            <a:off x="6802438" y="228600"/>
-            <a:ext cx="2057400" cy="2039112"/>
-          </a:xfrm>
-          <a:prstGeom prst="rect">
-            <a:avLst/>
-          </a:prstGeom>
-          <a:solidFill>
-            <a:schemeClr val="accent3"/>
-          </a:solidFill>
-          <a:ln>
-            <a:noFill/>
-          </a:ln>
-        </p:spPr>
-        <p:style>
-          <a:lnRef idx="2">
-            <a:schemeClr val="accent1">
-              <a:shade val="50000"/>
-            </a:schemeClr>
-          </a:lnRef>
-          <a:fillRef idx="1">
-            <a:schemeClr val="accent1"/>
-          </a:fillRef>
-          <a:effectRef idx="0">
-            <a:schemeClr val="accent1"/>
-          </a:effectRef>
-          <a:fontRef idx="minor">
-            <a:schemeClr val="lt1"/>
-          </a:fontRef>
-        </p:style>
-        <p:txBody>
-          <a:bodyPr rtlCol="0" anchor="ctr"/>
-          <a:lstStyle/>
-          <a:p>
-            <a:pPr algn="ctr"/>
-            <a:endParaRPr/>
-          </a:p>
-        </p:txBody>
-      </p:sp>
-      <p:sp>
-        <p:nvSpPr>
-          <p:cNvPr id="10" name="Rectangle 9"/>
-          <p:cNvSpPr/>
-          <p:nvPr/>
-        </p:nvSpPr>
-        <p:spPr>
-          <a:xfrm>
-            <a:off x="4624388" y="2377440"/>
-            <a:ext cx="2057400" cy="2039112"/>
-          </a:xfrm>
-          <a:prstGeom prst="rect">
-            <a:avLst/>
-          </a:prstGeom>
-          <a:solidFill>
-            <a:schemeClr val="accent4"/>
-          </a:solidFill>
-          <a:ln>
-            <a:noFill/>
-          </a:ln>
-        </p:spPr>
-        <p:style>
-          <a:lnRef idx="2">
-            <a:schemeClr val="accent1">
-              <a:shade val="50000"/>
-            </a:schemeClr>
-          </a:lnRef>
-          <a:fillRef idx="1">
-            <a:schemeClr val="accent1"/>
-          </a:fillRef>
-          <a:effectRef idx="0">
-            <a:schemeClr val="accent1"/>
-          </a:effectRef>
-          <a:fontRef idx="minor">
-            <a:schemeClr val="lt1"/>
-          </a:fontRef>
-        </p:style>
-        <p:txBody>
-          <a:bodyPr rtlCol="0" anchor="ctr"/>
-          <a:lstStyle/>
-          <a:p>
-            <a:pPr marL="0" algn="ctr" defTabSz="914400" rtl="0" eaLnBrk="1" latinLnBrk="0" hangingPunct="1"/>
-            <a:endParaRPr sz="1800" kern="1200">
-              <a:solidFill>
-                <a:schemeClr val="lt1"/>
-              </a:solidFill>
-              <a:latin typeface="+mn-lt"/>
-              <a:ea typeface="+mn-ea"/>
-              <a:cs typeface="+mn-cs"/>
-            </a:endParaRPr>
-          </a:p>
-        </p:txBody>
-      </p:sp>
-      <p:sp>
-        <p:nvSpPr>
-          <p:cNvPr id="15" name="TextBox 14"/>
-          <p:cNvSpPr txBox="1"/>
-          <p:nvPr/>
-        </p:nvSpPr>
-        <p:spPr>
-          <a:xfrm>
-            <a:off x="424891" y="174812"/>
-            <a:ext cx="413309" cy="830997"/>
-          </a:xfrm>
-          <a:prstGeom prst="rect">
-            <a:avLst/>
-          </a:prstGeom>
-          <a:noFill/>
-        </p:spPr>
-        <p:txBody>
-          <a:bodyPr wrap="square" lIns="0" tIns="0" rIns="0" bIns="0" rtlCol="0">
-            <a:spAutoFit/>
-          </a:bodyPr>
-          <a:lstStyle/>
-          <a:p>
-            <a:r>
-              <a:rPr sz="5400" b="1">
-                <a:solidFill>
-                  <a:schemeClr val="accent1">
-                    <a:lumMod val="60000"/>
-                    <a:lumOff val="40000"/>
-                  </a:schemeClr>
-                </a:solidFill>
-              </a:rPr>
-              <a:t>+</a:t>
-            </a:r>
-          </a:p>
-        </p:txBody>
-      </p:sp>
-      <p:sp>
-        <p:nvSpPr>
-          <p:cNvPr id="11" name="Rectangle 10"/>
-          <p:cNvSpPr/>
-          <p:nvPr/>
-        </p:nvSpPr>
-        <p:spPr>
-          <a:xfrm>
-            <a:off x="4624388" y="228600"/>
-            <a:ext cx="2057400" cy="2039112"/>
-          </a:xfrm>
-          <a:prstGeom prst="rect">
-            <a:avLst/>
-          </a:prstGeom>
-          <a:solidFill>
-            <a:schemeClr val="accent6"/>
-          </a:solidFill>
-          <a:ln>
-            <a:noFill/>
-          </a:ln>
-        </p:spPr>
-        <p:style>
-          <a:lnRef idx="2">
-            <a:schemeClr val="accent1">
-              <a:shade val="50000"/>
-            </a:schemeClr>
-          </a:lnRef>
-          <a:fillRef idx="1">
-            <a:schemeClr val="accent1"/>
-          </a:fillRef>
-          <a:effectRef idx="0">
-            <a:schemeClr val="accent1"/>
-          </a:effectRef>
-          <a:fontRef idx="minor">
-            <a:schemeClr val="lt1"/>
-          </a:fontRef>
-        </p:style>
-        <p:txBody>
-          <a:bodyPr rtlCol="0" anchor="ctr"/>
-          <a:lstStyle/>
-          <a:p>
-            <a:pPr algn="ctr"/>
-            <a:endParaRPr/>
-          </a:p>
-        </p:txBody>
-      </p:sp>
-      <p:sp>
-        <p:nvSpPr>
-          <p:cNvPr id="12" name="Rectangle 11"/>
-          <p:cNvSpPr/>
-          <p:nvPr/>
-        </p:nvSpPr>
-        <p:spPr>
-          <a:xfrm>
-            <a:off x="6802438" y="2377440"/>
-            <a:ext cx="2057400" cy="2039112"/>
-          </a:xfrm>
-          <a:prstGeom prst="rect">
-            <a:avLst/>
-          </a:prstGeom>
-          <a:solidFill>
-            <a:schemeClr val="accent2"/>
-          </a:solidFill>
-          <a:ln>
-            <a:noFill/>
-          </a:ln>
-        </p:spPr>
-        <p:style>
-          <a:lnRef idx="2">
-            <a:schemeClr val="accent1">
-              <a:shade val="50000"/>
-            </a:schemeClr>
-          </a:lnRef>
-          <a:fillRef idx="1">
-            <a:schemeClr val="accent1"/>
-          </a:fillRef>
-          <a:effectRef idx="0">
-            <a:schemeClr val="accent1"/>
-          </a:effectRef>
-          <a:fontRef idx="minor">
-            <a:schemeClr val="lt1"/>
-          </a:fontRef>
-        </p:style>
-        <p:txBody>
-          <a:bodyPr rtlCol="0" anchor="ctr"/>
-          <a:lstStyle/>
-          <a:p>
-            <a:pPr algn="ctr"/>
-            <a:endParaRPr/>
-          </a:p>
-        </p:txBody>
-      </p:sp>
-    </p:spTree>
-  </p:cSld>
-  <p:clrMapOvr>
-    <a:masterClrMapping/>
-  </p:clrMapOvr>
-</p:sldLayout>
-</file>
-
-<file path=ppt/slideLayouts/slideLayout33.xml><?xml version="1.0" encoding="utf-8"?>
-<p:sldLayout xmlns:a="http://schemas.openxmlformats.org/drawingml/2006/main" xmlns:r="http://schemas.openxmlformats.org/officeDocument/2006/relationships" xmlns:p="http://schemas.openxmlformats.org/presentationml/2006/main" preserve="1">
-  <p:cSld name="Title and Content">
-    <p:spTree>
-      <p:nvGrpSpPr>
-        <p:cNvPr id="1" name=""/>
-        <p:cNvGrpSpPr/>
-        <p:nvPr/>
-      </p:nvGrpSpPr>
-      <p:grpSpPr>
-        <a:xfrm>
-          <a:off x="0" y="0"/>
-          <a:ext cx="0" cy="0"/>
-          <a:chOff x="0" y="0"/>
-          <a:chExt cx="0" cy="0"/>
-        </a:xfrm>
-      </p:grpSpPr>
-      <p:sp>
-        <p:nvSpPr>
-          <p:cNvPr id="7" name="Rectangle 6"/>
-          <p:cNvSpPr/>
-          <p:nvPr/>
-        </p:nvSpPr>
-        <p:spPr>
-          <a:xfrm>
-            <a:off x="8210550" y="282574"/>
-            <a:ext cx="642097" cy="1600200"/>
-          </a:xfrm>
-          <a:prstGeom prst="rect">
-            <a:avLst/>
-          </a:prstGeom>
-          <a:solidFill>
-            <a:schemeClr val="accent1"/>
-          </a:solidFill>
-          <a:ln>
-            <a:noFill/>
-          </a:ln>
-        </p:spPr>
-        <p:style>
-          <a:lnRef idx="2">
-            <a:schemeClr val="accent1">
-              <a:shade val="50000"/>
-            </a:schemeClr>
-          </a:lnRef>
-          <a:fillRef idx="1">
-            <a:schemeClr val="accent1"/>
-          </a:fillRef>
-          <a:effectRef idx="0">
-            <a:schemeClr val="accent1"/>
-          </a:effectRef>
-          <a:fontRef idx="minor">
-            <a:schemeClr val="lt1"/>
-          </a:fontRef>
-        </p:style>
-        <p:txBody>
-          <a:bodyPr rtlCol="0" anchor="ctr"/>
-          <a:lstStyle/>
-          <a:p>
-            <a:pPr algn="ctr"/>
-            <a:endParaRPr/>
-          </a:p>
-        </p:txBody>
-      </p:sp>
-      <p:sp>
-        <p:nvSpPr>
-          <p:cNvPr id="2" name="Title 1"/>
-          <p:cNvSpPr>
-            <a:spLocks noGrp="1"/>
-          </p:cNvSpPr>
-          <p:nvPr>
-            <p:ph type="title"/>
-          </p:nvPr>
-        </p:nvSpPr>
-        <p:spPr/>
-        <p:txBody>
-          <a:bodyPr/>
-          <a:lstStyle/>
-          <a:p>
-            <a:r>
-              <a:rPr lang="x-none" smtClean="0"/>
-              <a:t>Click to edit Master title style</a:t>
-            </a:r>
-            <a:endParaRPr/>
-          </a:p>
-        </p:txBody>
-      </p:sp>
-      <p:sp>
-        <p:nvSpPr>
-          <p:cNvPr id="3" name="Content Placeholder 2"/>
-          <p:cNvSpPr>
-            <a:spLocks noGrp="1"/>
-          </p:cNvSpPr>
-          <p:nvPr>
-            <p:ph idx="1"/>
-          </p:nvPr>
-        </p:nvSpPr>
-        <p:spPr/>
-        <p:txBody>
-          <a:bodyPr/>
-          <a:lstStyle>
-            <a:lvl5pPr>
-              <a:defRPr/>
-            </a:lvl5pPr>
-          </a:lstStyle>
-          <a:p>
-            <a:pPr lvl="0"/>
-            <a:r>
-              <a:rPr lang="x-none" smtClean="0"/>
-              <a:t>Click to edit Master text styles</a:t>
-            </a:r>
-          </a:p>
-          <a:p>
-            <a:pPr lvl="1"/>
-            <a:r>
-              <a:rPr lang="x-none" smtClean="0"/>
-              <a:t>Second level</a:t>
-            </a:r>
-          </a:p>
-          <a:p>
-            <a:pPr lvl="2"/>
-            <a:r>
-              <a:rPr lang="x-none" smtClean="0"/>
-              <a:t>Third level</a:t>
-            </a:r>
-          </a:p>
-          <a:p>
-            <a:pPr lvl="3"/>
-            <a:r>
-              <a:rPr lang="x-none" smtClean="0"/>
-              <a:t>Fourth level</a:t>
-            </a:r>
-          </a:p>
-          <a:p>
-            <a:pPr lvl="4"/>
-            <a:r>
-              <a:rPr lang="x-none" smtClean="0"/>
-              <a:t>Fifth level</a:t>
-            </a:r>
-            <a:endParaRPr dirty="0"/>
-          </a:p>
-        </p:txBody>
-      </p:sp>
-      <p:sp>
-        <p:nvSpPr>
-          <p:cNvPr id="4" name="Date Placeholder 3"/>
-          <p:cNvSpPr>
-            <a:spLocks noGrp="1"/>
-          </p:cNvSpPr>
-          <p:nvPr>
-            <p:ph type="dt" sz="half" idx="10"/>
-          </p:nvPr>
-        </p:nvSpPr>
-        <p:spPr/>
-        <p:txBody>
-          <a:bodyPr/>
-          <a:lstStyle/>
-          <a:p>
-            <a:fld id="{251BE8C5-5F70-427A-B471-4B6EB4966070}" type="datetimeFigureOut">
-              <a:rPr lang="en-CA" smtClean="0"/>
-              <a:t>2014-08-12</a:t>
-            </a:fld>
-            <a:endParaRPr lang="en-CA"/>
-          </a:p>
-        </p:txBody>
-      </p:sp>
-      <p:sp>
-        <p:nvSpPr>
-          <p:cNvPr id="5" name="Footer Placeholder 4"/>
-          <p:cNvSpPr>
-            <a:spLocks noGrp="1"/>
-          </p:cNvSpPr>
-          <p:nvPr>
-            <p:ph type="ftr" sz="quarter" idx="11"/>
-          </p:nvPr>
-        </p:nvSpPr>
-        <p:spPr/>
-        <p:txBody>
-          <a:bodyPr/>
-          <a:lstStyle/>
-          <a:p>
-            <a:endParaRPr lang="en-CA"/>
-          </a:p>
-        </p:txBody>
-      </p:sp>
-      <p:sp>
-        <p:nvSpPr>
-          <p:cNvPr id="6" name="Slide Number Placeholder 5"/>
-          <p:cNvSpPr>
-            <a:spLocks noGrp="1"/>
-          </p:cNvSpPr>
-          <p:nvPr>
-            <p:ph type="sldNum" sz="quarter" idx="12"/>
-          </p:nvPr>
-        </p:nvSpPr>
-        <p:spPr/>
-        <p:txBody>
-          <a:bodyPr/>
-          <a:lstStyle/>
-          <a:p>
-            <a:fld id="{9702344B-8F62-4CFB-875C-81497291C361}" type="slidenum">
-              <a:rPr lang="en-CA" smtClean="0"/>
-              <a:t>‹#›</a:t>
-            </a:fld>
-            <a:endParaRPr lang="en-CA"/>
-          </a:p>
-        </p:txBody>
-      </p:sp>
-      <p:sp>
-        <p:nvSpPr>
-          <p:cNvPr id="9" name="TextBox 8"/>
-          <p:cNvSpPr txBox="1"/>
-          <p:nvPr/>
-        </p:nvSpPr>
-        <p:spPr>
-          <a:xfrm>
-            <a:off x="223185" y="228600"/>
-            <a:ext cx="260909" cy="553998"/>
-          </a:xfrm>
-          <a:prstGeom prst="rect">
-            <a:avLst/>
-          </a:prstGeom>
-          <a:noFill/>
-        </p:spPr>
-        <p:txBody>
-          <a:bodyPr wrap="square" lIns="0" tIns="0" rIns="0" bIns="0" rtlCol="0">
-            <a:spAutoFit/>
-          </a:bodyPr>
-          <a:lstStyle/>
-          <a:p>
-            <a:r>
-              <a:rPr sz="3600" b="1">
-                <a:solidFill>
-                  <a:schemeClr val="accent1">
-                    <a:lumMod val="60000"/>
-                    <a:lumOff val="40000"/>
-                  </a:schemeClr>
-                </a:solidFill>
-              </a:rPr>
-              <a:t>+</a:t>
-            </a:r>
-          </a:p>
-        </p:txBody>
-      </p:sp>
-      <p:sp>
-        <p:nvSpPr>
-          <p:cNvPr id="10" name="Rectangle 9"/>
-          <p:cNvSpPr/>
-          <p:nvPr/>
-        </p:nvSpPr>
-        <p:spPr>
-          <a:xfrm>
-            <a:off x="8068235" y="282574"/>
-            <a:ext cx="91440" cy="1600200"/>
-          </a:xfrm>
-          <a:prstGeom prst="rect">
-            <a:avLst/>
-          </a:prstGeom>
-          <a:solidFill>
-            <a:schemeClr val="accent3"/>
-          </a:solidFill>
-          <a:ln>
-            <a:noFill/>
-          </a:ln>
-        </p:spPr>
-        <p:style>
-          <a:lnRef idx="2">
-            <a:schemeClr val="accent1">
-              <a:shade val="50000"/>
-            </a:schemeClr>
-          </a:lnRef>
-          <a:fillRef idx="1">
-            <a:schemeClr val="accent1"/>
-          </a:fillRef>
-          <a:effectRef idx="0">
-            <a:schemeClr val="accent1"/>
-          </a:effectRef>
-          <a:fontRef idx="minor">
-            <a:schemeClr val="lt1"/>
-          </a:fontRef>
-        </p:style>
-        <p:txBody>
-          <a:bodyPr rtlCol="0" anchor="ctr"/>
-          <a:lstStyle/>
-          <a:p>
-            <a:pPr algn="ctr"/>
-            <a:endParaRPr/>
-          </a:p>
-        </p:txBody>
-      </p:sp>
-    </p:spTree>
-  </p:cSld>
-  <p:clrMapOvr>
-    <a:masterClrMapping/>
-  </p:clrMapOvr>
-</p:sldLayout>
-</file>
-
-<file path=ppt/slideLayouts/slideLayout34.xml><?xml version="1.0" encoding="utf-8"?>
-<p:sldLayout xmlns:a="http://schemas.openxmlformats.org/drawingml/2006/main" xmlns:r="http://schemas.openxmlformats.org/officeDocument/2006/relationships" xmlns:p="http://schemas.openxmlformats.org/presentationml/2006/main" preserve="1">
-  <p:cSld name="Title and Content, Alt.">
-    <p:spTree>
-      <p:nvGrpSpPr>
-        <p:cNvPr id="1" name=""/>
-        <p:cNvGrpSpPr/>
-        <p:nvPr/>
-      </p:nvGrpSpPr>
-      <p:grpSpPr>
-        <a:xfrm>
-          <a:off x="0" y="0"/>
-          <a:ext cx="0" cy="0"/>
-          <a:chOff x="0" y="0"/>
-          <a:chExt cx="0" cy="0"/>
-        </a:xfrm>
-      </p:grpSpPr>
-      <p:sp>
-        <p:nvSpPr>
-          <p:cNvPr id="7" name="Rectangle 6"/>
-          <p:cNvSpPr/>
-          <p:nvPr/>
-        </p:nvSpPr>
-        <p:spPr>
-          <a:xfrm>
-            <a:off x="8166847" y="282574"/>
-            <a:ext cx="685800" cy="1600200"/>
-          </a:xfrm>
-          <a:prstGeom prst="rect">
-            <a:avLst/>
-          </a:prstGeom>
-          <a:solidFill>
-            <a:schemeClr val="accent1"/>
-          </a:solidFill>
-          <a:ln>
-            <a:noFill/>
-          </a:ln>
-        </p:spPr>
-        <p:style>
-          <a:lnRef idx="2">
-            <a:schemeClr val="accent1">
-              <a:shade val="50000"/>
-            </a:schemeClr>
-          </a:lnRef>
-          <a:fillRef idx="1">
-            <a:schemeClr val="accent1"/>
-          </a:fillRef>
-          <a:effectRef idx="0">
-            <a:schemeClr val="accent1"/>
-          </a:effectRef>
-          <a:fontRef idx="minor">
-            <a:schemeClr val="lt1"/>
-          </a:fontRef>
-        </p:style>
-        <p:txBody>
-          <a:bodyPr rtlCol="0" anchor="ctr"/>
-          <a:lstStyle/>
-          <a:p>
-            <a:pPr algn="ctr"/>
-            <a:endParaRPr/>
-          </a:p>
-        </p:txBody>
-      </p:sp>
-      <p:sp>
-        <p:nvSpPr>
-          <p:cNvPr id="2" name="Title 1"/>
-          <p:cNvSpPr>
-            <a:spLocks noGrp="1"/>
-          </p:cNvSpPr>
-          <p:nvPr>
-            <p:ph type="title"/>
-          </p:nvPr>
-        </p:nvSpPr>
-        <p:spPr>
-          <a:xfrm>
-            <a:off x="498474" y="134471"/>
-            <a:ext cx="7556313" cy="995082"/>
-          </a:xfrm>
-        </p:spPr>
-        <p:txBody>
-          <a:bodyPr anchor="b" anchorCtr="0"/>
-          <a:lstStyle/>
-          <a:p>
-            <a:r>
-              <a:rPr lang="x-none" smtClean="0"/>
-              <a:t>Click to edit Master title style</a:t>
-            </a:r>
-            <a:endParaRPr/>
-          </a:p>
-        </p:txBody>
-      </p:sp>
-      <p:sp>
-        <p:nvSpPr>
-          <p:cNvPr id="3" name="Content Placeholder 2"/>
-          <p:cNvSpPr>
-            <a:spLocks noGrp="1"/>
-          </p:cNvSpPr>
-          <p:nvPr>
-            <p:ph idx="1"/>
-          </p:nvPr>
-        </p:nvSpPr>
-        <p:spPr/>
-        <p:txBody>
-          <a:bodyPr/>
-          <a:lstStyle>
-            <a:lvl5pPr>
-              <a:defRPr/>
-            </a:lvl5pPr>
-          </a:lstStyle>
-          <a:p>
-            <a:pPr lvl="0"/>
-            <a:r>
-              <a:rPr lang="x-none" smtClean="0"/>
-              <a:t>Click to edit Master text styles</a:t>
-            </a:r>
-          </a:p>
-          <a:p>
-            <a:pPr lvl="1"/>
-            <a:r>
-              <a:rPr lang="x-none" smtClean="0"/>
-              <a:t>Second level</a:t>
-            </a:r>
-          </a:p>
-          <a:p>
-            <a:pPr lvl="2"/>
-            <a:r>
-              <a:rPr lang="x-none" smtClean="0"/>
-              <a:t>Third level</a:t>
-            </a:r>
-          </a:p>
-          <a:p>
-            <a:pPr lvl="3"/>
-            <a:r>
-              <a:rPr lang="x-none" smtClean="0"/>
-              <a:t>Fourth level</a:t>
-            </a:r>
-          </a:p>
-          <a:p>
-            <a:pPr lvl="4"/>
-            <a:r>
-              <a:rPr lang="x-none" smtClean="0"/>
-              <a:t>Fifth level</a:t>
-            </a:r>
-            <a:endParaRPr dirty="0"/>
-          </a:p>
-        </p:txBody>
-      </p:sp>
-      <p:sp>
-        <p:nvSpPr>
-          <p:cNvPr id="4" name="Date Placeholder 3"/>
-          <p:cNvSpPr>
-            <a:spLocks noGrp="1"/>
-          </p:cNvSpPr>
-          <p:nvPr>
-            <p:ph type="dt" sz="half" idx="10"/>
-          </p:nvPr>
-        </p:nvSpPr>
-        <p:spPr/>
-        <p:txBody>
-          <a:bodyPr/>
-          <a:lstStyle/>
-          <a:p>
-            <a:fld id="{251BE8C5-5F70-427A-B471-4B6EB4966070}" type="datetimeFigureOut">
-              <a:rPr lang="en-CA" smtClean="0"/>
-              <a:t>2014-08-12</a:t>
-            </a:fld>
-            <a:endParaRPr lang="en-CA"/>
-          </a:p>
-        </p:txBody>
-      </p:sp>
-      <p:sp>
-        <p:nvSpPr>
-          <p:cNvPr id="5" name="Footer Placeholder 4"/>
-          <p:cNvSpPr>
-            <a:spLocks noGrp="1"/>
-          </p:cNvSpPr>
-          <p:nvPr>
-            <p:ph type="ftr" sz="quarter" idx="11"/>
-          </p:nvPr>
-        </p:nvSpPr>
-        <p:spPr/>
-        <p:txBody>
-          <a:bodyPr/>
-          <a:lstStyle/>
-          <a:p>
-            <a:endParaRPr lang="en-CA"/>
-          </a:p>
-        </p:txBody>
-      </p:sp>
-      <p:sp>
-        <p:nvSpPr>
-          <p:cNvPr id="6" name="Slide Number Placeholder 5"/>
-          <p:cNvSpPr>
-            <a:spLocks noGrp="1"/>
-          </p:cNvSpPr>
-          <p:nvPr>
-            <p:ph type="sldNum" sz="quarter" idx="12"/>
-          </p:nvPr>
-        </p:nvSpPr>
-        <p:spPr/>
-        <p:txBody>
-          <a:bodyPr/>
-          <a:lstStyle/>
-          <a:p>
-            <a:fld id="{9702344B-8F62-4CFB-875C-81497291C361}" type="slidenum">
-              <a:rPr lang="en-CA" smtClean="0"/>
-              <a:t>‹#›</a:t>
-            </a:fld>
-            <a:endParaRPr lang="en-CA"/>
-          </a:p>
-        </p:txBody>
-      </p:sp>
-      <p:sp>
-        <p:nvSpPr>
-          <p:cNvPr id="9" name="TextBox 8"/>
-          <p:cNvSpPr txBox="1"/>
-          <p:nvPr/>
-        </p:nvSpPr>
-        <p:spPr>
-          <a:xfrm>
-            <a:off x="223185" y="228600"/>
-            <a:ext cx="260909" cy="553998"/>
-          </a:xfrm>
-          <a:prstGeom prst="rect">
-            <a:avLst/>
-          </a:prstGeom>
-          <a:noFill/>
-        </p:spPr>
-        <p:txBody>
-          <a:bodyPr wrap="square" lIns="0" tIns="0" rIns="0" bIns="0" rtlCol="0">
-            <a:spAutoFit/>
-          </a:bodyPr>
-          <a:lstStyle/>
-          <a:p>
-            <a:r>
-              <a:rPr sz="3600" b="1">
-                <a:solidFill>
-                  <a:schemeClr val="accent1">
-                    <a:lumMod val="60000"/>
-                    <a:lumOff val="40000"/>
-                  </a:schemeClr>
-                </a:solidFill>
-              </a:rPr>
-              <a:t>+</a:t>
-            </a:r>
-          </a:p>
-        </p:txBody>
-      </p:sp>
-      <p:sp>
-        <p:nvSpPr>
-          <p:cNvPr id="10" name="Text Placeholder 3"/>
-          <p:cNvSpPr>
-            <a:spLocks noGrp="1"/>
-          </p:cNvSpPr>
-          <p:nvPr>
-            <p:ph type="body" sz="half" idx="2"/>
-          </p:nvPr>
-        </p:nvSpPr>
-        <p:spPr>
-          <a:xfrm>
-            <a:off x="498518" y="1129553"/>
-            <a:ext cx="7558960" cy="774700"/>
-          </a:xfrm>
-        </p:spPr>
-        <p:txBody>
-          <a:bodyPr vert="horz" lIns="91440" tIns="45720" rIns="91440" bIns="45720" rtlCol="0" anchor="t" anchorCtr="0">
-            <a:noAutofit/>
-          </a:bodyPr>
-          <a:lstStyle>
-            <a:lvl1pPr marL="0" indent="0">
-              <a:buNone/>
-              <a:defRPr kumimoji="0" sz="2400" b="0" i="0" u="none" strike="noStrike" kern="1200" cap="none" spc="0" normalizeH="0" baseline="0">
-                <a:ln>
-                  <a:noFill/>
-                </a:ln>
-                <a:solidFill>
-                  <a:schemeClr val="accent3"/>
-                </a:solidFill>
-                <a:effectLst/>
-                <a:uLnTx/>
-                <a:uFillTx/>
-                <a:latin typeface="+mj-lt"/>
-                <a:ea typeface="+mj-ea"/>
-                <a:cs typeface="+mj-cs"/>
-              </a:defRPr>
-            </a:lvl1pPr>
-            <a:lvl2pPr marL="457200" indent="0">
-              <a:buNone/>
-              <a:defRPr sz="1200"/>
-            </a:lvl2pPr>
-            <a:lvl3pPr marL="914400" indent="0">
-              <a:buNone/>
-              <a:defRPr sz="1000"/>
-            </a:lvl3pPr>
-            <a:lvl4pPr marL="1371600" indent="0">
-              <a:buNone/>
-              <a:defRPr sz="900"/>
-            </a:lvl4pPr>
-            <a:lvl5pPr marL="1828800" indent="0">
-              <a:buNone/>
-              <a:defRPr sz="900"/>
-            </a:lvl5pPr>
-            <a:lvl6pPr marL="2286000" indent="0">
-              <a:buNone/>
-              <a:defRPr sz="900"/>
-            </a:lvl6pPr>
-            <a:lvl7pPr marL="2743200" indent="0">
-              <a:buNone/>
-              <a:defRPr sz="900"/>
-            </a:lvl7pPr>
-            <a:lvl8pPr marL="3200400" indent="0">
-              <a:buNone/>
-              <a:defRPr sz="900"/>
-            </a:lvl8pPr>
-            <a:lvl9pPr marL="3657600" indent="0">
-              <a:buNone/>
-              <a:defRPr sz="900"/>
-            </a:lvl9pPr>
-          </a:lstStyle>
-          <a:p>
-            <a:pPr marL="0" marR="0" lvl="0" indent="0" algn="l" defTabSz="914400" rtl="0" eaLnBrk="1" fontAlgn="auto" latinLnBrk="0" hangingPunct="1">
-              <a:lnSpc>
-                <a:spcPct val="100000"/>
-              </a:lnSpc>
-              <a:spcBef>
-                <a:spcPct val="0"/>
-              </a:spcBef>
-              <a:spcAft>
-                <a:spcPts val="0"/>
-              </a:spcAft>
-              <a:buClrTx/>
-              <a:buSzTx/>
-              <a:buFontTx/>
-              <a:buNone/>
-              <a:tabLst/>
-              <a:defRPr/>
-            </a:pPr>
-            <a:r>
-              <a:rPr lang="x-none" smtClean="0"/>
-              <a:t>Click to edit Master text styles</a:t>
-            </a:r>
-          </a:p>
-        </p:txBody>
-      </p:sp>
-    </p:spTree>
-  </p:cSld>
-  <p:clrMapOvr>
-    <a:masterClrMapping/>
-  </p:clrMapOvr>
-</p:sldLayout>
-</file>
-
-<file path=ppt/slideLayouts/slideLayout35.xml><?xml version="1.0" encoding="utf-8"?>
-<p:sldLayout xmlns:a="http://schemas.openxmlformats.org/drawingml/2006/main" xmlns:r="http://schemas.openxmlformats.org/officeDocument/2006/relationships" xmlns:p="http://schemas.openxmlformats.org/presentationml/2006/main" preserve="1">
-  <p:cSld name="Title Slide with 2 Pictures">
-    <p:spTree>
-      <p:nvGrpSpPr>
-        <p:cNvPr id="1" name=""/>
-        <p:cNvGrpSpPr/>
-        <p:nvPr/>
-      </p:nvGrpSpPr>
-      <p:grpSpPr>
-        <a:xfrm>
-          <a:off x="0" y="0"/>
-          <a:ext cx="0" cy="0"/>
-          <a:chOff x="0" y="0"/>
-          <a:chExt cx="0" cy="0"/>
-        </a:xfrm>
-      </p:grpSpPr>
-      <p:sp>
-        <p:nvSpPr>
-          <p:cNvPr id="2" name="Title 1"/>
-          <p:cNvSpPr>
-            <a:spLocks noGrp="1"/>
-          </p:cNvSpPr>
-          <p:nvPr>
-            <p:ph type="ctrTitle"/>
-          </p:nvPr>
-        </p:nvSpPr>
-        <p:spPr>
-          <a:xfrm>
-            <a:off x="4800600" y="4624668"/>
-            <a:ext cx="4038600" cy="933450"/>
-          </a:xfrm>
-        </p:spPr>
-        <p:txBody>
-          <a:bodyPr>
-            <a:normAutofit/>
-          </a:bodyPr>
-          <a:lstStyle>
-            <a:lvl1pPr>
-              <a:defRPr sz="2800"/>
-            </a:lvl1pPr>
-          </a:lstStyle>
-          <a:p>
-            <a:r>
-              <a:rPr lang="x-none" smtClean="0"/>
-              <a:t>Click to edit Master title style</a:t>
-            </a:r>
-            <a:endParaRPr/>
-          </a:p>
-        </p:txBody>
-      </p:sp>
-      <p:sp>
-        <p:nvSpPr>
-          <p:cNvPr id="3" name="Subtitle 2"/>
-          <p:cNvSpPr>
-            <a:spLocks noGrp="1"/>
-          </p:cNvSpPr>
-          <p:nvPr>
-            <p:ph type="subTitle" idx="1"/>
-          </p:nvPr>
-        </p:nvSpPr>
-        <p:spPr>
-          <a:xfrm>
-            <a:off x="4800600" y="5562599"/>
-            <a:ext cx="4038600" cy="748553"/>
-          </a:xfrm>
-        </p:spPr>
-        <p:txBody>
-          <a:bodyPr>
-            <a:normAutofit/>
-          </a:bodyPr>
-          <a:lstStyle>
-            <a:lvl1pPr marL="0" indent="0" algn="l">
-              <a:spcBef>
-                <a:spcPts val="300"/>
-              </a:spcBef>
-              <a:buNone/>
-              <a:defRPr sz="1400">
-                <a:solidFill>
-                  <a:schemeClr val="tx1">
-                    <a:tint val="75000"/>
-                  </a:schemeClr>
-                </a:solidFill>
-              </a:defRPr>
-            </a:lvl1pPr>
-            <a:lvl2pPr marL="457200" indent="0" algn="ctr">
-              <a:buNone/>
-              <a:defRPr>
-                <a:solidFill>
-                  <a:schemeClr val="tx1">
-                    <a:tint val="75000"/>
-                  </a:schemeClr>
-                </a:solidFill>
-              </a:defRPr>
-            </a:lvl2pPr>
-            <a:lvl3pPr marL="914400" indent="0" algn="ctr">
-              <a:buNone/>
-              <a:defRPr>
-                <a:solidFill>
-                  <a:schemeClr val="tx1">
-                    <a:tint val="75000"/>
-                  </a:schemeClr>
-                </a:solidFill>
-              </a:defRPr>
-            </a:lvl3pPr>
-            <a:lvl4pPr marL="1371600" indent="0" algn="ctr">
-              <a:buNone/>
-              <a:defRPr>
-                <a:solidFill>
-                  <a:schemeClr val="tx1">
-                    <a:tint val="75000"/>
-                  </a:schemeClr>
-                </a:solidFill>
-              </a:defRPr>
-            </a:lvl4pPr>
-            <a:lvl5pPr marL="1828800" indent="0" algn="ctr">
-              <a:buNone/>
-              <a:defRPr>
-                <a:solidFill>
-                  <a:schemeClr val="tx1">
-                    <a:tint val="75000"/>
-                  </a:schemeClr>
-                </a:solidFill>
-              </a:defRPr>
-            </a:lvl5pPr>
-            <a:lvl6pPr marL="2286000" indent="0" algn="ctr">
-              <a:buNone/>
-              <a:defRPr>
-                <a:solidFill>
-                  <a:schemeClr val="tx1">
-                    <a:tint val="75000"/>
-                  </a:schemeClr>
-                </a:solidFill>
-              </a:defRPr>
-            </a:lvl6pPr>
-            <a:lvl7pPr marL="2743200" indent="0" algn="ctr">
-              <a:buNone/>
-              <a:defRPr>
-                <a:solidFill>
-                  <a:schemeClr val="tx1">
-                    <a:tint val="75000"/>
-                  </a:schemeClr>
-                </a:solidFill>
-              </a:defRPr>
-            </a:lvl7pPr>
-            <a:lvl8pPr marL="3200400" indent="0" algn="ctr">
-              <a:buNone/>
-              <a:defRPr>
-                <a:solidFill>
-                  <a:schemeClr val="tx1">
-                    <a:tint val="75000"/>
-                  </a:schemeClr>
-                </a:solidFill>
-              </a:defRPr>
-            </a:lvl8pPr>
-            <a:lvl9pPr marL="3657600" indent="0" algn="ctr">
-              <a:buNone/>
-              <a:defRPr>
-                <a:solidFill>
-                  <a:schemeClr val="tx1">
-                    <a:tint val="75000"/>
-                  </a:schemeClr>
-                </a:solidFill>
-              </a:defRPr>
-            </a:lvl9pPr>
-          </a:lstStyle>
-          <a:p>
-            <a:r>
-              <a:rPr lang="x-none" smtClean="0"/>
-              <a:t>Click to edit Master subtitle style</a:t>
-            </a:r>
-            <a:endParaRPr dirty="0"/>
-          </a:p>
-        </p:txBody>
-      </p:sp>
-      <p:sp>
-        <p:nvSpPr>
-          <p:cNvPr id="4" name="Date Placeholder 3"/>
-          <p:cNvSpPr>
-            <a:spLocks noGrp="1"/>
-          </p:cNvSpPr>
-          <p:nvPr>
-            <p:ph type="dt" sz="half" idx="10"/>
-          </p:nvPr>
-        </p:nvSpPr>
-        <p:spPr>
-          <a:xfrm>
-            <a:off x="4800600" y="6425640"/>
-            <a:ext cx="1232647" cy="365125"/>
-          </a:xfrm>
-        </p:spPr>
-        <p:txBody>
-          <a:bodyPr/>
-          <a:lstStyle>
-            <a:lvl1pPr algn="l">
-              <a:defRPr/>
-            </a:lvl1pPr>
-          </a:lstStyle>
-          <a:p>
-            <a:fld id="{251BE8C5-5F70-427A-B471-4B6EB4966070}" type="datetimeFigureOut">
-              <a:rPr lang="en-CA" smtClean="0"/>
-              <a:t>2014-08-12</a:t>
-            </a:fld>
-            <a:endParaRPr lang="en-CA"/>
-          </a:p>
-        </p:txBody>
-      </p:sp>
-      <p:sp>
-        <p:nvSpPr>
-          <p:cNvPr id="5" name="Footer Placeholder 4"/>
-          <p:cNvSpPr>
-            <a:spLocks noGrp="1"/>
-          </p:cNvSpPr>
-          <p:nvPr>
-            <p:ph type="ftr" sz="quarter" idx="11"/>
-          </p:nvPr>
-        </p:nvSpPr>
-        <p:spPr>
-          <a:xfrm>
-            <a:off x="6311153" y="6425640"/>
-            <a:ext cx="2617694" cy="365125"/>
-          </a:xfrm>
-        </p:spPr>
-        <p:txBody>
-          <a:bodyPr/>
-          <a:lstStyle>
-            <a:lvl1pPr algn="r">
-              <a:defRPr/>
-            </a:lvl1pPr>
-          </a:lstStyle>
-          <a:p>
-            <a:endParaRPr lang="en-CA"/>
-          </a:p>
-        </p:txBody>
-      </p:sp>
-      <p:sp>
-        <p:nvSpPr>
-          <p:cNvPr id="7" name="Rectangle 6"/>
-          <p:cNvSpPr/>
-          <p:nvPr/>
-        </p:nvSpPr>
-        <p:spPr>
-          <a:xfrm>
-            <a:off x="282575" y="228600"/>
-            <a:ext cx="4235450" cy="4187952"/>
-          </a:xfrm>
-          <a:prstGeom prst="rect">
-            <a:avLst/>
-          </a:prstGeom>
-          <a:solidFill>
-            <a:schemeClr val="accent1"/>
-          </a:solidFill>
-          <a:ln>
-            <a:noFill/>
-          </a:ln>
-        </p:spPr>
-        <p:style>
-          <a:lnRef idx="2">
-            <a:schemeClr val="accent1">
-              <a:shade val="50000"/>
-            </a:schemeClr>
-          </a:lnRef>
-          <a:fillRef idx="1">
-            <a:schemeClr val="accent1"/>
-          </a:fillRef>
-          <a:effectRef idx="0">
-            <a:schemeClr val="accent1"/>
-          </a:effectRef>
-          <a:fontRef idx="minor">
-            <a:schemeClr val="lt1"/>
-          </a:fontRef>
-        </p:style>
-        <p:txBody>
-          <a:bodyPr rtlCol="0" anchor="ctr"/>
-          <a:lstStyle/>
-          <a:p>
-            <a:pPr algn="ctr"/>
-            <a:endParaRPr/>
-          </a:p>
-        </p:txBody>
-      </p:sp>
-      <p:sp>
-        <p:nvSpPr>
-          <p:cNvPr id="8" name="Rectangle 7"/>
-          <p:cNvSpPr/>
-          <p:nvPr/>
-        </p:nvSpPr>
-        <p:spPr>
-          <a:xfrm>
-            <a:off x="6802438" y="228600"/>
-            <a:ext cx="2057400" cy="2039112"/>
-          </a:xfrm>
-          <a:prstGeom prst="rect">
-            <a:avLst/>
-          </a:prstGeom>
-          <a:solidFill>
-            <a:schemeClr val="accent3"/>
-          </a:solidFill>
-          <a:ln>
-            <a:noFill/>
-          </a:ln>
-        </p:spPr>
-        <p:style>
-          <a:lnRef idx="2">
-            <a:schemeClr val="accent1">
-              <a:shade val="50000"/>
-            </a:schemeClr>
-          </a:lnRef>
-          <a:fillRef idx="1">
-            <a:schemeClr val="accent1"/>
-          </a:fillRef>
-          <a:effectRef idx="0">
-            <a:schemeClr val="accent1"/>
-          </a:effectRef>
-          <a:fontRef idx="minor">
-            <a:schemeClr val="lt1"/>
-          </a:fontRef>
-        </p:style>
-        <p:txBody>
-          <a:bodyPr rtlCol="0" anchor="ctr"/>
-          <a:lstStyle/>
-          <a:p>
-            <a:pPr algn="ctr"/>
-            <a:endParaRPr/>
-          </a:p>
-        </p:txBody>
-      </p:sp>
-      <p:sp>
-        <p:nvSpPr>
-          <p:cNvPr id="10" name="Rectangle 9"/>
-          <p:cNvSpPr/>
-          <p:nvPr/>
-        </p:nvSpPr>
-        <p:spPr>
-          <a:xfrm>
-            <a:off x="4624388" y="2377440"/>
-            <a:ext cx="2057400" cy="2039112"/>
-          </a:xfrm>
-          <a:prstGeom prst="rect">
-            <a:avLst/>
-          </a:prstGeom>
-          <a:solidFill>
-            <a:schemeClr val="accent4"/>
-          </a:solidFill>
-          <a:ln>
-            <a:noFill/>
-          </a:ln>
-        </p:spPr>
-        <p:style>
-          <a:lnRef idx="2">
-            <a:schemeClr val="accent1">
-              <a:shade val="50000"/>
-            </a:schemeClr>
-          </a:lnRef>
-          <a:fillRef idx="1">
-            <a:schemeClr val="accent1"/>
-          </a:fillRef>
-          <a:effectRef idx="0">
-            <a:schemeClr val="accent1"/>
-          </a:effectRef>
-          <a:fontRef idx="minor">
-            <a:schemeClr val="lt1"/>
-          </a:fontRef>
-        </p:style>
-        <p:txBody>
-          <a:bodyPr rtlCol="0" anchor="ctr"/>
-          <a:lstStyle/>
-          <a:p>
-            <a:pPr algn="ctr"/>
-            <a:endParaRPr/>
-          </a:p>
-        </p:txBody>
-      </p:sp>
-      <p:sp>
-        <p:nvSpPr>
-          <p:cNvPr id="13" name="Picture Placeholder 12"/>
-          <p:cNvSpPr>
-            <a:spLocks noGrp="1"/>
-          </p:cNvSpPr>
-          <p:nvPr>
-            <p:ph type="pic" sz="quarter" idx="12"/>
-          </p:nvPr>
-        </p:nvSpPr>
-        <p:spPr>
-          <a:xfrm>
-            <a:off x="4624388" y="228600"/>
-            <a:ext cx="2057400" cy="2039112"/>
-          </a:xfrm>
-        </p:spPr>
-        <p:txBody>
-          <a:bodyPr/>
-          <a:lstStyle>
-            <a:lvl1pPr>
-              <a:buNone/>
-              <a:defRPr/>
-            </a:lvl1pPr>
-          </a:lstStyle>
-          <a:p>
-            <a:r>
-              <a:rPr lang="x-none" smtClean="0"/>
-              <a:t>Drag picture to placeholder or click icon to add</a:t>
-            </a:r>
-            <a:endParaRPr/>
-          </a:p>
-        </p:txBody>
-      </p:sp>
-      <p:sp>
-        <p:nvSpPr>
-          <p:cNvPr id="14" name="Picture Placeholder 12"/>
-          <p:cNvSpPr>
-            <a:spLocks noGrp="1"/>
-          </p:cNvSpPr>
-          <p:nvPr>
-            <p:ph type="pic" sz="quarter" idx="13"/>
-          </p:nvPr>
-        </p:nvSpPr>
-        <p:spPr>
-          <a:xfrm>
-            <a:off x="6802438" y="2377440"/>
-            <a:ext cx="2057400" cy="2039112"/>
-          </a:xfrm>
-        </p:spPr>
-        <p:txBody>
-          <a:bodyPr/>
-          <a:lstStyle>
-            <a:lvl1pPr>
-              <a:buNone/>
-              <a:defRPr/>
-            </a:lvl1pPr>
-          </a:lstStyle>
-          <a:p>
-            <a:r>
-              <a:rPr lang="x-none" smtClean="0"/>
-              <a:t>Drag picture to placeholder or click icon to add</a:t>
-            </a:r>
-            <a:endParaRPr/>
-          </a:p>
-        </p:txBody>
-      </p:sp>
-      <p:sp>
-        <p:nvSpPr>
-          <p:cNvPr id="16" name="Text Placeholder 3"/>
-          <p:cNvSpPr>
-            <a:spLocks noGrp="1"/>
-          </p:cNvSpPr>
-          <p:nvPr>
-            <p:ph type="body" sz="half" idx="2"/>
-          </p:nvPr>
-        </p:nvSpPr>
-        <p:spPr>
-          <a:xfrm>
-            <a:off x="857250" y="1779494"/>
-            <a:ext cx="3086100" cy="2040905"/>
-          </a:xfrm>
-        </p:spPr>
-        <p:txBody>
-          <a:bodyPr lIns="45720" tIns="45720" rIns="45720" anchor="t">
-            <a:noAutofit/>
-          </a:bodyPr>
-          <a:lstStyle>
-            <a:lvl1pPr marL="0" indent="0" algn="ctr">
-              <a:spcBef>
-                <a:spcPts val="600"/>
-              </a:spcBef>
-              <a:buNone/>
-              <a:defRPr sz="4600">
-                <a:solidFill>
-                  <a:schemeClr val="bg1"/>
-                </a:solidFill>
-              </a:defRPr>
-            </a:lvl1pPr>
-            <a:lvl2pPr>
-              <a:defRPr sz="1200"/>
-            </a:lvl2pPr>
-            <a:lvl3pPr>
-              <a:defRPr sz="1000"/>
-            </a:lvl3pPr>
-            <a:lvl4pPr>
-              <a:defRPr sz="900"/>
-            </a:lvl4pPr>
-            <a:lvl5pPr>
-              <a:defRPr sz="900"/>
-            </a:lvl5pPr>
-          </a:lstStyle>
-          <a:p>
-            <a:pPr lvl="0" eaLnBrk="1" latinLnBrk="0" hangingPunct="1"/>
-            <a:r>
-              <a:rPr kumimoji="0" lang="x-none" smtClean="0"/>
-              <a:t>Click to edit Master text styles</a:t>
-            </a:r>
-          </a:p>
-        </p:txBody>
-      </p:sp>
-      <p:sp>
-        <p:nvSpPr>
-          <p:cNvPr id="15" name="TextBox 14"/>
-          <p:cNvSpPr txBox="1"/>
-          <p:nvPr/>
-        </p:nvSpPr>
-        <p:spPr>
-          <a:xfrm>
-            <a:off x="424891" y="174812"/>
-            <a:ext cx="413309" cy="830997"/>
-          </a:xfrm>
-          <a:prstGeom prst="rect">
-            <a:avLst/>
-          </a:prstGeom>
-          <a:noFill/>
-        </p:spPr>
-        <p:txBody>
-          <a:bodyPr wrap="square" lIns="0" tIns="0" rIns="0" bIns="0" rtlCol="0">
-            <a:spAutoFit/>
-          </a:bodyPr>
-          <a:lstStyle/>
-          <a:p>
-            <a:r>
-              <a:rPr sz="5400" b="1">
-                <a:solidFill>
-                  <a:schemeClr val="accent1">
-                    <a:lumMod val="60000"/>
-                    <a:lumOff val="40000"/>
-                  </a:schemeClr>
-                </a:solidFill>
-              </a:rPr>
-              <a:t>+</a:t>
-            </a:r>
-          </a:p>
-        </p:txBody>
-      </p:sp>
-    </p:spTree>
-  </p:cSld>
-  <p:clrMapOvr>
-    <a:masterClrMapping/>
-  </p:clrMapOvr>
-</p:sldLayout>
-</file>
-
-<file path=ppt/slideLayouts/slideLayout36.xml><?xml version="1.0" encoding="utf-8"?>
-<p:sldLayout xmlns:a="http://schemas.openxmlformats.org/drawingml/2006/main" xmlns:r="http://schemas.openxmlformats.org/officeDocument/2006/relationships" xmlns:p="http://schemas.openxmlformats.org/presentationml/2006/main" type="secHead" preserve="1">
-  <p:cSld name="Section Header">
-    <p:spTree>
-      <p:nvGrpSpPr>
-        <p:cNvPr id="1" name=""/>
-        <p:cNvGrpSpPr/>
-        <p:nvPr/>
-      </p:nvGrpSpPr>
-      <p:grpSpPr>
-        <a:xfrm>
-          <a:off x="0" y="0"/>
-          <a:ext cx="0" cy="0"/>
-          <a:chOff x="0" y="0"/>
-          <a:chExt cx="0" cy="0"/>
-        </a:xfrm>
-      </p:grpSpPr>
-      <p:sp>
-        <p:nvSpPr>
-          <p:cNvPr id="7" name="Rectangle 6"/>
-          <p:cNvSpPr/>
-          <p:nvPr/>
-        </p:nvSpPr>
-        <p:spPr>
-          <a:xfrm>
-            <a:off x="658907" y="228600"/>
-            <a:ext cx="8200930" cy="6345238"/>
-          </a:xfrm>
-          <a:prstGeom prst="rect">
-            <a:avLst/>
-          </a:prstGeom>
-          <a:solidFill>
-            <a:schemeClr val="accent1"/>
-          </a:solidFill>
-          <a:ln>
-            <a:noFill/>
-          </a:ln>
-        </p:spPr>
-        <p:style>
-          <a:lnRef idx="2">
-            <a:schemeClr val="accent1">
-              <a:shade val="50000"/>
-            </a:schemeClr>
-          </a:lnRef>
-          <a:fillRef idx="1">
-            <a:schemeClr val="accent1"/>
-          </a:fillRef>
-          <a:effectRef idx="0">
-            <a:schemeClr val="accent1"/>
-          </a:effectRef>
-          <a:fontRef idx="minor">
-            <a:schemeClr val="lt1"/>
-          </a:fontRef>
-        </p:style>
-        <p:txBody>
-          <a:bodyPr rtlCol="0" anchor="ctr"/>
-          <a:lstStyle/>
-          <a:p>
-            <a:pPr algn="ctr"/>
-            <a:endParaRPr/>
-          </a:p>
-        </p:txBody>
-      </p:sp>
-      <p:sp>
-        <p:nvSpPr>
-          <p:cNvPr id="2" name="Title 1"/>
-          <p:cNvSpPr>
-            <a:spLocks noGrp="1"/>
-          </p:cNvSpPr>
-          <p:nvPr>
-            <p:ph type="title"/>
-          </p:nvPr>
-        </p:nvSpPr>
-        <p:spPr>
-          <a:xfrm>
-            <a:off x="2286000" y="3124200"/>
-            <a:ext cx="5638800" cy="1362075"/>
-          </a:xfrm>
-        </p:spPr>
-        <p:txBody>
-          <a:bodyPr anchor="b" anchorCtr="0">
-            <a:normAutofit/>
-          </a:bodyPr>
-          <a:lstStyle>
-            <a:lvl1pPr algn="l">
-              <a:defRPr sz="3200" b="0" cap="none" baseline="0">
-                <a:solidFill>
-                  <a:schemeClr val="bg1"/>
-                </a:solidFill>
-              </a:defRPr>
-            </a:lvl1pPr>
-          </a:lstStyle>
-          <a:p>
-            <a:r>
-              <a:rPr lang="x-none" smtClean="0"/>
-              <a:t>Click to edit Master title style</a:t>
-            </a:r>
-            <a:endParaRPr/>
-          </a:p>
-        </p:txBody>
-      </p:sp>
-      <p:sp>
-        <p:nvSpPr>
-          <p:cNvPr id="3" name="Text Placeholder 2"/>
-          <p:cNvSpPr>
-            <a:spLocks noGrp="1"/>
-          </p:cNvSpPr>
-          <p:nvPr>
-            <p:ph type="body" idx="1"/>
-          </p:nvPr>
-        </p:nvSpPr>
-        <p:spPr>
-          <a:xfrm>
-            <a:off x="2286000" y="4495800"/>
-            <a:ext cx="5638800" cy="1500187"/>
-          </a:xfrm>
-        </p:spPr>
-        <p:txBody>
-          <a:bodyPr anchor="t" anchorCtr="0">
-            <a:normAutofit/>
-          </a:bodyPr>
-          <a:lstStyle>
-            <a:lvl1pPr marL="0" indent="0">
-              <a:spcBef>
-                <a:spcPts val="300"/>
-              </a:spcBef>
-              <a:buNone/>
-              <a:defRPr sz="1400" cap="none" baseline="0">
-                <a:solidFill>
-                  <a:schemeClr val="bg1"/>
-                </a:solidFill>
-              </a:defRPr>
-            </a:lvl1pPr>
-            <a:lvl2pPr marL="457200" indent="0">
-              <a:buNone/>
-              <a:defRPr sz="1800">
-                <a:solidFill>
-                  <a:schemeClr val="tx1">
-                    <a:tint val="75000"/>
-                  </a:schemeClr>
-                </a:solidFill>
-              </a:defRPr>
-            </a:lvl2pPr>
-            <a:lvl3pPr marL="914400" indent="0">
-              <a:buNone/>
-              <a:defRPr sz="1600">
-                <a:solidFill>
-                  <a:schemeClr val="tx1">
-                    <a:tint val="75000"/>
-                  </a:schemeClr>
-                </a:solidFill>
-              </a:defRPr>
-            </a:lvl3pPr>
-            <a:lvl4pPr marL="1371600" indent="0">
-              <a:buNone/>
-              <a:defRPr sz="1400">
-                <a:solidFill>
-                  <a:schemeClr val="tx1">
-                    <a:tint val="75000"/>
-                  </a:schemeClr>
-                </a:solidFill>
-              </a:defRPr>
-            </a:lvl4pPr>
-            <a:lvl5pPr marL="1828800" indent="0">
-              <a:buNone/>
-              <a:defRPr sz="1400">
-                <a:solidFill>
-                  <a:schemeClr val="tx1">
-                    <a:tint val="75000"/>
-                  </a:schemeClr>
-                </a:solidFill>
-              </a:defRPr>
-            </a:lvl5pPr>
-            <a:lvl6pPr marL="2286000" indent="0">
-              <a:buNone/>
-              <a:defRPr sz="1400">
-                <a:solidFill>
-                  <a:schemeClr val="tx1">
-                    <a:tint val="75000"/>
-                  </a:schemeClr>
-                </a:solidFill>
-              </a:defRPr>
-            </a:lvl6pPr>
-            <a:lvl7pPr marL="2743200" indent="0">
-              <a:buNone/>
-              <a:defRPr sz="1400">
-                <a:solidFill>
-                  <a:schemeClr val="tx1">
-                    <a:tint val="75000"/>
-                  </a:schemeClr>
-                </a:solidFill>
-              </a:defRPr>
-            </a:lvl7pPr>
-            <a:lvl8pPr marL="3200400" indent="0">
-              <a:buNone/>
-              <a:defRPr sz="1400">
-                <a:solidFill>
-                  <a:schemeClr val="tx1">
-                    <a:tint val="75000"/>
-                  </a:schemeClr>
-                </a:solidFill>
-              </a:defRPr>
-            </a:lvl8pPr>
-            <a:lvl9pPr marL="3657600" indent="0">
-              <a:buNone/>
-              <a:defRPr sz="1400">
-                <a:solidFill>
-                  <a:schemeClr val="tx1">
-                    <a:tint val="75000"/>
-                  </a:schemeClr>
-                </a:solidFill>
-              </a:defRPr>
-            </a:lvl9pPr>
-          </a:lstStyle>
-          <a:p>
-            <a:pPr lvl="0"/>
-            <a:r>
-              <a:rPr lang="x-none" smtClean="0"/>
-              <a:t>Click to edit Master text styles</a:t>
-            </a:r>
-          </a:p>
-        </p:txBody>
-      </p:sp>
-      <p:sp>
-        <p:nvSpPr>
-          <p:cNvPr id="4" name="Date Placeholder 3"/>
-          <p:cNvSpPr>
-            <a:spLocks noGrp="1"/>
-          </p:cNvSpPr>
-          <p:nvPr>
-            <p:ph type="dt" sz="half" idx="10"/>
-          </p:nvPr>
-        </p:nvSpPr>
-        <p:spPr>
-          <a:xfrm>
-            <a:off x="658906" y="6248774"/>
-            <a:ext cx="1474694" cy="365125"/>
-          </a:xfrm>
-        </p:spPr>
-        <p:txBody>
-          <a:bodyPr/>
-          <a:lstStyle>
-            <a:lvl1pPr algn="l">
-              <a:defRPr>
-                <a:solidFill>
-                  <a:schemeClr val="bg1"/>
-                </a:solidFill>
-              </a:defRPr>
-            </a:lvl1pPr>
-          </a:lstStyle>
-          <a:p>
-            <a:fld id="{251BE8C5-5F70-427A-B471-4B6EB4966070}" type="datetimeFigureOut">
-              <a:rPr lang="en-CA" smtClean="0"/>
-              <a:t>2014-08-12</a:t>
-            </a:fld>
-            <a:endParaRPr lang="en-CA"/>
-          </a:p>
-        </p:txBody>
-      </p:sp>
-      <p:sp>
-        <p:nvSpPr>
-          <p:cNvPr id="5" name="Footer Placeholder 4"/>
-          <p:cNvSpPr>
-            <a:spLocks noGrp="1"/>
-          </p:cNvSpPr>
-          <p:nvPr>
-            <p:ph type="ftr" sz="quarter" idx="11"/>
-          </p:nvPr>
-        </p:nvSpPr>
-        <p:spPr>
-          <a:xfrm>
-            <a:off x="2286000" y="6248774"/>
-            <a:ext cx="5638800" cy="365125"/>
-          </a:xfrm>
-        </p:spPr>
-        <p:txBody>
-          <a:bodyPr/>
-          <a:lstStyle>
-            <a:lvl1pPr>
-              <a:defRPr>
-                <a:solidFill>
-                  <a:schemeClr val="bg1"/>
-                </a:solidFill>
-              </a:defRPr>
-            </a:lvl1pPr>
-          </a:lstStyle>
-          <a:p>
-            <a:endParaRPr lang="en-CA"/>
-          </a:p>
-        </p:txBody>
-      </p:sp>
-      <p:sp>
-        <p:nvSpPr>
-          <p:cNvPr id="6" name="Slide Number Placeholder 5"/>
-          <p:cNvSpPr>
-            <a:spLocks noGrp="1"/>
-          </p:cNvSpPr>
-          <p:nvPr>
-            <p:ph type="sldNum" sz="quarter" idx="12"/>
-          </p:nvPr>
-        </p:nvSpPr>
-        <p:spPr>
-          <a:xfrm>
-            <a:off x="8305800" y="6248774"/>
-            <a:ext cx="554038" cy="365125"/>
-          </a:xfrm>
-        </p:spPr>
-        <p:txBody>
-          <a:bodyPr/>
-          <a:lstStyle/>
-          <a:p>
-            <a:fld id="{9702344B-8F62-4CFB-875C-81497291C361}" type="slidenum">
-              <a:rPr lang="en-CA" smtClean="0"/>
-              <a:t>‹#›</a:t>
-            </a:fld>
-            <a:endParaRPr lang="en-CA"/>
-          </a:p>
-        </p:txBody>
-      </p:sp>
-      <p:sp>
-        <p:nvSpPr>
-          <p:cNvPr id="8" name="TextBox 7"/>
-          <p:cNvSpPr txBox="1"/>
-          <p:nvPr/>
-        </p:nvSpPr>
-        <p:spPr>
-          <a:xfrm>
-            <a:off x="2003612" y="3110754"/>
-            <a:ext cx="260909" cy="615553"/>
-          </a:xfrm>
-          <a:prstGeom prst="rect">
-            <a:avLst/>
-          </a:prstGeom>
-          <a:noFill/>
-        </p:spPr>
-        <p:txBody>
-          <a:bodyPr wrap="square" lIns="0" tIns="0" rIns="0" bIns="0" rtlCol="0">
-            <a:spAutoFit/>
-          </a:bodyPr>
-          <a:lstStyle/>
-          <a:p>
-            <a:r>
-              <a:rPr sz="4000" b="1">
-                <a:solidFill>
-                  <a:schemeClr val="accent1">
-                    <a:lumMod val="60000"/>
-                    <a:lumOff val="40000"/>
-                  </a:schemeClr>
-                </a:solidFill>
-              </a:rPr>
-              <a:t>+</a:t>
-            </a:r>
-          </a:p>
-        </p:txBody>
-      </p:sp>
-      <p:sp>
-        <p:nvSpPr>
-          <p:cNvPr id="9" name="Rectangle 8"/>
-          <p:cNvSpPr/>
-          <p:nvPr/>
-        </p:nvSpPr>
-        <p:spPr>
-          <a:xfrm>
-            <a:off x="285750" y="228600"/>
-            <a:ext cx="212725" cy="6345238"/>
-          </a:xfrm>
-          <a:prstGeom prst="rect">
-            <a:avLst/>
-          </a:prstGeom>
-          <a:solidFill>
-            <a:schemeClr val="accent4"/>
-          </a:solidFill>
-          <a:ln>
-            <a:noFill/>
-          </a:ln>
-        </p:spPr>
-        <p:style>
-          <a:lnRef idx="2">
-            <a:schemeClr val="accent1">
-              <a:shade val="50000"/>
-            </a:schemeClr>
-          </a:lnRef>
-          <a:fillRef idx="1">
-            <a:schemeClr val="accent1"/>
-          </a:fillRef>
-          <a:effectRef idx="0">
-            <a:schemeClr val="accent1"/>
-          </a:effectRef>
-          <a:fontRef idx="minor">
-            <a:schemeClr val="lt1"/>
-          </a:fontRef>
-        </p:style>
-        <p:txBody>
-          <a:bodyPr rtlCol="0" anchor="ctr"/>
-          <a:lstStyle/>
-          <a:p>
-            <a:pPr algn="ctr"/>
-            <a:endParaRPr/>
-          </a:p>
-        </p:txBody>
-      </p:sp>
-    </p:spTree>
-  </p:cSld>
-  <p:clrMapOvr>
-    <a:masterClrMapping/>
-  </p:clrMapOvr>
-</p:sldLayout>
-</file>
-
-<file path=ppt/slideLayouts/slideLayout37.xml><?xml version="1.0" encoding="utf-8"?>
-<p:sldLayout xmlns:a="http://schemas.openxmlformats.org/drawingml/2006/main" xmlns:r="http://schemas.openxmlformats.org/officeDocument/2006/relationships" xmlns:p="http://schemas.openxmlformats.org/presentationml/2006/main" preserve="1">
-  <p:cSld name="Two Content">
-    <p:spTree>
-      <p:nvGrpSpPr>
-        <p:cNvPr id="1" name=""/>
-        <p:cNvGrpSpPr/>
-        <p:nvPr/>
-      </p:nvGrpSpPr>
-      <p:grpSpPr>
-        <a:xfrm>
-          <a:off x="0" y="0"/>
-          <a:ext cx="0" cy="0"/>
-          <a:chOff x="0" y="0"/>
-          <a:chExt cx="0" cy="0"/>
-        </a:xfrm>
-      </p:grpSpPr>
-      <p:sp>
-        <p:nvSpPr>
-          <p:cNvPr id="11" name="Rectangle 10"/>
-          <p:cNvSpPr/>
-          <p:nvPr/>
-        </p:nvSpPr>
-        <p:spPr>
-          <a:xfrm>
-            <a:off x="8210550" y="282574"/>
-            <a:ext cx="642097" cy="1600200"/>
-          </a:xfrm>
-          <a:prstGeom prst="rect">
-            <a:avLst/>
-          </a:prstGeom>
-          <a:solidFill>
-            <a:schemeClr val="accent1"/>
-          </a:solidFill>
-          <a:ln>
-            <a:noFill/>
-          </a:ln>
-        </p:spPr>
-        <p:style>
-          <a:lnRef idx="2">
-            <a:schemeClr val="accent1">
-              <a:shade val="50000"/>
-            </a:schemeClr>
-          </a:lnRef>
-          <a:fillRef idx="1">
-            <a:schemeClr val="accent1"/>
-          </a:fillRef>
-          <a:effectRef idx="0">
-            <a:schemeClr val="accent1"/>
-          </a:effectRef>
-          <a:fontRef idx="minor">
-            <a:schemeClr val="lt1"/>
-          </a:fontRef>
-        </p:style>
-        <p:txBody>
-          <a:bodyPr rtlCol="0" anchor="ctr"/>
-          <a:lstStyle/>
-          <a:p>
-            <a:pPr algn="ctr"/>
-            <a:endParaRPr/>
-          </a:p>
-        </p:txBody>
-      </p:sp>
-      <p:sp>
-        <p:nvSpPr>
-          <p:cNvPr id="12" name="Rectangle 11"/>
-          <p:cNvSpPr/>
-          <p:nvPr/>
-        </p:nvSpPr>
-        <p:spPr>
-          <a:xfrm>
-            <a:off x="8068235" y="282574"/>
-            <a:ext cx="91440" cy="1600200"/>
-          </a:xfrm>
-          <a:prstGeom prst="rect">
-            <a:avLst/>
-          </a:prstGeom>
-          <a:solidFill>
-            <a:schemeClr val="accent3"/>
-          </a:solidFill>
-          <a:ln>
-            <a:noFill/>
-          </a:ln>
-        </p:spPr>
-        <p:style>
-          <a:lnRef idx="2">
-            <a:schemeClr val="accent1">
-              <a:shade val="50000"/>
-            </a:schemeClr>
-          </a:lnRef>
-          <a:fillRef idx="1">
-            <a:schemeClr val="accent1"/>
-          </a:fillRef>
-          <a:effectRef idx="0">
-            <a:schemeClr val="accent1"/>
-          </a:effectRef>
-          <a:fontRef idx="minor">
-            <a:schemeClr val="lt1"/>
-          </a:fontRef>
-        </p:style>
-        <p:txBody>
-          <a:bodyPr rtlCol="0" anchor="ctr"/>
-          <a:lstStyle/>
-          <a:p>
-            <a:pPr algn="ctr"/>
-            <a:endParaRPr/>
-          </a:p>
-        </p:txBody>
-      </p:sp>
-      <p:sp>
-        <p:nvSpPr>
-          <p:cNvPr id="10" name="TextBox 9"/>
-          <p:cNvSpPr txBox="1"/>
-          <p:nvPr/>
-        </p:nvSpPr>
-        <p:spPr>
-          <a:xfrm>
-            <a:off x="223185" y="228600"/>
-            <a:ext cx="260909" cy="553998"/>
-          </a:xfrm>
-          <a:prstGeom prst="rect">
-            <a:avLst/>
-          </a:prstGeom>
-          <a:noFill/>
-        </p:spPr>
-        <p:txBody>
-          <a:bodyPr wrap="square" lIns="0" tIns="0" rIns="0" bIns="0" rtlCol="0">
-            <a:spAutoFit/>
-          </a:bodyPr>
-          <a:lstStyle/>
-          <a:p>
-            <a:r>
-              <a:rPr sz="3600" b="1">
-                <a:solidFill>
-                  <a:schemeClr val="accent1">
-                    <a:lumMod val="60000"/>
-                    <a:lumOff val="40000"/>
-                  </a:schemeClr>
-                </a:solidFill>
-              </a:rPr>
-              <a:t>+</a:t>
-            </a:r>
-          </a:p>
-        </p:txBody>
-      </p:sp>
-      <p:sp>
-        <p:nvSpPr>
-          <p:cNvPr id="2" name="Title 1"/>
-          <p:cNvSpPr>
-            <a:spLocks noGrp="1"/>
-          </p:cNvSpPr>
-          <p:nvPr>
-            <p:ph type="title"/>
-          </p:nvPr>
-        </p:nvSpPr>
-        <p:spPr/>
-        <p:txBody>
-          <a:bodyPr/>
-          <a:lstStyle/>
-          <a:p>
-            <a:r>
-              <a:rPr lang="x-none" smtClean="0"/>
-              <a:t>Click to edit Master title style</a:t>
-            </a:r>
-            <a:endParaRPr/>
-          </a:p>
-        </p:txBody>
-      </p:sp>
-      <p:sp>
-        <p:nvSpPr>
-          <p:cNvPr id="3" name="Content Placeholder 2"/>
-          <p:cNvSpPr>
-            <a:spLocks noGrp="1"/>
-          </p:cNvSpPr>
-          <p:nvPr>
-            <p:ph sz="half" idx="1"/>
-          </p:nvPr>
-        </p:nvSpPr>
-        <p:spPr>
-          <a:xfrm>
-            <a:off x="498518" y="1985963"/>
-            <a:ext cx="3657600" cy="4140200"/>
-          </a:xfrm>
-        </p:spPr>
-        <p:txBody>
-          <a:bodyPr>
-            <a:normAutofit/>
-          </a:bodyPr>
-          <a:lstStyle>
-            <a:lvl1pPr>
-              <a:defRPr sz="1800"/>
-            </a:lvl1pPr>
-            <a:lvl2pPr>
-              <a:defRPr sz="1800"/>
-            </a:lvl2pPr>
-            <a:lvl3pPr>
-              <a:defRPr sz="1800"/>
-            </a:lvl3pPr>
-            <a:lvl4pPr>
-              <a:defRPr sz="1800"/>
-            </a:lvl4pPr>
-            <a:lvl5pPr>
-              <a:defRPr sz="1800"/>
-            </a:lvl5pPr>
-            <a:lvl6pPr>
-              <a:defRPr sz="1800"/>
-            </a:lvl6pPr>
-            <a:lvl7pPr>
-              <a:defRPr sz="1800"/>
-            </a:lvl7pPr>
-            <a:lvl8pPr>
-              <a:defRPr sz="1800"/>
-            </a:lvl8pPr>
-            <a:lvl9pPr>
-              <a:defRPr sz="1800"/>
-            </a:lvl9pPr>
-          </a:lstStyle>
-          <a:p>
-            <a:pPr lvl="0"/>
-            <a:r>
-              <a:rPr lang="x-none" smtClean="0"/>
-              <a:t>Click to edit Master text styles</a:t>
-            </a:r>
-          </a:p>
-          <a:p>
-            <a:pPr lvl="1"/>
-            <a:r>
-              <a:rPr lang="x-none" smtClean="0"/>
-              <a:t>Second level</a:t>
-            </a:r>
-          </a:p>
-          <a:p>
-            <a:pPr lvl="2"/>
-            <a:r>
-              <a:rPr lang="x-none" smtClean="0"/>
-              <a:t>Third level</a:t>
-            </a:r>
-          </a:p>
-          <a:p>
-            <a:pPr lvl="3"/>
-            <a:r>
-              <a:rPr lang="x-none" smtClean="0"/>
-              <a:t>Fourth level</a:t>
-            </a:r>
-          </a:p>
-          <a:p>
-            <a:pPr lvl="4"/>
-            <a:r>
-              <a:rPr lang="x-none" smtClean="0"/>
-              <a:t>Fifth level</a:t>
-            </a:r>
-            <a:endParaRPr dirty="0"/>
-          </a:p>
-        </p:txBody>
-      </p:sp>
-      <p:sp>
-        <p:nvSpPr>
-          <p:cNvPr id="4" name="Content Placeholder 3"/>
-          <p:cNvSpPr>
-            <a:spLocks noGrp="1"/>
-          </p:cNvSpPr>
-          <p:nvPr>
-            <p:ph sz="half" idx="2"/>
-          </p:nvPr>
-        </p:nvSpPr>
-        <p:spPr>
-          <a:xfrm>
-            <a:off x="4399878" y="1985963"/>
-            <a:ext cx="3657600" cy="4140200"/>
-          </a:xfrm>
-        </p:spPr>
-        <p:txBody>
-          <a:bodyPr>
-            <a:normAutofit/>
-          </a:bodyPr>
-          <a:lstStyle>
-            <a:lvl1pPr>
-              <a:defRPr sz="1800"/>
-            </a:lvl1pPr>
-            <a:lvl2pPr>
-              <a:defRPr sz="1800"/>
-            </a:lvl2pPr>
-            <a:lvl3pPr>
-              <a:defRPr sz="1800"/>
-            </a:lvl3pPr>
-            <a:lvl4pPr>
-              <a:defRPr sz="1800"/>
-            </a:lvl4pPr>
-            <a:lvl5pPr>
-              <a:defRPr sz="1800"/>
-            </a:lvl5pPr>
-            <a:lvl6pPr>
-              <a:defRPr sz="1800"/>
-            </a:lvl6pPr>
-            <a:lvl7pPr>
-              <a:defRPr sz="1800"/>
-            </a:lvl7pPr>
-            <a:lvl8pPr>
-              <a:defRPr sz="1800"/>
-            </a:lvl8pPr>
-            <a:lvl9pPr>
-              <a:defRPr sz="1800"/>
-            </a:lvl9pPr>
-          </a:lstStyle>
-          <a:p>
-            <a:pPr lvl="0"/>
-            <a:r>
-              <a:rPr lang="x-none" smtClean="0"/>
-              <a:t>Click to edit Master text styles</a:t>
-            </a:r>
-          </a:p>
-          <a:p>
-            <a:pPr lvl="1"/>
-            <a:r>
-              <a:rPr lang="x-none" smtClean="0"/>
-              <a:t>Second level</a:t>
-            </a:r>
-          </a:p>
-          <a:p>
-            <a:pPr lvl="2"/>
-            <a:r>
-              <a:rPr lang="x-none" smtClean="0"/>
-              <a:t>Third level</a:t>
-            </a:r>
-          </a:p>
-          <a:p>
-            <a:pPr lvl="3"/>
-            <a:r>
-              <a:rPr lang="x-none" smtClean="0"/>
-              <a:t>Fourth level</a:t>
-            </a:r>
-          </a:p>
-          <a:p>
-            <a:pPr lvl="4"/>
-            <a:r>
-              <a:rPr lang="x-none" smtClean="0"/>
-              <a:t>Fifth level</a:t>
-            </a:r>
-            <a:endParaRPr dirty="0"/>
-          </a:p>
-        </p:txBody>
-      </p:sp>
-      <p:sp>
-        <p:nvSpPr>
-          <p:cNvPr id="5" name="Date Placeholder 4"/>
-          <p:cNvSpPr>
-            <a:spLocks noGrp="1"/>
-          </p:cNvSpPr>
-          <p:nvPr>
-            <p:ph type="dt" sz="half" idx="10"/>
-          </p:nvPr>
-        </p:nvSpPr>
-        <p:spPr/>
-        <p:txBody>
-          <a:bodyPr/>
-          <a:lstStyle/>
-          <a:p>
-            <a:fld id="{251BE8C5-5F70-427A-B471-4B6EB4966070}" type="datetimeFigureOut">
-              <a:rPr lang="en-CA" smtClean="0"/>
-              <a:t>2014-08-12</a:t>
-            </a:fld>
-            <a:endParaRPr lang="en-CA"/>
-          </a:p>
-        </p:txBody>
-      </p:sp>
-      <p:sp>
-        <p:nvSpPr>
-          <p:cNvPr id="6" name="Footer Placeholder 5"/>
-          <p:cNvSpPr>
-            <a:spLocks noGrp="1"/>
-          </p:cNvSpPr>
-          <p:nvPr>
-            <p:ph type="ftr" sz="quarter" idx="11"/>
-          </p:nvPr>
-        </p:nvSpPr>
-        <p:spPr/>
-        <p:txBody>
-          <a:bodyPr/>
-          <a:lstStyle/>
-          <a:p>
-            <a:endParaRPr lang="en-CA"/>
-          </a:p>
-        </p:txBody>
-      </p:sp>
-      <p:sp>
-        <p:nvSpPr>
-          <p:cNvPr id="7" name="Slide Number Placeholder 6"/>
-          <p:cNvSpPr>
-            <a:spLocks noGrp="1"/>
-          </p:cNvSpPr>
-          <p:nvPr>
-            <p:ph type="sldNum" sz="quarter" idx="12"/>
-          </p:nvPr>
-        </p:nvSpPr>
-        <p:spPr/>
-        <p:txBody>
-          <a:bodyPr/>
-          <a:lstStyle/>
-          <a:p>
-            <a:fld id="{9702344B-8F62-4CFB-875C-81497291C361}" type="slidenum">
-              <a:rPr lang="en-CA" smtClean="0"/>
-              <a:t>‹#›</a:t>
-            </a:fld>
-            <a:endParaRPr lang="en-CA"/>
-          </a:p>
-        </p:txBody>
-      </p:sp>
-    </p:spTree>
-  </p:cSld>
-  <p:clrMapOvr>
-    <a:masterClrMapping/>
-  </p:clrMapOvr>
-</p:sldLayout>
-</file>
-
-<file path=ppt/slideLayouts/slideLayout38.xml><?xml version="1.0" encoding="utf-8"?>
-<p:sldLayout xmlns:a="http://schemas.openxmlformats.org/drawingml/2006/main" xmlns:r="http://schemas.openxmlformats.org/officeDocument/2006/relationships" xmlns:p="http://schemas.openxmlformats.org/presentationml/2006/main" preserve="1">
-  <p:cSld name="Comparison">
-    <p:spTree>
-      <p:nvGrpSpPr>
-        <p:cNvPr id="1" name=""/>
-        <p:cNvGrpSpPr/>
-        <p:nvPr/>
-      </p:nvGrpSpPr>
-      <p:grpSpPr>
-        <a:xfrm>
-          <a:off x="0" y="0"/>
-          <a:ext cx="0" cy="0"/>
-          <a:chOff x="0" y="0"/>
-          <a:chExt cx="0" cy="0"/>
-        </a:xfrm>
-      </p:grpSpPr>
-      <p:sp>
-        <p:nvSpPr>
-          <p:cNvPr id="10" name="Rectangle 9"/>
-          <p:cNvSpPr/>
-          <p:nvPr/>
-        </p:nvSpPr>
-        <p:spPr>
-          <a:xfrm>
-            <a:off x="8166847" y="282574"/>
-            <a:ext cx="685800" cy="1600200"/>
-          </a:xfrm>
-          <a:prstGeom prst="rect">
-            <a:avLst/>
-          </a:prstGeom>
-          <a:solidFill>
-            <a:schemeClr val="accent1"/>
-          </a:solidFill>
-          <a:ln>
-            <a:noFill/>
-          </a:ln>
-        </p:spPr>
-        <p:style>
-          <a:lnRef idx="2">
-            <a:schemeClr val="accent1">
-              <a:shade val="50000"/>
-            </a:schemeClr>
-          </a:lnRef>
-          <a:fillRef idx="1">
-            <a:schemeClr val="accent1"/>
-          </a:fillRef>
-          <a:effectRef idx="0">
-            <a:schemeClr val="accent1"/>
-          </a:effectRef>
-          <a:fontRef idx="minor">
-            <a:schemeClr val="lt1"/>
-          </a:fontRef>
-        </p:style>
-        <p:txBody>
-          <a:bodyPr rtlCol="0" anchor="ctr"/>
-          <a:lstStyle/>
-          <a:p>
-            <a:pPr algn="ctr"/>
-            <a:endParaRPr/>
-          </a:p>
-        </p:txBody>
-      </p:sp>
-      <p:sp>
-        <p:nvSpPr>
-          <p:cNvPr id="12" name="TextBox 11"/>
-          <p:cNvSpPr txBox="1"/>
-          <p:nvPr/>
-        </p:nvSpPr>
-        <p:spPr>
-          <a:xfrm>
-            <a:off x="223185" y="228600"/>
-            <a:ext cx="260909" cy="553998"/>
-          </a:xfrm>
-          <a:prstGeom prst="rect">
-            <a:avLst/>
-          </a:prstGeom>
-          <a:noFill/>
-        </p:spPr>
-        <p:txBody>
-          <a:bodyPr wrap="square" lIns="0" tIns="0" rIns="0" bIns="0" rtlCol="0">
-            <a:spAutoFit/>
-          </a:bodyPr>
-          <a:lstStyle/>
-          <a:p>
-            <a:r>
-              <a:rPr sz="3600" b="1">
-                <a:solidFill>
-                  <a:schemeClr val="accent1">
-                    <a:lumMod val="60000"/>
-                    <a:lumOff val="40000"/>
-                  </a:schemeClr>
-                </a:solidFill>
-              </a:rPr>
-              <a:t>+</a:t>
-            </a:r>
-          </a:p>
-        </p:txBody>
-      </p:sp>
-      <p:sp>
-        <p:nvSpPr>
-          <p:cNvPr id="2" name="Title 1"/>
-          <p:cNvSpPr>
-            <a:spLocks noGrp="1"/>
-          </p:cNvSpPr>
-          <p:nvPr>
-            <p:ph type="title"/>
-          </p:nvPr>
-        </p:nvSpPr>
-        <p:spPr/>
-        <p:txBody>
-          <a:bodyPr/>
-          <a:lstStyle>
-            <a:lvl1pPr>
-              <a:defRPr/>
-            </a:lvl1pPr>
-          </a:lstStyle>
-          <a:p>
-            <a:r>
-              <a:rPr lang="x-none" smtClean="0"/>
-              <a:t>Click to edit Master title style</a:t>
-            </a:r>
-            <a:endParaRPr/>
-          </a:p>
-        </p:txBody>
-      </p:sp>
-      <p:sp>
-        <p:nvSpPr>
-          <p:cNvPr id="4" name="Content Placeholder 3"/>
-          <p:cNvSpPr>
-            <a:spLocks noGrp="1"/>
-          </p:cNvSpPr>
-          <p:nvPr>
-            <p:ph sz="half" idx="2"/>
-          </p:nvPr>
-        </p:nvSpPr>
-        <p:spPr>
-          <a:xfrm>
-            <a:off x="497541" y="2447365"/>
-            <a:ext cx="3657600" cy="3678797"/>
-          </a:xfrm>
-        </p:spPr>
-        <p:txBody>
-          <a:bodyPr>
-            <a:normAutofit/>
-          </a:bodyPr>
-          <a:lstStyle>
-            <a:lvl1pPr>
-              <a:defRPr sz="1800"/>
-            </a:lvl1pPr>
-            <a:lvl2pPr>
-              <a:defRPr sz="1800"/>
-            </a:lvl2pPr>
-            <a:lvl3pPr>
-              <a:defRPr sz="1800"/>
-            </a:lvl3pPr>
-            <a:lvl4pPr>
-              <a:defRPr sz="1800"/>
-            </a:lvl4pPr>
-            <a:lvl5pPr>
-              <a:defRPr sz="1800"/>
-            </a:lvl5pPr>
-            <a:lvl6pPr>
-              <a:defRPr sz="1600"/>
-            </a:lvl6pPr>
-            <a:lvl7pPr>
-              <a:defRPr sz="1600"/>
-            </a:lvl7pPr>
-            <a:lvl8pPr>
-              <a:defRPr sz="1600"/>
-            </a:lvl8pPr>
-            <a:lvl9pPr>
-              <a:defRPr sz="1600"/>
-            </a:lvl9pPr>
-          </a:lstStyle>
-          <a:p>
-            <a:pPr lvl="0"/>
-            <a:r>
-              <a:rPr lang="x-none" smtClean="0"/>
-              <a:t>Click to edit Master text styles</a:t>
-            </a:r>
-          </a:p>
-          <a:p>
-            <a:pPr lvl="1"/>
-            <a:r>
-              <a:rPr lang="x-none" smtClean="0"/>
-              <a:t>Second level</a:t>
-            </a:r>
-          </a:p>
-          <a:p>
-            <a:pPr lvl="2"/>
-            <a:r>
-              <a:rPr lang="x-none" smtClean="0"/>
-              <a:t>Third level</a:t>
-            </a:r>
-          </a:p>
-          <a:p>
-            <a:pPr lvl="3"/>
-            <a:r>
-              <a:rPr lang="x-none" smtClean="0"/>
-              <a:t>Fourth level</a:t>
-            </a:r>
-          </a:p>
-          <a:p>
-            <a:pPr lvl="4"/>
-            <a:r>
-              <a:rPr lang="x-none" smtClean="0"/>
-              <a:t>Fifth level</a:t>
-            </a:r>
-            <a:endParaRPr dirty="0"/>
-          </a:p>
-        </p:txBody>
-      </p:sp>
-      <p:sp>
-        <p:nvSpPr>
-          <p:cNvPr id="6" name="Content Placeholder 5"/>
-          <p:cNvSpPr>
-            <a:spLocks noGrp="1"/>
-          </p:cNvSpPr>
-          <p:nvPr>
-            <p:ph sz="quarter" idx="4"/>
-          </p:nvPr>
-        </p:nvSpPr>
-        <p:spPr>
-          <a:xfrm>
-            <a:off x="4399878" y="2447365"/>
-            <a:ext cx="3657600" cy="3678797"/>
-          </a:xfrm>
-        </p:spPr>
-        <p:txBody>
-          <a:bodyPr>
-            <a:normAutofit/>
-          </a:bodyPr>
-          <a:lstStyle>
-            <a:lvl1pPr>
-              <a:defRPr sz="1800"/>
-            </a:lvl1pPr>
-            <a:lvl2pPr>
-              <a:defRPr sz="1800"/>
-            </a:lvl2pPr>
-            <a:lvl3pPr>
-              <a:defRPr sz="1800"/>
-            </a:lvl3pPr>
-            <a:lvl4pPr>
-              <a:defRPr sz="1800"/>
-            </a:lvl4pPr>
-            <a:lvl5pPr>
-              <a:defRPr sz="1800"/>
-            </a:lvl5pPr>
-            <a:lvl6pPr>
-              <a:defRPr sz="1600"/>
-            </a:lvl6pPr>
-            <a:lvl7pPr>
-              <a:defRPr sz="1600"/>
-            </a:lvl7pPr>
-            <a:lvl8pPr>
-              <a:defRPr sz="1600"/>
-            </a:lvl8pPr>
-            <a:lvl9pPr>
-              <a:defRPr sz="1600"/>
-            </a:lvl9pPr>
-          </a:lstStyle>
-          <a:p>
-            <a:pPr lvl="0"/>
-            <a:r>
-              <a:rPr lang="x-none" smtClean="0"/>
-              <a:t>Click to edit Master text styles</a:t>
-            </a:r>
-          </a:p>
-          <a:p>
-            <a:pPr lvl="1"/>
-            <a:r>
-              <a:rPr lang="x-none" smtClean="0"/>
-              <a:t>Second level</a:t>
-            </a:r>
-          </a:p>
-          <a:p>
-            <a:pPr lvl="2"/>
-            <a:r>
-              <a:rPr lang="x-none" smtClean="0"/>
-              <a:t>Third level</a:t>
-            </a:r>
-          </a:p>
-          <a:p>
-            <a:pPr lvl="3"/>
-            <a:r>
-              <a:rPr lang="x-none" smtClean="0"/>
-              <a:t>Fourth level</a:t>
-            </a:r>
-          </a:p>
-          <a:p>
-            <a:pPr lvl="4"/>
-            <a:r>
-              <a:rPr lang="x-none" smtClean="0"/>
-              <a:t>Fifth level</a:t>
-            </a:r>
-            <a:endParaRPr dirty="0"/>
-          </a:p>
-        </p:txBody>
-      </p:sp>
-      <p:sp>
-        <p:nvSpPr>
-          <p:cNvPr id="7" name="Date Placeholder 6"/>
-          <p:cNvSpPr>
-            <a:spLocks noGrp="1"/>
-          </p:cNvSpPr>
-          <p:nvPr>
-            <p:ph type="dt" sz="half" idx="10"/>
-          </p:nvPr>
-        </p:nvSpPr>
-        <p:spPr/>
-        <p:txBody>
-          <a:bodyPr/>
-          <a:lstStyle/>
-          <a:p>
-            <a:fld id="{251BE8C5-5F70-427A-B471-4B6EB4966070}" type="datetimeFigureOut">
-              <a:rPr lang="en-CA" smtClean="0"/>
-              <a:t>2014-08-12</a:t>
-            </a:fld>
-            <a:endParaRPr lang="en-CA"/>
-          </a:p>
-        </p:txBody>
-      </p:sp>
-      <p:sp>
-        <p:nvSpPr>
-          <p:cNvPr id="8" name="Footer Placeholder 7"/>
-          <p:cNvSpPr>
-            <a:spLocks noGrp="1"/>
-          </p:cNvSpPr>
-          <p:nvPr>
-            <p:ph type="ftr" sz="quarter" idx="11"/>
-          </p:nvPr>
-        </p:nvSpPr>
-        <p:spPr/>
-        <p:txBody>
-          <a:bodyPr/>
-          <a:lstStyle/>
-          <a:p>
-            <a:endParaRPr lang="en-CA"/>
-          </a:p>
-        </p:txBody>
-      </p:sp>
-      <p:sp>
-        <p:nvSpPr>
-          <p:cNvPr id="9" name="Slide Number Placeholder 8"/>
-          <p:cNvSpPr>
-            <a:spLocks noGrp="1"/>
-          </p:cNvSpPr>
-          <p:nvPr>
-            <p:ph type="sldNum" sz="quarter" idx="12"/>
-          </p:nvPr>
-        </p:nvSpPr>
-        <p:spPr/>
-        <p:txBody>
-          <a:bodyPr/>
-          <a:lstStyle/>
-          <a:p>
-            <a:fld id="{9702344B-8F62-4CFB-875C-81497291C361}" type="slidenum">
-              <a:rPr lang="en-CA" smtClean="0"/>
-              <a:t>‹#›</a:t>
-            </a:fld>
-            <a:endParaRPr lang="en-CA"/>
-          </a:p>
-        </p:txBody>
-      </p:sp>
-      <p:sp>
-        <p:nvSpPr>
-          <p:cNvPr id="3" name="Text Placeholder 2"/>
-          <p:cNvSpPr>
-            <a:spLocks noGrp="1"/>
-          </p:cNvSpPr>
-          <p:nvPr>
-            <p:ph type="body" idx="1"/>
-          </p:nvPr>
-        </p:nvSpPr>
-        <p:spPr>
-          <a:xfrm>
-            <a:off x="497541" y="2070847"/>
-            <a:ext cx="3657600" cy="322729"/>
-          </a:xfrm>
-          <a:prstGeom prst="rect">
-            <a:avLst/>
-          </a:prstGeom>
-          <a:solidFill>
-            <a:schemeClr val="accent3"/>
-          </a:solidFill>
-        </p:spPr>
-        <p:txBody>
-          <a:bodyPr tIns="0" bIns="0" anchor="ctr" anchorCtr="0">
-            <a:noAutofit/>
-          </a:bodyPr>
-          <a:lstStyle>
-            <a:lvl1pPr marL="0" indent="0" algn="ctr">
-              <a:spcBef>
-                <a:spcPts val="0"/>
-              </a:spcBef>
-              <a:buNone/>
-              <a:defRPr sz="1800" b="0">
-                <a:solidFill>
-                  <a:schemeClr val="bg1"/>
-                </a:solidFill>
-              </a:defRPr>
-            </a:lvl1pPr>
-            <a:lvl2pPr marL="457200" indent="0">
-              <a:buNone/>
-              <a:defRPr sz="2000" b="1"/>
-            </a:lvl2pPr>
-            <a:lvl3pPr marL="914400" indent="0">
-              <a:buNone/>
-              <a:defRPr sz="1800" b="1"/>
-            </a:lvl3pPr>
-            <a:lvl4pPr marL="1371600" indent="0">
-              <a:buNone/>
-              <a:defRPr sz="1600" b="1"/>
-            </a:lvl4pPr>
-            <a:lvl5pPr marL="1828800" indent="0">
-              <a:buNone/>
-              <a:defRPr sz="1600" b="1"/>
-            </a:lvl5pPr>
-            <a:lvl6pPr marL="2286000" indent="0">
-              <a:buNone/>
-              <a:defRPr sz="1600" b="1"/>
-            </a:lvl6pPr>
-            <a:lvl7pPr marL="2743200" indent="0">
-              <a:buNone/>
-              <a:defRPr sz="1600" b="1"/>
-            </a:lvl7pPr>
-            <a:lvl8pPr marL="3200400" indent="0">
-              <a:buNone/>
-              <a:defRPr sz="1600" b="1"/>
-            </a:lvl8pPr>
-            <a:lvl9pPr marL="3657600" indent="0">
-              <a:buNone/>
-              <a:defRPr sz="1600" b="1"/>
-            </a:lvl9pPr>
-          </a:lstStyle>
-          <a:p>
-            <a:pPr lvl="0"/>
-            <a:r>
-              <a:rPr lang="x-none" smtClean="0"/>
-              <a:t>Click to edit Master text styles</a:t>
-            </a:r>
-          </a:p>
-        </p:txBody>
-      </p:sp>
-      <p:sp>
-        <p:nvSpPr>
-          <p:cNvPr id="5" name="Text Placeholder 4"/>
-          <p:cNvSpPr>
-            <a:spLocks noGrp="1"/>
-          </p:cNvSpPr>
-          <p:nvPr>
-            <p:ph type="body" sz="quarter" idx="3"/>
-          </p:nvPr>
-        </p:nvSpPr>
-        <p:spPr>
-          <a:xfrm>
-            <a:off x="4399878" y="2070847"/>
-            <a:ext cx="3657600" cy="322729"/>
-          </a:xfrm>
-          <a:prstGeom prst="rect">
-            <a:avLst/>
-          </a:prstGeom>
-          <a:solidFill>
-            <a:schemeClr val="accent3">
-              <a:lumMod val="60000"/>
-              <a:lumOff val="40000"/>
-            </a:schemeClr>
-          </a:solidFill>
-        </p:spPr>
-        <p:txBody>
-          <a:bodyPr tIns="0" bIns="0" anchor="ctr" anchorCtr="0">
-            <a:noAutofit/>
-          </a:bodyPr>
-          <a:lstStyle>
-            <a:lvl1pPr marL="0" indent="0" algn="ctr">
-              <a:spcBef>
-                <a:spcPts val="0"/>
-              </a:spcBef>
-              <a:buNone/>
-              <a:defRPr sz="1800" b="0">
-                <a:solidFill>
-                  <a:schemeClr val="bg1"/>
-                </a:solidFill>
-              </a:defRPr>
-            </a:lvl1pPr>
-            <a:lvl2pPr marL="457200" indent="0">
-              <a:buNone/>
-              <a:defRPr sz="2000" b="1"/>
-            </a:lvl2pPr>
-            <a:lvl3pPr marL="914400" indent="0">
-              <a:buNone/>
-              <a:defRPr sz="1800" b="1"/>
-            </a:lvl3pPr>
-            <a:lvl4pPr marL="1371600" indent="0">
-              <a:buNone/>
-              <a:defRPr sz="1600" b="1"/>
-            </a:lvl4pPr>
-            <a:lvl5pPr marL="1828800" indent="0">
-              <a:buNone/>
-              <a:defRPr sz="1600" b="1"/>
-            </a:lvl5pPr>
-            <a:lvl6pPr marL="2286000" indent="0">
-              <a:buNone/>
-              <a:defRPr sz="1600" b="1"/>
-            </a:lvl6pPr>
-            <a:lvl7pPr marL="2743200" indent="0">
-              <a:buNone/>
-              <a:defRPr sz="1600" b="1"/>
-            </a:lvl7pPr>
-            <a:lvl8pPr marL="3200400" indent="0">
-              <a:buNone/>
-              <a:defRPr sz="1600" b="1"/>
-            </a:lvl8pPr>
-            <a:lvl9pPr marL="3657600" indent="0">
-              <a:buNone/>
-              <a:defRPr sz="1600" b="1"/>
-            </a:lvl9pPr>
-          </a:lstStyle>
-          <a:p>
-            <a:pPr lvl="0"/>
-            <a:r>
-              <a:rPr lang="x-none" smtClean="0"/>
-              <a:t>Click to edit Master text styles</a:t>
-            </a:r>
-          </a:p>
-        </p:txBody>
-      </p:sp>
-    </p:spTree>
-  </p:cSld>
-  <p:clrMapOvr>
-    <a:masterClrMapping/>
-  </p:clrMapOvr>
-</p:sldLayout>
-</file>
-
-<file path=ppt/slideLayouts/slideLayout39.xml><?xml version="1.0" encoding="utf-8"?>
-<p:sldLayout xmlns:a="http://schemas.openxmlformats.org/drawingml/2006/main" xmlns:r="http://schemas.openxmlformats.org/officeDocument/2006/relationships" xmlns:p="http://schemas.openxmlformats.org/presentationml/2006/main" preserve="1">
-  <p:cSld name="2 Content, Top and Bottom">
-    <p:spTree>
-      <p:nvGrpSpPr>
-        <p:cNvPr id="1" name=""/>
-        <p:cNvGrpSpPr/>
-        <p:nvPr/>
-      </p:nvGrpSpPr>
-      <p:grpSpPr>
-        <a:xfrm>
-          <a:off x="0" y="0"/>
-          <a:ext cx="0" cy="0"/>
-          <a:chOff x="0" y="0"/>
-          <a:chExt cx="0" cy="0"/>
-        </a:xfrm>
-      </p:grpSpPr>
-      <p:sp>
-        <p:nvSpPr>
-          <p:cNvPr id="10" name="TextBox 9"/>
-          <p:cNvSpPr txBox="1"/>
-          <p:nvPr/>
-        </p:nvSpPr>
-        <p:spPr>
-          <a:xfrm>
-            <a:off x="223185" y="228600"/>
-            <a:ext cx="260909" cy="553998"/>
-          </a:xfrm>
-          <a:prstGeom prst="rect">
-            <a:avLst/>
-          </a:prstGeom>
-          <a:noFill/>
-        </p:spPr>
-        <p:txBody>
-          <a:bodyPr wrap="square" lIns="0" tIns="0" rIns="0" bIns="0" rtlCol="0">
-            <a:spAutoFit/>
-          </a:bodyPr>
-          <a:lstStyle/>
-          <a:p>
-            <a:r>
-              <a:rPr sz="3600" b="1">
-                <a:solidFill>
-                  <a:schemeClr val="accent1">
-                    <a:lumMod val="60000"/>
-                    <a:lumOff val="40000"/>
-                  </a:schemeClr>
-                </a:solidFill>
-              </a:rPr>
-              <a:t>+</a:t>
-            </a:r>
-          </a:p>
-        </p:txBody>
-      </p:sp>
-      <p:sp>
-        <p:nvSpPr>
-          <p:cNvPr id="2" name="Title 1"/>
-          <p:cNvSpPr>
-            <a:spLocks noGrp="1"/>
-          </p:cNvSpPr>
-          <p:nvPr>
-            <p:ph type="title"/>
-          </p:nvPr>
-        </p:nvSpPr>
-        <p:spPr/>
-        <p:txBody>
-          <a:bodyPr/>
-          <a:lstStyle/>
-          <a:p>
-            <a:r>
-              <a:rPr lang="x-none" smtClean="0"/>
-              <a:t>Click to edit Master title style</a:t>
-            </a:r>
-            <a:endParaRPr/>
-          </a:p>
-        </p:txBody>
-      </p:sp>
-      <p:sp>
-        <p:nvSpPr>
-          <p:cNvPr id="3" name="Content Placeholder 2"/>
-          <p:cNvSpPr>
-            <a:spLocks noGrp="1"/>
-          </p:cNvSpPr>
-          <p:nvPr>
-            <p:ph sz="half" idx="1"/>
-          </p:nvPr>
-        </p:nvSpPr>
-        <p:spPr>
-          <a:xfrm>
-            <a:off x="498517" y="1985963"/>
-            <a:ext cx="7569157" cy="1965960"/>
-          </a:xfrm>
-        </p:spPr>
-        <p:txBody>
-          <a:bodyPr>
-            <a:normAutofit/>
-          </a:bodyPr>
-          <a:lstStyle>
-            <a:lvl1pPr>
-              <a:defRPr sz="1800"/>
-            </a:lvl1pPr>
-            <a:lvl2pPr>
-              <a:defRPr sz="1800"/>
-            </a:lvl2pPr>
-            <a:lvl3pPr>
-              <a:defRPr sz="1800"/>
-            </a:lvl3pPr>
-            <a:lvl4pPr>
-              <a:defRPr sz="1800"/>
-            </a:lvl4pPr>
-            <a:lvl5pPr>
-              <a:defRPr sz="1800"/>
-            </a:lvl5pPr>
-            <a:lvl6pPr>
-              <a:defRPr sz="1800"/>
-            </a:lvl6pPr>
-            <a:lvl7pPr>
-              <a:defRPr sz="1800"/>
-            </a:lvl7pPr>
-            <a:lvl8pPr>
-              <a:defRPr sz="1800"/>
-            </a:lvl8pPr>
-            <a:lvl9pPr>
-              <a:defRPr sz="1800"/>
-            </a:lvl9pPr>
-          </a:lstStyle>
-          <a:p>
-            <a:pPr lvl="0"/>
-            <a:r>
-              <a:rPr lang="x-none" smtClean="0"/>
-              <a:t>Click to edit Master text styles</a:t>
-            </a:r>
-          </a:p>
-          <a:p>
-            <a:pPr lvl="1"/>
-            <a:r>
-              <a:rPr lang="x-none" smtClean="0"/>
-              <a:t>Second level</a:t>
-            </a:r>
-          </a:p>
-          <a:p>
-            <a:pPr lvl="2"/>
-            <a:r>
-              <a:rPr lang="x-none" smtClean="0"/>
-              <a:t>Third level</a:t>
-            </a:r>
-          </a:p>
-          <a:p>
-            <a:pPr lvl="3"/>
-            <a:r>
-              <a:rPr lang="x-none" smtClean="0"/>
-              <a:t>Fourth level</a:t>
-            </a:r>
-          </a:p>
-          <a:p>
-            <a:pPr lvl="4"/>
-            <a:r>
-              <a:rPr lang="x-none" smtClean="0"/>
-              <a:t>Fifth level</a:t>
-            </a:r>
-            <a:endParaRPr dirty="0"/>
-          </a:p>
-        </p:txBody>
-      </p:sp>
-      <p:sp>
-        <p:nvSpPr>
-          <p:cNvPr id="5" name="Date Placeholder 4"/>
-          <p:cNvSpPr>
-            <a:spLocks noGrp="1"/>
-          </p:cNvSpPr>
-          <p:nvPr>
-            <p:ph type="dt" sz="half" idx="10"/>
-          </p:nvPr>
-        </p:nvSpPr>
-        <p:spPr/>
-        <p:txBody>
-          <a:bodyPr/>
-          <a:lstStyle/>
-          <a:p>
-            <a:fld id="{251BE8C5-5F70-427A-B471-4B6EB4966070}" type="datetimeFigureOut">
-              <a:rPr lang="en-CA" smtClean="0"/>
-              <a:t>2014-08-12</a:t>
-            </a:fld>
-            <a:endParaRPr lang="en-CA"/>
-          </a:p>
-        </p:txBody>
-      </p:sp>
-      <p:sp>
-        <p:nvSpPr>
-          <p:cNvPr id="6" name="Footer Placeholder 5"/>
-          <p:cNvSpPr>
-            <a:spLocks noGrp="1"/>
-          </p:cNvSpPr>
-          <p:nvPr>
-            <p:ph type="ftr" sz="quarter" idx="11"/>
-          </p:nvPr>
-        </p:nvSpPr>
-        <p:spPr/>
-        <p:txBody>
-          <a:bodyPr/>
-          <a:lstStyle/>
-          <a:p>
-            <a:endParaRPr lang="en-CA"/>
-          </a:p>
-        </p:txBody>
-      </p:sp>
-      <p:sp>
-        <p:nvSpPr>
-          <p:cNvPr id="13" name="Content Placeholder 2"/>
-          <p:cNvSpPr>
-            <a:spLocks noGrp="1"/>
-          </p:cNvSpPr>
-          <p:nvPr>
-            <p:ph sz="half" idx="14"/>
-          </p:nvPr>
-        </p:nvSpPr>
-        <p:spPr>
-          <a:xfrm>
-            <a:off x="498517" y="4164965"/>
-            <a:ext cx="7569157" cy="1965960"/>
-          </a:xfrm>
-        </p:spPr>
-        <p:txBody>
-          <a:bodyPr>
-            <a:normAutofit/>
-          </a:bodyPr>
-          <a:lstStyle>
-            <a:lvl1pPr>
-              <a:defRPr sz="1800"/>
-            </a:lvl1pPr>
-            <a:lvl2pPr>
-              <a:defRPr sz="1800"/>
-            </a:lvl2pPr>
-            <a:lvl3pPr>
-              <a:defRPr sz="1800"/>
-            </a:lvl3pPr>
-            <a:lvl4pPr>
-              <a:defRPr sz="1800"/>
-            </a:lvl4pPr>
-            <a:lvl5pPr>
-              <a:defRPr sz="1800"/>
-            </a:lvl5pPr>
-            <a:lvl6pPr>
-              <a:defRPr sz="1800"/>
-            </a:lvl6pPr>
-            <a:lvl7pPr>
-              <a:defRPr sz="1800"/>
-            </a:lvl7pPr>
-            <a:lvl8pPr>
-              <a:defRPr sz="1800"/>
-            </a:lvl8pPr>
-            <a:lvl9pPr>
-              <a:defRPr sz="1800"/>
-            </a:lvl9pPr>
-          </a:lstStyle>
-          <a:p>
-            <a:pPr lvl="0"/>
-            <a:r>
-              <a:rPr lang="x-none" smtClean="0"/>
-              <a:t>Click to edit Master text styles</a:t>
-            </a:r>
-          </a:p>
-          <a:p>
-            <a:pPr lvl="1"/>
-            <a:r>
-              <a:rPr lang="x-none" smtClean="0"/>
-              <a:t>Second level</a:t>
-            </a:r>
-          </a:p>
-          <a:p>
-            <a:pPr lvl="2"/>
-            <a:r>
-              <a:rPr lang="x-none" smtClean="0"/>
-              <a:t>Third level</a:t>
-            </a:r>
-          </a:p>
-          <a:p>
-            <a:pPr lvl="3"/>
-            <a:r>
-              <a:rPr lang="x-none" smtClean="0"/>
-              <a:t>Fourth level</a:t>
-            </a:r>
-          </a:p>
-          <a:p>
-            <a:pPr lvl="4"/>
-            <a:r>
-              <a:rPr lang="x-none" smtClean="0"/>
-              <a:t>Fifth level</a:t>
-            </a:r>
-            <a:endParaRPr dirty="0"/>
-          </a:p>
-        </p:txBody>
-      </p:sp>
-      <p:sp>
-        <p:nvSpPr>
-          <p:cNvPr id="14" name="Rectangle 13"/>
-          <p:cNvSpPr/>
-          <p:nvPr/>
-        </p:nvSpPr>
-        <p:spPr>
-          <a:xfrm>
-            <a:off x="8166847" y="282574"/>
-            <a:ext cx="685800" cy="1600200"/>
-          </a:xfrm>
-          <a:prstGeom prst="rect">
-            <a:avLst/>
-          </a:prstGeom>
-          <a:solidFill>
-            <a:schemeClr val="accent1"/>
-          </a:solidFill>
-          <a:ln>
-            <a:noFill/>
-          </a:ln>
-        </p:spPr>
-        <p:style>
-          <a:lnRef idx="2">
-            <a:schemeClr val="accent1">
-              <a:shade val="50000"/>
-            </a:schemeClr>
-          </a:lnRef>
-          <a:fillRef idx="1">
-            <a:schemeClr val="accent1"/>
-          </a:fillRef>
-          <a:effectRef idx="0">
-            <a:schemeClr val="accent1"/>
-          </a:effectRef>
-          <a:fontRef idx="minor">
-            <a:schemeClr val="lt1"/>
-          </a:fontRef>
-        </p:style>
-        <p:txBody>
-          <a:bodyPr rtlCol="0" anchor="ctr"/>
-          <a:lstStyle/>
-          <a:p>
-            <a:pPr algn="ctr"/>
-            <a:endParaRPr/>
-          </a:p>
-        </p:txBody>
-      </p:sp>
-      <p:sp>
-        <p:nvSpPr>
-          <p:cNvPr id="15" name="Slide Number Placeholder 6"/>
-          <p:cNvSpPr>
-            <a:spLocks noGrp="1"/>
-          </p:cNvSpPr>
-          <p:nvPr>
-            <p:ph type="sldNum" sz="quarter" idx="12"/>
-          </p:nvPr>
-        </p:nvSpPr>
-        <p:spPr>
-          <a:xfrm>
-            <a:off x="8305800" y="242234"/>
-            <a:ext cx="554038" cy="365125"/>
-          </a:xfrm>
-        </p:spPr>
-        <p:txBody>
-          <a:bodyPr/>
-          <a:lstStyle/>
-          <a:p>
-            <a:fld id="{9702344B-8F62-4CFB-875C-81497291C361}" type="slidenum">
-              <a:rPr lang="en-CA" smtClean="0"/>
-              <a:t>‹#›</a:t>
-            </a:fld>
-            <a:endParaRPr lang="en-CA"/>
           </a:p>
         </p:txBody>
       </p:sp>
@@ -12492,7 +9055,7 @@
           <a:p>
             <a:fld id="{251BE8C5-5F70-427A-B471-4B6EB4966070}" type="datetimeFigureOut">
               <a:rPr lang="en-CA" smtClean="0"/>
-              <a:t>2014-08-12</a:t>
+              <a:t>2014-08-17</a:t>
             </a:fld>
             <a:endParaRPr lang="en-CA"/>
           </a:p>
@@ -12546,3760 +9109,6 @@
         <p14:creationId xmlns:p14="http://schemas.microsoft.com/office/powerpoint/2010/main" val="3107820159"/>
       </p:ext>
     </p:extLst>
-  </p:cSld>
-  <p:clrMapOvr>
-    <a:masterClrMapping/>
-  </p:clrMapOvr>
-</p:sldLayout>
-</file>
-
-<file path=ppt/slideLayouts/slideLayout40.xml><?xml version="1.0" encoding="utf-8"?>
-<p:sldLayout xmlns:a="http://schemas.openxmlformats.org/drawingml/2006/main" xmlns:r="http://schemas.openxmlformats.org/officeDocument/2006/relationships" xmlns:p="http://schemas.openxmlformats.org/presentationml/2006/main" preserve="1">
-  <p:cSld name="3 Content">
-    <p:spTree>
-      <p:nvGrpSpPr>
-        <p:cNvPr id="1" name=""/>
-        <p:cNvGrpSpPr/>
-        <p:nvPr/>
-      </p:nvGrpSpPr>
-      <p:grpSpPr>
-        <a:xfrm>
-          <a:off x="0" y="0"/>
-          <a:ext cx="0" cy="0"/>
-          <a:chOff x="0" y="0"/>
-          <a:chExt cx="0" cy="0"/>
-        </a:xfrm>
-      </p:grpSpPr>
-      <p:sp>
-        <p:nvSpPr>
-          <p:cNvPr id="8" name="Rectangle 7"/>
-          <p:cNvSpPr/>
-          <p:nvPr/>
-        </p:nvSpPr>
-        <p:spPr>
-          <a:xfrm>
-            <a:off x="8166847" y="282574"/>
-            <a:ext cx="685800" cy="1600200"/>
-          </a:xfrm>
-          <a:prstGeom prst="rect">
-            <a:avLst/>
-          </a:prstGeom>
-          <a:solidFill>
-            <a:schemeClr val="accent1"/>
-          </a:solidFill>
-          <a:ln>
-            <a:noFill/>
-          </a:ln>
-        </p:spPr>
-        <p:style>
-          <a:lnRef idx="2">
-            <a:schemeClr val="accent1">
-              <a:shade val="50000"/>
-            </a:schemeClr>
-          </a:lnRef>
-          <a:fillRef idx="1">
-            <a:schemeClr val="accent1"/>
-          </a:fillRef>
-          <a:effectRef idx="0">
-            <a:schemeClr val="accent1"/>
-          </a:effectRef>
-          <a:fontRef idx="minor">
-            <a:schemeClr val="lt1"/>
-          </a:fontRef>
-        </p:style>
-        <p:txBody>
-          <a:bodyPr rtlCol="0" anchor="ctr"/>
-          <a:lstStyle/>
-          <a:p>
-            <a:pPr algn="ctr"/>
-            <a:endParaRPr/>
-          </a:p>
-        </p:txBody>
-      </p:sp>
-      <p:sp>
-        <p:nvSpPr>
-          <p:cNvPr id="10" name="TextBox 9"/>
-          <p:cNvSpPr txBox="1"/>
-          <p:nvPr/>
-        </p:nvSpPr>
-        <p:spPr>
-          <a:xfrm>
-            <a:off x="223185" y="228600"/>
-            <a:ext cx="260909" cy="553998"/>
-          </a:xfrm>
-          <a:prstGeom prst="rect">
-            <a:avLst/>
-          </a:prstGeom>
-          <a:noFill/>
-        </p:spPr>
-        <p:txBody>
-          <a:bodyPr wrap="square" lIns="0" tIns="0" rIns="0" bIns="0" rtlCol="0">
-            <a:spAutoFit/>
-          </a:bodyPr>
-          <a:lstStyle/>
-          <a:p>
-            <a:r>
-              <a:rPr sz="3600" b="1">
-                <a:solidFill>
-                  <a:schemeClr val="accent1">
-                    <a:lumMod val="60000"/>
-                    <a:lumOff val="40000"/>
-                  </a:schemeClr>
-                </a:solidFill>
-              </a:rPr>
-              <a:t>+</a:t>
-            </a:r>
-          </a:p>
-        </p:txBody>
-      </p:sp>
-      <p:sp>
-        <p:nvSpPr>
-          <p:cNvPr id="2" name="Title 1"/>
-          <p:cNvSpPr>
-            <a:spLocks noGrp="1"/>
-          </p:cNvSpPr>
-          <p:nvPr>
-            <p:ph type="title"/>
-          </p:nvPr>
-        </p:nvSpPr>
-        <p:spPr/>
-        <p:txBody>
-          <a:bodyPr/>
-          <a:lstStyle/>
-          <a:p>
-            <a:r>
-              <a:rPr lang="x-none" smtClean="0"/>
-              <a:t>Click to edit Master title style</a:t>
-            </a:r>
-            <a:endParaRPr/>
-          </a:p>
-        </p:txBody>
-      </p:sp>
-      <p:sp>
-        <p:nvSpPr>
-          <p:cNvPr id="3" name="Content Placeholder 2"/>
-          <p:cNvSpPr>
-            <a:spLocks noGrp="1"/>
-          </p:cNvSpPr>
-          <p:nvPr>
-            <p:ph sz="half" idx="1"/>
-          </p:nvPr>
-        </p:nvSpPr>
-        <p:spPr>
-          <a:xfrm>
-            <a:off x="4410075" y="1985963"/>
-            <a:ext cx="3657600" cy="1965960"/>
-          </a:xfrm>
-        </p:spPr>
-        <p:txBody>
-          <a:bodyPr>
-            <a:normAutofit/>
-          </a:bodyPr>
-          <a:lstStyle>
-            <a:lvl1pPr>
-              <a:defRPr sz="1800"/>
-            </a:lvl1pPr>
-            <a:lvl2pPr>
-              <a:defRPr sz="1800"/>
-            </a:lvl2pPr>
-            <a:lvl3pPr>
-              <a:defRPr sz="1800"/>
-            </a:lvl3pPr>
-            <a:lvl4pPr>
-              <a:defRPr sz="1800"/>
-            </a:lvl4pPr>
-            <a:lvl5pPr>
-              <a:defRPr sz="1800"/>
-            </a:lvl5pPr>
-            <a:lvl6pPr>
-              <a:defRPr sz="1800"/>
-            </a:lvl6pPr>
-            <a:lvl7pPr>
-              <a:defRPr sz="1800"/>
-            </a:lvl7pPr>
-            <a:lvl8pPr>
-              <a:defRPr sz="1800"/>
-            </a:lvl8pPr>
-            <a:lvl9pPr>
-              <a:defRPr sz="1800"/>
-            </a:lvl9pPr>
-          </a:lstStyle>
-          <a:p>
-            <a:pPr lvl="0"/>
-            <a:r>
-              <a:rPr lang="x-none" smtClean="0"/>
-              <a:t>Click to edit Master text styles</a:t>
-            </a:r>
-          </a:p>
-          <a:p>
-            <a:pPr lvl="1"/>
-            <a:r>
-              <a:rPr lang="x-none" smtClean="0"/>
-              <a:t>Second level</a:t>
-            </a:r>
-          </a:p>
-          <a:p>
-            <a:pPr lvl="2"/>
-            <a:r>
-              <a:rPr lang="x-none" smtClean="0"/>
-              <a:t>Third level</a:t>
-            </a:r>
-          </a:p>
-          <a:p>
-            <a:pPr lvl="3"/>
-            <a:r>
-              <a:rPr lang="x-none" smtClean="0"/>
-              <a:t>Fourth level</a:t>
-            </a:r>
-          </a:p>
-          <a:p>
-            <a:pPr lvl="4"/>
-            <a:r>
-              <a:rPr lang="x-none" smtClean="0"/>
-              <a:t>Fifth level</a:t>
-            </a:r>
-            <a:endParaRPr dirty="0"/>
-          </a:p>
-        </p:txBody>
-      </p:sp>
-      <p:sp>
-        <p:nvSpPr>
-          <p:cNvPr id="5" name="Date Placeholder 4"/>
-          <p:cNvSpPr>
-            <a:spLocks noGrp="1"/>
-          </p:cNvSpPr>
-          <p:nvPr>
-            <p:ph type="dt" sz="half" idx="10"/>
-          </p:nvPr>
-        </p:nvSpPr>
-        <p:spPr/>
-        <p:txBody>
-          <a:bodyPr/>
-          <a:lstStyle/>
-          <a:p>
-            <a:fld id="{251BE8C5-5F70-427A-B471-4B6EB4966070}" type="datetimeFigureOut">
-              <a:rPr lang="en-CA" smtClean="0"/>
-              <a:t>2014-08-12</a:t>
-            </a:fld>
-            <a:endParaRPr lang="en-CA"/>
-          </a:p>
-        </p:txBody>
-      </p:sp>
-      <p:sp>
-        <p:nvSpPr>
-          <p:cNvPr id="6" name="Footer Placeholder 5"/>
-          <p:cNvSpPr>
-            <a:spLocks noGrp="1"/>
-          </p:cNvSpPr>
-          <p:nvPr>
-            <p:ph type="ftr" sz="quarter" idx="11"/>
-          </p:nvPr>
-        </p:nvSpPr>
-        <p:spPr/>
-        <p:txBody>
-          <a:bodyPr/>
-          <a:lstStyle/>
-          <a:p>
-            <a:endParaRPr lang="en-CA"/>
-          </a:p>
-        </p:txBody>
-      </p:sp>
-      <p:sp>
-        <p:nvSpPr>
-          <p:cNvPr id="7" name="Slide Number Placeholder 6"/>
-          <p:cNvSpPr>
-            <a:spLocks noGrp="1"/>
-          </p:cNvSpPr>
-          <p:nvPr>
-            <p:ph type="sldNum" sz="quarter" idx="12"/>
-          </p:nvPr>
-        </p:nvSpPr>
-        <p:spPr/>
-        <p:txBody>
-          <a:bodyPr/>
-          <a:lstStyle/>
-          <a:p>
-            <a:fld id="{9702344B-8F62-4CFB-875C-81497291C361}" type="slidenum">
-              <a:rPr lang="en-CA" smtClean="0"/>
-              <a:t>‹#›</a:t>
-            </a:fld>
-            <a:endParaRPr lang="en-CA"/>
-          </a:p>
-        </p:txBody>
-      </p:sp>
-      <p:sp>
-        <p:nvSpPr>
-          <p:cNvPr id="11" name="Content Placeholder 2"/>
-          <p:cNvSpPr>
-            <a:spLocks noGrp="1"/>
-          </p:cNvSpPr>
-          <p:nvPr>
-            <p:ph sz="half" idx="15"/>
-          </p:nvPr>
-        </p:nvSpPr>
-        <p:spPr>
-          <a:xfrm>
-            <a:off x="498518" y="1985963"/>
-            <a:ext cx="3657600" cy="4140200"/>
-          </a:xfrm>
-        </p:spPr>
-        <p:txBody>
-          <a:bodyPr>
-            <a:normAutofit/>
-          </a:bodyPr>
-          <a:lstStyle>
-            <a:lvl1pPr>
-              <a:defRPr sz="1800"/>
-            </a:lvl1pPr>
-            <a:lvl2pPr>
-              <a:defRPr sz="1800"/>
-            </a:lvl2pPr>
-            <a:lvl3pPr>
-              <a:defRPr sz="1800"/>
-            </a:lvl3pPr>
-            <a:lvl4pPr>
-              <a:defRPr sz="1800"/>
-            </a:lvl4pPr>
-            <a:lvl5pPr>
-              <a:defRPr sz="1800"/>
-            </a:lvl5pPr>
-            <a:lvl6pPr>
-              <a:defRPr sz="1800"/>
-            </a:lvl6pPr>
-            <a:lvl7pPr>
-              <a:defRPr sz="1800"/>
-            </a:lvl7pPr>
-            <a:lvl8pPr>
-              <a:defRPr sz="1800"/>
-            </a:lvl8pPr>
-            <a:lvl9pPr>
-              <a:defRPr sz="1800"/>
-            </a:lvl9pPr>
-          </a:lstStyle>
-          <a:p>
-            <a:pPr lvl="0"/>
-            <a:r>
-              <a:rPr lang="x-none" smtClean="0"/>
-              <a:t>Click to edit Master text styles</a:t>
-            </a:r>
-          </a:p>
-          <a:p>
-            <a:pPr lvl="1"/>
-            <a:r>
-              <a:rPr lang="x-none" smtClean="0"/>
-              <a:t>Second level</a:t>
-            </a:r>
-          </a:p>
-          <a:p>
-            <a:pPr lvl="2"/>
-            <a:r>
-              <a:rPr lang="x-none" smtClean="0"/>
-              <a:t>Third level</a:t>
-            </a:r>
-          </a:p>
-          <a:p>
-            <a:pPr lvl="3"/>
-            <a:r>
-              <a:rPr lang="x-none" smtClean="0"/>
-              <a:t>Fourth level</a:t>
-            </a:r>
-          </a:p>
-          <a:p>
-            <a:pPr lvl="4"/>
-            <a:r>
-              <a:rPr lang="x-none" smtClean="0"/>
-              <a:t>Fifth level</a:t>
-            </a:r>
-            <a:endParaRPr dirty="0"/>
-          </a:p>
-        </p:txBody>
-      </p:sp>
-      <p:sp>
-        <p:nvSpPr>
-          <p:cNvPr id="13" name="Content Placeholder 2"/>
-          <p:cNvSpPr>
-            <a:spLocks noGrp="1"/>
-          </p:cNvSpPr>
-          <p:nvPr>
-            <p:ph sz="half" idx="16"/>
-          </p:nvPr>
-        </p:nvSpPr>
-        <p:spPr>
-          <a:xfrm>
-            <a:off x="4410075" y="4169664"/>
-            <a:ext cx="3657600" cy="1965960"/>
-          </a:xfrm>
-        </p:spPr>
-        <p:txBody>
-          <a:bodyPr>
-            <a:normAutofit/>
-          </a:bodyPr>
-          <a:lstStyle>
-            <a:lvl1pPr>
-              <a:defRPr sz="1800"/>
-            </a:lvl1pPr>
-            <a:lvl2pPr>
-              <a:defRPr sz="1800"/>
-            </a:lvl2pPr>
-            <a:lvl3pPr>
-              <a:defRPr sz="1800"/>
-            </a:lvl3pPr>
-            <a:lvl4pPr>
-              <a:defRPr sz="1800"/>
-            </a:lvl4pPr>
-            <a:lvl5pPr>
-              <a:defRPr sz="1800"/>
-            </a:lvl5pPr>
-            <a:lvl6pPr>
-              <a:defRPr sz="1800"/>
-            </a:lvl6pPr>
-            <a:lvl7pPr>
-              <a:defRPr sz="1800"/>
-            </a:lvl7pPr>
-            <a:lvl8pPr>
-              <a:defRPr sz="1800"/>
-            </a:lvl8pPr>
-            <a:lvl9pPr>
-              <a:defRPr sz="1800"/>
-            </a:lvl9pPr>
-          </a:lstStyle>
-          <a:p>
-            <a:pPr lvl="0"/>
-            <a:r>
-              <a:rPr lang="x-none" smtClean="0"/>
-              <a:t>Click to edit Master text styles</a:t>
-            </a:r>
-          </a:p>
-          <a:p>
-            <a:pPr lvl="1"/>
-            <a:r>
-              <a:rPr lang="x-none" smtClean="0"/>
-              <a:t>Second level</a:t>
-            </a:r>
-          </a:p>
-          <a:p>
-            <a:pPr lvl="2"/>
-            <a:r>
-              <a:rPr lang="x-none" smtClean="0"/>
-              <a:t>Third level</a:t>
-            </a:r>
-          </a:p>
-          <a:p>
-            <a:pPr lvl="3"/>
-            <a:r>
-              <a:rPr lang="x-none" smtClean="0"/>
-              <a:t>Fourth level</a:t>
-            </a:r>
-          </a:p>
-          <a:p>
-            <a:pPr lvl="4"/>
-            <a:r>
-              <a:rPr lang="x-none" smtClean="0"/>
-              <a:t>Fifth level</a:t>
-            </a:r>
-            <a:endParaRPr dirty="0"/>
-          </a:p>
-        </p:txBody>
-      </p:sp>
-    </p:spTree>
-  </p:cSld>
-  <p:clrMapOvr>
-    <a:masterClrMapping/>
-  </p:clrMapOvr>
-</p:sldLayout>
-</file>
-
-<file path=ppt/slideLayouts/slideLayout41.xml><?xml version="1.0" encoding="utf-8"?>
-<p:sldLayout xmlns:a="http://schemas.openxmlformats.org/drawingml/2006/main" xmlns:r="http://schemas.openxmlformats.org/officeDocument/2006/relationships" xmlns:p="http://schemas.openxmlformats.org/presentationml/2006/main" preserve="1">
-  <p:cSld name="4 Content">
-    <p:spTree>
-      <p:nvGrpSpPr>
-        <p:cNvPr id="1" name=""/>
-        <p:cNvGrpSpPr/>
-        <p:nvPr/>
-      </p:nvGrpSpPr>
-      <p:grpSpPr>
-        <a:xfrm>
-          <a:off x="0" y="0"/>
-          <a:ext cx="0" cy="0"/>
-          <a:chOff x="0" y="0"/>
-          <a:chExt cx="0" cy="0"/>
-        </a:xfrm>
-      </p:grpSpPr>
-      <p:sp>
-        <p:nvSpPr>
-          <p:cNvPr id="8" name="Rectangle 7"/>
-          <p:cNvSpPr/>
-          <p:nvPr/>
-        </p:nvSpPr>
-        <p:spPr>
-          <a:xfrm>
-            <a:off x="8166847" y="282574"/>
-            <a:ext cx="685800" cy="1600200"/>
-          </a:xfrm>
-          <a:prstGeom prst="rect">
-            <a:avLst/>
-          </a:prstGeom>
-          <a:solidFill>
-            <a:schemeClr val="accent1"/>
-          </a:solidFill>
-          <a:ln>
-            <a:noFill/>
-          </a:ln>
-        </p:spPr>
-        <p:style>
-          <a:lnRef idx="2">
-            <a:schemeClr val="accent1">
-              <a:shade val="50000"/>
-            </a:schemeClr>
-          </a:lnRef>
-          <a:fillRef idx="1">
-            <a:schemeClr val="accent1"/>
-          </a:fillRef>
-          <a:effectRef idx="0">
-            <a:schemeClr val="accent1"/>
-          </a:effectRef>
-          <a:fontRef idx="minor">
-            <a:schemeClr val="lt1"/>
-          </a:fontRef>
-        </p:style>
-        <p:txBody>
-          <a:bodyPr rtlCol="0" anchor="ctr"/>
-          <a:lstStyle/>
-          <a:p>
-            <a:pPr algn="ctr"/>
-            <a:endParaRPr/>
-          </a:p>
-        </p:txBody>
-      </p:sp>
-      <p:sp>
-        <p:nvSpPr>
-          <p:cNvPr id="10" name="TextBox 9"/>
-          <p:cNvSpPr txBox="1"/>
-          <p:nvPr/>
-        </p:nvSpPr>
-        <p:spPr>
-          <a:xfrm>
-            <a:off x="223185" y="228600"/>
-            <a:ext cx="260909" cy="553998"/>
-          </a:xfrm>
-          <a:prstGeom prst="rect">
-            <a:avLst/>
-          </a:prstGeom>
-          <a:noFill/>
-        </p:spPr>
-        <p:txBody>
-          <a:bodyPr wrap="square" lIns="0" tIns="0" rIns="0" bIns="0" rtlCol="0">
-            <a:spAutoFit/>
-          </a:bodyPr>
-          <a:lstStyle/>
-          <a:p>
-            <a:r>
-              <a:rPr sz="3600" b="1">
-                <a:solidFill>
-                  <a:schemeClr val="accent1">
-                    <a:lumMod val="60000"/>
-                    <a:lumOff val="40000"/>
-                  </a:schemeClr>
-                </a:solidFill>
-              </a:rPr>
-              <a:t>+</a:t>
-            </a:r>
-          </a:p>
-        </p:txBody>
-      </p:sp>
-      <p:sp>
-        <p:nvSpPr>
-          <p:cNvPr id="2" name="Title 1"/>
-          <p:cNvSpPr>
-            <a:spLocks noGrp="1"/>
-          </p:cNvSpPr>
-          <p:nvPr>
-            <p:ph type="title"/>
-          </p:nvPr>
-        </p:nvSpPr>
-        <p:spPr/>
-        <p:txBody>
-          <a:bodyPr/>
-          <a:lstStyle/>
-          <a:p>
-            <a:r>
-              <a:rPr lang="x-none" smtClean="0"/>
-              <a:t>Click to edit Master title style</a:t>
-            </a:r>
-            <a:endParaRPr/>
-          </a:p>
-        </p:txBody>
-      </p:sp>
-      <p:sp>
-        <p:nvSpPr>
-          <p:cNvPr id="5" name="Date Placeholder 4"/>
-          <p:cNvSpPr>
-            <a:spLocks noGrp="1"/>
-          </p:cNvSpPr>
-          <p:nvPr>
-            <p:ph type="dt" sz="half" idx="10"/>
-          </p:nvPr>
-        </p:nvSpPr>
-        <p:spPr/>
-        <p:txBody>
-          <a:bodyPr/>
-          <a:lstStyle/>
-          <a:p>
-            <a:fld id="{251BE8C5-5F70-427A-B471-4B6EB4966070}" type="datetimeFigureOut">
-              <a:rPr lang="en-CA" smtClean="0"/>
-              <a:t>2014-08-12</a:t>
-            </a:fld>
-            <a:endParaRPr lang="en-CA"/>
-          </a:p>
-        </p:txBody>
-      </p:sp>
-      <p:sp>
-        <p:nvSpPr>
-          <p:cNvPr id="6" name="Footer Placeholder 5"/>
-          <p:cNvSpPr>
-            <a:spLocks noGrp="1"/>
-          </p:cNvSpPr>
-          <p:nvPr>
-            <p:ph type="ftr" sz="quarter" idx="11"/>
-          </p:nvPr>
-        </p:nvSpPr>
-        <p:spPr/>
-        <p:txBody>
-          <a:bodyPr/>
-          <a:lstStyle/>
-          <a:p>
-            <a:endParaRPr lang="en-CA"/>
-          </a:p>
-        </p:txBody>
-      </p:sp>
-      <p:sp>
-        <p:nvSpPr>
-          <p:cNvPr id="7" name="Slide Number Placeholder 6"/>
-          <p:cNvSpPr>
-            <a:spLocks noGrp="1"/>
-          </p:cNvSpPr>
-          <p:nvPr>
-            <p:ph type="sldNum" sz="quarter" idx="12"/>
-          </p:nvPr>
-        </p:nvSpPr>
-        <p:spPr/>
-        <p:txBody>
-          <a:bodyPr/>
-          <a:lstStyle/>
-          <a:p>
-            <a:fld id="{9702344B-8F62-4CFB-875C-81497291C361}" type="slidenum">
-              <a:rPr lang="en-CA" smtClean="0"/>
-              <a:t>‹#›</a:t>
-            </a:fld>
-            <a:endParaRPr lang="en-CA"/>
-          </a:p>
-        </p:txBody>
-      </p:sp>
-      <p:sp>
-        <p:nvSpPr>
-          <p:cNvPr id="12" name="Content Placeholder 2"/>
-          <p:cNvSpPr>
-            <a:spLocks noGrp="1"/>
-          </p:cNvSpPr>
-          <p:nvPr>
-            <p:ph sz="half" idx="17"/>
-          </p:nvPr>
-        </p:nvSpPr>
-        <p:spPr>
-          <a:xfrm>
-            <a:off x="502920" y="1985963"/>
-            <a:ext cx="3657413" cy="1965960"/>
-          </a:xfrm>
-        </p:spPr>
-        <p:txBody>
-          <a:bodyPr>
-            <a:normAutofit/>
-          </a:bodyPr>
-          <a:lstStyle>
-            <a:lvl1pPr>
-              <a:defRPr sz="1800"/>
-            </a:lvl1pPr>
-            <a:lvl2pPr>
-              <a:defRPr sz="1800"/>
-            </a:lvl2pPr>
-            <a:lvl3pPr>
-              <a:defRPr sz="1800"/>
-            </a:lvl3pPr>
-            <a:lvl4pPr>
-              <a:defRPr sz="1800"/>
-            </a:lvl4pPr>
-            <a:lvl5pPr>
-              <a:defRPr sz="1800"/>
-            </a:lvl5pPr>
-            <a:lvl6pPr>
-              <a:defRPr sz="1800"/>
-            </a:lvl6pPr>
-            <a:lvl7pPr>
-              <a:defRPr sz="1800"/>
-            </a:lvl7pPr>
-            <a:lvl8pPr>
-              <a:defRPr sz="1800"/>
-            </a:lvl8pPr>
-            <a:lvl9pPr>
-              <a:defRPr sz="1800"/>
-            </a:lvl9pPr>
-          </a:lstStyle>
-          <a:p>
-            <a:pPr lvl="0"/>
-            <a:r>
-              <a:rPr lang="x-none" smtClean="0"/>
-              <a:t>Click to edit Master text styles</a:t>
-            </a:r>
-          </a:p>
-          <a:p>
-            <a:pPr lvl="1"/>
-            <a:r>
-              <a:rPr lang="x-none" smtClean="0"/>
-              <a:t>Second level</a:t>
-            </a:r>
-          </a:p>
-          <a:p>
-            <a:pPr lvl="2"/>
-            <a:r>
-              <a:rPr lang="x-none" smtClean="0"/>
-              <a:t>Third level</a:t>
-            </a:r>
-          </a:p>
-          <a:p>
-            <a:pPr lvl="3"/>
-            <a:r>
-              <a:rPr lang="x-none" smtClean="0"/>
-              <a:t>Fourth level</a:t>
-            </a:r>
-          </a:p>
-          <a:p>
-            <a:pPr lvl="4"/>
-            <a:r>
-              <a:rPr lang="x-none" smtClean="0"/>
-              <a:t>Fifth level</a:t>
-            </a:r>
-            <a:endParaRPr dirty="0"/>
-          </a:p>
-        </p:txBody>
-      </p:sp>
-      <p:sp>
-        <p:nvSpPr>
-          <p:cNvPr id="14" name="Content Placeholder 2"/>
-          <p:cNvSpPr>
-            <a:spLocks noGrp="1"/>
-          </p:cNvSpPr>
-          <p:nvPr>
-            <p:ph sz="half" idx="18"/>
-          </p:nvPr>
-        </p:nvSpPr>
-        <p:spPr>
-          <a:xfrm>
-            <a:off x="502920" y="4164965"/>
-            <a:ext cx="3657413" cy="1965960"/>
-          </a:xfrm>
-        </p:spPr>
-        <p:txBody>
-          <a:bodyPr>
-            <a:normAutofit/>
-          </a:bodyPr>
-          <a:lstStyle>
-            <a:lvl1pPr>
-              <a:defRPr sz="1800"/>
-            </a:lvl1pPr>
-            <a:lvl2pPr>
-              <a:defRPr sz="1800"/>
-            </a:lvl2pPr>
-            <a:lvl3pPr>
-              <a:defRPr sz="1800"/>
-            </a:lvl3pPr>
-            <a:lvl4pPr>
-              <a:defRPr sz="1800"/>
-            </a:lvl4pPr>
-            <a:lvl5pPr>
-              <a:defRPr sz="1800"/>
-            </a:lvl5pPr>
-            <a:lvl6pPr>
-              <a:defRPr sz="1800"/>
-            </a:lvl6pPr>
-            <a:lvl7pPr>
-              <a:defRPr sz="1800"/>
-            </a:lvl7pPr>
-            <a:lvl8pPr>
-              <a:defRPr sz="1800"/>
-            </a:lvl8pPr>
-            <a:lvl9pPr>
-              <a:defRPr sz="1800"/>
-            </a:lvl9pPr>
-          </a:lstStyle>
-          <a:p>
-            <a:pPr lvl="0"/>
-            <a:r>
-              <a:rPr lang="x-none" smtClean="0"/>
-              <a:t>Click to edit Master text styles</a:t>
-            </a:r>
-          </a:p>
-          <a:p>
-            <a:pPr lvl="1"/>
-            <a:r>
-              <a:rPr lang="x-none" smtClean="0"/>
-              <a:t>Second level</a:t>
-            </a:r>
-          </a:p>
-          <a:p>
-            <a:pPr lvl="2"/>
-            <a:r>
-              <a:rPr lang="x-none" smtClean="0"/>
-              <a:t>Third level</a:t>
-            </a:r>
-          </a:p>
-          <a:p>
-            <a:pPr lvl="3"/>
-            <a:r>
-              <a:rPr lang="x-none" smtClean="0"/>
-              <a:t>Fourth level</a:t>
-            </a:r>
-          </a:p>
-          <a:p>
-            <a:pPr lvl="4"/>
-            <a:r>
-              <a:rPr lang="x-none" smtClean="0"/>
-              <a:t>Fifth level</a:t>
-            </a:r>
-            <a:endParaRPr dirty="0"/>
-          </a:p>
-        </p:txBody>
-      </p:sp>
-      <p:sp>
-        <p:nvSpPr>
-          <p:cNvPr id="15" name="Content Placeholder 2"/>
-          <p:cNvSpPr>
-            <a:spLocks noGrp="1"/>
-          </p:cNvSpPr>
-          <p:nvPr>
-            <p:ph sz="half" idx="1"/>
-          </p:nvPr>
-        </p:nvSpPr>
-        <p:spPr>
-          <a:xfrm>
-            <a:off x="4410075" y="1985963"/>
-            <a:ext cx="3657600" cy="1965960"/>
-          </a:xfrm>
-        </p:spPr>
-        <p:txBody>
-          <a:bodyPr>
-            <a:normAutofit/>
-          </a:bodyPr>
-          <a:lstStyle>
-            <a:lvl1pPr>
-              <a:defRPr sz="1800"/>
-            </a:lvl1pPr>
-            <a:lvl2pPr>
-              <a:defRPr sz="1800"/>
-            </a:lvl2pPr>
-            <a:lvl3pPr>
-              <a:defRPr sz="1800"/>
-            </a:lvl3pPr>
-            <a:lvl4pPr>
-              <a:defRPr sz="1800"/>
-            </a:lvl4pPr>
-            <a:lvl5pPr>
-              <a:defRPr sz="1800"/>
-            </a:lvl5pPr>
-            <a:lvl6pPr>
-              <a:defRPr sz="1800"/>
-            </a:lvl6pPr>
-            <a:lvl7pPr>
-              <a:defRPr sz="1800"/>
-            </a:lvl7pPr>
-            <a:lvl8pPr>
-              <a:defRPr sz="1800"/>
-            </a:lvl8pPr>
-            <a:lvl9pPr>
-              <a:defRPr sz="1800"/>
-            </a:lvl9pPr>
-          </a:lstStyle>
-          <a:p>
-            <a:pPr lvl="0"/>
-            <a:r>
-              <a:rPr lang="x-none" smtClean="0"/>
-              <a:t>Click to edit Master text styles</a:t>
-            </a:r>
-          </a:p>
-          <a:p>
-            <a:pPr lvl="1"/>
-            <a:r>
-              <a:rPr lang="x-none" smtClean="0"/>
-              <a:t>Second level</a:t>
-            </a:r>
-          </a:p>
-          <a:p>
-            <a:pPr lvl="2"/>
-            <a:r>
-              <a:rPr lang="x-none" smtClean="0"/>
-              <a:t>Third level</a:t>
-            </a:r>
-          </a:p>
-          <a:p>
-            <a:pPr lvl="3"/>
-            <a:r>
-              <a:rPr lang="x-none" smtClean="0"/>
-              <a:t>Fourth level</a:t>
-            </a:r>
-          </a:p>
-          <a:p>
-            <a:pPr lvl="4"/>
-            <a:r>
-              <a:rPr lang="x-none" smtClean="0"/>
-              <a:t>Fifth level</a:t>
-            </a:r>
-            <a:endParaRPr dirty="0"/>
-          </a:p>
-        </p:txBody>
-      </p:sp>
-      <p:sp>
-        <p:nvSpPr>
-          <p:cNvPr id="16" name="Content Placeholder 2"/>
-          <p:cNvSpPr>
-            <a:spLocks noGrp="1"/>
-          </p:cNvSpPr>
-          <p:nvPr>
-            <p:ph sz="half" idx="16"/>
-          </p:nvPr>
-        </p:nvSpPr>
-        <p:spPr>
-          <a:xfrm>
-            <a:off x="4410075" y="4169664"/>
-            <a:ext cx="3657600" cy="1965960"/>
-          </a:xfrm>
-        </p:spPr>
-        <p:txBody>
-          <a:bodyPr>
-            <a:normAutofit/>
-          </a:bodyPr>
-          <a:lstStyle>
-            <a:lvl1pPr>
-              <a:defRPr sz="1800"/>
-            </a:lvl1pPr>
-            <a:lvl2pPr>
-              <a:defRPr sz="1800"/>
-            </a:lvl2pPr>
-            <a:lvl3pPr>
-              <a:defRPr sz="1800"/>
-            </a:lvl3pPr>
-            <a:lvl4pPr>
-              <a:defRPr sz="1800"/>
-            </a:lvl4pPr>
-            <a:lvl5pPr>
-              <a:defRPr sz="1800"/>
-            </a:lvl5pPr>
-            <a:lvl6pPr>
-              <a:defRPr sz="1800"/>
-            </a:lvl6pPr>
-            <a:lvl7pPr>
-              <a:defRPr sz="1800"/>
-            </a:lvl7pPr>
-            <a:lvl8pPr>
-              <a:defRPr sz="1800"/>
-            </a:lvl8pPr>
-            <a:lvl9pPr>
-              <a:defRPr sz="1800"/>
-            </a:lvl9pPr>
-          </a:lstStyle>
-          <a:p>
-            <a:pPr lvl="0"/>
-            <a:r>
-              <a:rPr lang="x-none" smtClean="0"/>
-              <a:t>Click to edit Master text styles</a:t>
-            </a:r>
-          </a:p>
-          <a:p>
-            <a:pPr lvl="1"/>
-            <a:r>
-              <a:rPr lang="x-none" smtClean="0"/>
-              <a:t>Second level</a:t>
-            </a:r>
-          </a:p>
-          <a:p>
-            <a:pPr lvl="2"/>
-            <a:r>
-              <a:rPr lang="x-none" smtClean="0"/>
-              <a:t>Third level</a:t>
-            </a:r>
-          </a:p>
-          <a:p>
-            <a:pPr lvl="3"/>
-            <a:r>
-              <a:rPr lang="x-none" smtClean="0"/>
-              <a:t>Fourth level</a:t>
-            </a:r>
-          </a:p>
-          <a:p>
-            <a:pPr lvl="4"/>
-            <a:r>
-              <a:rPr lang="x-none" smtClean="0"/>
-              <a:t>Fifth level</a:t>
-            </a:r>
-            <a:endParaRPr dirty="0"/>
-          </a:p>
-        </p:txBody>
-      </p:sp>
-    </p:spTree>
-  </p:cSld>
-  <p:clrMapOvr>
-    <a:masterClrMapping/>
-  </p:clrMapOvr>
-</p:sldLayout>
-</file>
-
-<file path=ppt/slideLayouts/slideLayout42.xml><?xml version="1.0" encoding="utf-8"?>
-<p:sldLayout xmlns:a="http://schemas.openxmlformats.org/drawingml/2006/main" xmlns:r="http://schemas.openxmlformats.org/officeDocument/2006/relationships" xmlns:p="http://schemas.openxmlformats.org/presentationml/2006/main" preserve="1">
-  <p:cSld name="Title Only">
-    <p:spTree>
-      <p:nvGrpSpPr>
-        <p:cNvPr id="1" name=""/>
-        <p:cNvGrpSpPr/>
-        <p:nvPr/>
-      </p:nvGrpSpPr>
-      <p:grpSpPr>
-        <a:xfrm>
-          <a:off x="0" y="0"/>
-          <a:ext cx="0" cy="0"/>
-          <a:chOff x="0" y="0"/>
-          <a:chExt cx="0" cy="0"/>
-        </a:xfrm>
-      </p:grpSpPr>
-      <p:sp>
-        <p:nvSpPr>
-          <p:cNvPr id="6" name="Rectangle 5"/>
-          <p:cNvSpPr/>
-          <p:nvPr/>
-        </p:nvSpPr>
-        <p:spPr>
-          <a:xfrm>
-            <a:off x="8166847" y="282574"/>
-            <a:ext cx="685800" cy="1600200"/>
-          </a:xfrm>
-          <a:prstGeom prst="rect">
-            <a:avLst/>
-          </a:prstGeom>
-          <a:solidFill>
-            <a:schemeClr val="accent1"/>
-          </a:solidFill>
-          <a:ln>
-            <a:noFill/>
-          </a:ln>
-        </p:spPr>
-        <p:style>
-          <a:lnRef idx="2">
-            <a:schemeClr val="accent1">
-              <a:shade val="50000"/>
-            </a:schemeClr>
-          </a:lnRef>
-          <a:fillRef idx="1">
-            <a:schemeClr val="accent1"/>
-          </a:fillRef>
-          <a:effectRef idx="0">
-            <a:schemeClr val="accent1"/>
-          </a:effectRef>
-          <a:fontRef idx="minor">
-            <a:schemeClr val="lt1"/>
-          </a:fontRef>
-        </p:style>
-        <p:txBody>
-          <a:bodyPr rtlCol="0" anchor="ctr"/>
-          <a:lstStyle/>
-          <a:p>
-            <a:pPr algn="ctr"/>
-            <a:endParaRPr/>
-          </a:p>
-        </p:txBody>
-      </p:sp>
-      <p:sp>
-        <p:nvSpPr>
-          <p:cNvPr id="8" name="TextBox 7"/>
-          <p:cNvSpPr txBox="1"/>
-          <p:nvPr/>
-        </p:nvSpPr>
-        <p:spPr>
-          <a:xfrm>
-            <a:off x="223185" y="228600"/>
-            <a:ext cx="260909" cy="553998"/>
-          </a:xfrm>
-          <a:prstGeom prst="rect">
-            <a:avLst/>
-          </a:prstGeom>
-          <a:noFill/>
-        </p:spPr>
-        <p:txBody>
-          <a:bodyPr wrap="square" lIns="0" tIns="0" rIns="0" bIns="0" rtlCol="0">
-            <a:spAutoFit/>
-          </a:bodyPr>
-          <a:lstStyle/>
-          <a:p>
-            <a:r>
-              <a:rPr sz="3600" b="1">
-                <a:solidFill>
-                  <a:schemeClr val="accent1">
-                    <a:lumMod val="60000"/>
-                    <a:lumOff val="40000"/>
-                  </a:schemeClr>
-                </a:solidFill>
-              </a:rPr>
-              <a:t>+</a:t>
-            </a:r>
-          </a:p>
-        </p:txBody>
-      </p:sp>
-      <p:sp>
-        <p:nvSpPr>
-          <p:cNvPr id="2" name="Title 1"/>
-          <p:cNvSpPr>
-            <a:spLocks noGrp="1"/>
-          </p:cNvSpPr>
-          <p:nvPr>
-            <p:ph type="title"/>
-          </p:nvPr>
-        </p:nvSpPr>
-        <p:spPr/>
-        <p:txBody>
-          <a:bodyPr/>
-          <a:lstStyle/>
-          <a:p>
-            <a:r>
-              <a:rPr lang="x-none" smtClean="0"/>
-              <a:t>Click to edit Master title style</a:t>
-            </a:r>
-            <a:endParaRPr/>
-          </a:p>
-        </p:txBody>
-      </p:sp>
-      <p:sp>
-        <p:nvSpPr>
-          <p:cNvPr id="3" name="Date Placeholder 2"/>
-          <p:cNvSpPr>
-            <a:spLocks noGrp="1"/>
-          </p:cNvSpPr>
-          <p:nvPr>
-            <p:ph type="dt" sz="half" idx="10"/>
-          </p:nvPr>
-        </p:nvSpPr>
-        <p:spPr/>
-        <p:txBody>
-          <a:bodyPr/>
-          <a:lstStyle/>
-          <a:p>
-            <a:fld id="{251BE8C5-5F70-427A-B471-4B6EB4966070}" type="datetimeFigureOut">
-              <a:rPr lang="en-CA" smtClean="0"/>
-              <a:t>2014-08-12</a:t>
-            </a:fld>
-            <a:endParaRPr lang="en-CA"/>
-          </a:p>
-        </p:txBody>
-      </p:sp>
-      <p:sp>
-        <p:nvSpPr>
-          <p:cNvPr id="4" name="Footer Placeholder 3"/>
-          <p:cNvSpPr>
-            <a:spLocks noGrp="1"/>
-          </p:cNvSpPr>
-          <p:nvPr>
-            <p:ph type="ftr" sz="quarter" idx="11"/>
-          </p:nvPr>
-        </p:nvSpPr>
-        <p:spPr/>
-        <p:txBody>
-          <a:bodyPr/>
-          <a:lstStyle/>
-          <a:p>
-            <a:endParaRPr lang="en-CA"/>
-          </a:p>
-        </p:txBody>
-      </p:sp>
-      <p:sp>
-        <p:nvSpPr>
-          <p:cNvPr id="5" name="Slide Number Placeholder 4"/>
-          <p:cNvSpPr>
-            <a:spLocks noGrp="1"/>
-          </p:cNvSpPr>
-          <p:nvPr>
-            <p:ph type="sldNum" sz="quarter" idx="12"/>
-          </p:nvPr>
-        </p:nvSpPr>
-        <p:spPr/>
-        <p:txBody>
-          <a:bodyPr/>
-          <a:lstStyle/>
-          <a:p>
-            <a:fld id="{9702344B-8F62-4CFB-875C-81497291C361}" type="slidenum">
-              <a:rPr lang="en-CA" smtClean="0"/>
-              <a:t>‹#›</a:t>
-            </a:fld>
-            <a:endParaRPr lang="en-CA"/>
-          </a:p>
-        </p:txBody>
-      </p:sp>
-    </p:spTree>
-  </p:cSld>
-  <p:clrMapOvr>
-    <a:masterClrMapping/>
-  </p:clrMapOvr>
-</p:sldLayout>
-</file>
-
-<file path=ppt/slideLayouts/slideLayout43.xml><?xml version="1.0" encoding="utf-8"?>
-<p:sldLayout xmlns:a="http://schemas.openxmlformats.org/drawingml/2006/main" xmlns:r="http://schemas.openxmlformats.org/officeDocument/2006/relationships" xmlns:p="http://schemas.openxmlformats.org/presentationml/2006/main" preserve="1">
-  <p:cSld name="Blank">
-    <p:spTree>
-      <p:nvGrpSpPr>
-        <p:cNvPr id="1" name=""/>
-        <p:cNvGrpSpPr/>
-        <p:nvPr/>
-      </p:nvGrpSpPr>
-      <p:grpSpPr>
-        <a:xfrm>
-          <a:off x="0" y="0"/>
-          <a:ext cx="0" cy="0"/>
-          <a:chOff x="0" y="0"/>
-          <a:chExt cx="0" cy="0"/>
-        </a:xfrm>
-      </p:grpSpPr>
-      <p:sp>
-        <p:nvSpPr>
-          <p:cNvPr id="5" name="Rectangle 4"/>
-          <p:cNvSpPr/>
-          <p:nvPr/>
-        </p:nvSpPr>
-        <p:spPr>
-          <a:xfrm>
-            <a:off x="8166847" y="282573"/>
-            <a:ext cx="685800" cy="302217"/>
-          </a:xfrm>
-          <a:prstGeom prst="rect">
-            <a:avLst/>
-          </a:prstGeom>
-          <a:solidFill>
-            <a:schemeClr val="accent1"/>
-          </a:solidFill>
-          <a:ln>
-            <a:noFill/>
-          </a:ln>
-        </p:spPr>
-        <p:style>
-          <a:lnRef idx="2">
-            <a:schemeClr val="accent1">
-              <a:shade val="50000"/>
-            </a:schemeClr>
-          </a:lnRef>
-          <a:fillRef idx="1">
-            <a:schemeClr val="accent1"/>
-          </a:fillRef>
-          <a:effectRef idx="0">
-            <a:schemeClr val="accent1"/>
-          </a:effectRef>
-          <a:fontRef idx="minor">
-            <a:schemeClr val="lt1"/>
-          </a:fontRef>
-        </p:style>
-        <p:txBody>
-          <a:bodyPr rtlCol="0" anchor="ctr"/>
-          <a:lstStyle/>
-          <a:p>
-            <a:pPr algn="ctr"/>
-            <a:endParaRPr/>
-          </a:p>
-        </p:txBody>
-      </p:sp>
-      <p:sp>
-        <p:nvSpPr>
-          <p:cNvPr id="2" name="Date Placeholder 1"/>
-          <p:cNvSpPr>
-            <a:spLocks noGrp="1"/>
-          </p:cNvSpPr>
-          <p:nvPr>
-            <p:ph type="dt" sz="half" idx="10"/>
-          </p:nvPr>
-        </p:nvSpPr>
-        <p:spPr/>
-        <p:txBody>
-          <a:bodyPr/>
-          <a:lstStyle/>
-          <a:p>
-            <a:fld id="{251BE8C5-5F70-427A-B471-4B6EB4966070}" type="datetimeFigureOut">
-              <a:rPr lang="en-CA" smtClean="0"/>
-              <a:t>2014-08-12</a:t>
-            </a:fld>
-            <a:endParaRPr lang="en-CA"/>
-          </a:p>
-        </p:txBody>
-      </p:sp>
-      <p:sp>
-        <p:nvSpPr>
-          <p:cNvPr id="3" name="Footer Placeholder 2"/>
-          <p:cNvSpPr>
-            <a:spLocks noGrp="1"/>
-          </p:cNvSpPr>
-          <p:nvPr>
-            <p:ph type="ftr" sz="quarter" idx="11"/>
-          </p:nvPr>
-        </p:nvSpPr>
-        <p:spPr/>
-        <p:txBody>
-          <a:bodyPr/>
-          <a:lstStyle/>
-          <a:p>
-            <a:endParaRPr lang="en-CA"/>
-          </a:p>
-        </p:txBody>
-      </p:sp>
-      <p:sp>
-        <p:nvSpPr>
-          <p:cNvPr id="4" name="Slide Number Placeholder 3"/>
-          <p:cNvSpPr>
-            <a:spLocks noGrp="1"/>
-          </p:cNvSpPr>
-          <p:nvPr>
-            <p:ph type="sldNum" sz="quarter" idx="12"/>
-          </p:nvPr>
-        </p:nvSpPr>
-        <p:spPr/>
-        <p:txBody>
-          <a:bodyPr/>
-          <a:lstStyle/>
-          <a:p>
-            <a:fld id="{9702344B-8F62-4CFB-875C-81497291C361}" type="slidenum">
-              <a:rPr lang="en-CA" smtClean="0"/>
-              <a:t>‹#›</a:t>
-            </a:fld>
-            <a:endParaRPr lang="en-CA"/>
-          </a:p>
-        </p:txBody>
-      </p:sp>
-    </p:spTree>
-  </p:cSld>
-  <p:clrMapOvr>
-    <a:masterClrMapping/>
-  </p:clrMapOvr>
-</p:sldLayout>
-</file>
-
-<file path=ppt/slideLayouts/slideLayout44.xml><?xml version="1.0" encoding="utf-8"?>
-<p:sldLayout xmlns:a="http://schemas.openxmlformats.org/drawingml/2006/main" xmlns:r="http://schemas.openxmlformats.org/officeDocument/2006/relationships" xmlns:p="http://schemas.openxmlformats.org/presentationml/2006/main" type="objTx" preserve="1">
-  <p:cSld name="Content with Caption">
-    <p:spTree>
-      <p:nvGrpSpPr>
-        <p:cNvPr id="1" name=""/>
-        <p:cNvGrpSpPr/>
-        <p:nvPr/>
-      </p:nvGrpSpPr>
-      <p:grpSpPr>
-        <a:xfrm>
-          <a:off x="0" y="0"/>
-          <a:ext cx="0" cy="0"/>
-          <a:chOff x="0" y="0"/>
-          <a:chExt cx="0" cy="0"/>
-        </a:xfrm>
-      </p:grpSpPr>
-      <p:sp>
-        <p:nvSpPr>
-          <p:cNvPr id="8" name="Rectangle 7"/>
-          <p:cNvSpPr/>
-          <p:nvPr/>
-        </p:nvSpPr>
-        <p:spPr>
-          <a:xfrm>
-            <a:off x="282575" y="228600"/>
-            <a:ext cx="3451225" cy="6345238"/>
-          </a:xfrm>
-          <a:prstGeom prst="rect">
-            <a:avLst/>
-          </a:prstGeom>
-          <a:solidFill>
-            <a:schemeClr val="accent1"/>
-          </a:solidFill>
-          <a:ln>
-            <a:noFill/>
-          </a:ln>
-        </p:spPr>
-        <p:style>
-          <a:lnRef idx="2">
-            <a:schemeClr val="accent1">
-              <a:shade val="50000"/>
-            </a:schemeClr>
-          </a:lnRef>
-          <a:fillRef idx="1">
-            <a:schemeClr val="accent1"/>
-          </a:fillRef>
-          <a:effectRef idx="0">
-            <a:schemeClr val="accent1"/>
-          </a:effectRef>
-          <a:fontRef idx="minor">
-            <a:schemeClr val="lt1"/>
-          </a:fontRef>
-        </p:style>
-        <p:txBody>
-          <a:bodyPr rtlCol="0" anchor="ctr"/>
-          <a:lstStyle/>
-          <a:p>
-            <a:pPr algn="ctr"/>
-            <a:endParaRPr/>
-          </a:p>
-        </p:txBody>
-      </p:sp>
-      <p:sp>
-        <p:nvSpPr>
-          <p:cNvPr id="2" name="Title 1"/>
-          <p:cNvSpPr>
-            <a:spLocks noGrp="1"/>
-          </p:cNvSpPr>
-          <p:nvPr>
-            <p:ph type="title"/>
-          </p:nvPr>
-        </p:nvSpPr>
-        <p:spPr>
-          <a:xfrm>
-            <a:off x="380555" y="2571750"/>
-            <a:ext cx="3255264" cy="1162050"/>
-          </a:xfrm>
-        </p:spPr>
-        <p:txBody>
-          <a:bodyPr anchor="b">
-            <a:normAutofit/>
-          </a:bodyPr>
-          <a:lstStyle>
-            <a:lvl1pPr algn="l">
-              <a:defRPr sz="2600" b="0">
-                <a:solidFill>
-                  <a:schemeClr val="bg1"/>
-                </a:solidFill>
-              </a:defRPr>
-            </a:lvl1pPr>
-          </a:lstStyle>
-          <a:p>
-            <a:r>
-              <a:rPr lang="x-none" smtClean="0"/>
-              <a:t>Click to edit Master title style</a:t>
-            </a:r>
-            <a:endParaRPr dirty="0"/>
-          </a:p>
-        </p:txBody>
-      </p:sp>
-      <p:sp>
-        <p:nvSpPr>
-          <p:cNvPr id="3" name="Content Placeholder 2"/>
-          <p:cNvSpPr>
-            <a:spLocks noGrp="1"/>
-          </p:cNvSpPr>
-          <p:nvPr>
-            <p:ph idx="1"/>
-          </p:nvPr>
-        </p:nvSpPr>
-        <p:spPr>
-          <a:xfrm>
-            <a:off x="4168775" y="273050"/>
-            <a:ext cx="4597399" cy="5853113"/>
-          </a:xfrm>
-        </p:spPr>
-        <p:txBody>
-          <a:bodyPr>
-            <a:normAutofit/>
-          </a:bodyPr>
-          <a:lstStyle>
-            <a:lvl1pPr>
-              <a:defRPr sz="1800"/>
-            </a:lvl1pPr>
-            <a:lvl2pPr>
-              <a:defRPr sz="1800"/>
-            </a:lvl2pPr>
-            <a:lvl3pPr>
-              <a:defRPr sz="1800"/>
-            </a:lvl3pPr>
-            <a:lvl4pPr>
-              <a:defRPr sz="1800"/>
-            </a:lvl4pPr>
-            <a:lvl5pPr>
-              <a:defRPr sz="1800"/>
-            </a:lvl5pPr>
-            <a:lvl6pPr>
-              <a:defRPr sz="2000"/>
-            </a:lvl6pPr>
-            <a:lvl7pPr>
-              <a:defRPr sz="2000"/>
-            </a:lvl7pPr>
-            <a:lvl8pPr>
-              <a:defRPr sz="2000"/>
-            </a:lvl8pPr>
-            <a:lvl9pPr>
-              <a:defRPr sz="2000"/>
-            </a:lvl9pPr>
-          </a:lstStyle>
-          <a:p>
-            <a:pPr lvl="0"/>
-            <a:r>
-              <a:rPr lang="x-none" smtClean="0"/>
-              <a:t>Click to edit Master text styles</a:t>
-            </a:r>
-          </a:p>
-          <a:p>
-            <a:pPr lvl="1"/>
-            <a:r>
-              <a:rPr lang="x-none" smtClean="0"/>
-              <a:t>Second level</a:t>
-            </a:r>
-          </a:p>
-          <a:p>
-            <a:pPr lvl="2"/>
-            <a:r>
-              <a:rPr lang="x-none" smtClean="0"/>
-              <a:t>Third level</a:t>
-            </a:r>
-          </a:p>
-          <a:p>
-            <a:pPr lvl="3"/>
-            <a:r>
-              <a:rPr lang="x-none" smtClean="0"/>
-              <a:t>Fourth level</a:t>
-            </a:r>
-          </a:p>
-          <a:p>
-            <a:pPr lvl="4"/>
-            <a:r>
-              <a:rPr lang="x-none" smtClean="0"/>
-              <a:t>Fifth level</a:t>
-            </a:r>
-            <a:endParaRPr dirty="0"/>
-          </a:p>
-        </p:txBody>
-      </p:sp>
-      <p:sp>
-        <p:nvSpPr>
-          <p:cNvPr id="4" name="Text Placeholder 3"/>
-          <p:cNvSpPr>
-            <a:spLocks noGrp="1"/>
-          </p:cNvSpPr>
-          <p:nvPr>
-            <p:ph type="body" sz="half" idx="2"/>
-          </p:nvPr>
-        </p:nvSpPr>
-        <p:spPr>
-          <a:xfrm>
-            <a:off x="381093" y="3733800"/>
-            <a:ext cx="3255264" cy="2392363"/>
-          </a:xfrm>
-        </p:spPr>
-        <p:txBody>
-          <a:bodyPr/>
-          <a:lstStyle>
-            <a:lvl1pPr marL="0" indent="0">
-              <a:spcBef>
-                <a:spcPts val="600"/>
-              </a:spcBef>
-              <a:buNone/>
-              <a:defRPr sz="1400">
-                <a:solidFill>
-                  <a:schemeClr val="bg1"/>
-                </a:solidFill>
-              </a:defRPr>
-            </a:lvl1pPr>
-            <a:lvl2pPr marL="457200" indent="0">
-              <a:buNone/>
-              <a:defRPr sz="1200"/>
-            </a:lvl2pPr>
-            <a:lvl3pPr marL="914400" indent="0">
-              <a:buNone/>
-              <a:defRPr sz="1000"/>
-            </a:lvl3pPr>
-            <a:lvl4pPr marL="1371600" indent="0">
-              <a:buNone/>
-              <a:defRPr sz="900"/>
-            </a:lvl4pPr>
-            <a:lvl5pPr marL="1828800" indent="0">
-              <a:buNone/>
-              <a:defRPr sz="900"/>
-            </a:lvl5pPr>
-            <a:lvl6pPr marL="2286000" indent="0">
-              <a:buNone/>
-              <a:defRPr sz="900"/>
-            </a:lvl6pPr>
-            <a:lvl7pPr marL="2743200" indent="0">
-              <a:buNone/>
-              <a:defRPr sz="900"/>
-            </a:lvl7pPr>
-            <a:lvl8pPr marL="3200400" indent="0">
-              <a:buNone/>
-              <a:defRPr sz="900"/>
-            </a:lvl8pPr>
-            <a:lvl9pPr marL="3657600" indent="0">
-              <a:buNone/>
-              <a:defRPr sz="900"/>
-            </a:lvl9pPr>
-          </a:lstStyle>
-          <a:p>
-            <a:pPr lvl="0"/>
-            <a:r>
-              <a:rPr lang="x-none" smtClean="0"/>
-              <a:t>Click to edit Master text styles</a:t>
-            </a:r>
-          </a:p>
-        </p:txBody>
-      </p:sp>
-      <p:sp>
-        <p:nvSpPr>
-          <p:cNvPr id="5" name="Date Placeholder 4"/>
-          <p:cNvSpPr>
-            <a:spLocks noGrp="1"/>
-          </p:cNvSpPr>
-          <p:nvPr>
-            <p:ph type="dt" sz="half" idx="10"/>
-          </p:nvPr>
-        </p:nvSpPr>
-        <p:spPr>
-          <a:xfrm>
-            <a:off x="7391399" y="6423585"/>
-            <a:ext cx="1537447" cy="365125"/>
-          </a:xfrm>
-        </p:spPr>
-        <p:txBody>
-          <a:bodyPr/>
-          <a:lstStyle/>
-          <a:p>
-            <a:fld id="{251BE8C5-5F70-427A-B471-4B6EB4966070}" type="datetimeFigureOut">
-              <a:rPr lang="en-CA" smtClean="0"/>
-              <a:t>2014-08-12</a:t>
-            </a:fld>
-            <a:endParaRPr lang="en-CA"/>
-          </a:p>
-        </p:txBody>
-      </p:sp>
-      <p:sp>
-        <p:nvSpPr>
-          <p:cNvPr id="6" name="Footer Placeholder 5"/>
-          <p:cNvSpPr>
-            <a:spLocks noGrp="1"/>
-          </p:cNvSpPr>
-          <p:nvPr>
-            <p:ph type="ftr" sz="quarter" idx="11"/>
-          </p:nvPr>
-        </p:nvSpPr>
-        <p:spPr>
-          <a:xfrm>
-            <a:off x="3859305" y="6423585"/>
-            <a:ext cx="3316941" cy="365125"/>
-          </a:xfrm>
-        </p:spPr>
-        <p:txBody>
-          <a:bodyPr/>
-          <a:lstStyle/>
-          <a:p>
-            <a:endParaRPr lang="en-CA"/>
-          </a:p>
-        </p:txBody>
-      </p:sp>
-      <p:sp>
-        <p:nvSpPr>
-          <p:cNvPr id="9" name="TextBox 8"/>
-          <p:cNvSpPr txBox="1"/>
-          <p:nvPr/>
-        </p:nvSpPr>
-        <p:spPr>
-          <a:xfrm>
-            <a:off x="424891" y="174812"/>
-            <a:ext cx="413309" cy="830997"/>
-          </a:xfrm>
-          <a:prstGeom prst="rect">
-            <a:avLst/>
-          </a:prstGeom>
-          <a:noFill/>
-        </p:spPr>
-        <p:txBody>
-          <a:bodyPr wrap="square" lIns="0" tIns="0" rIns="0" bIns="0" rtlCol="0">
-            <a:spAutoFit/>
-          </a:bodyPr>
-          <a:lstStyle/>
-          <a:p>
-            <a:r>
-              <a:rPr sz="5400" b="1">
-                <a:solidFill>
-                  <a:schemeClr val="accent1">
-                    <a:lumMod val="60000"/>
-                    <a:lumOff val="40000"/>
-                  </a:schemeClr>
-                </a:solidFill>
-              </a:rPr>
-              <a:t>+</a:t>
-            </a:r>
-          </a:p>
-        </p:txBody>
-      </p:sp>
-    </p:spTree>
-  </p:cSld>
-  <p:clrMapOvr>
-    <a:masterClrMapping/>
-  </p:clrMapOvr>
-</p:sldLayout>
-</file>
-
-<file path=ppt/slideLayouts/slideLayout45.xml><?xml version="1.0" encoding="utf-8"?>
-<p:sldLayout xmlns:a="http://schemas.openxmlformats.org/drawingml/2006/main" xmlns:r="http://schemas.openxmlformats.org/officeDocument/2006/relationships" xmlns:p="http://schemas.openxmlformats.org/presentationml/2006/main" type="picTx" preserve="1">
-  <p:cSld name="Picture with Caption">
-    <p:spTree>
-      <p:nvGrpSpPr>
-        <p:cNvPr id="1" name=""/>
-        <p:cNvGrpSpPr/>
-        <p:nvPr/>
-      </p:nvGrpSpPr>
-      <p:grpSpPr>
-        <a:xfrm>
-          <a:off x="0" y="0"/>
-          <a:ext cx="0" cy="0"/>
-          <a:chOff x="0" y="0"/>
-          <a:chExt cx="0" cy="0"/>
-        </a:xfrm>
-      </p:grpSpPr>
-      <p:sp>
-        <p:nvSpPr>
-          <p:cNvPr id="11" name="Rectangle 10"/>
-          <p:cNvSpPr/>
-          <p:nvPr/>
-        </p:nvSpPr>
-        <p:spPr>
-          <a:xfrm>
-            <a:off x="8166847" y="282573"/>
-            <a:ext cx="685800" cy="302217"/>
-          </a:xfrm>
-          <a:prstGeom prst="rect">
-            <a:avLst/>
-          </a:prstGeom>
-          <a:solidFill>
-            <a:schemeClr val="accent1"/>
-          </a:solidFill>
-          <a:ln>
-            <a:noFill/>
-          </a:ln>
-        </p:spPr>
-        <p:style>
-          <a:lnRef idx="2">
-            <a:schemeClr val="accent1">
-              <a:shade val="50000"/>
-            </a:schemeClr>
-          </a:lnRef>
-          <a:fillRef idx="1">
-            <a:schemeClr val="accent1"/>
-          </a:fillRef>
-          <a:effectRef idx="0">
-            <a:schemeClr val="accent1"/>
-          </a:effectRef>
-          <a:fontRef idx="minor">
-            <a:schemeClr val="lt1"/>
-          </a:fontRef>
-        </p:style>
-        <p:txBody>
-          <a:bodyPr rtlCol="0" anchor="ctr"/>
-          <a:lstStyle/>
-          <a:p>
-            <a:pPr algn="ctr"/>
-            <a:endParaRPr/>
-          </a:p>
-        </p:txBody>
-      </p:sp>
-      <p:sp>
-        <p:nvSpPr>
-          <p:cNvPr id="2" name="Title 1"/>
-          <p:cNvSpPr>
-            <a:spLocks noGrp="1"/>
-          </p:cNvSpPr>
-          <p:nvPr>
-            <p:ph type="title"/>
-          </p:nvPr>
-        </p:nvSpPr>
-        <p:spPr>
-          <a:xfrm>
-            <a:off x="4169404" y="3124200"/>
-            <a:ext cx="3898272" cy="871538"/>
-          </a:xfrm>
-        </p:spPr>
-        <p:txBody>
-          <a:bodyPr anchor="b">
-            <a:normAutofit/>
-          </a:bodyPr>
-          <a:lstStyle>
-            <a:lvl1pPr algn="l">
-              <a:defRPr sz="2600" b="0"/>
-            </a:lvl1pPr>
-          </a:lstStyle>
-          <a:p>
-            <a:r>
-              <a:rPr lang="x-none" smtClean="0"/>
-              <a:t>Click to edit Master title style</a:t>
-            </a:r>
-            <a:endParaRPr/>
-          </a:p>
-        </p:txBody>
-      </p:sp>
-      <p:sp>
-        <p:nvSpPr>
-          <p:cNvPr id="3" name="Picture Placeholder 2"/>
-          <p:cNvSpPr>
-            <a:spLocks noGrp="1"/>
-          </p:cNvSpPr>
-          <p:nvPr>
-            <p:ph type="pic" idx="1"/>
-          </p:nvPr>
-        </p:nvSpPr>
-        <p:spPr>
-          <a:xfrm>
-            <a:off x="277906" y="228600"/>
-            <a:ext cx="3460658" cy="6345238"/>
-          </a:xfrm>
-        </p:spPr>
-        <p:txBody>
-          <a:bodyPr/>
-          <a:lstStyle>
-            <a:lvl1pPr marL="0" indent="0">
-              <a:buNone/>
-              <a:defRPr sz="3200"/>
-            </a:lvl1pPr>
-            <a:lvl2pPr marL="457200" indent="0">
-              <a:buNone/>
-              <a:defRPr sz="2800"/>
-            </a:lvl2pPr>
-            <a:lvl3pPr marL="914400" indent="0">
-              <a:buNone/>
-              <a:defRPr sz="2400"/>
-            </a:lvl3pPr>
-            <a:lvl4pPr marL="1371600" indent="0">
-              <a:buNone/>
-              <a:defRPr sz="2000"/>
-            </a:lvl4pPr>
-            <a:lvl5pPr marL="1828800" indent="0">
-              <a:buNone/>
-              <a:defRPr sz="2000"/>
-            </a:lvl5pPr>
-            <a:lvl6pPr marL="2286000" indent="0">
-              <a:buNone/>
-              <a:defRPr sz="2000"/>
-            </a:lvl6pPr>
-            <a:lvl7pPr marL="2743200" indent="0">
-              <a:buNone/>
-              <a:defRPr sz="2000"/>
-            </a:lvl7pPr>
-            <a:lvl8pPr marL="3200400" indent="0">
-              <a:buNone/>
-              <a:defRPr sz="2000"/>
-            </a:lvl8pPr>
-            <a:lvl9pPr marL="3657600" indent="0">
-              <a:buNone/>
-              <a:defRPr sz="2000"/>
-            </a:lvl9pPr>
-          </a:lstStyle>
-          <a:p>
-            <a:r>
-              <a:rPr lang="x-none" smtClean="0"/>
-              <a:t>Drag picture to placeholder or click icon to add</a:t>
-            </a:r>
-            <a:endParaRPr/>
-          </a:p>
-        </p:txBody>
-      </p:sp>
-      <p:sp>
-        <p:nvSpPr>
-          <p:cNvPr id="4" name="Text Placeholder 3"/>
-          <p:cNvSpPr>
-            <a:spLocks noGrp="1"/>
-          </p:cNvSpPr>
-          <p:nvPr>
-            <p:ph type="body" sz="half" idx="2"/>
-          </p:nvPr>
-        </p:nvSpPr>
-        <p:spPr>
-          <a:xfrm>
-            <a:off x="4169404" y="3995737"/>
-            <a:ext cx="3898272" cy="2147888"/>
-          </a:xfrm>
-        </p:spPr>
-        <p:txBody>
-          <a:bodyPr/>
-          <a:lstStyle>
-            <a:lvl1pPr marL="0" indent="0">
-              <a:spcBef>
-                <a:spcPts val="600"/>
-              </a:spcBef>
-              <a:buNone/>
-              <a:defRPr sz="1400"/>
-            </a:lvl1pPr>
-            <a:lvl2pPr marL="457200" indent="0">
-              <a:buNone/>
-              <a:defRPr sz="1200"/>
-            </a:lvl2pPr>
-            <a:lvl3pPr marL="914400" indent="0">
-              <a:buNone/>
-              <a:defRPr sz="1000"/>
-            </a:lvl3pPr>
-            <a:lvl4pPr marL="1371600" indent="0">
-              <a:buNone/>
-              <a:defRPr sz="900"/>
-            </a:lvl4pPr>
-            <a:lvl5pPr marL="1828800" indent="0">
-              <a:buNone/>
-              <a:defRPr sz="900"/>
-            </a:lvl5pPr>
-            <a:lvl6pPr marL="2286000" indent="0">
-              <a:buNone/>
-              <a:defRPr sz="900"/>
-            </a:lvl6pPr>
-            <a:lvl7pPr marL="2743200" indent="0">
-              <a:buNone/>
-              <a:defRPr sz="900"/>
-            </a:lvl7pPr>
-            <a:lvl8pPr marL="3200400" indent="0">
-              <a:buNone/>
-              <a:defRPr sz="900"/>
-            </a:lvl8pPr>
-            <a:lvl9pPr marL="3657600" indent="0">
-              <a:buNone/>
-              <a:defRPr sz="900"/>
-            </a:lvl9pPr>
-          </a:lstStyle>
-          <a:p>
-            <a:pPr lvl="0"/>
-            <a:r>
-              <a:rPr lang="x-none" smtClean="0"/>
-              <a:t>Click to edit Master text styles</a:t>
-            </a:r>
-          </a:p>
-        </p:txBody>
-      </p:sp>
-      <p:sp>
-        <p:nvSpPr>
-          <p:cNvPr id="5" name="Date Placeholder 4"/>
-          <p:cNvSpPr>
-            <a:spLocks noGrp="1"/>
-          </p:cNvSpPr>
-          <p:nvPr>
-            <p:ph type="dt" sz="half" idx="10"/>
-          </p:nvPr>
-        </p:nvSpPr>
-        <p:spPr>
-          <a:xfrm>
-            <a:off x="7391399" y="6423585"/>
-            <a:ext cx="1537447" cy="365125"/>
-          </a:xfrm>
-        </p:spPr>
-        <p:txBody>
-          <a:bodyPr/>
-          <a:lstStyle/>
-          <a:p>
-            <a:fld id="{251BE8C5-5F70-427A-B471-4B6EB4966070}" type="datetimeFigureOut">
-              <a:rPr lang="en-CA" smtClean="0"/>
-              <a:t>2014-08-12</a:t>
-            </a:fld>
-            <a:endParaRPr lang="en-CA"/>
-          </a:p>
-        </p:txBody>
-      </p:sp>
-      <p:sp>
-        <p:nvSpPr>
-          <p:cNvPr id="6" name="Footer Placeholder 5"/>
-          <p:cNvSpPr>
-            <a:spLocks noGrp="1"/>
-          </p:cNvSpPr>
-          <p:nvPr>
-            <p:ph type="ftr" sz="quarter" idx="11"/>
-          </p:nvPr>
-        </p:nvSpPr>
-        <p:spPr>
-          <a:xfrm>
-            <a:off x="4191000" y="6423585"/>
-            <a:ext cx="3005138" cy="365125"/>
-          </a:xfrm>
-        </p:spPr>
-        <p:txBody>
-          <a:bodyPr/>
-          <a:lstStyle/>
-          <a:p>
-            <a:endParaRPr lang="en-CA"/>
-          </a:p>
-        </p:txBody>
-      </p:sp>
-      <p:sp>
-        <p:nvSpPr>
-          <p:cNvPr id="7" name="Slide Number Placeholder 6"/>
-          <p:cNvSpPr>
-            <a:spLocks noGrp="1"/>
-          </p:cNvSpPr>
-          <p:nvPr>
-            <p:ph type="sldNum" sz="quarter" idx="12"/>
-          </p:nvPr>
-        </p:nvSpPr>
-        <p:spPr/>
-        <p:txBody>
-          <a:bodyPr/>
-          <a:lstStyle/>
-          <a:p>
-            <a:fld id="{9702344B-8F62-4CFB-875C-81497291C361}" type="slidenum">
-              <a:rPr lang="en-CA" smtClean="0"/>
-              <a:t>‹#›</a:t>
-            </a:fld>
-            <a:endParaRPr lang="en-CA"/>
-          </a:p>
-        </p:txBody>
-      </p:sp>
-      <p:sp>
-        <p:nvSpPr>
-          <p:cNvPr id="10" name="TextBox 9"/>
-          <p:cNvSpPr txBox="1"/>
-          <p:nvPr/>
-        </p:nvSpPr>
-        <p:spPr>
-          <a:xfrm>
-            <a:off x="3990110" y="3370730"/>
-            <a:ext cx="220568" cy="369332"/>
-          </a:xfrm>
-          <a:prstGeom prst="rect">
-            <a:avLst/>
-          </a:prstGeom>
-          <a:noFill/>
-        </p:spPr>
-        <p:txBody>
-          <a:bodyPr wrap="square" lIns="0" tIns="0" rIns="0" bIns="0" rtlCol="0">
-            <a:spAutoFit/>
-          </a:bodyPr>
-          <a:lstStyle/>
-          <a:p>
-            <a:r>
-              <a:rPr sz="2400" b="1" baseline="0">
-                <a:solidFill>
-                  <a:schemeClr val="accent1">
-                    <a:lumMod val="60000"/>
-                    <a:lumOff val="40000"/>
-                  </a:schemeClr>
-                </a:solidFill>
-              </a:rPr>
-              <a:t>+ </a:t>
-            </a:r>
-          </a:p>
-        </p:txBody>
-      </p:sp>
-    </p:spTree>
-  </p:cSld>
-  <p:clrMapOvr>
-    <a:masterClrMapping/>
-  </p:clrMapOvr>
-</p:sldLayout>
-</file>
-
-<file path=ppt/slideLayouts/slideLayout46.xml><?xml version="1.0" encoding="utf-8"?>
-<p:sldLayout xmlns:a="http://schemas.openxmlformats.org/drawingml/2006/main" xmlns:r="http://schemas.openxmlformats.org/officeDocument/2006/relationships" xmlns:p="http://schemas.openxmlformats.org/presentationml/2006/main" type="picTx" preserve="1">
-  <p:cSld name="Picture above Caption">
-    <p:spTree>
-      <p:nvGrpSpPr>
-        <p:cNvPr id="1" name=""/>
-        <p:cNvGrpSpPr/>
-        <p:nvPr/>
-      </p:nvGrpSpPr>
-      <p:grpSpPr>
-        <a:xfrm>
-          <a:off x="0" y="0"/>
-          <a:ext cx="0" cy="0"/>
-          <a:chOff x="0" y="0"/>
-          <a:chExt cx="0" cy="0"/>
-        </a:xfrm>
-      </p:grpSpPr>
-      <p:sp>
-        <p:nvSpPr>
-          <p:cNvPr id="2" name="Title 1"/>
-          <p:cNvSpPr>
-            <a:spLocks noGrp="1"/>
-          </p:cNvSpPr>
-          <p:nvPr>
-            <p:ph type="title"/>
-          </p:nvPr>
-        </p:nvSpPr>
-        <p:spPr>
-          <a:xfrm>
-            <a:off x="506505" y="4424082"/>
-            <a:ext cx="6191157" cy="833718"/>
-          </a:xfrm>
-        </p:spPr>
-        <p:txBody>
-          <a:bodyPr anchor="b">
-            <a:normAutofit/>
-          </a:bodyPr>
-          <a:lstStyle>
-            <a:lvl1pPr algn="l">
-              <a:defRPr sz="2600" b="0"/>
-            </a:lvl1pPr>
-          </a:lstStyle>
-          <a:p>
-            <a:r>
-              <a:rPr lang="x-none" smtClean="0"/>
-              <a:t>Click to edit Master title style</a:t>
-            </a:r>
-            <a:endParaRPr/>
-          </a:p>
-        </p:txBody>
-      </p:sp>
-      <p:sp>
-        <p:nvSpPr>
-          <p:cNvPr id="3" name="Picture Placeholder 2"/>
-          <p:cNvSpPr>
-            <a:spLocks noGrp="1"/>
-          </p:cNvSpPr>
-          <p:nvPr>
-            <p:ph type="pic" idx="1"/>
-          </p:nvPr>
-        </p:nvSpPr>
-        <p:spPr>
-          <a:xfrm>
-            <a:off x="277905" y="228600"/>
-            <a:ext cx="6378389" cy="4187952"/>
-          </a:xfrm>
-        </p:spPr>
-        <p:txBody>
-          <a:bodyPr/>
-          <a:lstStyle>
-            <a:lvl1pPr marL="0" indent="0">
-              <a:buNone/>
-              <a:defRPr sz="3200"/>
-            </a:lvl1pPr>
-            <a:lvl2pPr marL="457200" indent="0">
-              <a:buNone/>
-              <a:defRPr sz="2800"/>
-            </a:lvl2pPr>
-            <a:lvl3pPr marL="914400" indent="0">
-              <a:buNone/>
-              <a:defRPr sz="2400"/>
-            </a:lvl3pPr>
-            <a:lvl4pPr marL="1371600" indent="0">
-              <a:buNone/>
-              <a:defRPr sz="2000"/>
-            </a:lvl4pPr>
-            <a:lvl5pPr marL="1828800" indent="0">
-              <a:buNone/>
-              <a:defRPr sz="2000"/>
-            </a:lvl5pPr>
-            <a:lvl6pPr marL="2286000" indent="0">
-              <a:buNone/>
-              <a:defRPr sz="2000"/>
-            </a:lvl6pPr>
-            <a:lvl7pPr marL="2743200" indent="0">
-              <a:buNone/>
-              <a:defRPr sz="2000"/>
-            </a:lvl7pPr>
-            <a:lvl8pPr marL="3200400" indent="0">
-              <a:buNone/>
-              <a:defRPr sz="2000"/>
-            </a:lvl8pPr>
-            <a:lvl9pPr marL="3657600" indent="0">
-              <a:buNone/>
-              <a:defRPr sz="2000"/>
-            </a:lvl9pPr>
-          </a:lstStyle>
-          <a:p>
-            <a:r>
-              <a:rPr lang="x-none" smtClean="0"/>
-              <a:t>Drag picture to placeholder or click icon to add</a:t>
-            </a:r>
-            <a:endParaRPr/>
-          </a:p>
-        </p:txBody>
-      </p:sp>
-      <p:sp>
-        <p:nvSpPr>
-          <p:cNvPr id="4" name="Text Placeholder 3"/>
-          <p:cNvSpPr>
-            <a:spLocks noGrp="1"/>
-          </p:cNvSpPr>
-          <p:nvPr>
-            <p:ph type="body" sz="half" idx="2"/>
-          </p:nvPr>
-        </p:nvSpPr>
-        <p:spPr>
-          <a:xfrm>
-            <a:off x="506505" y="5257799"/>
-            <a:ext cx="6191157" cy="885825"/>
-          </a:xfrm>
-        </p:spPr>
-        <p:txBody>
-          <a:bodyPr/>
-          <a:lstStyle>
-            <a:lvl1pPr marL="0" indent="0">
-              <a:spcBef>
-                <a:spcPts val="300"/>
-              </a:spcBef>
-              <a:buNone/>
-              <a:defRPr sz="1400"/>
-            </a:lvl1pPr>
-            <a:lvl2pPr marL="457200" indent="0">
-              <a:buNone/>
-              <a:defRPr sz="1200"/>
-            </a:lvl2pPr>
-            <a:lvl3pPr marL="914400" indent="0">
-              <a:buNone/>
-              <a:defRPr sz="1000"/>
-            </a:lvl3pPr>
-            <a:lvl4pPr marL="1371600" indent="0">
-              <a:buNone/>
-              <a:defRPr sz="900"/>
-            </a:lvl4pPr>
-            <a:lvl5pPr marL="1828800" indent="0">
-              <a:buNone/>
-              <a:defRPr sz="900"/>
-            </a:lvl5pPr>
-            <a:lvl6pPr marL="2286000" indent="0">
-              <a:buNone/>
-              <a:defRPr sz="900"/>
-            </a:lvl6pPr>
-            <a:lvl7pPr marL="2743200" indent="0">
-              <a:buNone/>
-              <a:defRPr sz="900"/>
-            </a:lvl7pPr>
-            <a:lvl8pPr marL="3200400" indent="0">
-              <a:buNone/>
-              <a:defRPr sz="900"/>
-            </a:lvl8pPr>
-            <a:lvl9pPr marL="3657600" indent="0">
-              <a:buNone/>
-              <a:defRPr sz="900"/>
-            </a:lvl9pPr>
-          </a:lstStyle>
-          <a:p>
-            <a:pPr lvl="0"/>
-            <a:r>
-              <a:rPr lang="x-none" smtClean="0"/>
-              <a:t>Click to edit Master text styles</a:t>
-            </a:r>
-          </a:p>
-        </p:txBody>
-      </p:sp>
-      <p:sp>
-        <p:nvSpPr>
-          <p:cNvPr id="5" name="Date Placeholder 4"/>
-          <p:cNvSpPr>
-            <a:spLocks noGrp="1"/>
-          </p:cNvSpPr>
-          <p:nvPr>
-            <p:ph type="dt" sz="half" idx="10"/>
-          </p:nvPr>
-        </p:nvSpPr>
-        <p:spPr/>
-        <p:txBody>
-          <a:bodyPr/>
-          <a:lstStyle/>
-          <a:p>
-            <a:fld id="{251BE8C5-5F70-427A-B471-4B6EB4966070}" type="datetimeFigureOut">
-              <a:rPr lang="en-CA" smtClean="0"/>
-              <a:t>2014-08-12</a:t>
-            </a:fld>
-            <a:endParaRPr lang="en-CA"/>
-          </a:p>
-        </p:txBody>
-      </p:sp>
-      <p:sp>
-        <p:nvSpPr>
-          <p:cNvPr id="6" name="Footer Placeholder 5"/>
-          <p:cNvSpPr>
-            <a:spLocks noGrp="1"/>
-          </p:cNvSpPr>
-          <p:nvPr>
-            <p:ph type="ftr" sz="quarter" idx="11"/>
-          </p:nvPr>
-        </p:nvSpPr>
-        <p:spPr/>
-        <p:txBody>
-          <a:bodyPr/>
-          <a:lstStyle/>
-          <a:p>
-            <a:endParaRPr lang="en-CA"/>
-          </a:p>
-        </p:txBody>
-      </p:sp>
-      <p:sp>
-        <p:nvSpPr>
-          <p:cNvPr id="7" name="Slide Number Placeholder 6"/>
-          <p:cNvSpPr>
-            <a:spLocks noGrp="1"/>
-          </p:cNvSpPr>
-          <p:nvPr>
-            <p:ph type="sldNum" sz="quarter" idx="12"/>
-          </p:nvPr>
-        </p:nvSpPr>
-        <p:spPr/>
-        <p:txBody>
-          <a:bodyPr/>
-          <a:lstStyle/>
-          <a:p>
-            <a:fld id="{9702344B-8F62-4CFB-875C-81497291C361}" type="slidenum">
-              <a:rPr lang="en-CA" smtClean="0"/>
-              <a:t>‹#›</a:t>
-            </a:fld>
-            <a:endParaRPr lang="en-CA"/>
-          </a:p>
-        </p:txBody>
-      </p:sp>
-      <p:sp>
-        <p:nvSpPr>
-          <p:cNvPr id="8" name="Rectangle 7"/>
-          <p:cNvSpPr/>
-          <p:nvPr/>
-        </p:nvSpPr>
-        <p:spPr>
-          <a:xfrm>
-            <a:off x="6802438" y="228600"/>
-            <a:ext cx="2057400" cy="2039112"/>
-          </a:xfrm>
-          <a:prstGeom prst="rect">
-            <a:avLst/>
-          </a:prstGeom>
-          <a:solidFill>
-            <a:schemeClr val="accent4"/>
-          </a:solidFill>
-          <a:ln>
-            <a:noFill/>
-          </a:ln>
-        </p:spPr>
-        <p:style>
-          <a:lnRef idx="2">
-            <a:schemeClr val="accent1">
-              <a:shade val="50000"/>
-            </a:schemeClr>
-          </a:lnRef>
-          <a:fillRef idx="1">
-            <a:schemeClr val="accent1"/>
-          </a:fillRef>
-          <a:effectRef idx="0">
-            <a:schemeClr val="accent1"/>
-          </a:effectRef>
-          <a:fontRef idx="minor">
-            <a:schemeClr val="lt1"/>
-          </a:fontRef>
-        </p:style>
-        <p:txBody>
-          <a:bodyPr rtlCol="0" anchor="ctr"/>
-          <a:lstStyle/>
-          <a:p>
-            <a:pPr algn="ctr"/>
-            <a:endParaRPr/>
-          </a:p>
-        </p:txBody>
-      </p:sp>
-      <p:sp>
-        <p:nvSpPr>
-          <p:cNvPr id="9" name="Rectangle 8"/>
-          <p:cNvSpPr/>
-          <p:nvPr/>
-        </p:nvSpPr>
-        <p:spPr>
-          <a:xfrm>
-            <a:off x="6802438" y="2377440"/>
-            <a:ext cx="2057400" cy="2039112"/>
-          </a:xfrm>
-          <a:prstGeom prst="rect">
-            <a:avLst/>
-          </a:prstGeom>
-          <a:solidFill>
-            <a:schemeClr val="accent1"/>
-          </a:solidFill>
-          <a:ln>
-            <a:noFill/>
-          </a:ln>
-        </p:spPr>
-        <p:style>
-          <a:lnRef idx="2">
-            <a:schemeClr val="accent1">
-              <a:shade val="50000"/>
-            </a:schemeClr>
-          </a:lnRef>
-          <a:fillRef idx="1">
-            <a:schemeClr val="accent1"/>
-          </a:fillRef>
-          <a:effectRef idx="0">
-            <a:schemeClr val="accent1"/>
-          </a:effectRef>
-          <a:fontRef idx="minor">
-            <a:schemeClr val="lt1"/>
-          </a:fontRef>
-        </p:style>
-        <p:txBody>
-          <a:bodyPr rtlCol="0" anchor="ctr"/>
-          <a:lstStyle/>
-          <a:p>
-            <a:pPr algn="ctr"/>
-            <a:endParaRPr/>
-          </a:p>
-        </p:txBody>
-      </p:sp>
-      <p:sp>
-        <p:nvSpPr>
-          <p:cNvPr id="10" name="TextBox 9"/>
-          <p:cNvSpPr txBox="1"/>
-          <p:nvPr/>
-        </p:nvSpPr>
-        <p:spPr>
-          <a:xfrm>
-            <a:off x="327212" y="4632792"/>
-            <a:ext cx="220568" cy="369332"/>
-          </a:xfrm>
-          <a:prstGeom prst="rect">
-            <a:avLst/>
-          </a:prstGeom>
-          <a:noFill/>
-        </p:spPr>
-        <p:txBody>
-          <a:bodyPr wrap="square" lIns="0" tIns="0" rIns="0" bIns="0" rtlCol="0">
-            <a:spAutoFit/>
-          </a:bodyPr>
-          <a:lstStyle/>
-          <a:p>
-            <a:r>
-              <a:rPr sz="2400" b="1" baseline="0">
-                <a:solidFill>
-                  <a:schemeClr val="accent1">
-                    <a:lumMod val="60000"/>
-                    <a:lumOff val="40000"/>
-                  </a:schemeClr>
-                </a:solidFill>
-              </a:rPr>
-              <a:t>+ </a:t>
-            </a:r>
-          </a:p>
-        </p:txBody>
-      </p:sp>
-    </p:spTree>
-  </p:cSld>
-  <p:clrMapOvr>
-    <a:masterClrMapping/>
-  </p:clrMapOvr>
-</p:sldLayout>
-</file>
-
-<file path=ppt/slideLayouts/slideLayout47.xml><?xml version="1.0" encoding="utf-8"?>
-<p:sldLayout xmlns:a="http://schemas.openxmlformats.org/drawingml/2006/main" xmlns:r="http://schemas.openxmlformats.org/officeDocument/2006/relationships" xmlns:p="http://schemas.openxmlformats.org/presentationml/2006/main" preserve="1">
-  <p:cSld name="2 Pictures with Caption">
-    <p:spTree>
-      <p:nvGrpSpPr>
-        <p:cNvPr id="1" name=""/>
-        <p:cNvGrpSpPr/>
-        <p:nvPr/>
-      </p:nvGrpSpPr>
-      <p:grpSpPr>
-        <a:xfrm>
-          <a:off x="0" y="0"/>
-          <a:ext cx="0" cy="0"/>
-          <a:chOff x="0" y="0"/>
-          <a:chExt cx="0" cy="0"/>
-        </a:xfrm>
-      </p:grpSpPr>
-      <p:sp>
-        <p:nvSpPr>
-          <p:cNvPr id="8" name="Rectangle 7"/>
-          <p:cNvSpPr/>
-          <p:nvPr/>
-        </p:nvSpPr>
-        <p:spPr>
-          <a:xfrm>
-            <a:off x="282574" y="228600"/>
-            <a:ext cx="6387167" cy="6345238"/>
-          </a:xfrm>
-          <a:prstGeom prst="rect">
-            <a:avLst/>
-          </a:prstGeom>
-          <a:solidFill>
-            <a:schemeClr val="accent1"/>
-          </a:solidFill>
-          <a:ln>
-            <a:noFill/>
-          </a:ln>
-        </p:spPr>
-        <p:style>
-          <a:lnRef idx="2">
-            <a:schemeClr val="accent1">
-              <a:shade val="50000"/>
-            </a:schemeClr>
-          </a:lnRef>
-          <a:fillRef idx="1">
-            <a:schemeClr val="accent1"/>
-          </a:fillRef>
-          <a:effectRef idx="0">
-            <a:schemeClr val="accent1"/>
-          </a:effectRef>
-          <a:fontRef idx="minor">
-            <a:schemeClr val="lt1"/>
-          </a:fontRef>
-        </p:style>
-        <p:txBody>
-          <a:bodyPr rtlCol="0" anchor="ctr"/>
-          <a:lstStyle/>
-          <a:p>
-            <a:pPr algn="ctr"/>
-            <a:endParaRPr/>
-          </a:p>
-        </p:txBody>
-      </p:sp>
-      <p:sp>
-        <p:nvSpPr>
-          <p:cNvPr id="2" name="Title 1"/>
-          <p:cNvSpPr>
-            <a:spLocks noGrp="1"/>
-          </p:cNvSpPr>
-          <p:nvPr>
-            <p:ph type="title"/>
-          </p:nvPr>
-        </p:nvSpPr>
-        <p:spPr>
-          <a:xfrm>
-            <a:off x="380554" y="2571750"/>
-            <a:ext cx="6181611" cy="1162050"/>
-          </a:xfrm>
-        </p:spPr>
-        <p:txBody>
-          <a:bodyPr anchor="b">
-            <a:normAutofit/>
-          </a:bodyPr>
-          <a:lstStyle>
-            <a:lvl1pPr algn="l">
-              <a:defRPr sz="2600" b="0">
-                <a:solidFill>
-                  <a:schemeClr val="bg1"/>
-                </a:solidFill>
-              </a:defRPr>
-            </a:lvl1pPr>
-          </a:lstStyle>
-          <a:p>
-            <a:r>
-              <a:rPr lang="x-none" smtClean="0"/>
-              <a:t>Click to edit Master title style</a:t>
-            </a:r>
-            <a:endParaRPr/>
-          </a:p>
-        </p:txBody>
-      </p:sp>
-      <p:sp>
-        <p:nvSpPr>
-          <p:cNvPr id="4" name="Text Placeholder 3"/>
-          <p:cNvSpPr>
-            <a:spLocks noGrp="1"/>
-          </p:cNvSpPr>
-          <p:nvPr>
-            <p:ph type="body" sz="half" idx="2"/>
-          </p:nvPr>
-        </p:nvSpPr>
-        <p:spPr>
-          <a:xfrm>
-            <a:off x="381094" y="3733800"/>
-            <a:ext cx="6179566" cy="2392363"/>
-          </a:xfrm>
-        </p:spPr>
-        <p:txBody>
-          <a:bodyPr/>
-          <a:lstStyle>
-            <a:lvl1pPr marL="0" indent="0">
-              <a:spcBef>
-                <a:spcPts val="600"/>
-              </a:spcBef>
-              <a:buNone/>
-              <a:defRPr sz="1400">
-                <a:solidFill>
-                  <a:schemeClr val="bg1"/>
-                </a:solidFill>
-              </a:defRPr>
-            </a:lvl1pPr>
-            <a:lvl2pPr marL="457200" indent="0">
-              <a:buNone/>
-              <a:defRPr sz="1200"/>
-            </a:lvl2pPr>
-            <a:lvl3pPr marL="914400" indent="0">
-              <a:buNone/>
-              <a:defRPr sz="1000"/>
-            </a:lvl3pPr>
-            <a:lvl4pPr marL="1371600" indent="0">
-              <a:buNone/>
-              <a:defRPr sz="900"/>
-            </a:lvl4pPr>
-            <a:lvl5pPr marL="1828800" indent="0">
-              <a:buNone/>
-              <a:defRPr sz="900"/>
-            </a:lvl5pPr>
-            <a:lvl6pPr marL="2286000" indent="0">
-              <a:buNone/>
-              <a:defRPr sz="900"/>
-            </a:lvl6pPr>
-            <a:lvl7pPr marL="2743200" indent="0">
-              <a:buNone/>
-              <a:defRPr sz="900"/>
-            </a:lvl7pPr>
-            <a:lvl8pPr marL="3200400" indent="0">
-              <a:buNone/>
-              <a:defRPr sz="900"/>
-            </a:lvl8pPr>
-            <a:lvl9pPr marL="3657600" indent="0">
-              <a:buNone/>
-              <a:defRPr sz="900"/>
-            </a:lvl9pPr>
-          </a:lstStyle>
-          <a:p>
-            <a:pPr lvl="0"/>
-            <a:r>
-              <a:rPr lang="x-none" smtClean="0"/>
-              <a:t>Click to edit Master text styles</a:t>
-            </a:r>
-          </a:p>
-        </p:txBody>
-      </p:sp>
-      <p:sp>
-        <p:nvSpPr>
-          <p:cNvPr id="5" name="Date Placeholder 4"/>
-          <p:cNvSpPr>
-            <a:spLocks noGrp="1"/>
-          </p:cNvSpPr>
-          <p:nvPr>
-            <p:ph type="dt" sz="half" idx="10"/>
-          </p:nvPr>
-        </p:nvSpPr>
-        <p:spPr>
-          <a:xfrm>
-            <a:off x="5212262" y="6235607"/>
-            <a:ext cx="1348398" cy="365125"/>
-          </a:xfrm>
-        </p:spPr>
-        <p:txBody>
-          <a:bodyPr/>
-          <a:lstStyle>
-            <a:lvl1pPr>
-              <a:defRPr>
-                <a:solidFill>
-                  <a:schemeClr val="bg1"/>
-                </a:solidFill>
-              </a:defRPr>
-            </a:lvl1pPr>
-          </a:lstStyle>
-          <a:p>
-            <a:fld id="{251BE8C5-5F70-427A-B471-4B6EB4966070}" type="datetimeFigureOut">
-              <a:rPr lang="en-CA" smtClean="0"/>
-              <a:t>2014-08-12</a:t>
-            </a:fld>
-            <a:endParaRPr lang="en-CA"/>
-          </a:p>
-        </p:txBody>
-      </p:sp>
-      <p:sp>
-        <p:nvSpPr>
-          <p:cNvPr id="6" name="Footer Placeholder 5"/>
-          <p:cNvSpPr>
-            <a:spLocks noGrp="1"/>
-          </p:cNvSpPr>
-          <p:nvPr>
-            <p:ph type="ftr" sz="quarter" idx="11"/>
-          </p:nvPr>
-        </p:nvSpPr>
-        <p:spPr>
-          <a:xfrm>
-            <a:off x="381095" y="6235607"/>
-            <a:ext cx="4648105" cy="365125"/>
-          </a:xfrm>
-        </p:spPr>
-        <p:txBody>
-          <a:bodyPr/>
-          <a:lstStyle>
-            <a:lvl1pPr>
-              <a:defRPr>
-                <a:solidFill>
-                  <a:schemeClr val="bg1"/>
-                </a:solidFill>
-              </a:defRPr>
-            </a:lvl1pPr>
-          </a:lstStyle>
-          <a:p>
-            <a:endParaRPr lang="en-CA"/>
-          </a:p>
-        </p:txBody>
-      </p:sp>
-      <p:sp>
-        <p:nvSpPr>
-          <p:cNvPr id="7" name="Slide Number Placeholder 6"/>
-          <p:cNvSpPr>
-            <a:spLocks noGrp="1"/>
-          </p:cNvSpPr>
-          <p:nvPr>
-            <p:ph type="sldNum" sz="quarter" idx="12"/>
-          </p:nvPr>
-        </p:nvSpPr>
-        <p:spPr/>
-        <p:txBody>
-          <a:bodyPr/>
-          <a:lstStyle/>
-          <a:p>
-            <a:fld id="{9702344B-8F62-4CFB-875C-81497291C361}" type="slidenum">
-              <a:rPr lang="en-CA" smtClean="0"/>
-              <a:t>‹#›</a:t>
-            </a:fld>
-            <a:endParaRPr lang="en-CA"/>
-          </a:p>
-        </p:txBody>
-      </p:sp>
-      <p:sp>
-        <p:nvSpPr>
-          <p:cNvPr id="9" name="TextBox 8"/>
-          <p:cNvSpPr txBox="1"/>
-          <p:nvPr/>
-        </p:nvSpPr>
-        <p:spPr>
-          <a:xfrm>
-            <a:off x="424891" y="174812"/>
-            <a:ext cx="413309" cy="830997"/>
-          </a:xfrm>
-          <a:prstGeom prst="rect">
-            <a:avLst/>
-          </a:prstGeom>
-          <a:noFill/>
-        </p:spPr>
-        <p:txBody>
-          <a:bodyPr wrap="square" lIns="0" tIns="0" rIns="0" bIns="0" rtlCol="0">
-            <a:spAutoFit/>
-          </a:bodyPr>
-          <a:lstStyle/>
-          <a:p>
-            <a:r>
-              <a:rPr sz="5400" b="1">
-                <a:solidFill>
-                  <a:schemeClr val="accent1">
-                    <a:lumMod val="60000"/>
-                    <a:lumOff val="40000"/>
-                  </a:schemeClr>
-                </a:solidFill>
-              </a:rPr>
-              <a:t>+</a:t>
-            </a:r>
-          </a:p>
-        </p:txBody>
-      </p:sp>
-      <p:sp>
-        <p:nvSpPr>
-          <p:cNvPr id="10" name="Rectangle 9"/>
-          <p:cNvSpPr/>
-          <p:nvPr/>
-        </p:nvSpPr>
-        <p:spPr>
-          <a:xfrm>
-            <a:off x="6802438" y="228600"/>
-            <a:ext cx="2057400" cy="2039112"/>
-          </a:xfrm>
-          <a:prstGeom prst="rect">
-            <a:avLst/>
-          </a:prstGeom>
-          <a:solidFill>
-            <a:schemeClr val="accent3"/>
-          </a:solidFill>
-          <a:ln>
-            <a:noFill/>
-          </a:ln>
-        </p:spPr>
-        <p:style>
-          <a:lnRef idx="2">
-            <a:schemeClr val="accent1">
-              <a:shade val="50000"/>
-            </a:schemeClr>
-          </a:lnRef>
-          <a:fillRef idx="1">
-            <a:schemeClr val="accent1"/>
-          </a:fillRef>
-          <a:effectRef idx="0">
-            <a:schemeClr val="accent1"/>
-          </a:effectRef>
-          <a:fontRef idx="minor">
-            <a:schemeClr val="lt1"/>
-          </a:fontRef>
-        </p:style>
-        <p:txBody>
-          <a:bodyPr rtlCol="0" anchor="ctr"/>
-          <a:lstStyle/>
-          <a:p>
-            <a:pPr algn="ctr"/>
-            <a:endParaRPr/>
-          </a:p>
-        </p:txBody>
-      </p:sp>
-      <p:sp>
-        <p:nvSpPr>
-          <p:cNvPr id="12" name="Picture Placeholder 12"/>
-          <p:cNvSpPr>
-            <a:spLocks noGrp="1"/>
-          </p:cNvSpPr>
-          <p:nvPr>
-            <p:ph type="pic" sz="quarter" idx="13"/>
-          </p:nvPr>
-        </p:nvSpPr>
-        <p:spPr>
-          <a:xfrm>
-            <a:off x="6802438" y="2374940"/>
-            <a:ext cx="2057400" cy="2039112"/>
-          </a:xfrm>
-        </p:spPr>
-        <p:txBody>
-          <a:bodyPr/>
-          <a:lstStyle>
-            <a:lvl1pPr>
-              <a:buNone/>
-              <a:defRPr/>
-            </a:lvl1pPr>
-          </a:lstStyle>
-          <a:p>
-            <a:r>
-              <a:rPr lang="x-none" smtClean="0"/>
-              <a:t>Drag picture to placeholder or click icon to add</a:t>
-            </a:r>
-            <a:endParaRPr/>
-          </a:p>
-        </p:txBody>
-      </p:sp>
-      <p:sp>
-        <p:nvSpPr>
-          <p:cNvPr id="13" name="Picture Placeholder 12"/>
-          <p:cNvSpPr>
-            <a:spLocks noGrp="1"/>
-          </p:cNvSpPr>
-          <p:nvPr>
-            <p:ph type="pic" sz="quarter" idx="14"/>
-          </p:nvPr>
-        </p:nvSpPr>
-        <p:spPr>
-          <a:xfrm>
-            <a:off x="6802438" y="4535424"/>
-            <a:ext cx="2057400" cy="2039112"/>
-          </a:xfrm>
-        </p:spPr>
-        <p:txBody>
-          <a:bodyPr/>
-          <a:lstStyle>
-            <a:lvl1pPr>
-              <a:buNone/>
-              <a:defRPr/>
-            </a:lvl1pPr>
-          </a:lstStyle>
-          <a:p>
-            <a:r>
-              <a:rPr lang="x-none" smtClean="0"/>
-              <a:t>Drag picture to placeholder or click icon to add</a:t>
-            </a:r>
-            <a:endParaRPr/>
-          </a:p>
-        </p:txBody>
-      </p:sp>
-    </p:spTree>
-  </p:cSld>
-  <p:clrMapOvr>
-    <a:masterClrMapping/>
-  </p:clrMapOvr>
-</p:sldLayout>
-</file>
-
-<file path=ppt/slideLayouts/slideLayout48.xml><?xml version="1.0" encoding="utf-8"?>
-<p:sldLayout xmlns:a="http://schemas.openxmlformats.org/drawingml/2006/main" xmlns:r="http://schemas.openxmlformats.org/officeDocument/2006/relationships" xmlns:p="http://schemas.openxmlformats.org/presentationml/2006/main" preserve="1">
-  <p:cSld name="3 Pictures with Caption">
-    <p:spTree>
-      <p:nvGrpSpPr>
-        <p:cNvPr id="1" name=""/>
-        <p:cNvGrpSpPr/>
-        <p:nvPr/>
-      </p:nvGrpSpPr>
-      <p:grpSpPr>
-        <a:xfrm>
-          <a:off x="0" y="0"/>
-          <a:ext cx="0" cy="0"/>
-          <a:chOff x="0" y="0"/>
-          <a:chExt cx="0" cy="0"/>
-        </a:xfrm>
-      </p:grpSpPr>
-      <p:sp>
-        <p:nvSpPr>
-          <p:cNvPr id="8" name="Rectangle 7"/>
-          <p:cNvSpPr/>
-          <p:nvPr/>
-        </p:nvSpPr>
-        <p:spPr>
-          <a:xfrm>
-            <a:off x="282575" y="228600"/>
-            <a:ext cx="4235450" cy="6345238"/>
-          </a:xfrm>
-          <a:prstGeom prst="rect">
-            <a:avLst/>
-          </a:prstGeom>
-          <a:solidFill>
-            <a:schemeClr val="accent1"/>
-          </a:solidFill>
-          <a:ln>
-            <a:noFill/>
-          </a:ln>
-        </p:spPr>
-        <p:style>
-          <a:lnRef idx="2">
-            <a:schemeClr val="accent1">
-              <a:shade val="50000"/>
-            </a:schemeClr>
-          </a:lnRef>
-          <a:fillRef idx="1">
-            <a:schemeClr val="accent1"/>
-          </a:fillRef>
-          <a:effectRef idx="0">
-            <a:schemeClr val="accent1"/>
-          </a:effectRef>
-          <a:fontRef idx="minor">
-            <a:schemeClr val="lt1"/>
-          </a:fontRef>
-        </p:style>
-        <p:txBody>
-          <a:bodyPr rtlCol="0" anchor="ctr"/>
-          <a:lstStyle/>
-          <a:p>
-            <a:pPr algn="ctr"/>
-            <a:endParaRPr/>
-          </a:p>
-        </p:txBody>
-      </p:sp>
-      <p:sp>
-        <p:nvSpPr>
-          <p:cNvPr id="2" name="Title 1"/>
-          <p:cNvSpPr>
-            <a:spLocks noGrp="1"/>
-          </p:cNvSpPr>
-          <p:nvPr>
-            <p:ph type="title"/>
-          </p:nvPr>
-        </p:nvSpPr>
-        <p:spPr>
-          <a:xfrm>
-            <a:off x="380554" y="2571750"/>
-            <a:ext cx="4016633" cy="1162050"/>
-          </a:xfrm>
-        </p:spPr>
-        <p:txBody>
-          <a:bodyPr anchor="b">
-            <a:normAutofit/>
-          </a:bodyPr>
-          <a:lstStyle>
-            <a:lvl1pPr algn="l">
-              <a:defRPr sz="2600" b="0">
-                <a:solidFill>
-                  <a:schemeClr val="bg1"/>
-                </a:solidFill>
-              </a:defRPr>
-            </a:lvl1pPr>
-          </a:lstStyle>
-          <a:p>
-            <a:r>
-              <a:rPr lang="x-none" smtClean="0"/>
-              <a:t>Click to edit Master title style</a:t>
-            </a:r>
-            <a:endParaRPr/>
-          </a:p>
-        </p:txBody>
-      </p:sp>
-      <p:sp>
-        <p:nvSpPr>
-          <p:cNvPr id="4" name="Text Placeholder 3"/>
-          <p:cNvSpPr>
-            <a:spLocks noGrp="1"/>
-          </p:cNvSpPr>
-          <p:nvPr>
-            <p:ph type="body" sz="half" idx="2"/>
-          </p:nvPr>
-        </p:nvSpPr>
-        <p:spPr>
-          <a:xfrm>
-            <a:off x="381094" y="3733800"/>
-            <a:ext cx="4015304" cy="2392363"/>
-          </a:xfrm>
-        </p:spPr>
-        <p:txBody>
-          <a:bodyPr/>
-          <a:lstStyle>
-            <a:lvl1pPr marL="0" indent="0">
-              <a:spcBef>
-                <a:spcPts val="600"/>
-              </a:spcBef>
-              <a:buNone/>
-              <a:defRPr sz="1400">
-                <a:solidFill>
-                  <a:schemeClr val="bg1"/>
-                </a:solidFill>
-              </a:defRPr>
-            </a:lvl1pPr>
-            <a:lvl2pPr marL="457200" indent="0">
-              <a:buNone/>
-              <a:defRPr sz="1200"/>
-            </a:lvl2pPr>
-            <a:lvl3pPr marL="914400" indent="0">
-              <a:buNone/>
-              <a:defRPr sz="1000"/>
-            </a:lvl3pPr>
-            <a:lvl4pPr marL="1371600" indent="0">
-              <a:buNone/>
-              <a:defRPr sz="900"/>
-            </a:lvl4pPr>
-            <a:lvl5pPr marL="1828800" indent="0">
-              <a:buNone/>
-              <a:defRPr sz="900"/>
-            </a:lvl5pPr>
-            <a:lvl6pPr marL="2286000" indent="0">
-              <a:buNone/>
-              <a:defRPr sz="900"/>
-            </a:lvl6pPr>
-            <a:lvl7pPr marL="2743200" indent="0">
-              <a:buNone/>
-              <a:defRPr sz="900"/>
-            </a:lvl7pPr>
-            <a:lvl8pPr marL="3200400" indent="0">
-              <a:buNone/>
-              <a:defRPr sz="900"/>
-            </a:lvl8pPr>
-            <a:lvl9pPr marL="3657600" indent="0">
-              <a:buNone/>
-              <a:defRPr sz="900"/>
-            </a:lvl9pPr>
-          </a:lstStyle>
-          <a:p>
-            <a:pPr lvl="0"/>
-            <a:r>
-              <a:rPr lang="x-none" smtClean="0"/>
-              <a:t>Click to edit Master text styles</a:t>
-            </a:r>
-          </a:p>
-        </p:txBody>
-      </p:sp>
-      <p:sp>
-        <p:nvSpPr>
-          <p:cNvPr id="5" name="Date Placeholder 4"/>
-          <p:cNvSpPr>
-            <a:spLocks noGrp="1"/>
-          </p:cNvSpPr>
-          <p:nvPr>
-            <p:ph type="dt" sz="half" idx="10"/>
-          </p:nvPr>
-        </p:nvSpPr>
-        <p:spPr>
-          <a:xfrm>
-            <a:off x="3048000" y="6235607"/>
-            <a:ext cx="1348398" cy="365125"/>
-          </a:xfrm>
-        </p:spPr>
-        <p:txBody>
-          <a:bodyPr/>
-          <a:lstStyle>
-            <a:lvl1pPr>
-              <a:defRPr>
-                <a:solidFill>
-                  <a:schemeClr val="bg1"/>
-                </a:solidFill>
-              </a:defRPr>
-            </a:lvl1pPr>
-          </a:lstStyle>
-          <a:p>
-            <a:fld id="{251BE8C5-5F70-427A-B471-4B6EB4966070}" type="datetimeFigureOut">
-              <a:rPr lang="en-CA" smtClean="0"/>
-              <a:t>2014-08-12</a:t>
-            </a:fld>
-            <a:endParaRPr lang="en-CA"/>
-          </a:p>
-        </p:txBody>
-      </p:sp>
-      <p:sp>
-        <p:nvSpPr>
-          <p:cNvPr id="6" name="Footer Placeholder 5"/>
-          <p:cNvSpPr>
-            <a:spLocks noGrp="1"/>
-          </p:cNvSpPr>
-          <p:nvPr>
-            <p:ph type="ftr" sz="quarter" idx="11"/>
-          </p:nvPr>
-        </p:nvSpPr>
-        <p:spPr>
-          <a:xfrm>
-            <a:off x="381095" y="6235607"/>
-            <a:ext cx="2590705" cy="365125"/>
-          </a:xfrm>
-        </p:spPr>
-        <p:txBody>
-          <a:bodyPr/>
-          <a:lstStyle>
-            <a:lvl1pPr>
-              <a:defRPr>
-                <a:solidFill>
-                  <a:schemeClr val="bg1"/>
-                </a:solidFill>
-              </a:defRPr>
-            </a:lvl1pPr>
-          </a:lstStyle>
-          <a:p>
-            <a:endParaRPr lang="en-CA"/>
-          </a:p>
-        </p:txBody>
-      </p:sp>
-      <p:sp>
-        <p:nvSpPr>
-          <p:cNvPr id="7" name="Slide Number Placeholder 6"/>
-          <p:cNvSpPr>
-            <a:spLocks noGrp="1"/>
-          </p:cNvSpPr>
-          <p:nvPr>
-            <p:ph type="sldNum" sz="quarter" idx="12"/>
-          </p:nvPr>
-        </p:nvSpPr>
-        <p:spPr/>
-        <p:txBody>
-          <a:bodyPr/>
-          <a:lstStyle/>
-          <a:p>
-            <a:fld id="{9702344B-8F62-4CFB-875C-81497291C361}" type="slidenum">
-              <a:rPr lang="en-CA" smtClean="0"/>
-              <a:t>‹#›</a:t>
-            </a:fld>
-            <a:endParaRPr lang="en-CA"/>
-          </a:p>
-        </p:txBody>
-      </p:sp>
-      <p:sp>
-        <p:nvSpPr>
-          <p:cNvPr id="9" name="TextBox 8"/>
-          <p:cNvSpPr txBox="1"/>
-          <p:nvPr/>
-        </p:nvSpPr>
-        <p:spPr>
-          <a:xfrm>
-            <a:off x="424891" y="174812"/>
-            <a:ext cx="413309" cy="830997"/>
-          </a:xfrm>
-          <a:prstGeom prst="rect">
-            <a:avLst/>
-          </a:prstGeom>
-          <a:noFill/>
-        </p:spPr>
-        <p:txBody>
-          <a:bodyPr wrap="square" lIns="0" tIns="0" rIns="0" bIns="0" rtlCol="0">
-            <a:spAutoFit/>
-          </a:bodyPr>
-          <a:lstStyle/>
-          <a:p>
-            <a:r>
-              <a:rPr sz="5400" b="1">
-                <a:solidFill>
-                  <a:schemeClr val="accent1">
-                    <a:lumMod val="60000"/>
-                    <a:lumOff val="40000"/>
-                  </a:schemeClr>
-                </a:solidFill>
-              </a:rPr>
-              <a:t>+</a:t>
-            </a:r>
-          </a:p>
-        </p:txBody>
-      </p:sp>
-      <p:sp>
-        <p:nvSpPr>
-          <p:cNvPr id="10" name="Rectangle 9"/>
-          <p:cNvSpPr/>
-          <p:nvPr/>
-        </p:nvSpPr>
-        <p:spPr>
-          <a:xfrm>
-            <a:off x="6802438" y="228600"/>
-            <a:ext cx="2057400" cy="2039112"/>
-          </a:xfrm>
-          <a:prstGeom prst="rect">
-            <a:avLst/>
-          </a:prstGeom>
-          <a:solidFill>
-            <a:schemeClr val="accent3"/>
-          </a:solidFill>
-          <a:ln>
-            <a:noFill/>
-          </a:ln>
-        </p:spPr>
-        <p:style>
-          <a:lnRef idx="2">
-            <a:schemeClr val="accent1">
-              <a:shade val="50000"/>
-            </a:schemeClr>
-          </a:lnRef>
-          <a:fillRef idx="1">
-            <a:schemeClr val="accent1"/>
-          </a:fillRef>
-          <a:effectRef idx="0">
-            <a:schemeClr val="accent1"/>
-          </a:effectRef>
-          <a:fontRef idx="minor">
-            <a:schemeClr val="lt1"/>
-          </a:fontRef>
-        </p:style>
-        <p:txBody>
-          <a:bodyPr rtlCol="0" anchor="ctr"/>
-          <a:lstStyle/>
-          <a:p>
-            <a:pPr algn="ctr"/>
-            <a:endParaRPr/>
-          </a:p>
-        </p:txBody>
-      </p:sp>
-      <p:sp>
-        <p:nvSpPr>
-          <p:cNvPr id="11" name="Rectangle 10"/>
-          <p:cNvSpPr/>
-          <p:nvPr/>
-        </p:nvSpPr>
-        <p:spPr>
-          <a:xfrm>
-            <a:off x="4624388" y="4534726"/>
-            <a:ext cx="2057400" cy="2039112"/>
-          </a:xfrm>
-          <a:prstGeom prst="rect">
-            <a:avLst/>
-          </a:prstGeom>
-          <a:solidFill>
-            <a:schemeClr val="accent4"/>
-          </a:solidFill>
-          <a:ln>
-            <a:noFill/>
-          </a:ln>
-        </p:spPr>
-        <p:style>
-          <a:lnRef idx="2">
-            <a:schemeClr val="accent1">
-              <a:shade val="50000"/>
-            </a:schemeClr>
-          </a:lnRef>
-          <a:fillRef idx="1">
-            <a:schemeClr val="accent1"/>
-          </a:fillRef>
-          <a:effectRef idx="0">
-            <a:schemeClr val="accent1"/>
-          </a:effectRef>
-          <a:fontRef idx="minor">
-            <a:schemeClr val="lt1"/>
-          </a:fontRef>
-        </p:style>
-        <p:txBody>
-          <a:bodyPr rtlCol="0" anchor="ctr"/>
-          <a:lstStyle/>
-          <a:p>
-            <a:pPr algn="ctr"/>
-            <a:endParaRPr/>
-          </a:p>
-        </p:txBody>
-      </p:sp>
-      <p:sp>
-        <p:nvSpPr>
-          <p:cNvPr id="12" name="Picture Placeholder 12"/>
-          <p:cNvSpPr>
-            <a:spLocks noGrp="1"/>
-          </p:cNvSpPr>
-          <p:nvPr>
-            <p:ph type="pic" sz="quarter" idx="13"/>
-          </p:nvPr>
-        </p:nvSpPr>
-        <p:spPr>
-          <a:xfrm>
-            <a:off x="4624388" y="228600"/>
-            <a:ext cx="2057400" cy="2039112"/>
-          </a:xfrm>
-        </p:spPr>
-        <p:txBody>
-          <a:bodyPr/>
-          <a:lstStyle>
-            <a:lvl1pPr>
-              <a:buNone/>
-              <a:defRPr/>
-            </a:lvl1pPr>
-          </a:lstStyle>
-          <a:p>
-            <a:r>
-              <a:rPr lang="x-none" smtClean="0"/>
-              <a:t>Drag picture to placeholder or click icon to add</a:t>
-            </a:r>
-            <a:endParaRPr/>
-          </a:p>
-        </p:txBody>
-      </p:sp>
-      <p:sp>
-        <p:nvSpPr>
-          <p:cNvPr id="13" name="Picture Placeholder 12"/>
-          <p:cNvSpPr>
-            <a:spLocks noGrp="1"/>
-          </p:cNvSpPr>
-          <p:nvPr>
-            <p:ph type="pic" sz="quarter" idx="14"/>
-          </p:nvPr>
-        </p:nvSpPr>
-        <p:spPr>
-          <a:xfrm>
-            <a:off x="4624388" y="2381663"/>
-            <a:ext cx="2057400" cy="2039112"/>
-          </a:xfrm>
-        </p:spPr>
-        <p:txBody>
-          <a:bodyPr/>
-          <a:lstStyle>
-            <a:lvl1pPr>
-              <a:buNone/>
-              <a:defRPr/>
-            </a:lvl1pPr>
-          </a:lstStyle>
-          <a:p>
-            <a:r>
-              <a:rPr lang="x-none" smtClean="0"/>
-              <a:t>Drag picture to placeholder or click icon to add</a:t>
-            </a:r>
-            <a:endParaRPr/>
-          </a:p>
-        </p:txBody>
-      </p:sp>
-      <p:sp>
-        <p:nvSpPr>
-          <p:cNvPr id="14" name="Picture Placeholder 12"/>
-          <p:cNvSpPr>
-            <a:spLocks noGrp="1"/>
-          </p:cNvSpPr>
-          <p:nvPr>
-            <p:ph type="pic" sz="quarter" idx="15"/>
-          </p:nvPr>
-        </p:nvSpPr>
-        <p:spPr>
-          <a:xfrm>
-            <a:off x="6803136" y="2381662"/>
-            <a:ext cx="2057400" cy="4187952"/>
-          </a:xfrm>
-        </p:spPr>
-        <p:txBody>
-          <a:bodyPr/>
-          <a:lstStyle>
-            <a:lvl1pPr>
-              <a:buNone/>
-              <a:defRPr/>
-            </a:lvl1pPr>
-          </a:lstStyle>
-          <a:p>
-            <a:r>
-              <a:rPr lang="x-none" smtClean="0"/>
-              <a:t>Drag picture to placeholder or click icon to add</a:t>
-            </a:r>
-            <a:endParaRPr/>
-          </a:p>
-        </p:txBody>
-      </p:sp>
-    </p:spTree>
-  </p:cSld>
-  <p:clrMapOvr>
-    <a:masterClrMapping/>
-  </p:clrMapOvr>
-</p:sldLayout>
-</file>
-
-<file path=ppt/slideLayouts/slideLayout49.xml><?xml version="1.0" encoding="utf-8"?>
-<p:sldLayout xmlns:a="http://schemas.openxmlformats.org/drawingml/2006/main" xmlns:r="http://schemas.openxmlformats.org/officeDocument/2006/relationships" xmlns:p="http://schemas.openxmlformats.org/presentationml/2006/main" preserve="1">
-  <p:cSld name="3 Pictures with Caption, Alt.">
-    <p:spTree>
-      <p:nvGrpSpPr>
-        <p:cNvPr id="1" name=""/>
-        <p:cNvGrpSpPr/>
-        <p:nvPr/>
-      </p:nvGrpSpPr>
-      <p:grpSpPr>
-        <a:xfrm>
-          <a:off x="0" y="0"/>
-          <a:ext cx="0" cy="0"/>
-          <a:chOff x="0" y="0"/>
-          <a:chExt cx="0" cy="0"/>
-        </a:xfrm>
-      </p:grpSpPr>
-      <p:sp>
-        <p:nvSpPr>
-          <p:cNvPr id="11" name="Rectangle 10"/>
-          <p:cNvSpPr/>
-          <p:nvPr/>
-        </p:nvSpPr>
-        <p:spPr>
-          <a:xfrm>
-            <a:off x="8166847" y="282573"/>
-            <a:ext cx="685800" cy="302217"/>
-          </a:xfrm>
-          <a:prstGeom prst="rect">
-            <a:avLst/>
-          </a:prstGeom>
-          <a:solidFill>
-            <a:schemeClr val="accent1"/>
-          </a:solidFill>
-          <a:ln>
-            <a:noFill/>
-          </a:ln>
-        </p:spPr>
-        <p:style>
-          <a:lnRef idx="2">
-            <a:schemeClr val="accent1">
-              <a:shade val="50000"/>
-            </a:schemeClr>
-          </a:lnRef>
-          <a:fillRef idx="1">
-            <a:schemeClr val="accent1"/>
-          </a:fillRef>
-          <a:effectRef idx="0">
-            <a:schemeClr val="accent1"/>
-          </a:effectRef>
-          <a:fontRef idx="minor">
-            <a:schemeClr val="lt1"/>
-          </a:fontRef>
-        </p:style>
-        <p:txBody>
-          <a:bodyPr rtlCol="0" anchor="ctr"/>
-          <a:lstStyle/>
-          <a:p>
-            <a:pPr algn="ctr"/>
-            <a:endParaRPr/>
-          </a:p>
-        </p:txBody>
-      </p:sp>
-      <p:sp>
-        <p:nvSpPr>
-          <p:cNvPr id="2" name="Title 1"/>
-          <p:cNvSpPr>
-            <a:spLocks noGrp="1"/>
-          </p:cNvSpPr>
-          <p:nvPr>
-            <p:ph type="title"/>
-          </p:nvPr>
-        </p:nvSpPr>
-        <p:spPr>
-          <a:xfrm>
-            <a:off x="4953000" y="3124200"/>
-            <a:ext cx="3108960" cy="871538"/>
-          </a:xfrm>
-        </p:spPr>
-        <p:txBody>
-          <a:bodyPr anchor="b">
-            <a:normAutofit/>
-          </a:bodyPr>
-          <a:lstStyle>
-            <a:lvl1pPr algn="l">
-              <a:defRPr sz="2600" b="0"/>
-            </a:lvl1pPr>
-          </a:lstStyle>
-          <a:p>
-            <a:r>
-              <a:rPr lang="x-none" smtClean="0"/>
-              <a:t>Click to edit Master title style</a:t>
-            </a:r>
-            <a:endParaRPr/>
-          </a:p>
-        </p:txBody>
-      </p:sp>
-      <p:sp>
-        <p:nvSpPr>
-          <p:cNvPr id="3" name="Picture Placeholder 2"/>
-          <p:cNvSpPr>
-            <a:spLocks noGrp="1"/>
-          </p:cNvSpPr>
-          <p:nvPr>
-            <p:ph type="pic" idx="1"/>
-          </p:nvPr>
-        </p:nvSpPr>
-        <p:spPr>
-          <a:xfrm>
-            <a:off x="277905" y="2365248"/>
-            <a:ext cx="4240119" cy="4187952"/>
-          </a:xfrm>
-        </p:spPr>
-        <p:txBody>
-          <a:bodyPr/>
-          <a:lstStyle>
-            <a:lvl1pPr marL="0" indent="0">
-              <a:buNone/>
-              <a:defRPr sz="3200"/>
-            </a:lvl1pPr>
-            <a:lvl2pPr marL="457200" indent="0">
-              <a:buNone/>
-              <a:defRPr sz="2800"/>
-            </a:lvl2pPr>
-            <a:lvl3pPr marL="914400" indent="0">
-              <a:buNone/>
-              <a:defRPr sz="2400"/>
-            </a:lvl3pPr>
-            <a:lvl4pPr marL="1371600" indent="0">
-              <a:buNone/>
-              <a:defRPr sz="2000"/>
-            </a:lvl4pPr>
-            <a:lvl5pPr marL="1828800" indent="0">
-              <a:buNone/>
-              <a:defRPr sz="2000"/>
-            </a:lvl5pPr>
-            <a:lvl6pPr marL="2286000" indent="0">
-              <a:buNone/>
-              <a:defRPr sz="2000"/>
-            </a:lvl6pPr>
-            <a:lvl7pPr marL="2743200" indent="0">
-              <a:buNone/>
-              <a:defRPr sz="2000"/>
-            </a:lvl7pPr>
-            <a:lvl8pPr marL="3200400" indent="0">
-              <a:buNone/>
-              <a:defRPr sz="2000"/>
-            </a:lvl8pPr>
-            <a:lvl9pPr marL="3657600" indent="0">
-              <a:buNone/>
-              <a:defRPr sz="2000"/>
-            </a:lvl9pPr>
-          </a:lstStyle>
-          <a:p>
-            <a:r>
-              <a:rPr lang="x-none" smtClean="0"/>
-              <a:t>Drag picture to placeholder or click icon to add</a:t>
-            </a:r>
-            <a:endParaRPr/>
-          </a:p>
-        </p:txBody>
-      </p:sp>
-      <p:sp>
-        <p:nvSpPr>
-          <p:cNvPr id="4" name="Text Placeholder 3"/>
-          <p:cNvSpPr>
-            <a:spLocks noGrp="1"/>
-          </p:cNvSpPr>
-          <p:nvPr>
-            <p:ph type="body" sz="half" idx="2"/>
-          </p:nvPr>
-        </p:nvSpPr>
-        <p:spPr>
-          <a:xfrm>
-            <a:off x="4953000" y="3995737"/>
-            <a:ext cx="3108960" cy="2147888"/>
-          </a:xfrm>
-        </p:spPr>
-        <p:txBody>
-          <a:bodyPr/>
-          <a:lstStyle>
-            <a:lvl1pPr marL="0" indent="0">
-              <a:spcBef>
-                <a:spcPts val="600"/>
-              </a:spcBef>
-              <a:buNone/>
-              <a:defRPr sz="1400"/>
-            </a:lvl1pPr>
-            <a:lvl2pPr marL="457200" indent="0">
-              <a:buNone/>
-              <a:defRPr sz="1200"/>
-            </a:lvl2pPr>
-            <a:lvl3pPr marL="914400" indent="0">
-              <a:buNone/>
-              <a:defRPr sz="1000"/>
-            </a:lvl3pPr>
-            <a:lvl4pPr marL="1371600" indent="0">
-              <a:buNone/>
-              <a:defRPr sz="900"/>
-            </a:lvl4pPr>
-            <a:lvl5pPr marL="1828800" indent="0">
-              <a:buNone/>
-              <a:defRPr sz="900"/>
-            </a:lvl5pPr>
-            <a:lvl6pPr marL="2286000" indent="0">
-              <a:buNone/>
-              <a:defRPr sz="900"/>
-            </a:lvl6pPr>
-            <a:lvl7pPr marL="2743200" indent="0">
-              <a:buNone/>
-              <a:defRPr sz="900"/>
-            </a:lvl7pPr>
-            <a:lvl8pPr marL="3200400" indent="0">
-              <a:buNone/>
-              <a:defRPr sz="900"/>
-            </a:lvl8pPr>
-            <a:lvl9pPr marL="3657600" indent="0">
-              <a:buNone/>
-              <a:defRPr sz="900"/>
-            </a:lvl9pPr>
-          </a:lstStyle>
-          <a:p>
-            <a:pPr lvl="0"/>
-            <a:r>
-              <a:rPr lang="x-none" smtClean="0"/>
-              <a:t>Click to edit Master text styles</a:t>
-            </a:r>
-          </a:p>
-        </p:txBody>
-      </p:sp>
-      <p:sp>
-        <p:nvSpPr>
-          <p:cNvPr id="5" name="Date Placeholder 4"/>
-          <p:cNvSpPr>
-            <a:spLocks noGrp="1"/>
-          </p:cNvSpPr>
-          <p:nvPr>
-            <p:ph type="dt" sz="half" idx="10"/>
-          </p:nvPr>
-        </p:nvSpPr>
-        <p:spPr>
-          <a:xfrm>
-            <a:off x="7391399" y="6423585"/>
-            <a:ext cx="1537447" cy="365125"/>
-          </a:xfrm>
-        </p:spPr>
-        <p:txBody>
-          <a:bodyPr/>
-          <a:lstStyle/>
-          <a:p>
-            <a:fld id="{251BE8C5-5F70-427A-B471-4B6EB4966070}" type="datetimeFigureOut">
-              <a:rPr lang="en-CA" smtClean="0"/>
-              <a:t>2014-08-12</a:t>
-            </a:fld>
-            <a:endParaRPr lang="en-CA"/>
-          </a:p>
-        </p:txBody>
-      </p:sp>
-      <p:sp>
-        <p:nvSpPr>
-          <p:cNvPr id="6" name="Footer Placeholder 5"/>
-          <p:cNvSpPr>
-            <a:spLocks noGrp="1"/>
-          </p:cNvSpPr>
-          <p:nvPr>
-            <p:ph type="ftr" sz="quarter" idx="11"/>
-          </p:nvPr>
-        </p:nvSpPr>
-        <p:spPr>
-          <a:xfrm>
-            <a:off x="4191000" y="6423585"/>
-            <a:ext cx="3005138" cy="365125"/>
-          </a:xfrm>
-        </p:spPr>
-        <p:txBody>
-          <a:bodyPr/>
-          <a:lstStyle/>
-          <a:p>
-            <a:endParaRPr lang="en-CA"/>
-          </a:p>
-        </p:txBody>
-      </p:sp>
-      <p:sp>
-        <p:nvSpPr>
-          <p:cNvPr id="7" name="Slide Number Placeholder 6"/>
-          <p:cNvSpPr>
-            <a:spLocks noGrp="1"/>
-          </p:cNvSpPr>
-          <p:nvPr>
-            <p:ph type="sldNum" sz="quarter" idx="12"/>
-          </p:nvPr>
-        </p:nvSpPr>
-        <p:spPr/>
-        <p:txBody>
-          <a:bodyPr/>
-          <a:lstStyle/>
-          <a:p>
-            <a:fld id="{9702344B-8F62-4CFB-875C-81497291C361}" type="slidenum">
-              <a:rPr lang="en-CA" smtClean="0"/>
-              <a:t>‹#›</a:t>
-            </a:fld>
-            <a:endParaRPr lang="en-CA"/>
-          </a:p>
-        </p:txBody>
-      </p:sp>
-      <p:sp>
-        <p:nvSpPr>
-          <p:cNvPr id="10" name="TextBox 9"/>
-          <p:cNvSpPr txBox="1"/>
-          <p:nvPr/>
-        </p:nvSpPr>
-        <p:spPr>
-          <a:xfrm>
-            <a:off x="4750361" y="3370730"/>
-            <a:ext cx="220568" cy="369332"/>
-          </a:xfrm>
-          <a:prstGeom prst="rect">
-            <a:avLst/>
-          </a:prstGeom>
-          <a:noFill/>
-        </p:spPr>
-        <p:txBody>
-          <a:bodyPr wrap="square" lIns="0" tIns="0" rIns="0" bIns="0" rtlCol="0">
-            <a:spAutoFit/>
-          </a:bodyPr>
-          <a:lstStyle/>
-          <a:p>
-            <a:r>
-              <a:rPr sz="2400" b="1" baseline="0">
-                <a:solidFill>
-                  <a:schemeClr val="accent1">
-                    <a:lumMod val="60000"/>
-                    <a:lumOff val="40000"/>
-                  </a:schemeClr>
-                </a:solidFill>
-              </a:rPr>
-              <a:t>+ </a:t>
-            </a:r>
-          </a:p>
-        </p:txBody>
-      </p:sp>
-      <p:sp>
-        <p:nvSpPr>
-          <p:cNvPr id="14" name="Picture Placeholder 12"/>
-          <p:cNvSpPr>
-            <a:spLocks noGrp="1"/>
-          </p:cNvSpPr>
-          <p:nvPr>
-            <p:ph type="pic" sz="quarter" idx="13"/>
-          </p:nvPr>
-        </p:nvSpPr>
-        <p:spPr>
-          <a:xfrm>
-            <a:off x="277905" y="228600"/>
-            <a:ext cx="2057400" cy="2039112"/>
-          </a:xfrm>
-        </p:spPr>
-        <p:txBody>
-          <a:bodyPr/>
-          <a:lstStyle>
-            <a:lvl1pPr>
-              <a:buNone/>
-              <a:defRPr/>
-            </a:lvl1pPr>
-          </a:lstStyle>
-          <a:p>
-            <a:r>
-              <a:rPr lang="x-none" smtClean="0"/>
-              <a:t>Drag picture to placeholder or click icon to add</a:t>
-            </a:r>
-            <a:endParaRPr/>
-          </a:p>
-        </p:txBody>
-      </p:sp>
-      <p:sp>
-        <p:nvSpPr>
-          <p:cNvPr id="15" name="Picture Placeholder 12"/>
-          <p:cNvSpPr>
-            <a:spLocks noGrp="1"/>
-          </p:cNvSpPr>
-          <p:nvPr>
-            <p:ph type="pic" sz="quarter" idx="14"/>
-          </p:nvPr>
-        </p:nvSpPr>
-        <p:spPr>
-          <a:xfrm>
-            <a:off x="2460625" y="228600"/>
-            <a:ext cx="2057400" cy="2039112"/>
-          </a:xfrm>
-        </p:spPr>
-        <p:txBody>
-          <a:bodyPr/>
-          <a:lstStyle>
-            <a:lvl1pPr>
-              <a:buNone/>
-              <a:defRPr/>
-            </a:lvl1pPr>
-          </a:lstStyle>
-          <a:p>
-            <a:r>
-              <a:rPr lang="x-none" smtClean="0"/>
-              <a:t>Drag picture to placeholder or click icon to add</a:t>
-            </a:r>
-            <a:endParaRPr/>
-          </a:p>
-        </p:txBody>
-      </p:sp>
-    </p:spTree>
   </p:cSld>
   <p:clrMapOvr>
     <a:masterClrMapping/>
@@ -16668,7 +9477,7 @@
           <a:p>
             <a:fld id="{251BE8C5-5F70-427A-B471-4B6EB4966070}" type="datetimeFigureOut">
               <a:rPr lang="en-CA" smtClean="0"/>
-              <a:t>2014-08-12</a:t>
+              <a:t>2014-08-17</a:t>
             </a:fld>
             <a:endParaRPr lang="en-CA"/>
           </a:p>
@@ -16722,518 +9531,6 @@
         <p14:creationId xmlns:p14="http://schemas.microsoft.com/office/powerpoint/2010/main" val="3857172607"/>
       </p:ext>
     </p:extLst>
-  </p:cSld>
-  <p:clrMapOvr>
-    <a:masterClrMapping/>
-  </p:clrMapOvr>
-</p:sldLayout>
-</file>
-
-<file path=ppt/slideLayouts/slideLayout50.xml><?xml version="1.0" encoding="utf-8"?>
-<p:sldLayout xmlns:a="http://schemas.openxmlformats.org/drawingml/2006/main" xmlns:r="http://schemas.openxmlformats.org/officeDocument/2006/relationships" xmlns:p="http://schemas.openxmlformats.org/presentationml/2006/main" preserve="1">
-  <p:cSld name="Title and Vertical Text">
-    <p:spTree>
-      <p:nvGrpSpPr>
-        <p:cNvPr id="1" name=""/>
-        <p:cNvGrpSpPr/>
-        <p:nvPr/>
-      </p:nvGrpSpPr>
-      <p:grpSpPr>
-        <a:xfrm>
-          <a:off x="0" y="0"/>
-          <a:ext cx="0" cy="0"/>
-          <a:chOff x="0" y="0"/>
-          <a:chExt cx="0" cy="0"/>
-        </a:xfrm>
-      </p:grpSpPr>
-      <p:sp>
-        <p:nvSpPr>
-          <p:cNvPr id="7" name="Rectangle 6"/>
-          <p:cNvSpPr/>
-          <p:nvPr/>
-        </p:nvSpPr>
-        <p:spPr>
-          <a:xfrm>
-            <a:off x="8166847" y="282574"/>
-            <a:ext cx="685800" cy="1600200"/>
-          </a:xfrm>
-          <a:prstGeom prst="rect">
-            <a:avLst/>
-          </a:prstGeom>
-          <a:solidFill>
-            <a:schemeClr val="accent1"/>
-          </a:solidFill>
-          <a:ln>
-            <a:noFill/>
-          </a:ln>
-        </p:spPr>
-        <p:style>
-          <a:lnRef idx="2">
-            <a:schemeClr val="accent1">
-              <a:shade val="50000"/>
-            </a:schemeClr>
-          </a:lnRef>
-          <a:fillRef idx="1">
-            <a:schemeClr val="accent1"/>
-          </a:fillRef>
-          <a:effectRef idx="0">
-            <a:schemeClr val="accent1"/>
-          </a:effectRef>
-          <a:fontRef idx="minor">
-            <a:schemeClr val="lt1"/>
-          </a:fontRef>
-        </p:style>
-        <p:txBody>
-          <a:bodyPr rtlCol="0" anchor="ctr"/>
-          <a:lstStyle/>
-          <a:p>
-            <a:pPr algn="ctr"/>
-            <a:endParaRPr/>
-          </a:p>
-        </p:txBody>
-      </p:sp>
-      <p:sp>
-        <p:nvSpPr>
-          <p:cNvPr id="9" name="TextBox 8"/>
-          <p:cNvSpPr txBox="1"/>
-          <p:nvPr/>
-        </p:nvSpPr>
-        <p:spPr>
-          <a:xfrm>
-            <a:off x="223185" y="228600"/>
-            <a:ext cx="260909" cy="553998"/>
-          </a:xfrm>
-          <a:prstGeom prst="rect">
-            <a:avLst/>
-          </a:prstGeom>
-          <a:noFill/>
-        </p:spPr>
-        <p:txBody>
-          <a:bodyPr wrap="square" lIns="0" tIns="0" rIns="0" bIns="0" rtlCol="0">
-            <a:spAutoFit/>
-          </a:bodyPr>
-          <a:lstStyle/>
-          <a:p>
-            <a:r>
-              <a:rPr sz="3600" b="1">
-                <a:solidFill>
-                  <a:schemeClr val="accent1">
-                    <a:lumMod val="60000"/>
-                    <a:lumOff val="40000"/>
-                  </a:schemeClr>
-                </a:solidFill>
-              </a:rPr>
-              <a:t>+</a:t>
-            </a:r>
-          </a:p>
-        </p:txBody>
-      </p:sp>
-      <p:sp>
-        <p:nvSpPr>
-          <p:cNvPr id="2" name="Title 1"/>
-          <p:cNvSpPr>
-            <a:spLocks noGrp="1"/>
-          </p:cNvSpPr>
-          <p:nvPr>
-            <p:ph type="title"/>
-          </p:nvPr>
-        </p:nvSpPr>
-        <p:spPr/>
-        <p:txBody>
-          <a:bodyPr/>
-          <a:lstStyle/>
-          <a:p>
-            <a:r>
-              <a:rPr lang="x-none" smtClean="0"/>
-              <a:t>Click to edit Master title style</a:t>
-            </a:r>
-            <a:endParaRPr/>
-          </a:p>
-        </p:txBody>
-      </p:sp>
-      <p:sp>
-        <p:nvSpPr>
-          <p:cNvPr id="3" name="Vertical Text Placeholder 2"/>
-          <p:cNvSpPr>
-            <a:spLocks noGrp="1"/>
-          </p:cNvSpPr>
-          <p:nvPr>
-            <p:ph type="body" orient="vert" idx="1"/>
-          </p:nvPr>
-        </p:nvSpPr>
-        <p:spPr/>
-        <p:txBody>
-          <a:bodyPr vert="eaVert"/>
-          <a:lstStyle>
-            <a:lvl5pPr>
-              <a:defRPr/>
-            </a:lvl5pPr>
-          </a:lstStyle>
-          <a:p>
-            <a:pPr lvl="0"/>
-            <a:r>
-              <a:rPr lang="x-none" smtClean="0"/>
-              <a:t>Click to edit Master text styles</a:t>
-            </a:r>
-          </a:p>
-          <a:p>
-            <a:pPr lvl="1"/>
-            <a:r>
-              <a:rPr lang="x-none" smtClean="0"/>
-              <a:t>Second level</a:t>
-            </a:r>
-          </a:p>
-          <a:p>
-            <a:pPr lvl="2"/>
-            <a:r>
-              <a:rPr lang="x-none" smtClean="0"/>
-              <a:t>Third level</a:t>
-            </a:r>
-          </a:p>
-          <a:p>
-            <a:pPr lvl="3"/>
-            <a:r>
-              <a:rPr lang="x-none" smtClean="0"/>
-              <a:t>Fourth level</a:t>
-            </a:r>
-          </a:p>
-          <a:p>
-            <a:pPr lvl="4"/>
-            <a:r>
-              <a:rPr lang="x-none" smtClean="0"/>
-              <a:t>Fifth level</a:t>
-            </a:r>
-            <a:endParaRPr dirty="0"/>
-          </a:p>
-        </p:txBody>
-      </p:sp>
-      <p:sp>
-        <p:nvSpPr>
-          <p:cNvPr id="4" name="Date Placeholder 3"/>
-          <p:cNvSpPr>
-            <a:spLocks noGrp="1"/>
-          </p:cNvSpPr>
-          <p:nvPr>
-            <p:ph type="dt" sz="half" idx="10"/>
-          </p:nvPr>
-        </p:nvSpPr>
-        <p:spPr/>
-        <p:txBody>
-          <a:bodyPr/>
-          <a:lstStyle/>
-          <a:p>
-            <a:fld id="{251BE8C5-5F70-427A-B471-4B6EB4966070}" type="datetimeFigureOut">
-              <a:rPr lang="en-CA" smtClean="0"/>
-              <a:t>2014-08-12</a:t>
-            </a:fld>
-            <a:endParaRPr lang="en-CA"/>
-          </a:p>
-        </p:txBody>
-      </p:sp>
-      <p:sp>
-        <p:nvSpPr>
-          <p:cNvPr id="5" name="Footer Placeholder 4"/>
-          <p:cNvSpPr>
-            <a:spLocks noGrp="1"/>
-          </p:cNvSpPr>
-          <p:nvPr>
-            <p:ph type="ftr" sz="quarter" idx="11"/>
-          </p:nvPr>
-        </p:nvSpPr>
-        <p:spPr/>
-        <p:txBody>
-          <a:bodyPr/>
-          <a:lstStyle/>
-          <a:p>
-            <a:endParaRPr lang="en-CA"/>
-          </a:p>
-        </p:txBody>
-      </p:sp>
-      <p:sp>
-        <p:nvSpPr>
-          <p:cNvPr id="6" name="Slide Number Placeholder 5"/>
-          <p:cNvSpPr>
-            <a:spLocks noGrp="1"/>
-          </p:cNvSpPr>
-          <p:nvPr>
-            <p:ph type="sldNum" sz="quarter" idx="12"/>
-          </p:nvPr>
-        </p:nvSpPr>
-        <p:spPr/>
-        <p:txBody>
-          <a:bodyPr/>
-          <a:lstStyle/>
-          <a:p>
-            <a:fld id="{9702344B-8F62-4CFB-875C-81497291C361}" type="slidenum">
-              <a:rPr lang="en-CA" smtClean="0"/>
-              <a:t>‹#›</a:t>
-            </a:fld>
-            <a:endParaRPr lang="en-CA"/>
-          </a:p>
-        </p:txBody>
-      </p:sp>
-    </p:spTree>
-  </p:cSld>
-  <p:clrMapOvr>
-    <a:masterClrMapping/>
-  </p:clrMapOvr>
-</p:sldLayout>
-</file>
-
-<file path=ppt/slideLayouts/slideLayout51.xml><?xml version="1.0" encoding="utf-8"?>
-<p:sldLayout xmlns:a="http://schemas.openxmlformats.org/drawingml/2006/main" xmlns:r="http://schemas.openxmlformats.org/officeDocument/2006/relationships" xmlns:p="http://schemas.openxmlformats.org/presentationml/2006/main" preserve="1">
-  <p:cSld name="Vertical Title and Text">
-    <p:spTree>
-      <p:nvGrpSpPr>
-        <p:cNvPr id="1" name=""/>
-        <p:cNvGrpSpPr/>
-        <p:nvPr/>
-      </p:nvGrpSpPr>
-      <p:grpSpPr>
-        <a:xfrm>
-          <a:off x="0" y="0"/>
-          <a:ext cx="0" cy="0"/>
-          <a:chOff x="0" y="0"/>
-          <a:chExt cx="0" cy="0"/>
-        </a:xfrm>
-      </p:grpSpPr>
-      <p:sp>
-        <p:nvSpPr>
-          <p:cNvPr id="10" name="Rectangle 9"/>
-          <p:cNvSpPr/>
-          <p:nvPr/>
-        </p:nvSpPr>
-        <p:spPr>
-          <a:xfrm>
-            <a:off x="8166847" y="282573"/>
-            <a:ext cx="685800" cy="302217"/>
-          </a:xfrm>
-          <a:prstGeom prst="rect">
-            <a:avLst/>
-          </a:prstGeom>
-          <a:solidFill>
-            <a:schemeClr val="accent1"/>
-          </a:solidFill>
-          <a:ln>
-            <a:noFill/>
-          </a:ln>
-        </p:spPr>
-        <p:style>
-          <a:lnRef idx="2">
-            <a:schemeClr val="accent1">
-              <a:shade val="50000"/>
-            </a:schemeClr>
-          </a:lnRef>
-          <a:fillRef idx="1">
-            <a:schemeClr val="accent1"/>
-          </a:fillRef>
-          <a:effectRef idx="0">
-            <a:schemeClr val="accent1"/>
-          </a:effectRef>
-          <a:fontRef idx="minor">
-            <a:schemeClr val="lt1"/>
-          </a:fontRef>
-        </p:style>
-        <p:txBody>
-          <a:bodyPr rtlCol="0" anchor="ctr"/>
-          <a:lstStyle/>
-          <a:p>
-            <a:pPr algn="ctr"/>
-            <a:endParaRPr/>
-          </a:p>
-        </p:txBody>
-      </p:sp>
-      <p:sp>
-        <p:nvSpPr>
-          <p:cNvPr id="2" name="Vertical Title 1"/>
-          <p:cNvSpPr>
-            <a:spLocks noGrp="1"/>
-          </p:cNvSpPr>
-          <p:nvPr>
-            <p:ph type="title" orient="vert"/>
-          </p:nvPr>
-        </p:nvSpPr>
-        <p:spPr>
-          <a:xfrm>
-            <a:off x="7995772" y="954742"/>
-            <a:ext cx="681318" cy="5171422"/>
-          </a:xfrm>
-        </p:spPr>
-        <p:txBody>
-          <a:bodyPr vert="eaVert" anchor="t" anchorCtr="0"/>
-          <a:lstStyle/>
-          <a:p>
-            <a:r>
-              <a:rPr lang="x-none" smtClean="0"/>
-              <a:t>Click to edit Master title style</a:t>
-            </a:r>
-            <a:endParaRPr/>
-          </a:p>
-        </p:txBody>
-      </p:sp>
-      <p:sp>
-        <p:nvSpPr>
-          <p:cNvPr id="3" name="Vertical Text Placeholder 2"/>
-          <p:cNvSpPr>
-            <a:spLocks noGrp="1"/>
-          </p:cNvSpPr>
-          <p:nvPr>
-            <p:ph type="body" orient="vert" idx="1"/>
-          </p:nvPr>
-        </p:nvSpPr>
-        <p:spPr>
-          <a:xfrm>
-            <a:off x="457200" y="958756"/>
-            <a:ext cx="6858000" cy="5184869"/>
-          </a:xfrm>
-        </p:spPr>
-        <p:txBody>
-          <a:bodyPr vert="eaVert"/>
-          <a:lstStyle>
-            <a:lvl5pPr>
-              <a:defRPr/>
-            </a:lvl5pPr>
-          </a:lstStyle>
-          <a:p>
-            <a:pPr lvl="0"/>
-            <a:r>
-              <a:rPr lang="x-none" smtClean="0"/>
-              <a:t>Click to edit Master text styles</a:t>
-            </a:r>
-          </a:p>
-          <a:p>
-            <a:pPr lvl="1"/>
-            <a:r>
-              <a:rPr lang="x-none" smtClean="0"/>
-              <a:t>Second level</a:t>
-            </a:r>
-          </a:p>
-          <a:p>
-            <a:pPr lvl="2"/>
-            <a:r>
-              <a:rPr lang="x-none" smtClean="0"/>
-              <a:t>Third level</a:t>
-            </a:r>
-          </a:p>
-          <a:p>
-            <a:pPr lvl="3"/>
-            <a:r>
-              <a:rPr lang="x-none" smtClean="0"/>
-              <a:t>Fourth level</a:t>
-            </a:r>
-          </a:p>
-          <a:p>
-            <a:pPr lvl="4"/>
-            <a:r>
-              <a:rPr lang="x-none" smtClean="0"/>
-              <a:t>Fifth level</a:t>
-            </a:r>
-            <a:endParaRPr dirty="0"/>
-          </a:p>
-        </p:txBody>
-      </p:sp>
-      <p:sp>
-        <p:nvSpPr>
-          <p:cNvPr id="4" name="Date Placeholder 3"/>
-          <p:cNvSpPr>
-            <a:spLocks noGrp="1"/>
-          </p:cNvSpPr>
-          <p:nvPr>
-            <p:ph type="dt" sz="half" idx="10"/>
-          </p:nvPr>
-        </p:nvSpPr>
-        <p:spPr/>
-        <p:txBody>
-          <a:bodyPr/>
-          <a:lstStyle/>
-          <a:p>
-            <a:fld id="{251BE8C5-5F70-427A-B471-4B6EB4966070}" type="datetimeFigureOut">
-              <a:rPr lang="en-CA" smtClean="0"/>
-              <a:t>2014-08-12</a:t>
-            </a:fld>
-            <a:endParaRPr lang="en-CA"/>
-          </a:p>
-        </p:txBody>
-      </p:sp>
-      <p:sp>
-        <p:nvSpPr>
-          <p:cNvPr id="5" name="Footer Placeholder 4"/>
-          <p:cNvSpPr>
-            <a:spLocks noGrp="1"/>
-          </p:cNvSpPr>
-          <p:nvPr>
-            <p:ph type="ftr" sz="quarter" idx="11"/>
-          </p:nvPr>
-        </p:nvSpPr>
-        <p:spPr/>
-        <p:txBody>
-          <a:bodyPr/>
-          <a:lstStyle/>
-          <a:p>
-            <a:endParaRPr lang="en-CA"/>
-          </a:p>
-        </p:txBody>
-      </p:sp>
-      <p:sp>
-        <p:nvSpPr>
-          <p:cNvPr id="6" name="Slide Number Placeholder 5"/>
-          <p:cNvSpPr>
-            <a:spLocks noGrp="1"/>
-          </p:cNvSpPr>
-          <p:nvPr>
-            <p:ph type="sldNum" sz="quarter" idx="12"/>
-          </p:nvPr>
-        </p:nvSpPr>
-        <p:spPr/>
-        <p:txBody>
-          <a:bodyPr/>
-          <a:lstStyle/>
-          <a:p>
-            <a:fld id="{9702344B-8F62-4CFB-875C-81497291C361}" type="slidenum">
-              <a:rPr lang="en-CA" smtClean="0"/>
-              <a:t>‹#›</a:t>
-            </a:fld>
-            <a:endParaRPr lang="en-CA"/>
-          </a:p>
-        </p:txBody>
-      </p:sp>
-      <p:sp>
-        <p:nvSpPr>
-          <p:cNvPr id="9" name="TextBox 8"/>
-          <p:cNvSpPr txBox="1"/>
-          <p:nvPr/>
-        </p:nvSpPr>
-        <p:spPr>
-          <a:xfrm rot="16200000">
-            <a:off x="8593111" y="561668"/>
-            <a:ext cx="260909" cy="553998"/>
-          </a:xfrm>
-          <a:prstGeom prst="rect">
-            <a:avLst/>
-          </a:prstGeom>
-          <a:noFill/>
-        </p:spPr>
-        <p:txBody>
-          <a:bodyPr wrap="square" lIns="0" tIns="0" rIns="0" bIns="0" rtlCol="0">
-            <a:spAutoFit/>
-          </a:bodyPr>
-          <a:lstStyle/>
-          <a:p>
-            <a:r>
-              <a:rPr sz="3600" b="1">
-                <a:solidFill>
-                  <a:schemeClr val="accent1">
-                    <a:lumMod val="60000"/>
-                    <a:lumOff val="40000"/>
-                  </a:schemeClr>
-                </a:solidFill>
-              </a:rPr>
-              <a:t>+</a:t>
-            </a:r>
-          </a:p>
-        </p:txBody>
-      </p:sp>
-    </p:spTree>
   </p:cSld>
   <p:clrMapOvr>
     <a:masterClrMapping/>
@@ -17298,7 +9595,7 @@
           <a:p>
             <a:fld id="{251BE8C5-5F70-427A-B471-4B6EB4966070}" type="datetimeFigureOut">
               <a:rPr lang="en-CA" smtClean="0"/>
-              <a:t>2014-08-12</a:t>
+              <a:t>2014-08-17</a:t>
             </a:fld>
             <a:endParaRPr lang="en-CA"/>
           </a:p>
@@ -17393,7 +9690,7 @@
           <a:p>
             <a:fld id="{251BE8C5-5F70-427A-B471-4B6EB4966070}" type="datetimeFigureOut">
               <a:rPr lang="en-CA" smtClean="0"/>
-              <a:t>2014-08-12</a:t>
+              <a:t>2014-08-17</a:t>
             </a:fld>
             <a:endParaRPr lang="en-CA"/>
           </a:p>
@@ -17670,7 +9967,7 @@
           <a:p>
             <a:fld id="{251BE8C5-5F70-427A-B471-4B6EB4966070}" type="datetimeFigureOut">
               <a:rPr lang="en-CA" smtClean="0"/>
-              <a:t>2014-08-12</a:t>
+              <a:t>2014-08-17</a:t>
             </a:fld>
             <a:endParaRPr lang="en-CA"/>
           </a:p>
@@ -17923,7 +10220,7 @@
           <a:p>
             <a:fld id="{251BE8C5-5F70-427A-B471-4B6EB4966070}" type="datetimeFigureOut">
               <a:rPr lang="en-CA" smtClean="0"/>
-              <a:t>2014-08-12</a:t>
+              <a:t>2014-08-17</a:t>
             </a:fld>
             <a:endParaRPr lang="en-CA"/>
           </a:p>
@@ -18136,7 +10433,7 @@
           <a:p>
             <a:fld id="{251BE8C5-5F70-427A-B471-4B6EB4966070}" type="datetimeFigureOut">
               <a:rPr lang="en-CA" smtClean="0"/>
-              <a:t>2014-08-12</a:t>
+              <a:t>2014-08-17</a:t>
             </a:fld>
             <a:endParaRPr lang="en-CA"/>
           </a:p>
@@ -18647,7 +10944,7 @@
           <a:p>
             <a:fld id="{251BE8C5-5F70-427A-B471-4B6EB4966070}" type="datetimeFigureOut">
               <a:rPr lang="en-CA" smtClean="0"/>
-              <a:t>2014-08-12</a:t>
+              <a:t>2014-08-17</a:t>
             </a:fld>
             <a:endParaRPr lang="en-CA"/>
           </a:p>
@@ -19083,595 +11380,6 @@
 </p:sldMaster>
 </file>
 
-<file path=ppt/slideMasters/slideMaster3.xml><?xml version="1.0" encoding="utf-8"?>
-<p:sldMaster xmlns:a="http://schemas.openxmlformats.org/drawingml/2006/main" xmlns:r="http://schemas.openxmlformats.org/officeDocument/2006/relationships" xmlns:p="http://schemas.openxmlformats.org/presentationml/2006/main">
-  <p:cSld>
-    <p:bg>
-      <p:bgRef idx="1001">
-        <a:schemeClr val="bg1"/>
-      </p:bgRef>
-    </p:bg>
-    <p:spTree>
-      <p:nvGrpSpPr>
-        <p:cNvPr id="1" name=""/>
-        <p:cNvGrpSpPr/>
-        <p:nvPr/>
-      </p:nvGrpSpPr>
-      <p:grpSpPr>
-        <a:xfrm>
-          <a:off x="0" y="0"/>
-          <a:ext cx="0" cy="0"/>
-          <a:chOff x="0" y="0"/>
-          <a:chExt cx="0" cy="0"/>
-        </a:xfrm>
-      </p:grpSpPr>
-      <p:sp>
-        <p:nvSpPr>
-          <p:cNvPr id="2" name="Title Placeholder 1"/>
-          <p:cNvSpPr>
-            <a:spLocks noGrp="1"/>
-          </p:cNvSpPr>
-          <p:nvPr>
-            <p:ph type="title"/>
-          </p:nvPr>
-        </p:nvSpPr>
-        <p:spPr>
-          <a:xfrm>
-            <a:off x="498474" y="484094"/>
-            <a:ext cx="7556313" cy="1116106"/>
-          </a:xfrm>
-          <a:prstGeom prst="rect">
-            <a:avLst/>
-          </a:prstGeom>
-        </p:spPr>
-        <p:txBody>
-          <a:bodyPr vert="horz" lIns="91440" tIns="45720" rIns="91440" bIns="45720" rtlCol="0" anchor="t" anchorCtr="0">
-            <a:noAutofit/>
-          </a:bodyPr>
-          <a:lstStyle/>
-          <a:p>
-            <a:r>
-              <a:rPr lang="x-none" smtClean="0"/>
-              <a:t>Click to edit Master title style</a:t>
-            </a:r>
-            <a:endParaRPr/>
-          </a:p>
-        </p:txBody>
-      </p:sp>
-      <p:sp>
-        <p:nvSpPr>
-          <p:cNvPr id="3" name="Text Placeholder 2"/>
-          <p:cNvSpPr>
-            <a:spLocks noGrp="1"/>
-          </p:cNvSpPr>
-          <p:nvPr>
-            <p:ph type="body" idx="1"/>
-          </p:nvPr>
-        </p:nvSpPr>
-        <p:spPr>
-          <a:xfrm>
-            <a:off x="498474" y="1981200"/>
-            <a:ext cx="7556313" cy="4144963"/>
-          </a:xfrm>
-          <a:prstGeom prst="rect">
-            <a:avLst/>
-          </a:prstGeom>
-        </p:spPr>
-        <p:txBody>
-          <a:bodyPr vert="horz" lIns="91440" tIns="45720" rIns="91440" bIns="45720" rtlCol="0">
-            <a:normAutofit/>
-          </a:bodyPr>
-          <a:lstStyle/>
-          <a:p>
-            <a:pPr lvl="0"/>
-            <a:r>
-              <a:rPr lang="x-none" smtClean="0"/>
-              <a:t>Click to edit Master text styles</a:t>
-            </a:r>
-          </a:p>
-          <a:p>
-            <a:pPr lvl="1"/>
-            <a:r>
-              <a:rPr lang="x-none" smtClean="0"/>
-              <a:t>Second level</a:t>
-            </a:r>
-          </a:p>
-          <a:p>
-            <a:pPr lvl="2"/>
-            <a:r>
-              <a:rPr lang="x-none" smtClean="0"/>
-              <a:t>Third level</a:t>
-            </a:r>
-          </a:p>
-          <a:p>
-            <a:pPr lvl="3"/>
-            <a:r>
-              <a:rPr lang="x-none" smtClean="0"/>
-              <a:t>Fourth level</a:t>
-            </a:r>
-          </a:p>
-          <a:p>
-            <a:pPr lvl="4"/>
-            <a:r>
-              <a:rPr lang="x-none" smtClean="0"/>
-              <a:t>Fifth level</a:t>
-            </a:r>
-            <a:endParaRPr dirty="0"/>
-          </a:p>
-        </p:txBody>
-      </p:sp>
-      <p:sp>
-        <p:nvSpPr>
-          <p:cNvPr id="4" name="Date Placeholder 3"/>
-          <p:cNvSpPr>
-            <a:spLocks noGrp="1"/>
-          </p:cNvSpPr>
-          <p:nvPr>
-            <p:ph type="dt" sz="half" idx="2"/>
-          </p:nvPr>
-        </p:nvSpPr>
-        <p:spPr>
-          <a:xfrm>
-            <a:off x="6795247" y="6423585"/>
-            <a:ext cx="2133600" cy="365125"/>
-          </a:xfrm>
-          <a:prstGeom prst="rect">
-            <a:avLst/>
-          </a:prstGeom>
-        </p:spPr>
-        <p:txBody>
-          <a:bodyPr vert="horz" lIns="91440" tIns="45720" rIns="91440" bIns="45720" rtlCol="0" anchor="ctr"/>
-          <a:lstStyle>
-            <a:lvl1pPr algn="r">
-              <a:defRPr sz="1100">
-                <a:solidFill>
-                  <a:schemeClr val="tx1">
-                    <a:lumMod val="65000"/>
-                    <a:lumOff val="35000"/>
-                  </a:schemeClr>
-                </a:solidFill>
-              </a:defRPr>
-            </a:lvl1pPr>
-          </a:lstStyle>
-          <a:p>
-            <a:fld id="{251BE8C5-5F70-427A-B471-4B6EB4966070}" type="datetimeFigureOut">
-              <a:rPr lang="en-CA" smtClean="0"/>
-              <a:t>2014-08-12</a:t>
-            </a:fld>
-            <a:endParaRPr lang="en-CA"/>
-          </a:p>
-        </p:txBody>
-      </p:sp>
-      <p:sp>
-        <p:nvSpPr>
-          <p:cNvPr id="5" name="Footer Placeholder 4"/>
-          <p:cNvSpPr>
-            <a:spLocks noGrp="1"/>
-          </p:cNvSpPr>
-          <p:nvPr>
-            <p:ph type="ftr" sz="quarter" idx="3"/>
-          </p:nvPr>
-        </p:nvSpPr>
-        <p:spPr>
-          <a:xfrm>
-            <a:off x="201706" y="6423585"/>
-            <a:ext cx="6122894" cy="365125"/>
-          </a:xfrm>
-          <a:prstGeom prst="rect">
-            <a:avLst/>
-          </a:prstGeom>
-        </p:spPr>
-        <p:txBody>
-          <a:bodyPr vert="horz" lIns="91440" tIns="45720" rIns="91440" bIns="45720" rtlCol="0" anchor="ctr"/>
-          <a:lstStyle>
-            <a:lvl1pPr algn="l">
-              <a:defRPr sz="1100">
-                <a:solidFill>
-                  <a:schemeClr val="tx1">
-                    <a:lumMod val="65000"/>
-                    <a:lumOff val="35000"/>
-                  </a:schemeClr>
-                </a:solidFill>
-              </a:defRPr>
-            </a:lvl1pPr>
-          </a:lstStyle>
-          <a:p>
-            <a:endParaRPr lang="en-CA"/>
-          </a:p>
-        </p:txBody>
-      </p:sp>
-      <p:sp>
-        <p:nvSpPr>
-          <p:cNvPr id="6" name="Slide Number Placeholder 5"/>
-          <p:cNvSpPr>
-            <a:spLocks noGrp="1"/>
-          </p:cNvSpPr>
-          <p:nvPr>
-            <p:ph type="sldNum" sz="quarter" idx="4"/>
-          </p:nvPr>
-        </p:nvSpPr>
-        <p:spPr>
-          <a:xfrm>
-            <a:off x="8305800" y="242234"/>
-            <a:ext cx="554038" cy="365125"/>
-          </a:xfrm>
-          <a:prstGeom prst="rect">
-            <a:avLst/>
-          </a:prstGeom>
-        </p:spPr>
-        <p:txBody>
-          <a:bodyPr vert="horz" lIns="91440" tIns="45720" rIns="91440" bIns="45720" rtlCol="0" anchor="ctr"/>
-          <a:lstStyle>
-            <a:lvl1pPr algn="r">
-              <a:defRPr sz="1400">
-                <a:solidFill>
-                  <a:schemeClr val="bg1"/>
-                </a:solidFill>
-              </a:defRPr>
-            </a:lvl1pPr>
-          </a:lstStyle>
-          <a:p>
-            <a:fld id="{9702344B-8F62-4CFB-875C-81497291C361}" type="slidenum">
-              <a:rPr lang="en-CA" smtClean="0"/>
-              <a:t>‹#›</a:t>
-            </a:fld>
-            <a:endParaRPr lang="en-CA"/>
-          </a:p>
-        </p:txBody>
-      </p:sp>
-    </p:spTree>
-  </p:cSld>
-  <p:clrMap bg1="lt1" tx1="dk1" bg2="lt2" tx2="dk2" accent1="accent1" accent2="accent2" accent3="accent3" accent4="accent4" accent5="accent5" accent6="accent6" hlink="hlink" folHlink="folHlink"/>
-  <p:sldLayoutIdLst>
-    <p:sldLayoutId id="2147483682" r:id="rId1"/>
-    <p:sldLayoutId id="2147483683" r:id="rId2"/>
-    <p:sldLayoutId id="2147483684" r:id="rId3"/>
-    <p:sldLayoutId id="2147483685" r:id="rId4"/>
-    <p:sldLayoutId id="2147483686" r:id="rId5"/>
-    <p:sldLayoutId id="2147483687" r:id="rId6"/>
-    <p:sldLayoutId id="2147483688" r:id="rId7"/>
-    <p:sldLayoutId id="2147483689" r:id="rId8"/>
-    <p:sldLayoutId id="2147483690" r:id="rId9"/>
-    <p:sldLayoutId id="2147483691" r:id="rId10"/>
-    <p:sldLayoutId id="2147483692" r:id="rId11"/>
-    <p:sldLayoutId id="2147483693" r:id="rId12"/>
-    <p:sldLayoutId id="2147483694" r:id="rId13"/>
-    <p:sldLayoutId id="2147483695" r:id="rId14"/>
-    <p:sldLayoutId id="2147483696" r:id="rId15"/>
-    <p:sldLayoutId id="2147483697" r:id="rId16"/>
-    <p:sldLayoutId id="2147483698" r:id="rId17"/>
-    <p:sldLayoutId id="2147483699" r:id="rId18"/>
-    <p:sldLayoutId id="2147483700" r:id="rId19"/>
-    <p:sldLayoutId id="2147483701" r:id="rId20"/>
-  </p:sldLayoutIdLst>
-  <p:txStyles>
-    <p:titleStyle>
-      <a:lvl1pPr algn="l" defTabSz="914400" rtl="0" eaLnBrk="1" latinLnBrk="0" hangingPunct="1">
-        <a:spcBef>
-          <a:spcPct val="0"/>
-        </a:spcBef>
-        <a:buNone/>
-        <a:defRPr sz="3600" b="0" kern="1200">
-          <a:solidFill>
-            <a:schemeClr val="accent1"/>
-          </a:solidFill>
-          <a:latin typeface="+mj-lt"/>
-          <a:ea typeface="+mj-ea"/>
-          <a:cs typeface="+mj-cs"/>
-        </a:defRPr>
-      </a:lvl1pPr>
-    </p:titleStyle>
-    <p:bodyStyle>
-      <a:lvl1pPr marL="228600" indent="-228600" algn="l" defTabSz="914400" rtl="0" eaLnBrk="1" latinLnBrk="0" hangingPunct="1">
-        <a:spcBef>
-          <a:spcPts val="2000"/>
-        </a:spcBef>
-        <a:buClr>
-          <a:schemeClr val="accent1"/>
-        </a:buClr>
-        <a:buSzPct val="75000"/>
-        <a:buFont typeface="Wingdings" pitchFamily="2" charset="2"/>
-        <a:buChar char="n"/>
-        <a:defRPr sz="2000" kern="1200">
-          <a:solidFill>
-            <a:schemeClr val="tx1">
-              <a:lumMod val="65000"/>
-              <a:lumOff val="35000"/>
-            </a:schemeClr>
-          </a:solidFill>
-          <a:latin typeface="+mn-lt"/>
-          <a:ea typeface="+mn-ea"/>
-          <a:cs typeface="+mn-cs"/>
-        </a:defRPr>
-      </a:lvl1pPr>
-      <a:lvl2pPr marL="457200" indent="-228600" algn="l" defTabSz="914400" rtl="0" eaLnBrk="1" latinLnBrk="0" hangingPunct="1">
-        <a:spcBef>
-          <a:spcPts val="600"/>
-        </a:spcBef>
-        <a:buClr>
-          <a:schemeClr val="accent1">
-            <a:lumMod val="60000"/>
-            <a:lumOff val="40000"/>
-          </a:schemeClr>
-        </a:buClr>
-        <a:buSzPct val="75000"/>
-        <a:buFont typeface="Wingdings" pitchFamily="2" charset="2"/>
-        <a:buChar char="n"/>
-        <a:defRPr sz="1800" kern="1200">
-          <a:solidFill>
-            <a:schemeClr val="tx1">
-              <a:lumMod val="65000"/>
-              <a:lumOff val="35000"/>
-            </a:schemeClr>
-          </a:solidFill>
-          <a:latin typeface="+mn-lt"/>
-          <a:ea typeface="+mn-ea"/>
-          <a:cs typeface="+mn-cs"/>
-        </a:defRPr>
-      </a:lvl2pPr>
-      <a:lvl3pPr marL="685800" indent="-228600" algn="l" defTabSz="914400" rtl="0" eaLnBrk="1" latinLnBrk="0" hangingPunct="1">
-        <a:spcBef>
-          <a:spcPts val="600"/>
-        </a:spcBef>
-        <a:buClr>
-          <a:schemeClr val="accent1"/>
-        </a:buClr>
-        <a:buSzPct val="75000"/>
-        <a:buFont typeface="Wingdings" pitchFamily="2" charset="2"/>
-        <a:buChar char="n"/>
-        <a:defRPr sz="1800" kern="1200">
-          <a:solidFill>
-            <a:schemeClr val="tx1">
-              <a:lumMod val="65000"/>
-              <a:lumOff val="35000"/>
-            </a:schemeClr>
-          </a:solidFill>
-          <a:latin typeface="+mn-lt"/>
-          <a:ea typeface="+mn-ea"/>
-          <a:cs typeface="+mn-cs"/>
-        </a:defRPr>
-      </a:lvl3pPr>
-      <a:lvl4pPr marL="914400" indent="-228600" algn="l" defTabSz="914400" rtl="0" eaLnBrk="1" latinLnBrk="0" hangingPunct="1">
-        <a:spcBef>
-          <a:spcPts val="600"/>
-        </a:spcBef>
-        <a:buClr>
-          <a:schemeClr val="accent1">
-            <a:lumMod val="60000"/>
-            <a:lumOff val="40000"/>
-          </a:schemeClr>
-        </a:buClr>
-        <a:buSzPct val="75000"/>
-        <a:buFont typeface="Wingdings" pitchFamily="2" charset="2"/>
-        <a:buChar char="n"/>
-        <a:defRPr sz="1800" kern="1200">
-          <a:solidFill>
-            <a:schemeClr val="tx1">
-              <a:lumMod val="65000"/>
-              <a:lumOff val="35000"/>
-            </a:schemeClr>
-          </a:solidFill>
-          <a:latin typeface="+mn-lt"/>
-          <a:ea typeface="+mn-ea"/>
-          <a:cs typeface="+mn-cs"/>
-        </a:defRPr>
-      </a:lvl4pPr>
-      <a:lvl5pPr marL="1143000" indent="-228600" algn="l" defTabSz="914400" rtl="0" eaLnBrk="1" latinLnBrk="0" hangingPunct="1">
-        <a:spcBef>
-          <a:spcPts val="600"/>
-        </a:spcBef>
-        <a:buClr>
-          <a:schemeClr val="accent1"/>
-        </a:buClr>
-        <a:buSzPct val="75000"/>
-        <a:buFont typeface="Wingdings" pitchFamily="2" charset="2"/>
-        <a:buChar char="n"/>
-        <a:defRPr sz="1800" kern="1200">
-          <a:solidFill>
-            <a:schemeClr val="tx1">
-              <a:lumMod val="65000"/>
-              <a:lumOff val="35000"/>
-            </a:schemeClr>
-          </a:solidFill>
-          <a:latin typeface="+mn-lt"/>
-          <a:ea typeface="+mn-ea"/>
-          <a:cs typeface="+mn-cs"/>
-        </a:defRPr>
-      </a:lvl5pPr>
-      <a:lvl6pPr marL="1377950" indent="-228600" algn="l" defTabSz="914400" rtl="0" eaLnBrk="1" latinLnBrk="0" hangingPunct="1">
-        <a:spcBef>
-          <a:spcPct val="20000"/>
-        </a:spcBef>
-        <a:buClr>
-          <a:schemeClr val="accent1">
-            <a:lumMod val="60000"/>
-            <a:lumOff val="40000"/>
-          </a:schemeClr>
-        </a:buClr>
-        <a:buSzPct val="75000"/>
-        <a:buFont typeface="Wingdings" pitchFamily="2" charset="2"/>
-        <a:buChar char=""/>
-        <a:defRPr lang="en-US" sz="1800" kern="1200" dirty="0" smtClean="0">
-          <a:solidFill>
-            <a:schemeClr val="tx1">
-              <a:lumMod val="65000"/>
-              <a:lumOff val="35000"/>
-            </a:schemeClr>
-          </a:solidFill>
-          <a:latin typeface="+mn-lt"/>
-          <a:ea typeface="+mn-ea"/>
-          <a:cs typeface="+mn-cs"/>
-        </a:defRPr>
-      </a:lvl6pPr>
-      <a:lvl7pPr marL="1603375" indent="-228600" algn="l" defTabSz="914400" rtl="0" eaLnBrk="1" latinLnBrk="0" hangingPunct="1">
-        <a:spcBef>
-          <a:spcPct val="20000"/>
-        </a:spcBef>
-        <a:buClr>
-          <a:schemeClr val="accent1"/>
-        </a:buClr>
-        <a:buSzPct val="75000"/>
-        <a:buFont typeface="Wingdings" pitchFamily="2" charset="2"/>
-        <a:buChar char=""/>
-        <a:defRPr lang="en-US" sz="1800" kern="1200" baseline="0" dirty="0" smtClean="0">
-          <a:solidFill>
-            <a:schemeClr val="tx1">
-              <a:lumMod val="65000"/>
-              <a:lumOff val="35000"/>
-            </a:schemeClr>
-          </a:solidFill>
-          <a:latin typeface="+mn-lt"/>
-          <a:ea typeface="+mn-ea"/>
-          <a:cs typeface="+mn-cs"/>
-        </a:defRPr>
-      </a:lvl7pPr>
-      <a:lvl8pPr marL="1830388" indent="-228600" algn="l" defTabSz="914400" rtl="0" eaLnBrk="1" latinLnBrk="0" hangingPunct="1">
-        <a:spcBef>
-          <a:spcPct val="20000"/>
-        </a:spcBef>
-        <a:buClr>
-          <a:schemeClr val="accent1">
-            <a:lumMod val="60000"/>
-            <a:lumOff val="40000"/>
-          </a:schemeClr>
-        </a:buClr>
-        <a:buSzPct val="75000"/>
-        <a:buFont typeface="Wingdings" pitchFamily="2" charset="2"/>
-        <a:buChar char=""/>
-        <a:defRPr lang="en-US" sz="1800" kern="1200" baseline="0" dirty="0" smtClean="0">
-          <a:solidFill>
-            <a:schemeClr val="tx1">
-              <a:lumMod val="65000"/>
-              <a:lumOff val="35000"/>
-            </a:schemeClr>
-          </a:solidFill>
-          <a:latin typeface="+mn-lt"/>
-          <a:ea typeface="+mn-ea"/>
-          <a:cs typeface="+mn-cs"/>
-        </a:defRPr>
-      </a:lvl8pPr>
-      <a:lvl9pPr marL="2057400" indent="-228600" algn="l" defTabSz="914400" rtl="0" eaLnBrk="1" latinLnBrk="0" hangingPunct="1">
-        <a:spcBef>
-          <a:spcPct val="20000"/>
-        </a:spcBef>
-        <a:buClr>
-          <a:schemeClr val="accent1"/>
-        </a:buClr>
-        <a:buSzPct val="75000"/>
-        <a:buFont typeface="Wingdings" pitchFamily="2" charset="2"/>
-        <a:buChar char=""/>
-        <a:defRPr lang="en-US" sz="1800" kern="1200" baseline="0" dirty="0">
-          <a:solidFill>
-            <a:schemeClr val="tx1">
-              <a:lumMod val="65000"/>
-              <a:lumOff val="35000"/>
-            </a:schemeClr>
-          </a:solidFill>
-          <a:latin typeface="+mn-lt"/>
-          <a:ea typeface="+mn-ea"/>
-          <a:cs typeface="+mn-cs"/>
-        </a:defRPr>
-      </a:lvl9pPr>
-    </p:bodyStyle>
-    <p:otherStyle>
-      <a:defPPr>
-        <a:defRPr/>
-      </a:defPPr>
-      <a:lvl1pPr marL="0" algn="l" defTabSz="914400" rtl="0" eaLnBrk="1" latinLnBrk="0" hangingPunct="1">
-        <a:defRPr sz="1800" kern="1200">
-          <a:solidFill>
-            <a:schemeClr val="tx1"/>
-          </a:solidFill>
-          <a:latin typeface="+mn-lt"/>
-          <a:ea typeface="+mn-ea"/>
-          <a:cs typeface="+mn-cs"/>
-        </a:defRPr>
-      </a:lvl1pPr>
-      <a:lvl2pPr marL="457200" algn="l" defTabSz="914400" rtl="0" eaLnBrk="1" latinLnBrk="0" hangingPunct="1">
-        <a:defRPr sz="1800" kern="1200">
-          <a:solidFill>
-            <a:schemeClr val="tx1"/>
-          </a:solidFill>
-          <a:latin typeface="+mn-lt"/>
-          <a:ea typeface="+mn-ea"/>
-          <a:cs typeface="+mn-cs"/>
-        </a:defRPr>
-      </a:lvl2pPr>
-      <a:lvl3pPr marL="914400" algn="l" defTabSz="914400" rtl="0" eaLnBrk="1" latinLnBrk="0" hangingPunct="1">
-        <a:defRPr sz="1800" kern="1200">
-          <a:solidFill>
-            <a:schemeClr val="tx1"/>
-          </a:solidFill>
-          <a:latin typeface="+mn-lt"/>
-          <a:ea typeface="+mn-ea"/>
-          <a:cs typeface="+mn-cs"/>
-        </a:defRPr>
-      </a:lvl3pPr>
-      <a:lvl4pPr marL="1371600" algn="l" defTabSz="914400" rtl="0" eaLnBrk="1" latinLnBrk="0" hangingPunct="1">
-        <a:defRPr sz="1800" kern="1200">
-          <a:solidFill>
-            <a:schemeClr val="tx1"/>
-          </a:solidFill>
-          <a:latin typeface="+mn-lt"/>
-          <a:ea typeface="+mn-ea"/>
-          <a:cs typeface="+mn-cs"/>
-        </a:defRPr>
-      </a:lvl4pPr>
-      <a:lvl5pPr marL="1828800" algn="l" defTabSz="914400" rtl="0" eaLnBrk="1" latinLnBrk="0" hangingPunct="1">
-        <a:defRPr sz="1800" kern="1200">
-          <a:solidFill>
-            <a:schemeClr val="tx1"/>
-          </a:solidFill>
-          <a:latin typeface="+mn-lt"/>
-          <a:ea typeface="+mn-ea"/>
-          <a:cs typeface="+mn-cs"/>
-        </a:defRPr>
-      </a:lvl5pPr>
-      <a:lvl6pPr marL="2286000" algn="l" defTabSz="914400" rtl="0" eaLnBrk="1" latinLnBrk="0" hangingPunct="1">
-        <a:defRPr sz="1800" kern="1200">
-          <a:solidFill>
-            <a:schemeClr val="tx1"/>
-          </a:solidFill>
-          <a:latin typeface="+mn-lt"/>
-          <a:ea typeface="+mn-ea"/>
-          <a:cs typeface="+mn-cs"/>
-        </a:defRPr>
-      </a:lvl6pPr>
-      <a:lvl7pPr marL="2743200" algn="l" defTabSz="914400" rtl="0" eaLnBrk="1" latinLnBrk="0" hangingPunct="1">
-        <a:defRPr sz="1800" kern="1200">
-          <a:solidFill>
-            <a:schemeClr val="tx1"/>
-          </a:solidFill>
-          <a:latin typeface="+mn-lt"/>
-          <a:ea typeface="+mn-ea"/>
-          <a:cs typeface="+mn-cs"/>
-        </a:defRPr>
-      </a:lvl7pPr>
-      <a:lvl8pPr marL="3200400" algn="l" defTabSz="914400" rtl="0" eaLnBrk="1" latinLnBrk="0" hangingPunct="1">
-        <a:defRPr sz="1800" kern="1200">
-          <a:solidFill>
-            <a:schemeClr val="tx1"/>
-          </a:solidFill>
-          <a:latin typeface="+mn-lt"/>
-          <a:ea typeface="+mn-ea"/>
-          <a:cs typeface="+mn-cs"/>
-        </a:defRPr>
-      </a:lvl8pPr>
-      <a:lvl9pPr marL="3657600" algn="l" defTabSz="914400" rtl="0" eaLnBrk="1" latinLnBrk="0" hangingPunct="1">
-        <a:defRPr sz="1800" kern="1200">
-          <a:solidFill>
-            <a:schemeClr val="tx1"/>
-          </a:solidFill>
-          <a:latin typeface="+mn-lt"/>
-          <a:ea typeface="+mn-ea"/>
-          <a:cs typeface="+mn-cs"/>
-        </a:defRPr>
-      </a:lvl9pPr>
-    </p:otherStyle>
-  </p:txStyles>
-</p:sldMaster>
-</file>
-
 <file path=ppt/slides/slide1.xml><?xml version="1.0" encoding="utf-8"?>
 <p:sld xmlns:a="http://schemas.openxmlformats.org/drawingml/2006/main" xmlns:r="http://schemas.openxmlformats.org/officeDocument/2006/relationships" xmlns:p="http://schemas.openxmlformats.org/presentationml/2006/main">
   <p:cSld>
@@ -19716,11 +11424,7 @@
             </a:r>
             <a:r>
               <a:rPr lang="en-CA" dirty="0" smtClean="0"/>
-              <a:t>– Spatial Discrete Event </a:t>
-            </a:r>
-            <a:r>
-              <a:rPr lang="en-CA" dirty="0" smtClean="0"/>
-              <a:t>Simulation</a:t>
+              <a:t>– Spatial Discrete Event Simulation</a:t>
             </a:r>
             <a:endParaRPr lang="en-CA" dirty="0"/>
           </a:p>
@@ -19819,14 +11523,14 @@
             <p:ph idx="1"/>
             <p:extLst>
               <p:ext uri="{D42A27DB-BD31-4B8C-83A1-F6EECF244321}">
-                <p14:modId xmlns:p14="http://schemas.microsoft.com/office/powerpoint/2010/main" val="2249471364"/>
+                <p14:modId xmlns:p14="http://schemas.microsoft.com/office/powerpoint/2010/main" val="4177770409"/>
               </p:ext>
             </p:extLst>
           </p:nvPr>
         </p:nvGraphicFramePr>
         <p:xfrm>
           <a:off x="498475" y="1981200"/>
-          <a:ext cx="7556500" cy="4765039"/>
+          <a:ext cx="7556500" cy="5130800"/>
         </p:xfrm>
         <a:graphic>
           <a:graphicData uri="http://schemas.openxmlformats.org/drawingml/2006/table">
@@ -19835,9 +11539,9 @@
                 <a:tableStyleId>{5C22544A-7EE6-4342-B048-85BDC9FD1C3A}</a:tableStyleId>
               </a:tblPr>
               <a:tblGrid>
-                <a:gridCol w="1464104"/>
+                <a:gridCol w="1530222"/>
                 <a:gridCol w="1256251"/>
-                <a:gridCol w="4836145"/>
+                <a:gridCol w="4770027"/>
               </a:tblGrid>
               <a:tr h="370840">
                 <a:tc>
@@ -20073,14 +11777,14 @@
                         <a:rPr lang="en-US" dirty="0" err="1" smtClean="0">
                           <a:latin typeface="Courier" pitchFamily="49" charset="0"/>
                         </a:rPr>
-                        <a:t>event.time</a:t>
+                        <a:t>eventTime</a:t>
                       </a:r>
                       <a:r>
                         <a:rPr lang="en-US" dirty="0" smtClean="0"/>
                         <a:t>, </a:t>
                       </a:r>
                       <a:r>
-                        <a:rPr lang="en-US" sz="1800" kern="1200" dirty="0" smtClean="0">
+                        <a:rPr lang="en-US" sz="1800" kern="1200" dirty="0" err="1" smtClean="0">
                           <a:solidFill>
                             <a:schemeClr val="dk1"/>
                           </a:solidFill>
@@ -20088,7 +11792,7 @@
                           <a:ea typeface="+mn-ea"/>
                           <a:cs typeface="+mn-cs"/>
                         </a:rPr>
-                        <a:t>module.name</a:t>
+                        <a:t>moduleName</a:t>
                       </a:r>
                       <a:r>
                         <a:rPr lang="en-US" dirty="0" smtClean="0"/>
@@ -20098,11 +11802,63 @@
                         <a:rPr lang="en-US" dirty="0" err="1" smtClean="0">
                           <a:latin typeface="Courier" pitchFamily="49" charset="0"/>
                         </a:rPr>
-                        <a:t>event.type</a:t>
+                        <a:t>eventType</a:t>
                       </a:r>
                       <a:r>
                         <a:rPr lang="en-US" baseline="0" dirty="0" smtClean="0"/>
                         <a:t> , and other optional information required to process the event by its module.</a:t>
+                      </a:r>
+                      <a:endParaRPr lang="en-CA" dirty="0"/>
+                    </a:p>
+                  </a:txBody>
+                  <a:tcPr marL="171091" marR="171091"/>
+                </a:tc>
+              </a:tr>
+              <a:tr h="370840">
+                <a:tc>
+                  <a:txBody>
+                    <a:bodyPr/>
+                    <a:lstStyle/>
+                    <a:p>
+                      <a:r>
+                        <a:rPr lang="en-US" dirty="0" smtClean="0">
+                          <a:latin typeface="Courier" pitchFamily="49" charset="0"/>
+                        </a:rPr>
+                        <a:t>completed</a:t>
+                      </a:r>
+                      <a:endParaRPr lang="en-CA" dirty="0">
+                        <a:latin typeface="Courier" pitchFamily="49" charset="0"/>
+                      </a:endParaRPr>
+                    </a:p>
+                  </a:txBody>
+                  <a:tcPr marL="171091" marR="171091"/>
+                </a:tc>
+                <a:tc>
+                  <a:txBody>
+                    <a:bodyPr/>
+                    <a:lstStyle/>
+                    <a:p>
+                      <a:r>
+                        <a:rPr lang="en-US" dirty="0" err="1" smtClean="0"/>
+                        <a:t>data.table</a:t>
+                      </a:r>
+                      <a:endParaRPr lang="en-CA" dirty="0"/>
+                    </a:p>
+                  </a:txBody>
+                  <a:tcPr marL="171091" marR="171091"/>
+                </a:tc>
+                <a:tc>
+                  <a:txBody>
+                    <a:bodyPr/>
+                    <a:lstStyle/>
+                    <a:p>
+                      <a:r>
+                        <a:rPr lang="en-US" dirty="0" smtClean="0"/>
+                        <a:t>Completed</a:t>
+                      </a:r>
+                      <a:r>
+                        <a:rPr lang="en-US" baseline="0" dirty="0" smtClean="0"/>
+                        <a:t> events.</a:t>
                       </a:r>
                       <a:endParaRPr lang="en-CA" dirty="0"/>
                     </a:p>
@@ -20213,20 +11969,13 @@
     </p:spTree>
     <p:extLst>
       <p:ext uri="{BB962C8B-B14F-4D97-AF65-F5344CB8AC3E}">
-        <p14:creationId xmlns:p14="http://schemas.microsoft.com/office/powerpoint/2010/main" val="2455318717"/>
+        <p14:creationId xmlns:p14="http://schemas.microsoft.com/office/powerpoint/2010/main" val="2551743078"/>
       </p:ext>
     </p:extLst>
   </p:cSld>
   <p:clrMapOvr>
     <a:masterClrMapping/>
   </p:clrMapOvr>
-  <p:timing>
-    <p:tnLst>
-      <p:par>
-        <p:cTn xmlns:p14="http://schemas.microsoft.com/office/powerpoint/2010/main" id="1" dur="indefinite" restart="never" nodeType="tmRoot"/>
-      </p:par>
-    </p:tnLst>
-  </p:timing>
 </p:sld>
 </file>
 
@@ -20339,20 +12088,13 @@
     </p:spTree>
     <p:extLst>
       <p:ext uri="{BB962C8B-B14F-4D97-AF65-F5344CB8AC3E}">
-        <p14:creationId xmlns:p14="http://schemas.microsoft.com/office/powerpoint/2010/main" val="3808555740"/>
+        <p14:creationId xmlns:p14="http://schemas.microsoft.com/office/powerpoint/2010/main" val="4234969543"/>
       </p:ext>
     </p:extLst>
   </p:cSld>
   <p:clrMapOvr>
     <a:masterClrMapping/>
   </p:clrMapOvr>
-  <p:timing>
-    <p:tnLst>
-      <p:par>
-        <p:cTn xmlns:p14="http://schemas.microsoft.com/office/powerpoint/2010/main" id="1" dur="indefinite" restart="never" nodeType="tmRoot"/>
-      </p:par>
-    </p:tnLst>
-  </p:timing>
 </p:sld>
 </file>
 
@@ -23185,270 +14927,4 @@
   </a:objectDefaults>
   <a:extraClrSchemeLst/>
 </a:theme>
-</file>
-
-<file path=ppt/theme/theme3.xml><?xml version="1.0" encoding="utf-8"?>
-<a:theme xmlns:a="http://schemas.openxmlformats.org/drawingml/2006/main" name="1_Advantage">
-  <a:themeElements>
-    <a:clrScheme name="Advantage">
-      <a:dk1>
-        <a:sysClr val="windowText" lastClr="000000"/>
-      </a:dk1>
-      <a:lt1>
-        <a:sysClr val="window" lastClr="FFFFFF"/>
-      </a:lt1>
-      <a:dk2>
-        <a:srgbClr val="2B142D"/>
-      </a:dk2>
-      <a:lt2>
-        <a:srgbClr val="C3AFCC"/>
-      </a:lt2>
-      <a:accent1>
-        <a:srgbClr val="663366"/>
-      </a:accent1>
-      <a:accent2>
-        <a:srgbClr val="330F42"/>
-      </a:accent2>
-      <a:accent3>
-        <a:srgbClr val="666699"/>
-      </a:accent3>
-      <a:accent4>
-        <a:srgbClr val="999966"/>
-      </a:accent4>
-      <a:accent5>
-        <a:srgbClr val="F7901E"/>
-      </a:accent5>
-      <a:accent6>
-        <a:srgbClr val="A3A101"/>
-      </a:accent6>
-      <a:hlink>
-        <a:srgbClr val="BC5FBC"/>
-      </a:hlink>
-      <a:folHlink>
-        <a:srgbClr val="9775A7"/>
-      </a:folHlink>
-    </a:clrScheme>
-    <a:fontScheme name="Advantage">
-      <a:majorFont>
-        <a:latin typeface="Rockwell"/>
-        <a:ea typeface=""/>
-        <a:cs typeface=""/>
-        <a:font script="Jpan" typeface="ＭＳ ゴシック"/>
-        <a:font script="Hans" typeface="宋体"/>
-        <a:font script="Hant" typeface="新細明體"/>
-      </a:majorFont>
-      <a:minorFont>
-        <a:latin typeface="Rockwell"/>
-        <a:ea typeface=""/>
-        <a:cs typeface=""/>
-        <a:font script="Jpan" typeface="ＭＳ ゴシック"/>
-        <a:font script="Hans" typeface="宋体"/>
-        <a:font script="Hant" typeface="新細明體"/>
-      </a:minorFont>
-    </a:fontScheme>
-    <a:fmtScheme name="Advantage">
-      <a:fillStyleLst>
-        <a:solidFill>
-          <a:schemeClr val="phClr"/>
-        </a:solidFill>
-        <a:gradFill rotWithShape="1">
-          <a:gsLst>
-            <a:gs pos="0">
-              <a:schemeClr val="phClr">
-                <a:tint val="100000"/>
-                <a:shade val="40000"/>
-                <a:alpha val="100000"/>
-                <a:satMod val="150000"/>
-                <a:lumMod val="100000"/>
-              </a:schemeClr>
-            </a:gs>
-            <a:gs pos="100000">
-              <a:schemeClr val="phClr">
-                <a:tint val="70000"/>
-                <a:shade val="100000"/>
-                <a:alpha val="100000"/>
-                <a:satMod val="200000"/>
-                <a:lumMod val="100000"/>
-              </a:schemeClr>
-            </a:gs>
-          </a:gsLst>
-          <a:lin ang="6000000" scaled="1"/>
-        </a:gradFill>
-        <a:gradFill rotWithShape="1">
-          <a:gsLst>
-            <a:gs pos="0">
-              <a:schemeClr val="phClr">
-                <a:shade val="40000"/>
-                <a:alpha val="100000"/>
-                <a:satMod val="150000"/>
-                <a:lumMod val="100000"/>
-              </a:schemeClr>
-            </a:gs>
-            <a:gs pos="100000">
-              <a:schemeClr val="phClr">
-                <a:tint val="70000"/>
-                <a:shade val="100000"/>
-                <a:alpha val="100000"/>
-                <a:satMod val="200000"/>
-                <a:lumMod val="100000"/>
-              </a:schemeClr>
-            </a:gs>
-          </a:gsLst>
-          <a:lin ang="5400000" scaled="1"/>
-        </a:gradFill>
-      </a:fillStyleLst>
-      <a:lnStyleLst>
-        <a:ln w="12700" cap="flat" cmpd="sng" algn="ctr">
-          <a:solidFill>
-            <a:schemeClr val="phClr">
-              <a:shade val="95000"/>
-              <a:satMod val="105000"/>
-            </a:schemeClr>
-          </a:solidFill>
-          <a:prstDash val="solid"/>
-        </a:ln>
-        <a:ln w="25400" cap="flat" cmpd="sng" algn="ctr">
-          <a:solidFill>
-            <a:schemeClr val="phClr"/>
-          </a:solidFill>
-          <a:prstDash val="solid"/>
-        </a:ln>
-        <a:ln w="38100" cap="flat" cmpd="sng" algn="ctr">
-          <a:solidFill>
-            <a:schemeClr val="phClr"/>
-          </a:solidFill>
-          <a:prstDash val="solid"/>
-        </a:ln>
-      </a:lnStyleLst>
-      <a:effectStyleLst>
-        <a:effectStyle>
-          <a:effectLst/>
-        </a:effectStyle>
-        <a:effectStyle>
-          <a:effectLst>
-            <a:innerShdw blurRad="50800" dist="25400" dir="13500000">
-              <a:srgbClr val="FFFFFF">
-                <a:alpha val="75000"/>
-              </a:srgbClr>
-            </a:innerShdw>
-            <a:outerShdw blurRad="63500" dist="25400" dir="5400000" rotWithShape="0">
-              <a:srgbClr val="808080">
-                <a:alpha val="75000"/>
-              </a:srgbClr>
-            </a:outerShdw>
-          </a:effectLst>
-        </a:effectStyle>
-        <a:effectStyle>
-          <a:effectLst/>
-          <a:scene3d>
-            <a:camera prst="orthographicFront">
-              <a:rot lat="0" lon="0" rev="0"/>
-            </a:camera>
-            <a:lightRig rig="twoPt" dir="tl">
-              <a:rot lat="0" lon="0" rev="4500000"/>
-            </a:lightRig>
-          </a:scene3d>
-          <a:sp3d>
-            <a:bevelT w="63500" h="50800"/>
-          </a:sp3d>
-        </a:effectStyle>
-      </a:effectStyleLst>
-      <a:bgFillStyleLst>
-        <a:solidFill>
-          <a:schemeClr val="phClr"/>
-        </a:solidFill>
-        <a:gradFill rotWithShape="1">
-          <a:gsLst>
-            <a:gs pos="0">
-              <a:schemeClr val="phClr">
-                <a:tint val="40000"/>
-                <a:satMod val="150000"/>
-              </a:schemeClr>
-            </a:gs>
-            <a:gs pos="40000">
-              <a:schemeClr val="phClr">
-                <a:tint val="45000"/>
-                <a:shade val="99000"/>
-                <a:satMod val="350000"/>
-              </a:schemeClr>
-            </a:gs>
-            <a:gs pos="100000">
-              <a:schemeClr val="phClr">
-                <a:shade val="20000"/>
-                <a:satMod val="255000"/>
-              </a:schemeClr>
-            </a:gs>
-          </a:gsLst>
-          <a:path path="circle">
-            <a:fillToRect l="50000" t="-80000" r="50000" b="180000"/>
-          </a:path>
-        </a:gradFill>
-        <a:gradFill rotWithShape="1">
-          <a:gsLst>
-            <a:gs pos="0">
-              <a:schemeClr val="phClr">
-                <a:tint val="80000"/>
-                <a:satMod val="300000"/>
-              </a:schemeClr>
-            </a:gs>
-            <a:gs pos="100000">
-              <a:schemeClr val="phClr">
-                <a:shade val="30000"/>
-                <a:satMod val="200000"/>
-              </a:schemeClr>
-            </a:gs>
-          </a:gsLst>
-          <a:path path="circle">
-            <a:fillToRect l="50000" t="50000" r="50000" b="50000"/>
-          </a:path>
-        </a:gradFill>
-      </a:bgFillStyleLst>
-    </a:fmtScheme>
-  </a:themeElements>
-  <a:objectDefaults>
-    <a:spDef>
-      <a:spPr/>
-      <a:bodyPr rtlCol="0" anchor="ctr"/>
-      <a:lstStyle>
-        <a:defPPr algn="ctr">
-          <a:defRPr/>
-        </a:defPPr>
-      </a:lstStyle>
-      <a:style>
-        <a:lnRef idx="1">
-          <a:schemeClr val="accent1"/>
-        </a:lnRef>
-        <a:fillRef idx="3">
-          <a:schemeClr val="accent1"/>
-        </a:fillRef>
-        <a:effectRef idx="2">
-          <a:schemeClr val="accent1"/>
-        </a:effectRef>
-        <a:fontRef idx="minor">
-          <a:schemeClr val="lt1"/>
-        </a:fontRef>
-      </a:style>
-    </a:spDef>
-    <a:lnDef>
-      <a:spPr/>
-      <a:bodyPr/>
-      <a:lstStyle/>
-      <a:style>
-        <a:lnRef idx="2">
-          <a:schemeClr val="accent1"/>
-        </a:lnRef>
-        <a:fillRef idx="0">
-          <a:schemeClr val="accent1"/>
-        </a:fillRef>
-        <a:effectRef idx="1">
-          <a:schemeClr val="accent1"/>
-        </a:effectRef>
-        <a:fontRef idx="minor">
-          <a:schemeClr val="tx1"/>
-        </a:fontRef>
-      </a:style>
-    </a:lnDef>
-  </a:objectDefaults>
-  <a:extraClrSchemeLst/>
-</a:theme>
 </file>
--- a/development/SpaDES – Spatial Discrete Event Simulation.pptx
+++ b/development/SpaDES – Spatial Discrete Event Simulation.pptx
@@ -6,7 +6,7 @@
     <p:sldMasterId id="2147483693" r:id="rId2"/>
   </p:sldMasterIdLst>
   <p:notesMasterIdLst>
-    <p:notesMasterId r:id="rId32"/>
+    <p:notesMasterId r:id="rId29"/>
   </p:notesMasterIdLst>
   <p:sldIdLst>
     <p:sldId id="256" r:id="rId3"/>
@@ -24,20 +24,17 @@
     <p:sldId id="282" r:id="rId15"/>
     <p:sldId id="258" r:id="rId16"/>
     <p:sldId id="268" r:id="rId17"/>
-    <p:sldId id="276" r:id="rId18"/>
-    <p:sldId id="285" r:id="rId19"/>
-    <p:sldId id="287" r:id="rId20"/>
-    <p:sldId id="286" r:id="rId21"/>
-    <p:sldId id="277" r:id="rId22"/>
-    <p:sldId id="296" r:id="rId23"/>
-    <p:sldId id="291" r:id="rId24"/>
-    <p:sldId id="284" r:id="rId25"/>
-    <p:sldId id="290" r:id="rId26"/>
-    <p:sldId id="283" r:id="rId27"/>
-    <p:sldId id="278" r:id="rId28"/>
-    <p:sldId id="288" r:id="rId29"/>
-    <p:sldId id="289" r:id="rId30"/>
-    <p:sldId id="295" r:id="rId31"/>
+    <p:sldId id="285" r:id="rId18"/>
+    <p:sldId id="286" r:id="rId19"/>
+    <p:sldId id="296" r:id="rId20"/>
+    <p:sldId id="291" r:id="rId21"/>
+    <p:sldId id="284" r:id="rId22"/>
+    <p:sldId id="290" r:id="rId23"/>
+    <p:sldId id="283" r:id="rId24"/>
+    <p:sldId id="278" r:id="rId25"/>
+    <p:sldId id="288" r:id="rId26"/>
+    <p:sldId id="289" r:id="rId27"/>
+    <p:sldId id="297" r:id="rId28"/>
   </p:sldIdLst>
   <p:sldSz cx="9144000" cy="6858000" type="screen4x3"/>
   <p:notesSz cx="6858000" cy="9144000"/>
@@ -145,15 +142,6 @@
 </p:cmAuthorLst>
 </file>
 
-<file path=ppt/comments/comment1.xml><?xml version="1.0" encoding="utf-8"?>
-<p:cmLst xmlns:a="http://schemas.openxmlformats.org/drawingml/2006/main" xmlns:r="http://schemas.openxmlformats.org/officeDocument/2006/relationships" xmlns:p="http://schemas.openxmlformats.org/presentationml/2006/main">
-  <p:cm authorId="0" dt="2014-11-20T16:19:11.936" idx="1">
-    <p:pos x="5238" y="1628"/>
-    <p:text>rephrase this!!</p:text>
-  </p:cm>
-</p:cmLst>
-</file>
-
 <file path=ppt/notesMasters/notesMaster1.xml><?xml version="1.0" encoding="utf-8"?>
 <p:notesMaster xmlns:a="http://schemas.openxmlformats.org/drawingml/2006/main" xmlns:r="http://schemas.openxmlformats.org/officeDocument/2006/relationships" xmlns:p="http://schemas.openxmlformats.org/presentationml/2006/main">
   <p:cSld>
@@ -236,7 +224,7 @@
           <a:p>
             <a:fld id="{B2478336-7F2F-4F0B-B728-8298E6450511}" type="datetimeFigureOut">
               <a:rPr lang="en-CA" smtClean="0"/>
-              <a:t>2014-12-07</a:t>
+              <a:t>14-12-07</a:t>
             </a:fld>
             <a:endParaRPr lang="en-CA"/>
           </a:p>
@@ -548,15 +536,36 @@
           <a:bodyPr/>
           <a:lstStyle/>
           <a:p>
-            <a:r>
-              <a:rPr lang="en-US" dirty="0" smtClean="0"/>
-              <a:t>We can’t build a massive model of everything – and we don’t want to! Our goal is to integrate</a:t>
-            </a:r>
-            <a:r>
-              <a:rPr lang="en-US" baseline="0" dirty="0" smtClean="0"/>
-              <a:t> expert-built models in a common platform.</a:t>
-            </a:r>
-            <a:endParaRPr lang="en-CA" dirty="0"/>
+            <a:pPr marL="0" marR="0" indent="0" algn="l" defTabSz="914400" rtl="0" eaLnBrk="1" fontAlgn="auto" latinLnBrk="0" hangingPunct="1">
+              <a:lnSpc>
+                <a:spcPct val="100000"/>
+              </a:lnSpc>
+              <a:spcBef>
+                <a:spcPts val="0"/>
+              </a:spcBef>
+              <a:spcAft>
+                <a:spcPts val="0"/>
+              </a:spcAft>
+              <a:buClrTx/>
+              <a:buSzTx/>
+              <a:buFontTx/>
+              <a:buNone/>
+              <a:tabLst/>
+              <a:defRPr/>
+            </a:pPr>
+            <a:r>
+              <a:rPr lang="en-CA" dirty="0" smtClean="0"/>
+              <a:t>What is the number one system for understanding </a:t>
+            </a:r>
+            <a:r>
+              <a:rPr lang="en-CA" i="1" dirty="0" smtClean="0"/>
+              <a:t>data</a:t>
+            </a:r>
+            <a:r>
+              <a:rPr lang="en-US" i="0" dirty="0" smtClean="0"/>
+              <a:t>?</a:t>
+            </a:r>
+            <a:endParaRPr lang="en-CA" i="1" dirty="0" smtClean="0"/>
           </a:p>
         </p:txBody>
       </p:sp>
@@ -577,7 +586,7 @@
           <a:p>
             <a:fld id="{42F7E19C-AFF7-43D6-8863-821D4B0EB968}" type="slidenum">
               <a:rPr lang="en-CA" smtClean="0"/>
-              <a:t>10</a:t>
+              <a:t>3</a:t>
             </a:fld>
             <a:endParaRPr lang="en-CA"/>
           </a:p>
@@ -586,7 +595,7 @@
     </p:spTree>
     <p:extLst>
       <p:ext uri="{BB962C8B-B14F-4D97-AF65-F5344CB8AC3E}">
-        <p14:creationId xmlns:p14="http://schemas.microsoft.com/office/powerpoint/2010/main" val="451659045"/>
+        <p14:creationId xmlns:p14="http://schemas.microsoft.com/office/powerpoint/2010/main" val="1601428741"/>
       </p:ext>
     </p:extLst>
   </p:cSld>
@@ -640,6 +649,182 @@
           <a:bodyPr/>
           <a:lstStyle/>
           <a:p>
+            <a:endParaRPr lang="en-US" dirty="0"/>
+          </a:p>
+        </p:txBody>
+      </p:sp>
+      <p:sp>
+        <p:nvSpPr>
+          <p:cNvPr id="4" name="Slide Number Placeholder 3"/>
+          <p:cNvSpPr>
+            <a:spLocks noGrp="1"/>
+          </p:cNvSpPr>
+          <p:nvPr>
+            <p:ph type="sldNum" sz="quarter" idx="10"/>
+          </p:nvPr>
+        </p:nvSpPr>
+        <p:spPr/>
+        <p:txBody>
+          <a:bodyPr/>
+          <a:lstStyle/>
+          <a:p>
+            <a:fld id="{42F7E19C-AFF7-43D6-8863-821D4B0EB968}" type="slidenum">
+              <a:rPr lang="en-CA" smtClean="0"/>
+              <a:t>9</a:t>
+            </a:fld>
+            <a:endParaRPr lang="en-CA"/>
+          </a:p>
+        </p:txBody>
+      </p:sp>
+    </p:spTree>
+    <p:extLst>
+      <p:ext uri="{BB962C8B-B14F-4D97-AF65-F5344CB8AC3E}">
+        <p14:creationId xmlns:p14="http://schemas.microsoft.com/office/powerpoint/2010/main" val="3669064845"/>
+      </p:ext>
+    </p:extLst>
+  </p:cSld>
+  <p:clrMapOvr>
+    <a:masterClrMapping/>
+  </p:clrMapOvr>
+</p:notes>
+</file>
+
+<file path=ppt/notesSlides/notesSlide3.xml><?xml version="1.0" encoding="utf-8"?>
+<p:notes xmlns:a="http://schemas.openxmlformats.org/drawingml/2006/main" xmlns:r="http://schemas.openxmlformats.org/officeDocument/2006/relationships" xmlns:p="http://schemas.openxmlformats.org/presentationml/2006/main">
+  <p:cSld>
+    <p:spTree>
+      <p:nvGrpSpPr>
+        <p:cNvPr id="1" name=""/>
+        <p:cNvGrpSpPr/>
+        <p:nvPr/>
+      </p:nvGrpSpPr>
+      <p:grpSpPr>
+        <a:xfrm>
+          <a:off x="0" y="0"/>
+          <a:ext cx="0" cy="0"/>
+          <a:chOff x="0" y="0"/>
+          <a:chExt cx="0" cy="0"/>
+        </a:xfrm>
+      </p:grpSpPr>
+      <p:sp>
+        <p:nvSpPr>
+          <p:cNvPr id="2" name="Slide Image Placeholder 1"/>
+          <p:cNvSpPr>
+            <a:spLocks noGrp="1" noRot="1" noChangeAspect="1"/>
+          </p:cNvSpPr>
+          <p:nvPr>
+            <p:ph type="sldImg"/>
+          </p:nvPr>
+        </p:nvSpPr>
+        <p:spPr/>
+      </p:sp>
+      <p:sp>
+        <p:nvSpPr>
+          <p:cNvPr id="3" name="Notes Placeholder 2"/>
+          <p:cNvSpPr>
+            <a:spLocks noGrp="1"/>
+          </p:cNvSpPr>
+          <p:nvPr>
+            <p:ph type="body" idx="1"/>
+          </p:nvPr>
+        </p:nvSpPr>
+        <p:spPr/>
+        <p:txBody>
+          <a:bodyPr/>
+          <a:lstStyle/>
+          <a:p>
+            <a:r>
+              <a:rPr lang="en-US" dirty="0" smtClean="0"/>
+              <a:t>We can’t build a massive model of everything – and we don’t want to! Our goal is to integrate</a:t>
+            </a:r>
+            <a:r>
+              <a:rPr lang="en-US" baseline="0" dirty="0" smtClean="0"/>
+              <a:t> expert-built models in a common platform.</a:t>
+            </a:r>
+            <a:endParaRPr lang="en-CA" dirty="0"/>
+          </a:p>
+        </p:txBody>
+      </p:sp>
+      <p:sp>
+        <p:nvSpPr>
+          <p:cNvPr id="4" name="Slide Number Placeholder 3"/>
+          <p:cNvSpPr>
+            <a:spLocks noGrp="1"/>
+          </p:cNvSpPr>
+          <p:nvPr>
+            <p:ph type="sldNum" sz="quarter" idx="10"/>
+          </p:nvPr>
+        </p:nvSpPr>
+        <p:spPr/>
+        <p:txBody>
+          <a:bodyPr/>
+          <a:lstStyle/>
+          <a:p>
+            <a:fld id="{42F7E19C-AFF7-43D6-8863-821D4B0EB968}" type="slidenum">
+              <a:rPr lang="en-CA" smtClean="0"/>
+              <a:t>10</a:t>
+            </a:fld>
+            <a:endParaRPr lang="en-CA"/>
+          </a:p>
+        </p:txBody>
+      </p:sp>
+    </p:spTree>
+    <p:extLst>
+      <p:ext uri="{BB962C8B-B14F-4D97-AF65-F5344CB8AC3E}">
+        <p14:creationId xmlns:p14="http://schemas.microsoft.com/office/powerpoint/2010/main" val="451659045"/>
+      </p:ext>
+    </p:extLst>
+  </p:cSld>
+  <p:clrMapOvr>
+    <a:masterClrMapping/>
+  </p:clrMapOvr>
+</p:notes>
+</file>
+
+<file path=ppt/notesSlides/notesSlide4.xml><?xml version="1.0" encoding="utf-8"?>
+<p:notes xmlns:a="http://schemas.openxmlformats.org/drawingml/2006/main" xmlns:r="http://schemas.openxmlformats.org/officeDocument/2006/relationships" xmlns:p="http://schemas.openxmlformats.org/presentationml/2006/main">
+  <p:cSld>
+    <p:spTree>
+      <p:nvGrpSpPr>
+        <p:cNvPr id="1" name=""/>
+        <p:cNvGrpSpPr/>
+        <p:nvPr/>
+      </p:nvGrpSpPr>
+      <p:grpSpPr>
+        <a:xfrm>
+          <a:off x="0" y="0"/>
+          <a:ext cx="0" cy="0"/>
+          <a:chOff x="0" y="0"/>
+          <a:chExt cx="0" cy="0"/>
+        </a:xfrm>
+      </p:grpSpPr>
+      <p:sp>
+        <p:nvSpPr>
+          <p:cNvPr id="2" name="Slide Image Placeholder 1"/>
+          <p:cNvSpPr>
+            <a:spLocks noGrp="1" noRot="1" noChangeAspect="1"/>
+          </p:cNvSpPr>
+          <p:nvPr>
+            <p:ph type="sldImg"/>
+          </p:nvPr>
+        </p:nvSpPr>
+        <p:spPr/>
+      </p:sp>
+      <p:sp>
+        <p:nvSpPr>
+          <p:cNvPr id="3" name="Notes Placeholder 2"/>
+          <p:cNvSpPr>
+            <a:spLocks noGrp="1"/>
+          </p:cNvSpPr>
+          <p:nvPr>
+            <p:ph type="body" idx="1"/>
+          </p:nvPr>
+        </p:nvSpPr>
+        <p:spPr/>
+        <p:txBody>
+          <a:bodyPr/>
+          <a:lstStyle/>
+          <a:p>
             <a:r>
               <a:rPr lang="en-CA" dirty="0" smtClean="0"/>
               <a:t>Simulation models are essentially data manipulation</a:t>
@@ -687,6 +872,235 @@
     <p:extLst>
       <p:ext uri="{BB962C8B-B14F-4D97-AF65-F5344CB8AC3E}">
         <p14:creationId xmlns:p14="http://schemas.microsoft.com/office/powerpoint/2010/main" val="2715582733"/>
+      </p:ext>
+    </p:extLst>
+  </p:cSld>
+  <p:clrMapOvr>
+    <a:masterClrMapping/>
+  </p:clrMapOvr>
+</p:notes>
+</file>
+
+<file path=ppt/notesSlides/notesSlide5.xml><?xml version="1.0" encoding="utf-8"?>
+<p:notes xmlns:a="http://schemas.openxmlformats.org/drawingml/2006/main" xmlns:r="http://schemas.openxmlformats.org/officeDocument/2006/relationships" xmlns:p="http://schemas.openxmlformats.org/presentationml/2006/main">
+  <p:cSld>
+    <p:spTree>
+      <p:nvGrpSpPr>
+        <p:cNvPr id="1" name=""/>
+        <p:cNvGrpSpPr/>
+        <p:nvPr/>
+      </p:nvGrpSpPr>
+      <p:grpSpPr>
+        <a:xfrm>
+          <a:off x="0" y="0"/>
+          <a:ext cx="0" cy="0"/>
+          <a:chOff x="0" y="0"/>
+          <a:chExt cx="0" cy="0"/>
+        </a:xfrm>
+      </p:grpSpPr>
+      <p:sp>
+        <p:nvSpPr>
+          <p:cNvPr id="2" name="Slide Image Placeholder 1"/>
+          <p:cNvSpPr>
+            <a:spLocks noGrp="1" noRot="1" noChangeAspect="1"/>
+          </p:cNvSpPr>
+          <p:nvPr>
+            <p:ph type="sldImg"/>
+          </p:nvPr>
+        </p:nvSpPr>
+        <p:spPr/>
+      </p:sp>
+      <p:sp>
+        <p:nvSpPr>
+          <p:cNvPr id="3" name="Notes Placeholder 2"/>
+          <p:cNvSpPr>
+            <a:spLocks noGrp="1"/>
+          </p:cNvSpPr>
+          <p:nvPr>
+            <p:ph type="body" idx="1"/>
+          </p:nvPr>
+        </p:nvSpPr>
+        <p:spPr/>
+        <p:txBody>
+          <a:bodyPr/>
+          <a:lstStyle/>
+          <a:p>
+            <a:pPr marL="171450" indent="-171450">
+              <a:buFontTx/>
+              <a:buChar char="-"/>
+            </a:pPr>
+            <a:r>
+              <a:rPr lang="en-US" dirty="0" err="1" smtClean="0"/>
+              <a:t>RandomLandscapes</a:t>
+            </a:r>
+            <a:endParaRPr lang="en-US" dirty="0" smtClean="0"/>
+          </a:p>
+          <a:p>
+            <a:pPr marL="171450" indent="-171450">
+              <a:buFontTx/>
+              <a:buChar char="-"/>
+            </a:pPr>
+            <a:r>
+              <a:rPr lang="en-US" dirty="0" err="1" smtClean="0"/>
+              <a:t>CaribouMovement</a:t>
+            </a:r>
+            <a:endParaRPr lang="en-US" dirty="0" smtClean="0"/>
+          </a:p>
+          <a:p>
+            <a:pPr marL="171450" indent="-171450">
+              <a:buFontTx/>
+              <a:buChar char="-"/>
+            </a:pPr>
+            <a:r>
+              <a:rPr lang="en-US" dirty="0" err="1" smtClean="0"/>
+              <a:t>FireSpread</a:t>
+            </a:r>
+            <a:endParaRPr lang="en-US" dirty="0" smtClean="0"/>
+          </a:p>
+          <a:p>
+            <a:endParaRPr lang="en-US" dirty="0"/>
+          </a:p>
+        </p:txBody>
+      </p:sp>
+      <p:sp>
+        <p:nvSpPr>
+          <p:cNvPr id="4" name="Slide Number Placeholder 3"/>
+          <p:cNvSpPr>
+            <a:spLocks noGrp="1"/>
+          </p:cNvSpPr>
+          <p:nvPr>
+            <p:ph type="sldNum" sz="quarter" idx="10"/>
+          </p:nvPr>
+        </p:nvSpPr>
+        <p:spPr/>
+        <p:txBody>
+          <a:bodyPr/>
+          <a:lstStyle/>
+          <a:p>
+            <a:fld id="{42F7E19C-AFF7-43D6-8863-821D4B0EB968}" type="slidenum">
+              <a:rPr lang="en-CA" smtClean="0"/>
+              <a:t>16</a:t>
+            </a:fld>
+            <a:endParaRPr lang="en-CA"/>
+          </a:p>
+        </p:txBody>
+      </p:sp>
+    </p:spTree>
+    <p:extLst>
+      <p:ext uri="{BB962C8B-B14F-4D97-AF65-F5344CB8AC3E}">
+        <p14:creationId xmlns:p14="http://schemas.microsoft.com/office/powerpoint/2010/main" val="2477009300"/>
+      </p:ext>
+    </p:extLst>
+  </p:cSld>
+  <p:clrMapOvr>
+    <a:masterClrMapping/>
+  </p:clrMapOvr>
+</p:notes>
+</file>
+
+<file path=ppt/notesSlides/notesSlide6.xml><?xml version="1.0" encoding="utf-8"?>
+<p:notes xmlns:a="http://schemas.openxmlformats.org/drawingml/2006/main" xmlns:r="http://schemas.openxmlformats.org/officeDocument/2006/relationships" xmlns:p="http://schemas.openxmlformats.org/presentationml/2006/main">
+  <p:cSld>
+    <p:spTree>
+      <p:nvGrpSpPr>
+        <p:cNvPr id="1" name=""/>
+        <p:cNvGrpSpPr/>
+        <p:nvPr/>
+      </p:nvGrpSpPr>
+      <p:grpSpPr>
+        <a:xfrm>
+          <a:off x="0" y="0"/>
+          <a:ext cx="0" cy="0"/>
+          <a:chOff x="0" y="0"/>
+          <a:chExt cx="0" cy="0"/>
+        </a:xfrm>
+      </p:grpSpPr>
+      <p:sp>
+        <p:nvSpPr>
+          <p:cNvPr id="2" name="Slide Image Placeholder 1"/>
+          <p:cNvSpPr>
+            <a:spLocks noGrp="1" noRot="1" noChangeAspect="1"/>
+          </p:cNvSpPr>
+          <p:nvPr>
+            <p:ph type="sldImg"/>
+          </p:nvPr>
+        </p:nvSpPr>
+        <p:spPr/>
+      </p:sp>
+      <p:sp>
+        <p:nvSpPr>
+          <p:cNvPr id="3" name="Notes Placeholder 2"/>
+          <p:cNvSpPr>
+            <a:spLocks noGrp="1"/>
+          </p:cNvSpPr>
+          <p:nvPr>
+            <p:ph type="body" idx="1"/>
+          </p:nvPr>
+        </p:nvSpPr>
+        <p:spPr/>
+        <p:txBody>
+          <a:bodyPr/>
+          <a:lstStyle/>
+          <a:p>
+            <a:r>
+              <a:rPr lang="en-US" dirty="0" err="1" smtClean="0"/>
+              <a:t>caribouMovementLcc</a:t>
+            </a:r>
+            <a:endParaRPr lang="en-CA" dirty="0" smtClean="0"/>
+          </a:p>
+          <a:p>
+            <a:r>
+              <a:rPr lang="en-US" dirty="0" err="1" smtClean="0"/>
+              <a:t>fireSpreadLcc</a:t>
+            </a:r>
+            <a:endParaRPr lang="en-US" dirty="0" smtClean="0"/>
+          </a:p>
+          <a:p>
+            <a:r>
+              <a:rPr lang="en-US" dirty="0" err="1" smtClean="0"/>
+              <a:t>forestAge</a:t>
+            </a:r>
+            <a:endParaRPr lang="en-US" dirty="0" smtClean="0"/>
+          </a:p>
+          <a:p>
+            <a:r>
+              <a:rPr lang="en-US" dirty="0" err="1" smtClean="0"/>
+              <a:t>forestSuccession</a:t>
+            </a:r>
+            <a:endParaRPr lang="en-US" dirty="0" smtClean="0"/>
+          </a:p>
+          <a:p>
+            <a:endParaRPr lang="en-US" dirty="0"/>
+          </a:p>
+        </p:txBody>
+      </p:sp>
+      <p:sp>
+        <p:nvSpPr>
+          <p:cNvPr id="4" name="Slide Number Placeholder 3"/>
+          <p:cNvSpPr>
+            <a:spLocks noGrp="1"/>
+          </p:cNvSpPr>
+          <p:nvPr>
+            <p:ph type="sldNum" sz="quarter" idx="10"/>
+          </p:nvPr>
+        </p:nvSpPr>
+        <p:spPr/>
+        <p:txBody>
+          <a:bodyPr/>
+          <a:lstStyle/>
+          <a:p>
+            <a:fld id="{42F7E19C-AFF7-43D6-8863-821D4B0EB968}" type="slidenum">
+              <a:rPr lang="en-CA" smtClean="0"/>
+              <a:t>18</a:t>
+            </a:fld>
+            <a:endParaRPr lang="en-CA"/>
+          </a:p>
+        </p:txBody>
+      </p:sp>
+    </p:spTree>
+    <p:extLst>
+      <p:ext uri="{BB962C8B-B14F-4D97-AF65-F5344CB8AC3E}">
+        <p14:creationId xmlns:p14="http://schemas.microsoft.com/office/powerpoint/2010/main" val="1570593971"/>
       </p:ext>
     </p:extLst>
   </p:cSld>
@@ -747,14 +1161,14 @@
             <a:noFill/>
           </a:ln>
           <a:extLst>
-            <a:ext uri="{909E8E84-426E-40DD-AFC4-6F175D3DCCD1}">
+            <a:ext uri="{909E8E84-426E-40dd-AFC4-6F175D3DCCD1}">
               <a14:hiddenFill xmlns:a14="http://schemas.microsoft.com/office/drawing/2010/main">
                 <a:solidFill>
                   <a:srgbClr val="FFFFFF"/>
                 </a:solidFill>
               </a14:hiddenFill>
             </a:ext>
-            <a:ext uri="{91240B29-F687-4F45-9708-019B960494DF}">
+            <a:ext uri="{91240B29-F687-4f45-9708-019B960494DF}">
               <a14:hiddenLine xmlns:a14="http://schemas.microsoft.com/office/drawing/2010/main" w="9525">
                 <a:solidFill>
                   <a:srgbClr val="000000"/>
@@ -1065,7 +1479,7 @@
           <a:p>
             <a:fld id="{251BE8C5-5F70-427A-B471-4B6EB4966070}" type="datetimeFigureOut">
               <a:rPr lang="en-CA" smtClean="0"/>
-              <a:t>2014-12-07</a:t>
+              <a:t>14-12-07</a:t>
             </a:fld>
             <a:endParaRPr lang="en-CA"/>
           </a:p>
@@ -1308,7 +1722,7 @@
           <a:p>
             <a:fld id="{251BE8C5-5F70-427A-B471-4B6EB4966070}" type="datetimeFigureOut">
               <a:rPr lang="en-CA" smtClean="0"/>
-              <a:t>2014-12-07</a:t>
+              <a:t>14-12-07</a:t>
             </a:fld>
             <a:endParaRPr lang="en-CA"/>
           </a:p>
@@ -1462,14 +1876,14 @@
             <a:noFill/>
           </a:ln>
           <a:extLst>
-            <a:ext uri="{909E8E84-426E-40DD-AFC4-6F175D3DCCD1}">
+            <a:ext uri="{909E8E84-426E-40dd-AFC4-6F175D3DCCD1}">
               <a14:hiddenFill xmlns:a14="http://schemas.microsoft.com/office/drawing/2010/main">
                 <a:solidFill>
                   <a:srgbClr val="FFFFFF"/>
                 </a:solidFill>
               </a14:hiddenFill>
             </a:ext>
-            <a:ext uri="{91240B29-F687-4F45-9708-019B960494DF}">
+            <a:ext uri="{91240B29-F687-4f45-9708-019B960494DF}">
               <a14:hiddenLine xmlns:a14="http://schemas.microsoft.com/office/drawing/2010/main" w="9525">
                 <a:solidFill>
                   <a:srgbClr val="000000"/>
@@ -1832,7 +2246,7 @@
               <a:pPr>
                 <a:defRPr/>
               </a:pPr>
-              <a:t>12/7/2014</a:t>
+              <a:t>14-12-07</a:t>
             </a:fld>
             <a:endParaRPr lang="en-US"/>
           </a:p>
@@ -2156,7 +2570,7 @@
               <a:pPr>
                 <a:defRPr/>
               </a:pPr>
-              <a:t>12/7/2014</a:t>
+              <a:t>14-12-07</a:t>
             </a:fld>
             <a:endParaRPr lang="en-US"/>
           </a:p>
@@ -2522,7 +2936,7 @@
               <a:pPr>
                 <a:defRPr/>
               </a:pPr>
-              <a:t>12/7/2014</a:t>
+              <a:t>14-12-07</a:t>
             </a:fld>
             <a:endParaRPr lang="en-US"/>
           </a:p>
@@ -3022,7 +3436,7 @@
               <a:pPr>
                 <a:defRPr/>
               </a:pPr>
-              <a:t>12/7/2014</a:t>
+              <a:t>14-12-07</a:t>
             </a:fld>
             <a:endParaRPr lang="en-US"/>
           </a:p>
@@ -3218,7 +3632,7 @@
               <a:pPr>
                 <a:defRPr/>
               </a:pPr>
-              <a:t>12/7/2014</a:t>
+              <a:t>14-12-07</a:t>
             </a:fld>
             <a:endParaRPr lang="en-US"/>
           </a:p>
@@ -3391,7 +3805,7 @@
               <a:pPr>
                 <a:defRPr/>
               </a:pPr>
-              <a:t>12/7/2014</a:t>
+              <a:t>14-12-07</a:t>
             </a:fld>
             <a:endParaRPr lang="en-US"/>
           </a:p>
@@ -3746,7 +4160,7 @@
               <a:pPr>
                 <a:defRPr/>
               </a:pPr>
-              <a:t>12/7/2014</a:t>
+              <a:t>14-12-07</a:t>
             </a:fld>
             <a:endParaRPr lang="en-US"/>
           </a:p>
@@ -3988,7 +4402,7 @@
           <a:p>
             <a:fld id="{251BE8C5-5F70-427A-B471-4B6EB4966070}" type="datetimeFigureOut">
               <a:rPr lang="en-CA" smtClean="0"/>
-              <a:t>2014-12-07</a:t>
+              <a:t>14-12-07</a:t>
             </a:fld>
             <a:endParaRPr lang="en-CA"/>
           </a:p>
@@ -4317,7 +4731,7 @@
               <a:pPr>
                 <a:defRPr/>
               </a:pPr>
-              <a:t>12/7/2014</a:t>
+              <a:t>14-12-07</a:t>
             </a:fld>
             <a:endParaRPr lang="en-US"/>
           </a:p>
@@ -4565,7 +4979,7 @@
               <a:pPr>
                 <a:defRPr/>
               </a:pPr>
-              <a:t>12/7/2014</a:t>
+              <a:t>14-12-07</a:t>
             </a:fld>
             <a:endParaRPr lang="en-US"/>
           </a:p>
@@ -4823,7 +5237,7 @@
               <a:pPr>
                 <a:defRPr/>
               </a:pPr>
-              <a:t>12/7/2014</a:t>
+              <a:t>14-12-07</a:t>
             </a:fld>
             <a:endParaRPr lang="en-US"/>
           </a:p>
@@ -5141,7 +5555,7 @@
           <a:p>
             <a:fld id="{251BE8C5-5F70-427A-B471-4B6EB4966070}" type="datetimeFigureOut">
               <a:rPr lang="en-CA" smtClean="0"/>
-              <a:t>2014-12-07</a:t>
+              <a:t>14-12-07</a:t>
             </a:fld>
             <a:endParaRPr lang="en-CA"/>
           </a:p>
@@ -5492,7 +5906,7 @@
           <a:p>
             <a:fld id="{251BE8C5-5F70-427A-B471-4B6EB4966070}" type="datetimeFigureOut">
               <a:rPr lang="en-CA" smtClean="0"/>
-              <a:t>2014-12-07</a:t>
+              <a:t>14-12-07</a:t>
             </a:fld>
             <a:endParaRPr lang="en-CA"/>
           </a:p>
@@ -5977,7 +6391,7 @@
           <a:p>
             <a:fld id="{251BE8C5-5F70-427A-B471-4B6EB4966070}" type="datetimeFigureOut">
               <a:rPr lang="en-CA" smtClean="0"/>
-              <a:t>2014-12-07</a:t>
+              <a:t>14-12-07</a:t>
             </a:fld>
             <a:endParaRPr lang="en-CA"/>
           </a:p>
@@ -6158,7 +6572,7 @@
           <a:p>
             <a:fld id="{251BE8C5-5F70-427A-B471-4B6EB4966070}" type="datetimeFigureOut">
               <a:rPr lang="en-CA" smtClean="0"/>
-              <a:t>2014-12-07</a:t>
+              <a:t>14-12-07</a:t>
             </a:fld>
             <a:endParaRPr lang="en-CA"/>
           </a:p>
@@ -6316,7 +6730,7 @@
           <a:p>
             <a:fld id="{251BE8C5-5F70-427A-B471-4B6EB4966070}" type="datetimeFigureOut">
               <a:rPr lang="en-CA" smtClean="0"/>
-              <a:t>2014-12-07</a:t>
+              <a:t>14-12-07</a:t>
             </a:fld>
             <a:endParaRPr lang="en-CA"/>
           </a:p>
@@ -6656,7 +7070,7 @@
           <a:p>
             <a:fld id="{251BE8C5-5F70-427A-B471-4B6EB4966070}" type="datetimeFigureOut">
               <a:rPr lang="en-CA" smtClean="0"/>
-              <a:t>2014-12-07</a:t>
+              <a:t>14-12-07</a:t>
             </a:fld>
             <a:endParaRPr lang="en-CA"/>
           </a:p>
@@ -6985,7 +7399,7 @@
           <a:p>
             <a:fld id="{251BE8C5-5F70-427A-B471-4B6EB4966070}" type="datetimeFigureOut">
               <a:rPr lang="en-CA" smtClean="0"/>
-              <a:t>2014-12-07</a:t>
+              <a:t>14-12-07</a:t>
             </a:fld>
             <a:endParaRPr lang="en-CA"/>
           </a:p>
@@ -7136,14 +7550,14 @@
             <a:noFill/>
           </a:ln>
           <a:extLst>
-            <a:ext uri="{909E8E84-426E-40DD-AFC4-6F175D3DCCD1}">
+            <a:ext uri="{909E8E84-426E-40dd-AFC4-6F175D3DCCD1}">
               <a14:hiddenFill xmlns:a14="http://schemas.microsoft.com/office/drawing/2010/main">
                 <a:solidFill>
                   <a:srgbClr val="FFFFFF"/>
                 </a:solidFill>
               </a14:hiddenFill>
             </a:ext>
-            <a:ext uri="{91240B29-F687-4F45-9708-019B960494DF}">
+            <a:ext uri="{91240B29-F687-4f45-9708-019B960494DF}">
               <a14:hiddenLine xmlns:a14="http://schemas.microsoft.com/office/drawing/2010/main" w="9525">
                 <a:solidFill>
                   <a:srgbClr val="000000"/>
@@ -7194,14 +7608,14 @@
             <a:noFill/>
           </a:ln>
           <a:extLst>
-            <a:ext uri="{909E8E84-426E-40DD-AFC4-6F175D3DCCD1}">
+            <a:ext uri="{909E8E84-426E-40dd-AFC4-6F175D3DCCD1}">
               <a14:hiddenFill xmlns:a14="http://schemas.microsoft.com/office/drawing/2010/main">
                 <a:solidFill>
                   <a:srgbClr val="FFFFFF"/>
                 </a:solidFill>
               </a14:hiddenFill>
             </a:ext>
-            <a:ext uri="{91240B29-F687-4F45-9708-019B960494DF}">
+            <a:ext uri="{91240B29-F687-4f45-9708-019B960494DF}">
               <a14:hiddenLine xmlns:a14="http://schemas.microsoft.com/office/drawing/2010/main" w="9525">
                 <a:solidFill>
                   <a:srgbClr val="000000"/>
@@ -7356,14 +7770,14 @@
             <a:noFill/>
           </a:ln>
           <a:extLst>
-            <a:ext uri="{909E8E84-426E-40DD-AFC4-6F175D3DCCD1}">
+            <a:ext uri="{909E8E84-426E-40dd-AFC4-6F175D3DCCD1}">
               <a14:hiddenFill xmlns:a14="http://schemas.microsoft.com/office/drawing/2010/main">
                 <a:solidFill>
                   <a:srgbClr val="FFFFFF"/>
                 </a:solidFill>
               </a14:hiddenFill>
             </a:ext>
-            <a:ext uri="{91240B29-F687-4F45-9708-019B960494DF}">
+            <a:ext uri="{91240B29-F687-4f45-9708-019B960494DF}">
               <a14:hiddenLine xmlns:a14="http://schemas.microsoft.com/office/drawing/2010/main" w="9525">
                 <a:solidFill>
                   <a:srgbClr val="000000"/>
@@ -7410,14 +7824,14 @@
             <a:noFill/>
           </a:ln>
           <a:extLst>
-            <a:ext uri="{909E8E84-426E-40DD-AFC4-6F175D3DCCD1}">
+            <a:ext uri="{909E8E84-426E-40dd-AFC4-6F175D3DCCD1}">
               <a14:hiddenFill xmlns:a14="http://schemas.microsoft.com/office/drawing/2010/main">
                 <a:solidFill>
                   <a:srgbClr val="FFFFFF"/>
                 </a:solidFill>
               </a14:hiddenFill>
             </a:ext>
-            <a:ext uri="{91240B29-F687-4F45-9708-019B960494DF}">
+            <a:ext uri="{91240B29-F687-4f45-9708-019B960494DF}">
               <a14:hiddenLine xmlns:a14="http://schemas.microsoft.com/office/drawing/2010/main" w="9525">
                 <a:solidFill>
                   <a:srgbClr val="000000"/>
@@ -7453,7 +7867,7 @@
             <a:noFill/>
           </a:ln>
           <a:extLst>
-            <a:ext uri="{91240B29-F687-4F45-9708-019B960494DF}">
+            <a:ext uri="{91240B29-F687-4f45-9708-019B960494DF}">
               <a14:hiddenLine xmlns:a14="http://schemas.microsoft.com/office/drawing/2010/main" w="9525">
                 <a:solidFill>
                   <a:srgbClr val="000000"/>
@@ -7593,7 +8007,7 @@
             <a:noFill/>
           </a:ln>
           <a:extLst>
-            <a:ext uri="{91240B29-F687-4F45-9708-019B960494DF}">
+            <a:ext uri="{91240B29-F687-4f45-9708-019B960494DF}">
               <a14:hiddenLine xmlns:a14="http://schemas.microsoft.com/office/drawing/2010/main" w="9525">
                 <a:solidFill>
                   <a:srgbClr val="000000"/>
@@ -7733,7 +8147,7 @@
             <a:noFill/>
           </a:ln>
           <a:extLst>
-            <a:ext uri="{91240B29-F687-4F45-9708-019B960494DF}">
+            <a:ext uri="{91240B29-F687-4f45-9708-019B960494DF}">
               <a14:hiddenLine xmlns:a14="http://schemas.microsoft.com/office/drawing/2010/main" w="9525">
                 <a:solidFill>
                   <a:srgbClr val="000000"/>
@@ -8327,14 +8741,14 @@
             <a:noFill/>
           </a:ln>
           <a:extLst>
-            <a:ext uri="{909E8E84-426E-40DD-AFC4-6F175D3DCCD1}">
+            <a:ext uri="{909E8E84-426E-40dd-AFC4-6F175D3DCCD1}">
               <a14:hiddenFill xmlns:a14="http://schemas.microsoft.com/office/drawing/2010/main">
                 <a:solidFill>
                   <a:srgbClr val="FFFFFF"/>
                 </a:solidFill>
               </a14:hiddenFill>
             </a:ext>
-            <a:ext uri="{91240B29-F687-4F45-9708-019B960494DF}">
+            <a:ext uri="{91240B29-F687-4f45-9708-019B960494DF}">
               <a14:hiddenLine xmlns:a14="http://schemas.microsoft.com/office/drawing/2010/main" w="9525">
                 <a:solidFill>
                   <a:srgbClr val="000000"/>
@@ -8385,14 +8799,14 @@
             <a:noFill/>
           </a:ln>
           <a:extLst>
-            <a:ext uri="{909E8E84-426E-40DD-AFC4-6F175D3DCCD1}">
+            <a:ext uri="{909E8E84-426E-40dd-AFC4-6F175D3DCCD1}">
               <a14:hiddenFill xmlns:a14="http://schemas.microsoft.com/office/drawing/2010/main">
                 <a:solidFill>
                   <a:srgbClr val="FFFFFF"/>
                 </a:solidFill>
               </a14:hiddenFill>
             </a:ext>
-            <a:ext uri="{91240B29-F687-4F45-9708-019B960494DF}">
+            <a:ext uri="{91240B29-F687-4f45-9708-019B960494DF}">
               <a14:hiddenLine xmlns:a14="http://schemas.microsoft.com/office/drawing/2010/main" w="9525">
                 <a:solidFill>
                   <a:srgbClr val="000000"/>
@@ -8471,7 +8885,7 @@
             <a:noFill/>
           </a:ln>
           <a:extLst>
-            <a:ext uri="{91240B29-F687-4F45-9708-019B960494DF}">
+            <a:ext uri="{91240B29-F687-4f45-9708-019B960494DF}">
               <a14:hiddenLine xmlns:a14="http://schemas.microsoft.com/office/drawing/2010/main" w="9525">
                 <a:solidFill>
                   <a:srgbClr val="000000"/>
@@ -8611,7 +9025,7 @@
             <a:noFill/>
           </a:ln>
           <a:extLst>
-            <a:ext uri="{91240B29-F687-4F45-9708-019B960494DF}">
+            <a:ext uri="{91240B29-F687-4f45-9708-019B960494DF}">
               <a14:hiddenLine xmlns:a14="http://schemas.microsoft.com/office/drawing/2010/main" w="9525">
                 <a:solidFill>
                   <a:srgbClr val="000000"/>
@@ -8751,7 +9165,7 @@
             <a:noFill/>
           </a:ln>
           <a:extLst>
-            <a:ext uri="{91240B29-F687-4F45-9708-019B960494DF}">
+            <a:ext uri="{91240B29-F687-4f45-9708-019B960494DF}">
               <a14:hiddenLine xmlns:a14="http://schemas.microsoft.com/office/drawing/2010/main" w="9525">
                 <a:solidFill>
                   <a:srgbClr val="000000"/>
@@ -8967,14 +9381,14 @@
             <a:noFill/>
           </a:ln>
           <a:extLst>
-            <a:ext uri="{909E8E84-426E-40DD-AFC4-6F175D3DCCD1}">
+            <a:ext uri="{909E8E84-426E-40dd-AFC4-6F175D3DCCD1}">
               <a14:hiddenFill xmlns:a14="http://schemas.microsoft.com/office/drawing/2010/main">
                 <a:solidFill>
                   <a:srgbClr val="FFFFFF"/>
                 </a:solidFill>
               </a14:hiddenFill>
             </a:ext>
-            <a:ext uri="{91240B29-F687-4F45-9708-019B960494DF}">
+            <a:ext uri="{91240B29-F687-4f45-9708-019B960494DF}">
               <a14:hiddenLine xmlns:a14="http://schemas.microsoft.com/office/drawing/2010/main" w="9525">
                 <a:solidFill>
                   <a:srgbClr val="000000"/>
@@ -9021,14 +9435,14 @@
             <a:noFill/>
           </a:ln>
           <a:extLst>
-            <a:ext uri="{909E8E84-426E-40DD-AFC4-6F175D3DCCD1}">
+            <a:ext uri="{909E8E84-426E-40dd-AFC4-6F175D3DCCD1}">
               <a14:hiddenFill xmlns:a14="http://schemas.microsoft.com/office/drawing/2010/main">
                 <a:solidFill>
                   <a:srgbClr val="FFFFFF"/>
                 </a:solidFill>
               </a14:hiddenFill>
             </a:ext>
-            <a:ext uri="{91240B29-F687-4F45-9708-019B960494DF}">
+            <a:ext uri="{91240B29-F687-4f45-9708-019B960494DF}">
               <a14:hiddenLine xmlns:a14="http://schemas.microsoft.com/office/drawing/2010/main" w="9525">
                 <a:solidFill>
                   <a:srgbClr val="000000"/>
@@ -9609,7 +10023,7 @@
   <p:timing>
     <p:tnLst>
       <p:par>
-        <p:cTn id="1" dur="indefinite" restart="never" nodeType="tmRoot"/>
+        <p:cTn xmlns:p14="http://schemas.microsoft.com/office/powerpoint/2010/main" id="1" dur="indefinite" restart="never" nodeType="tmRoot"/>
       </p:par>
     </p:tnLst>
   </p:timing>
@@ -9676,38 +10090,70 @@
           <a:lstStyle/>
           <a:p>
             <a:r>
-              <a:rPr lang="en-CA" sz="2800" dirty="0" smtClean="0"/>
+              <a:rPr lang="en-CA" sz="2800" dirty="0" smtClean="0">
+                <a:solidFill>
+                  <a:schemeClr val="tx2"/>
+                </a:solidFill>
+              </a:rPr>
               <a:t>Given that spruce budworm is rampant, what are the forecasts for central Quebec in 10 years for:</a:t>
             </a:r>
           </a:p>
           <a:p>
             <a:pPr lvl="1"/>
             <a:r>
-              <a:rPr lang="en-CA" sz="2400" dirty="0" smtClean="0"/>
+              <a:rPr lang="en-CA" sz="2400" dirty="0" smtClean="0">
+                <a:solidFill>
+                  <a:schemeClr val="tx2"/>
+                </a:solidFill>
+              </a:rPr>
               <a:t>Caribou?</a:t>
             </a:r>
           </a:p>
           <a:p>
             <a:pPr lvl="1"/>
             <a:r>
-              <a:rPr lang="en-CA" sz="2400" dirty="0" smtClean="0"/>
+              <a:rPr lang="en-CA" sz="2400" dirty="0" smtClean="0">
+                <a:solidFill>
+                  <a:schemeClr val="tx2"/>
+                </a:solidFill>
+              </a:rPr>
               <a:t>Jobs?</a:t>
             </a:r>
           </a:p>
           <a:p>
             <a:pPr lvl="1"/>
             <a:r>
-              <a:rPr lang="en-CA" sz="2400" dirty="0" smtClean="0"/>
+              <a:rPr lang="en-CA" sz="2400" dirty="0" smtClean="0">
+                <a:solidFill>
+                  <a:schemeClr val="tx2"/>
+                </a:solidFill>
+              </a:rPr>
               <a:t>Carbon?</a:t>
             </a:r>
           </a:p>
           <a:p>
             <a:pPr lvl="1"/>
             <a:r>
-              <a:rPr lang="en-US" sz="2400" dirty="0" smtClean="0"/>
-              <a:t>Etc.</a:t>
-            </a:r>
-            <a:endParaRPr lang="en-CA" sz="2400" dirty="0" smtClean="0"/>
+              <a:rPr lang="en-US" sz="2400" dirty="0" smtClean="0">
+                <a:solidFill>
+                  <a:schemeClr val="tx2"/>
+                </a:solidFill>
+              </a:rPr>
+              <a:t>Etc</a:t>
+            </a:r>
+            <a:r>
+              <a:rPr lang="en-US" sz="2400" i="1" dirty="0" smtClean="0">
+                <a:solidFill>
+                  <a:schemeClr val="tx2"/>
+                </a:solidFill>
+              </a:rPr>
+              <a:t>.</a:t>
+            </a:r>
+            <a:endParaRPr lang="en-CA" sz="2400" i="1" dirty="0" smtClean="0">
+              <a:solidFill>
+                <a:schemeClr val="tx2"/>
+              </a:solidFill>
+            </a:endParaRPr>
           </a:p>
           <a:p>
             <a:pPr marL="342900" lvl="1" indent="-342900"/>
@@ -9735,6 +10181,292 @@
   <p:clrMapOvr>
     <a:masterClrMapping/>
   </p:clrMapOvr>
+  <p:timing>
+    <p:tnLst>
+      <p:par>
+        <p:cTn xmlns:p14="http://schemas.microsoft.com/office/powerpoint/2010/main" id="1" dur="indefinite" restart="never" nodeType="tmRoot">
+          <p:childTnLst>
+            <p:seq concurrent="1" nextAc="seek">
+              <p:cTn id="2" dur="indefinite" nodeType="mainSeq">
+                <p:childTnLst>
+                  <p:par>
+                    <p:cTn id="3" fill="hold">
+                      <p:stCondLst>
+                        <p:cond delay="indefinite"/>
+                      </p:stCondLst>
+                      <p:childTnLst>
+                        <p:par>
+                          <p:cTn id="4" fill="hold">
+                            <p:stCondLst>
+                              <p:cond delay="0"/>
+                            </p:stCondLst>
+                            <p:childTnLst>
+                              <p:par>
+                                <p:cTn id="5" presetID="1" presetClass="entr" presetSubtype="0" fill="hold" grpId="0" nodeType="clickEffect">
+                                  <p:stCondLst>
+                                    <p:cond delay="0"/>
+                                  </p:stCondLst>
+                                  <p:childTnLst>
+                                    <p:set>
+                                      <p:cBhvr>
+                                        <p:cTn id="6" dur="1" fill="hold">
+                                          <p:stCondLst>
+                                            <p:cond delay="0"/>
+                                          </p:stCondLst>
+                                        </p:cTn>
+                                        <p:tgtEl>
+                                          <p:spTgt spid="3">
+                                            <p:txEl>
+                                              <p:pRg st="0" end="0"/>
+                                            </p:txEl>
+                                          </p:spTgt>
+                                        </p:tgtEl>
+                                        <p:attrNameLst>
+                                          <p:attrName>style.visibility</p:attrName>
+                                        </p:attrNameLst>
+                                      </p:cBhvr>
+                                      <p:to>
+                                        <p:strVal val="visible"/>
+                                      </p:to>
+                                    </p:set>
+                                  </p:childTnLst>
+                                </p:cTn>
+                              </p:par>
+                              <p:par>
+                                <p:cTn id="7" presetID="1" presetClass="entr" presetSubtype="0" fill="hold" grpId="0" nodeType="withEffect">
+                                  <p:stCondLst>
+                                    <p:cond delay="0"/>
+                                  </p:stCondLst>
+                                  <p:childTnLst>
+                                    <p:set>
+                                      <p:cBhvr>
+                                        <p:cTn id="8" dur="1" fill="hold">
+                                          <p:stCondLst>
+                                            <p:cond delay="0"/>
+                                          </p:stCondLst>
+                                        </p:cTn>
+                                        <p:tgtEl>
+                                          <p:spTgt spid="3">
+                                            <p:txEl>
+                                              <p:pRg st="1" end="1"/>
+                                            </p:txEl>
+                                          </p:spTgt>
+                                        </p:tgtEl>
+                                        <p:attrNameLst>
+                                          <p:attrName>style.visibility</p:attrName>
+                                        </p:attrNameLst>
+                                      </p:cBhvr>
+                                      <p:to>
+                                        <p:strVal val="visible"/>
+                                      </p:to>
+                                    </p:set>
+                                  </p:childTnLst>
+                                </p:cTn>
+                              </p:par>
+                              <p:par>
+                                <p:cTn id="9" presetID="1" presetClass="entr" presetSubtype="0" fill="hold" grpId="0" nodeType="withEffect">
+                                  <p:stCondLst>
+                                    <p:cond delay="0"/>
+                                  </p:stCondLst>
+                                  <p:childTnLst>
+                                    <p:set>
+                                      <p:cBhvr>
+                                        <p:cTn id="10" dur="1" fill="hold">
+                                          <p:stCondLst>
+                                            <p:cond delay="0"/>
+                                          </p:stCondLst>
+                                        </p:cTn>
+                                        <p:tgtEl>
+                                          <p:spTgt spid="3">
+                                            <p:txEl>
+                                              <p:pRg st="2" end="2"/>
+                                            </p:txEl>
+                                          </p:spTgt>
+                                        </p:tgtEl>
+                                        <p:attrNameLst>
+                                          <p:attrName>style.visibility</p:attrName>
+                                        </p:attrNameLst>
+                                      </p:cBhvr>
+                                      <p:to>
+                                        <p:strVal val="visible"/>
+                                      </p:to>
+                                    </p:set>
+                                  </p:childTnLst>
+                                </p:cTn>
+                              </p:par>
+                              <p:par>
+                                <p:cTn id="11" presetID="1" presetClass="entr" presetSubtype="0" fill="hold" grpId="0" nodeType="withEffect">
+                                  <p:stCondLst>
+                                    <p:cond delay="0"/>
+                                  </p:stCondLst>
+                                  <p:childTnLst>
+                                    <p:set>
+                                      <p:cBhvr>
+                                        <p:cTn id="12" dur="1" fill="hold">
+                                          <p:stCondLst>
+                                            <p:cond delay="0"/>
+                                          </p:stCondLst>
+                                        </p:cTn>
+                                        <p:tgtEl>
+                                          <p:spTgt spid="3">
+                                            <p:txEl>
+                                              <p:pRg st="3" end="3"/>
+                                            </p:txEl>
+                                          </p:spTgt>
+                                        </p:tgtEl>
+                                        <p:attrNameLst>
+                                          <p:attrName>style.visibility</p:attrName>
+                                        </p:attrNameLst>
+                                      </p:cBhvr>
+                                      <p:to>
+                                        <p:strVal val="visible"/>
+                                      </p:to>
+                                    </p:set>
+                                  </p:childTnLst>
+                                </p:cTn>
+                              </p:par>
+                              <p:par>
+                                <p:cTn id="13" presetID="1" presetClass="entr" presetSubtype="0" fill="hold" grpId="0" nodeType="withEffect">
+                                  <p:stCondLst>
+                                    <p:cond delay="0"/>
+                                  </p:stCondLst>
+                                  <p:childTnLst>
+                                    <p:set>
+                                      <p:cBhvr>
+                                        <p:cTn id="14" dur="1" fill="hold">
+                                          <p:stCondLst>
+                                            <p:cond delay="0"/>
+                                          </p:stCondLst>
+                                        </p:cTn>
+                                        <p:tgtEl>
+                                          <p:spTgt spid="3">
+                                            <p:txEl>
+                                              <p:pRg st="4" end="4"/>
+                                            </p:txEl>
+                                          </p:spTgt>
+                                        </p:tgtEl>
+                                        <p:attrNameLst>
+                                          <p:attrName>style.visibility</p:attrName>
+                                        </p:attrNameLst>
+                                      </p:cBhvr>
+                                      <p:to>
+                                        <p:strVal val="visible"/>
+                                      </p:to>
+                                    </p:set>
+                                  </p:childTnLst>
+                                </p:cTn>
+                              </p:par>
+                            </p:childTnLst>
+                          </p:cTn>
+                        </p:par>
+                      </p:childTnLst>
+                    </p:cTn>
+                  </p:par>
+                  <p:par>
+                    <p:cTn id="15" fill="hold">
+                      <p:stCondLst>
+                        <p:cond delay="indefinite"/>
+                      </p:stCondLst>
+                      <p:childTnLst>
+                        <p:par>
+                          <p:cTn id="16" fill="hold">
+                            <p:stCondLst>
+                              <p:cond delay="0"/>
+                            </p:stCondLst>
+                            <p:childTnLst>
+                              <p:par>
+                                <p:cTn id="17" presetID="1" presetClass="entr" presetSubtype="0" fill="hold" grpId="0" nodeType="clickEffect">
+                                  <p:stCondLst>
+                                    <p:cond delay="0"/>
+                                  </p:stCondLst>
+                                  <p:childTnLst>
+                                    <p:set>
+                                      <p:cBhvr>
+                                        <p:cTn id="18" dur="1" fill="hold">
+                                          <p:stCondLst>
+                                            <p:cond delay="0"/>
+                                          </p:stCondLst>
+                                        </p:cTn>
+                                        <p:tgtEl>
+                                          <p:spTgt spid="3">
+                                            <p:txEl>
+                                              <p:pRg st="5" end="5"/>
+                                            </p:txEl>
+                                          </p:spTgt>
+                                        </p:tgtEl>
+                                        <p:attrNameLst>
+                                          <p:attrName>style.visibility</p:attrName>
+                                        </p:attrNameLst>
+                                      </p:cBhvr>
+                                      <p:to>
+                                        <p:strVal val="visible"/>
+                                      </p:to>
+                                    </p:set>
+                                  </p:childTnLst>
+                                </p:cTn>
+                              </p:par>
+                              <p:par>
+                                <p:cTn id="19" presetID="1" presetClass="entr" presetSubtype="0" fill="hold" grpId="0" nodeType="withEffect">
+                                  <p:stCondLst>
+                                    <p:cond delay="0"/>
+                                  </p:stCondLst>
+                                  <p:childTnLst>
+                                    <p:set>
+                                      <p:cBhvr>
+                                        <p:cTn id="20" dur="1" fill="hold">
+                                          <p:stCondLst>
+                                            <p:cond delay="0"/>
+                                          </p:stCondLst>
+                                        </p:cTn>
+                                        <p:tgtEl>
+                                          <p:spTgt spid="3">
+                                            <p:txEl>
+                                              <p:pRg st="6" end="6"/>
+                                            </p:txEl>
+                                          </p:spTgt>
+                                        </p:tgtEl>
+                                        <p:attrNameLst>
+                                          <p:attrName>style.visibility</p:attrName>
+                                        </p:attrNameLst>
+                                      </p:cBhvr>
+                                      <p:to>
+                                        <p:strVal val="visible"/>
+                                      </p:to>
+                                    </p:set>
+                                  </p:childTnLst>
+                                </p:cTn>
+                              </p:par>
+                            </p:childTnLst>
+                          </p:cTn>
+                        </p:par>
+                      </p:childTnLst>
+                    </p:cTn>
+                  </p:par>
+                </p:childTnLst>
+              </p:cTn>
+              <p:prevCondLst>
+                <p:cond evt="onPrev" delay="0">
+                  <p:tgtEl>
+                    <p:sldTgt/>
+                  </p:tgtEl>
+                </p:cond>
+              </p:prevCondLst>
+              <p:nextCondLst>
+                <p:cond evt="onNext" delay="0">
+                  <p:tgtEl>
+                    <p:sldTgt/>
+                  </p:tgtEl>
+                </p:cond>
+              </p:nextCondLst>
+            </p:seq>
+          </p:childTnLst>
+        </p:cTn>
+      </p:par>
+    </p:tnLst>
+    <p:bldLst>
+      <p:bldP spid="3" grpId="0" uiExpand="1" build="p"/>
+    </p:bldLst>
+  </p:timing>
 </p:sld>
 </file>
 
@@ -9901,7 +10633,11 @@
             </a:r>
             <a:r>
               <a:rPr lang="en-US" dirty="0" smtClean="0"/>
-              <a:t>: objectives and motivations I</a:t>
+              <a:t>: objectives and </a:t>
+            </a:r>
+            <a:r>
+              <a:rPr lang="en-US" dirty="0" smtClean="0"/>
+              <a:t>motivations</a:t>
             </a:r>
             <a:endParaRPr lang="en-CA" dirty="0"/>
           </a:p>
@@ -9964,6 +10700,36 @@
               <a:rPr lang="en-US" sz="2400" dirty="0" smtClean="0"/>
               <a:t>Capitalize on R’s strengths as a data manipulation and data analysis platform</a:t>
             </a:r>
+          </a:p>
+        </p:txBody>
+      </p:sp>
+      <p:sp>
+        <p:nvSpPr>
+          <p:cNvPr id="4" name="TextBox 3"/>
+          <p:cNvSpPr txBox="1"/>
+          <p:nvPr/>
+        </p:nvSpPr>
+        <p:spPr>
+          <a:xfrm>
+            <a:off x="8636191" y="260648"/>
+            <a:ext cx="507809" cy="369332"/>
+          </a:xfrm>
+          <a:prstGeom prst="rect">
+            <a:avLst/>
+          </a:prstGeom>
+          <a:noFill/>
+        </p:spPr>
+        <p:txBody>
+          <a:bodyPr wrap="none" rtlCol="0">
+            <a:spAutoFit/>
+          </a:bodyPr>
+          <a:lstStyle/>
+          <a:p>
+            <a:r>
+              <a:rPr lang="en-US" dirty="0" smtClean="0"/>
+              <a:t>1/2</a:t>
+            </a:r>
+            <a:endParaRPr lang="en-US" dirty="0"/>
           </a:p>
         </p:txBody>
       </p:sp>
@@ -10023,7 +10789,11 @@
             </a:r>
             <a:r>
               <a:rPr lang="en-US" dirty="0" smtClean="0"/>
-              <a:t>: objectives and motivations II</a:t>
+              <a:t>: objectives and </a:t>
+            </a:r>
+            <a:r>
+              <a:rPr lang="en-US" dirty="0" smtClean="0"/>
+              <a:t>motivations</a:t>
             </a:r>
             <a:endParaRPr lang="en-CA" dirty="0"/>
           </a:p>
@@ -10103,6 +10873,36 @@
               <a:rPr lang="en-US" sz="2400" dirty="0" smtClean="0"/>
               <a:t>Built around modularity so that models can be seen as modules that are easily replaceable (not just “in theory”)</a:t>
             </a:r>
+          </a:p>
+        </p:txBody>
+      </p:sp>
+      <p:sp>
+        <p:nvSpPr>
+          <p:cNvPr id="4" name="TextBox 3"/>
+          <p:cNvSpPr txBox="1"/>
+          <p:nvPr/>
+        </p:nvSpPr>
+        <p:spPr>
+          <a:xfrm>
+            <a:off x="8636191" y="260648"/>
+            <a:ext cx="507809" cy="369332"/>
+          </a:xfrm>
+          <a:prstGeom prst="rect">
+            <a:avLst/>
+          </a:prstGeom>
+          <a:noFill/>
+        </p:spPr>
+        <p:txBody>
+          <a:bodyPr wrap="none" rtlCol="0">
+            <a:spAutoFit/>
+          </a:bodyPr>
+          <a:lstStyle/>
+          <a:p>
+            <a:r>
+              <a:rPr lang="en-US" dirty="0" smtClean="0"/>
+              <a:t>2/2</a:t>
+            </a:r>
+            <a:endParaRPr lang="en-US" dirty="0"/>
           </a:p>
         </p:txBody>
       </p:sp>
@@ -11707,7 +12507,7 @@
   <p:timing>
     <p:tnLst>
       <p:par>
-        <p:cTn id="1" dur="indefinite" restart="never" nodeType="tmRoot"/>
+        <p:cTn xmlns:p14="http://schemas.microsoft.com/office/powerpoint/2010/main" id="1" dur="indefinite" restart="never" nodeType="tmRoot"/>
       </p:par>
     </p:tnLst>
   </p:timing>
@@ -11856,74 +12656,154 @@
           <a:chExt cx="0" cy="0"/>
         </a:xfrm>
       </p:grpSpPr>
-      <p:sp>
-        <p:nvSpPr>
-          <p:cNvPr id="2" name="Title 1"/>
-          <p:cNvSpPr>
-            <a:spLocks noGrp="1"/>
-          </p:cNvSpPr>
-          <p:nvPr>
-            <p:ph type="title"/>
-          </p:nvPr>
-        </p:nvSpPr>
-        <p:spPr/>
+      <p:pic>
+        <p:nvPicPr>
+          <p:cNvPr id="6" name="Content Placeholder 5"/>
+          <p:cNvPicPr>
+            <a:picLocks noGrp="1" noChangeAspect="1"/>
+          </p:cNvPicPr>
+          <p:nvPr>
+            <p:ph sz="half" idx="1"/>
+          </p:nvPr>
+        </p:nvPicPr>
+        <p:blipFill>
+          <a:blip r:embed="rId3">
+            <a:extLst>
+              <a:ext uri="{28A0092B-C50C-407E-A947-70E740481C1C}">
+                <a14:useLocalDpi xmlns:a14="http://schemas.microsoft.com/office/drawing/2010/main" val="0"/>
+              </a:ext>
+            </a:extLst>
+          </a:blip>
+          <a:stretch>
+            <a:fillRect/>
+          </a:stretch>
+        </p:blipFill>
+        <p:spPr>
+          <a:xfrm>
+            <a:off x="4512953" y="548680"/>
+            <a:ext cx="4523543" cy="5649491"/>
+          </a:xfrm>
+        </p:spPr>
+      </p:pic>
+      <p:sp>
+        <p:nvSpPr>
+          <p:cNvPr id="8" name="Content Placeholder 7"/>
+          <p:cNvSpPr>
+            <a:spLocks noGrp="1"/>
+          </p:cNvSpPr>
+          <p:nvPr>
+            <p:ph sz="half" idx="2"/>
+          </p:nvPr>
+        </p:nvSpPr>
+        <p:spPr>
+          <a:xfrm>
+            <a:off x="251520" y="1412776"/>
+            <a:ext cx="4038600" cy="4713387"/>
+          </a:xfrm>
+        </p:spPr>
         <p:txBody>
           <a:bodyPr/>
           <a:lstStyle/>
           <a:p>
             <a:r>
+              <a:rPr lang="en-US" sz="2400" dirty="0" smtClean="0"/>
+              <a:t>Maps:</a:t>
+            </a:r>
+          </a:p>
+          <a:p>
+            <a:pPr lvl="1"/>
+            <a:r>
+              <a:rPr lang="en-US" sz="2000" dirty="0" smtClean="0"/>
+              <a:t>Digital elevation model</a:t>
+            </a:r>
+          </a:p>
+          <a:p>
+            <a:pPr lvl="1"/>
+            <a:r>
+              <a:rPr lang="en-US" sz="2000" dirty="0" smtClean="0"/>
+              <a:t>Forest age</a:t>
+            </a:r>
+          </a:p>
+          <a:p>
+            <a:pPr lvl="1"/>
+            <a:r>
+              <a:rPr lang="en-US" sz="2000" dirty="0" smtClean="0"/>
+              <a:t>Forest cover</a:t>
+            </a:r>
+          </a:p>
+          <a:p>
+            <a:pPr lvl="1"/>
+            <a:r>
+              <a:rPr lang="en-US" sz="2000" dirty="0" smtClean="0"/>
+              <a:t>Caribou habitat quality</a:t>
+            </a:r>
+          </a:p>
+          <a:p>
+            <a:pPr lvl="1"/>
+            <a:r>
+              <a:rPr lang="en-US" sz="2000" dirty="0" smtClean="0"/>
+              <a:t>Percent pine</a:t>
+            </a:r>
+          </a:p>
+          <a:p>
+            <a:pPr lvl="1"/>
+            <a:r>
+              <a:rPr lang="en-US" sz="2000" dirty="0" smtClean="0"/>
+              <a:t>Current fire locations</a:t>
+            </a:r>
+          </a:p>
+          <a:p>
+            <a:endParaRPr lang="en-US" dirty="0"/>
+          </a:p>
+          <a:p>
+            <a:r>
+              <a:rPr lang="en-US" dirty="0" smtClean="0"/>
+              <a:t>Caribou movement trajectories plotted on forest age map</a:t>
+            </a:r>
+            <a:endParaRPr lang="en-CA" dirty="0"/>
+          </a:p>
+        </p:txBody>
+      </p:sp>
+      <p:sp>
+        <p:nvSpPr>
+          <p:cNvPr id="5" name="Title 1"/>
+          <p:cNvSpPr>
+            <a:spLocks noGrp="1"/>
+          </p:cNvSpPr>
+          <p:nvPr>
+            <p:ph type="title"/>
+          </p:nvPr>
+        </p:nvSpPr>
+        <p:spPr>
+          <a:xfrm>
+            <a:off x="457200" y="274638"/>
+            <a:ext cx="8229600" cy="1143000"/>
+          </a:xfrm>
+        </p:spPr>
+        <p:txBody>
+          <a:bodyPr/>
+          <a:lstStyle/>
+          <a:p>
+            <a:r>
               <a:rPr lang="en-US" dirty="0" err="1" smtClean="0"/>
               <a:t>SpaDES</a:t>
             </a:r>
             <a:r>
               <a:rPr lang="en-US" dirty="0" smtClean="0"/>
-              <a:t>: demo</a:t>
+              <a:t>: </a:t>
+            </a:r>
+            <a:r>
+              <a:rPr lang="en-US" dirty="0" smtClean="0"/>
+              <a:t>demo 1</a:t>
             </a:r>
             <a:endParaRPr lang="en-CA" dirty="0"/>
-          </a:p>
-        </p:txBody>
-      </p:sp>
-      <p:sp>
-        <p:nvSpPr>
-          <p:cNvPr id="3" name="Content Placeholder 2"/>
-          <p:cNvSpPr>
-            <a:spLocks noGrp="1"/>
-          </p:cNvSpPr>
-          <p:nvPr>
-            <p:ph idx="1"/>
-          </p:nvPr>
-        </p:nvSpPr>
-        <p:spPr/>
-        <p:txBody>
-          <a:bodyPr/>
-          <a:lstStyle/>
-          <a:p>
-            <a:r>
-              <a:rPr lang="en-US" dirty="0" err="1" smtClean="0"/>
-              <a:t>randomLandscapes</a:t>
-            </a:r>
-            <a:endParaRPr lang="en-US" dirty="0" smtClean="0"/>
-          </a:p>
-          <a:p>
-            <a:r>
-              <a:rPr lang="en-US" dirty="0" err="1" smtClean="0"/>
-              <a:t>fireSpread</a:t>
-            </a:r>
-            <a:endParaRPr lang="en-US" dirty="0" smtClean="0"/>
-          </a:p>
-          <a:p>
-            <a:r>
-              <a:rPr lang="en-US" dirty="0" err="1" smtClean="0"/>
-              <a:t>caribouMovement</a:t>
-            </a:r>
-            <a:endParaRPr lang="en-US" dirty="0" smtClean="0"/>
           </a:p>
         </p:txBody>
       </p:sp>
     </p:spTree>
     <p:extLst>
       <p:ext uri="{BB962C8B-B14F-4D97-AF65-F5344CB8AC3E}">
-        <p14:creationId xmlns:p14="http://schemas.microsoft.com/office/powerpoint/2010/main" val="1803372060"/>
+        <p14:creationId xmlns:p14="http://schemas.microsoft.com/office/powerpoint/2010/main" val="4047617331"/>
       </p:ext>
     </p:extLst>
   </p:cSld>
@@ -11950,238 +12830,30 @@
           <a:chExt cx="0" cy="0"/>
         </a:xfrm>
       </p:grpSpPr>
-      <p:pic>
-        <p:nvPicPr>
-          <p:cNvPr id="6" name="Content Placeholder 5"/>
-          <p:cNvPicPr>
-            <a:picLocks noGrp="1" noChangeAspect="1"/>
-          </p:cNvPicPr>
-          <p:nvPr>
-            <p:ph sz="half" idx="1"/>
-          </p:nvPr>
-        </p:nvPicPr>
-        <p:blipFill>
-          <a:blip r:embed="rId2">
-            <a:extLst>
-              <a:ext uri="{28A0092B-C50C-407E-A947-70E740481C1C}">
-                <a14:useLocalDpi xmlns:a14="http://schemas.microsoft.com/office/drawing/2010/main" val="0"/>
-              </a:ext>
-            </a:extLst>
-          </a:blip>
-          <a:stretch>
-            <a:fillRect/>
-          </a:stretch>
-        </p:blipFill>
-        <p:spPr>
-          <a:xfrm>
-            <a:off x="53208" y="476672"/>
-            <a:ext cx="4523543" cy="5649491"/>
-          </a:xfrm>
-        </p:spPr>
-      </p:pic>
-      <p:sp>
-        <p:nvSpPr>
-          <p:cNvPr id="8" name="Content Placeholder 7"/>
-          <p:cNvSpPr>
-            <a:spLocks noGrp="1"/>
-          </p:cNvSpPr>
-          <p:nvPr>
-            <p:ph sz="half" idx="2"/>
-          </p:nvPr>
-        </p:nvSpPr>
-        <p:spPr>
-          <a:xfrm>
-            <a:off x="4648200" y="620688"/>
-            <a:ext cx="4038600" cy="5505475"/>
-          </a:xfrm>
-        </p:spPr>
+      <p:sp>
+        <p:nvSpPr>
+          <p:cNvPr id="2" name="Title 1"/>
+          <p:cNvSpPr>
+            <a:spLocks noGrp="1"/>
+          </p:cNvSpPr>
+          <p:nvPr>
+            <p:ph type="title"/>
+          </p:nvPr>
+        </p:nvSpPr>
+        <p:spPr/>
         <p:txBody>
           <a:bodyPr/>
           <a:lstStyle/>
           <a:p>
             <a:r>
-              <a:rPr lang="en-US" sz="2400" dirty="0" smtClean="0"/>
-              <a:t>Maps:</a:t>
-            </a:r>
-          </a:p>
-          <a:p>
-            <a:pPr lvl="1"/>
-            <a:r>
-              <a:rPr lang="en-US" sz="2000" dirty="0" smtClean="0"/>
-              <a:t>Digital elevation model</a:t>
-            </a:r>
-          </a:p>
-          <a:p>
-            <a:pPr lvl="1"/>
-            <a:r>
-              <a:rPr lang="en-US" sz="2000" dirty="0" smtClean="0"/>
-              <a:t>Forest age</a:t>
-            </a:r>
-          </a:p>
-          <a:p>
-            <a:pPr lvl="1"/>
-            <a:r>
-              <a:rPr lang="en-US" sz="2000" dirty="0" smtClean="0"/>
-              <a:t>Forest cover</a:t>
-            </a:r>
-          </a:p>
-          <a:p>
-            <a:pPr lvl="1"/>
-            <a:r>
-              <a:rPr lang="en-US" sz="2000" dirty="0" smtClean="0"/>
-              <a:t>Caribou habitat quality</a:t>
-            </a:r>
-          </a:p>
-          <a:p>
-            <a:pPr lvl="1"/>
-            <a:r>
-              <a:rPr lang="en-US" sz="2000" dirty="0" smtClean="0"/>
-              <a:t>Percent pine</a:t>
-            </a:r>
-          </a:p>
-          <a:p>
-            <a:pPr lvl="1"/>
-            <a:r>
-              <a:rPr lang="en-US" sz="2000" dirty="0" smtClean="0"/>
-              <a:t>Current fire locations</a:t>
-            </a:r>
-          </a:p>
-          <a:p>
-            <a:endParaRPr lang="en-US" dirty="0"/>
-          </a:p>
-          <a:p>
-            <a:r>
-              <a:rPr lang="en-US" dirty="0" smtClean="0"/>
-              <a:t>Caribou movement </a:t>
-            </a:r>
-            <a:r>
-              <a:rPr lang="en-US" smtClean="0"/>
-              <a:t>trajectories plotted on forest age map</a:t>
+              <a:rPr lang="en-CA" dirty="0" err="1" smtClean="0"/>
+              <a:t>SpaDES</a:t>
+            </a:r>
+            <a:r>
+              <a:rPr lang="en-CA" dirty="0" smtClean="0"/>
+              <a:t>: demo 1 (statistics)</a:t>
             </a:r>
             <a:endParaRPr lang="en-CA" dirty="0"/>
-          </a:p>
-        </p:txBody>
-      </p:sp>
-    </p:spTree>
-    <p:extLst>
-      <p:ext uri="{BB962C8B-B14F-4D97-AF65-F5344CB8AC3E}">
-        <p14:creationId xmlns:p14="http://schemas.microsoft.com/office/powerpoint/2010/main" val="4047617331"/>
-      </p:ext>
-    </p:extLst>
-  </p:cSld>
-  <p:clrMapOvr>
-    <a:masterClrMapping/>
-  </p:clrMapOvr>
-</p:sld>
-</file>
-
-<file path=ppt/slides/slide18.xml><?xml version="1.0" encoding="utf-8"?>
-<p:sld xmlns:a="http://schemas.openxmlformats.org/drawingml/2006/main" xmlns:r="http://schemas.openxmlformats.org/officeDocument/2006/relationships" xmlns:p="http://schemas.openxmlformats.org/presentationml/2006/main">
-  <p:cSld>
-    <p:spTree>
-      <p:nvGrpSpPr>
-        <p:cNvPr id="1" name=""/>
-        <p:cNvGrpSpPr/>
-        <p:nvPr/>
-      </p:nvGrpSpPr>
-      <p:grpSpPr>
-        <a:xfrm>
-          <a:off x="0" y="0"/>
-          <a:ext cx="0" cy="0"/>
-          <a:chOff x="0" y="0"/>
-          <a:chExt cx="0" cy="0"/>
-        </a:xfrm>
-      </p:grpSpPr>
-      <p:sp>
-        <p:nvSpPr>
-          <p:cNvPr id="2" name="Title 1"/>
-          <p:cNvSpPr>
-            <a:spLocks noGrp="1"/>
-          </p:cNvSpPr>
-          <p:nvPr>
-            <p:ph type="title"/>
-          </p:nvPr>
-        </p:nvSpPr>
-        <p:spPr/>
-        <p:txBody>
-          <a:bodyPr/>
-          <a:lstStyle/>
-          <a:p>
-            <a:endParaRPr lang="en-CA"/>
-          </a:p>
-        </p:txBody>
-      </p:sp>
-      <p:sp>
-        <p:nvSpPr>
-          <p:cNvPr id="3" name="Content Placeholder 2"/>
-          <p:cNvSpPr>
-            <a:spLocks noGrp="1"/>
-          </p:cNvSpPr>
-          <p:nvPr>
-            <p:ph idx="1"/>
-          </p:nvPr>
-        </p:nvSpPr>
-        <p:spPr/>
-        <p:txBody>
-          <a:bodyPr/>
-          <a:lstStyle/>
-          <a:p>
-            <a:r>
-              <a:rPr lang="en-US" dirty="0" smtClean="0">
-                <a:sym typeface="Wingdings" panose="05000000000000000000" pitchFamily="2" charset="2"/>
-              </a:rPr>
-              <a:t>stats for caribou/fires per Eliot’s example in vignette</a:t>
-            </a:r>
-            <a:endParaRPr lang="en-CA" dirty="0"/>
-          </a:p>
-        </p:txBody>
-      </p:sp>
-    </p:spTree>
-    <p:extLst>
-      <p:ext uri="{BB962C8B-B14F-4D97-AF65-F5344CB8AC3E}">
-        <p14:creationId xmlns:p14="http://schemas.microsoft.com/office/powerpoint/2010/main" val="3951144866"/>
-      </p:ext>
-    </p:extLst>
-  </p:cSld>
-  <p:clrMapOvr>
-    <a:masterClrMapping/>
-  </p:clrMapOvr>
-</p:sld>
-</file>
-
-<file path=ppt/slides/slide19.xml><?xml version="1.0" encoding="utf-8"?>
-<p:sld xmlns:a="http://schemas.openxmlformats.org/drawingml/2006/main" xmlns:r="http://schemas.openxmlformats.org/officeDocument/2006/relationships" xmlns:p="http://schemas.openxmlformats.org/presentationml/2006/main">
-  <p:cSld>
-    <p:spTree>
-      <p:nvGrpSpPr>
-        <p:cNvPr id="1" name=""/>
-        <p:cNvGrpSpPr/>
-        <p:nvPr/>
-      </p:nvGrpSpPr>
-      <p:grpSpPr>
-        <a:xfrm>
-          <a:off x="0" y="0"/>
-          <a:ext cx="0" cy="0"/>
-          <a:chOff x="0" y="0"/>
-          <a:chExt cx="0" cy="0"/>
-        </a:xfrm>
-      </p:grpSpPr>
-      <p:sp>
-        <p:nvSpPr>
-          <p:cNvPr id="2" name="Title 1"/>
-          <p:cNvSpPr>
-            <a:spLocks noGrp="1"/>
-          </p:cNvSpPr>
-          <p:nvPr>
-            <p:ph type="title"/>
-          </p:nvPr>
-        </p:nvSpPr>
-        <p:spPr/>
-        <p:txBody>
-          <a:bodyPr/>
-          <a:lstStyle/>
-          <a:p>
-            <a:endParaRPr lang="en-CA"/>
           </a:p>
         </p:txBody>
       </p:sp>
@@ -12227,7 +12899,7 @@
 </p:sld>
 </file>
 
-<file path=ppt/slides/slide2.xml><?xml version="1.0" encoding="utf-8"?>
+<file path=ppt/slides/slide18.xml><?xml version="1.0" encoding="utf-8"?>
 <p:sld xmlns:a="http://schemas.openxmlformats.org/drawingml/2006/main" xmlns:r="http://schemas.openxmlformats.org/officeDocument/2006/relationships" xmlns:p="http://schemas.openxmlformats.org/presentationml/2006/main">
   <p:cSld>
     <p:spTree>
@@ -12260,265 +12932,18 @@
           <a:lstStyle/>
           <a:p>
             <a:r>
-              <a:rPr lang="en-CA" dirty="0" smtClean="0"/>
-              <a:t>Forecasting</a:t>
+              <a:rPr lang="en-US" dirty="0" err="1"/>
+              <a:t>SpaDES</a:t>
+            </a:r>
+            <a:r>
+              <a:rPr lang="en-US" dirty="0"/>
+              <a:t>: shiny </a:t>
+            </a:r>
+            <a:r>
+              <a:rPr lang="en-US" dirty="0" smtClean="0"/>
+              <a:t>demo 2</a:t>
             </a:r>
             <a:endParaRPr lang="en-CA" dirty="0"/>
-          </a:p>
-        </p:txBody>
-      </p:sp>
-      <p:sp>
-        <p:nvSpPr>
-          <p:cNvPr id="3" name="Content Placeholder 2"/>
-          <p:cNvSpPr>
-            <a:spLocks noGrp="1"/>
-          </p:cNvSpPr>
-          <p:nvPr>
-            <p:ph idx="1"/>
-          </p:nvPr>
-        </p:nvSpPr>
-        <p:spPr/>
-        <p:txBody>
-          <a:bodyPr>
-            <a:normAutofit lnSpcReduction="10000"/>
-          </a:bodyPr>
-          <a:lstStyle/>
-          <a:p>
-            <a:r>
-              <a:rPr lang="en-CA" dirty="0" smtClean="0"/>
-              <a:t>We need to forecast the past, present and future of ecosystem properties</a:t>
-            </a:r>
-          </a:p>
-          <a:p>
-            <a:r>
-              <a:rPr lang="en-CA" dirty="0"/>
-              <a:t>We need to either understand these systems, or at least come up with phenomenological </a:t>
-            </a:r>
-            <a:r>
-              <a:rPr lang="en-CA" dirty="0" smtClean="0"/>
-              <a:t>relationships</a:t>
-            </a:r>
-          </a:p>
-          <a:p>
-            <a:r>
-              <a:rPr lang="en-CA" dirty="0" smtClean="0"/>
-              <a:t>We have or will get data, whose magnitude is growing fast (“</a:t>
-            </a:r>
-            <a:r>
-              <a:rPr lang="en-CA" i="1" dirty="0" smtClean="0"/>
-              <a:t>Big Data”</a:t>
-            </a:r>
-            <a:r>
-              <a:rPr lang="en-CA" dirty="0" smtClean="0"/>
-              <a:t>)</a:t>
-            </a:r>
-          </a:p>
-          <a:p>
-            <a:r>
-              <a:rPr lang="en-CA" dirty="0" smtClean="0"/>
-              <a:t>What is the number one system for understanding </a:t>
-            </a:r>
-            <a:r>
-              <a:rPr lang="en-CA" i="1" dirty="0" smtClean="0"/>
-              <a:t>data</a:t>
-            </a:r>
-            <a:endParaRPr lang="en-CA" i="1" dirty="0"/>
-          </a:p>
-        </p:txBody>
-      </p:sp>
-    </p:spTree>
-    <p:extLst>
-      <p:ext uri="{BB962C8B-B14F-4D97-AF65-F5344CB8AC3E}">
-        <p14:creationId xmlns:p14="http://schemas.microsoft.com/office/powerpoint/2010/main" val="3449424513"/>
-      </p:ext>
-    </p:extLst>
-  </p:cSld>
-  <p:clrMapOvr>
-    <a:masterClrMapping/>
-  </p:clrMapOvr>
-  <p:timing>
-    <p:tnLst>
-      <p:par>
-        <p:cTn id="1" dur="indefinite" restart="never" nodeType="tmRoot"/>
-      </p:par>
-    </p:tnLst>
-  </p:timing>
-</p:sld>
-</file>
-
-<file path=ppt/slides/slide20.xml><?xml version="1.0" encoding="utf-8"?>
-<p:sld xmlns:a="http://schemas.openxmlformats.org/drawingml/2006/main" xmlns:r="http://schemas.openxmlformats.org/officeDocument/2006/relationships" xmlns:p="http://schemas.openxmlformats.org/presentationml/2006/main">
-  <p:cSld>
-    <p:spTree>
-      <p:nvGrpSpPr>
-        <p:cNvPr id="1" name=""/>
-        <p:cNvGrpSpPr/>
-        <p:nvPr/>
-      </p:nvGrpSpPr>
-      <p:grpSpPr>
-        <a:xfrm>
-          <a:off x="0" y="0"/>
-          <a:ext cx="0" cy="0"/>
-          <a:chOff x="0" y="0"/>
-          <a:chExt cx="0" cy="0"/>
-        </a:xfrm>
-      </p:grpSpPr>
-      <p:sp>
-        <p:nvSpPr>
-          <p:cNvPr id="2" name="Title 1"/>
-          <p:cNvSpPr>
-            <a:spLocks noGrp="1"/>
-          </p:cNvSpPr>
-          <p:nvPr>
-            <p:ph type="title"/>
-          </p:nvPr>
-        </p:nvSpPr>
-        <p:spPr/>
-        <p:txBody>
-          <a:bodyPr/>
-          <a:lstStyle/>
-          <a:p>
-            <a:r>
-              <a:rPr lang="en-US" dirty="0" err="1" smtClean="0"/>
-              <a:t>SpaDES</a:t>
-            </a:r>
-            <a:r>
-              <a:rPr lang="en-US" dirty="0" smtClean="0"/>
-              <a:t>: shiny demo</a:t>
-            </a:r>
-            <a:endParaRPr lang="en-CA" dirty="0"/>
-          </a:p>
-        </p:txBody>
-      </p:sp>
-      <p:sp>
-        <p:nvSpPr>
-          <p:cNvPr id="3" name="Content Placeholder 2"/>
-          <p:cNvSpPr>
-            <a:spLocks noGrp="1"/>
-          </p:cNvSpPr>
-          <p:nvPr>
-            <p:ph idx="1"/>
-          </p:nvPr>
-        </p:nvSpPr>
-        <p:spPr/>
-        <p:txBody>
-          <a:bodyPr/>
-          <a:lstStyle/>
-          <a:p>
-            <a:r>
-              <a:rPr lang="en-US" dirty="0" err="1" smtClean="0"/>
-              <a:t>caribouMovementLcc</a:t>
-            </a:r>
-            <a:endParaRPr lang="en-CA" dirty="0" smtClean="0"/>
-          </a:p>
-          <a:p>
-            <a:r>
-              <a:rPr lang="en-US" dirty="0" err="1" smtClean="0"/>
-              <a:t>fireSpreadLcc</a:t>
-            </a:r>
-            <a:endParaRPr lang="en-US" dirty="0" smtClean="0"/>
-          </a:p>
-          <a:p>
-            <a:r>
-              <a:rPr lang="en-US" dirty="0" err="1" smtClean="0"/>
-              <a:t>forestAge</a:t>
-            </a:r>
-            <a:endParaRPr lang="en-US" dirty="0" smtClean="0"/>
-          </a:p>
-          <a:p>
-            <a:r>
-              <a:rPr lang="en-US" dirty="0" err="1" smtClean="0"/>
-              <a:t>forestSuccession</a:t>
-            </a:r>
-            <a:endParaRPr lang="en-US" dirty="0" smtClean="0"/>
-          </a:p>
-          <a:p>
-            <a:endParaRPr lang="en-US" dirty="0" smtClean="0"/>
-          </a:p>
-          <a:p>
-            <a:pPr marL="0" indent="0">
-              <a:buNone/>
-            </a:pPr>
-            <a:r>
-              <a:rPr lang="en-US" sz="2000" dirty="0" smtClean="0"/>
-              <a:t>NOTES</a:t>
-            </a:r>
-          </a:p>
-          <a:p>
-            <a:pPr marL="0" indent="0">
-              <a:buNone/>
-            </a:pPr>
-            <a:r>
-              <a:rPr lang="en-US" sz="2000" dirty="0" smtClean="0"/>
-              <a:t>-- currently branded for ISA</a:t>
-            </a:r>
-          </a:p>
-          <a:p>
-            <a:pPr marL="0" indent="0">
-              <a:buNone/>
-            </a:pPr>
-            <a:r>
-              <a:rPr lang="en-US" sz="2000" dirty="0" smtClean="0"/>
-              <a:t>-- 100,000 pixels in central SK</a:t>
-            </a:r>
-          </a:p>
-          <a:p>
-            <a:pPr marL="0" indent="0">
-              <a:buNone/>
-            </a:pPr>
-            <a:r>
-              <a:rPr lang="en-US" sz="2000" dirty="0" smtClean="0"/>
-              <a:t>-- confirm the veg types / colors in maps</a:t>
-            </a:r>
-          </a:p>
-        </p:txBody>
-      </p:sp>
-    </p:spTree>
-    <p:extLst>
-      <p:ext uri="{BB962C8B-B14F-4D97-AF65-F5344CB8AC3E}">
-        <p14:creationId xmlns:p14="http://schemas.microsoft.com/office/powerpoint/2010/main" val="2098491639"/>
-      </p:ext>
-    </p:extLst>
-  </p:cSld>
-  <p:clrMapOvr>
-    <a:masterClrMapping/>
-  </p:clrMapOvr>
-</p:sld>
-</file>
-
-<file path=ppt/slides/slide21.xml><?xml version="1.0" encoding="utf-8"?>
-<p:sld xmlns:a="http://schemas.openxmlformats.org/drawingml/2006/main" xmlns:r="http://schemas.openxmlformats.org/officeDocument/2006/relationships" xmlns:p="http://schemas.openxmlformats.org/presentationml/2006/main">
-  <p:cSld>
-    <p:spTree>
-      <p:nvGrpSpPr>
-        <p:cNvPr id="1" name=""/>
-        <p:cNvGrpSpPr/>
-        <p:nvPr/>
-      </p:nvGrpSpPr>
-      <p:grpSpPr>
-        <a:xfrm>
-          <a:off x="0" y="0"/>
-          <a:ext cx="0" cy="0"/>
-          <a:chOff x="0" y="0"/>
-          <a:chExt cx="0" cy="0"/>
-        </a:xfrm>
-      </p:grpSpPr>
-      <p:sp>
-        <p:nvSpPr>
-          <p:cNvPr id="2" name="Title 1"/>
-          <p:cNvSpPr>
-            <a:spLocks noGrp="1"/>
-          </p:cNvSpPr>
-          <p:nvPr>
-            <p:ph type="title"/>
-          </p:nvPr>
-        </p:nvSpPr>
-        <p:spPr/>
-        <p:txBody>
-          <a:bodyPr/>
-          <a:lstStyle/>
-          <a:p>
-            <a:endParaRPr lang="en-CA"/>
           </a:p>
         </p:txBody>
       </p:sp>
@@ -12533,7 +12958,7 @@
           </p:nvPr>
         </p:nvPicPr>
         <p:blipFill>
-          <a:blip r:embed="rId2">
+          <a:blip r:embed="rId3">
             <a:extLst>
               <a:ext uri="{28A0092B-C50C-407E-A947-70E740481C1C}">
                 <a14:useLocalDpi xmlns:a14="http://schemas.microsoft.com/office/drawing/2010/main" val="0"/>
@@ -12564,6 +12989,521 @@
 </p:sld>
 </file>
 
+<file path=ppt/slides/slide19.xml><?xml version="1.0" encoding="utf-8"?>
+<p:sld xmlns:a="http://schemas.openxmlformats.org/drawingml/2006/main" xmlns:r="http://schemas.openxmlformats.org/officeDocument/2006/relationships" xmlns:p="http://schemas.openxmlformats.org/presentationml/2006/main">
+  <p:cSld>
+    <p:spTree>
+      <p:nvGrpSpPr>
+        <p:cNvPr id="1" name=""/>
+        <p:cNvGrpSpPr/>
+        <p:nvPr/>
+      </p:nvGrpSpPr>
+      <p:grpSpPr>
+        <a:xfrm>
+          <a:off x="0" y="0"/>
+          <a:ext cx="0" cy="0"/>
+          <a:chOff x="0" y="0"/>
+          <a:chExt cx="0" cy="0"/>
+        </a:xfrm>
+      </p:grpSpPr>
+      <p:sp>
+        <p:nvSpPr>
+          <p:cNvPr id="2" name="Title 1"/>
+          <p:cNvSpPr>
+            <a:spLocks noGrp="1"/>
+          </p:cNvSpPr>
+          <p:nvPr>
+            <p:ph type="title"/>
+          </p:nvPr>
+        </p:nvSpPr>
+        <p:spPr/>
+        <p:txBody>
+          <a:bodyPr/>
+          <a:lstStyle/>
+          <a:p>
+            <a:r>
+              <a:rPr lang="en-CA" dirty="0" smtClean="0"/>
+              <a:t>Current active developers</a:t>
+            </a:r>
+            <a:endParaRPr lang="en-CA" dirty="0"/>
+          </a:p>
+        </p:txBody>
+      </p:sp>
+      <p:sp>
+        <p:nvSpPr>
+          <p:cNvPr id="3" name="Content Placeholder 2"/>
+          <p:cNvSpPr>
+            <a:spLocks noGrp="1"/>
+          </p:cNvSpPr>
+          <p:nvPr>
+            <p:ph idx="1"/>
+          </p:nvPr>
+        </p:nvSpPr>
+        <p:spPr/>
+        <p:txBody>
+          <a:bodyPr/>
+          <a:lstStyle/>
+          <a:p>
+            <a:r>
+              <a:rPr lang="en-CA" dirty="0" smtClean="0"/>
+              <a:t>Alex Chubaty</a:t>
+            </a:r>
+          </a:p>
+          <a:p>
+            <a:r>
+              <a:rPr lang="en-CA" dirty="0" smtClean="0"/>
+              <a:t>Eliot McIntire</a:t>
+            </a:r>
+          </a:p>
+          <a:p>
+            <a:r>
+              <a:rPr lang="en-CA" dirty="0" smtClean="0"/>
+              <a:t>Steve Cumming</a:t>
+            </a:r>
+          </a:p>
+        </p:txBody>
+      </p:sp>
+    </p:spTree>
+    <p:extLst>
+      <p:ext uri="{BB962C8B-B14F-4D97-AF65-F5344CB8AC3E}">
+        <p14:creationId xmlns:p14="http://schemas.microsoft.com/office/powerpoint/2010/main" val="3228462626"/>
+      </p:ext>
+    </p:extLst>
+  </p:cSld>
+  <p:clrMapOvr>
+    <a:masterClrMapping/>
+  </p:clrMapOvr>
+</p:sld>
+</file>
+
+<file path=ppt/slides/slide2.xml><?xml version="1.0" encoding="utf-8"?>
+<p:sld xmlns:a="http://schemas.openxmlformats.org/drawingml/2006/main" xmlns:r="http://schemas.openxmlformats.org/officeDocument/2006/relationships" xmlns:p="http://schemas.openxmlformats.org/presentationml/2006/main">
+  <p:cSld>
+    <p:spTree>
+      <p:nvGrpSpPr>
+        <p:cNvPr id="1" name=""/>
+        <p:cNvGrpSpPr/>
+        <p:nvPr/>
+      </p:nvGrpSpPr>
+      <p:grpSpPr>
+        <a:xfrm>
+          <a:off x="0" y="0"/>
+          <a:ext cx="0" cy="0"/>
+          <a:chOff x="0" y="0"/>
+          <a:chExt cx="0" cy="0"/>
+        </a:xfrm>
+      </p:grpSpPr>
+      <p:sp>
+        <p:nvSpPr>
+          <p:cNvPr id="2" name="Title 1"/>
+          <p:cNvSpPr>
+            <a:spLocks noGrp="1"/>
+          </p:cNvSpPr>
+          <p:nvPr>
+            <p:ph type="title"/>
+          </p:nvPr>
+        </p:nvSpPr>
+        <p:spPr/>
+        <p:txBody>
+          <a:bodyPr/>
+          <a:lstStyle/>
+          <a:p>
+            <a:r>
+              <a:rPr lang="en-CA" dirty="0" smtClean="0"/>
+              <a:t>Forecasting</a:t>
+            </a:r>
+            <a:endParaRPr lang="en-CA" dirty="0"/>
+          </a:p>
+        </p:txBody>
+      </p:sp>
+      <p:sp>
+        <p:nvSpPr>
+          <p:cNvPr id="3" name="Content Placeholder 2"/>
+          <p:cNvSpPr>
+            <a:spLocks noGrp="1"/>
+          </p:cNvSpPr>
+          <p:nvPr>
+            <p:ph idx="1"/>
+          </p:nvPr>
+        </p:nvSpPr>
+        <p:spPr/>
+        <p:txBody>
+          <a:bodyPr>
+            <a:normAutofit lnSpcReduction="10000"/>
+          </a:bodyPr>
+          <a:lstStyle/>
+          <a:p>
+            <a:r>
+              <a:rPr lang="en-CA" dirty="0" smtClean="0"/>
+              <a:t>We need to forecast the past, present and future of ecosystem </a:t>
+            </a:r>
+            <a:r>
+              <a:rPr lang="en-CA" dirty="0" smtClean="0"/>
+              <a:t>properties</a:t>
+            </a:r>
+          </a:p>
+          <a:p>
+            <a:endParaRPr lang="en-CA" dirty="0" smtClean="0"/>
+          </a:p>
+          <a:p>
+            <a:r>
+              <a:rPr lang="en-CA" dirty="0"/>
+              <a:t>We need to either understand these systems, or at least come up with phenomenological </a:t>
+            </a:r>
+            <a:r>
+              <a:rPr lang="en-CA" dirty="0" smtClean="0"/>
+              <a:t>relationships</a:t>
+            </a:r>
+          </a:p>
+          <a:p>
+            <a:endParaRPr lang="en-CA" dirty="0" smtClean="0"/>
+          </a:p>
+          <a:p>
+            <a:r>
+              <a:rPr lang="en-CA" dirty="0" smtClean="0"/>
+              <a:t>We </a:t>
+            </a:r>
+            <a:r>
+              <a:rPr lang="en-CA" dirty="0" smtClean="0"/>
+              <a:t>have </a:t>
+            </a:r>
+            <a:r>
+              <a:rPr lang="en-CA" dirty="0" smtClean="0"/>
+              <a:t>(or </a:t>
+            </a:r>
+            <a:r>
+              <a:rPr lang="en-CA" dirty="0" smtClean="0"/>
+              <a:t>will get </a:t>
+            </a:r>
+            <a:r>
+              <a:rPr lang="en-CA" dirty="0" smtClean="0"/>
+              <a:t>data), </a:t>
+            </a:r>
+            <a:r>
+              <a:rPr lang="en-CA" dirty="0" smtClean="0"/>
+              <a:t>whose magnitude is growing fast (“</a:t>
+            </a:r>
+            <a:r>
+              <a:rPr lang="en-CA" i="1" dirty="0" smtClean="0"/>
+              <a:t>Big Data</a:t>
+            </a:r>
+            <a:r>
+              <a:rPr lang="en-CA" i="1" dirty="0" smtClean="0"/>
+              <a:t>”</a:t>
+            </a:r>
+            <a:r>
+              <a:rPr lang="en-CA" dirty="0"/>
+              <a:t>)</a:t>
+            </a:r>
+            <a:endParaRPr lang="en-CA" dirty="0" smtClean="0"/>
+          </a:p>
+        </p:txBody>
+      </p:sp>
+    </p:spTree>
+    <p:extLst>
+      <p:ext uri="{BB962C8B-B14F-4D97-AF65-F5344CB8AC3E}">
+        <p14:creationId xmlns:p14="http://schemas.microsoft.com/office/powerpoint/2010/main" val="3449424513"/>
+      </p:ext>
+    </p:extLst>
+  </p:cSld>
+  <p:clrMapOvr>
+    <a:masterClrMapping/>
+  </p:clrMapOvr>
+  <p:timing>
+    <p:tnLst>
+      <p:par>
+        <p:cTn xmlns:p14="http://schemas.microsoft.com/office/powerpoint/2010/main" id="1" dur="indefinite" restart="never" nodeType="tmRoot"/>
+      </p:par>
+    </p:tnLst>
+  </p:timing>
+</p:sld>
+</file>
+
+<file path=ppt/slides/slide20.xml><?xml version="1.0" encoding="utf-8"?>
+<p:sld xmlns:a="http://schemas.openxmlformats.org/drawingml/2006/main" xmlns:r="http://schemas.openxmlformats.org/officeDocument/2006/relationships" xmlns:p="http://schemas.openxmlformats.org/presentationml/2006/main">
+  <p:cSld>
+    <p:spTree>
+      <p:nvGrpSpPr>
+        <p:cNvPr id="1" name=""/>
+        <p:cNvGrpSpPr/>
+        <p:nvPr/>
+      </p:nvGrpSpPr>
+      <p:grpSpPr>
+        <a:xfrm>
+          <a:off x="0" y="0"/>
+          <a:ext cx="0" cy="0"/>
+          <a:chOff x="0" y="0"/>
+          <a:chExt cx="0" cy="0"/>
+        </a:xfrm>
+      </p:grpSpPr>
+      <p:sp>
+        <p:nvSpPr>
+          <p:cNvPr id="2" name="Title 1"/>
+          <p:cNvSpPr>
+            <a:spLocks noGrp="1"/>
+          </p:cNvSpPr>
+          <p:nvPr>
+            <p:ph type="title"/>
+          </p:nvPr>
+        </p:nvSpPr>
+        <p:spPr/>
+        <p:txBody>
+          <a:bodyPr/>
+          <a:lstStyle/>
+          <a:p>
+            <a:r>
+              <a:rPr lang="en-US" dirty="0" smtClean="0"/>
+              <a:t>Module collaborators</a:t>
+            </a:r>
+            <a:endParaRPr lang="en-CA" dirty="0"/>
+          </a:p>
+        </p:txBody>
+      </p:sp>
+      <p:sp>
+        <p:nvSpPr>
+          <p:cNvPr id="3" name="Content Placeholder 2"/>
+          <p:cNvSpPr>
+            <a:spLocks noGrp="1"/>
+          </p:cNvSpPr>
+          <p:nvPr>
+            <p:ph idx="1"/>
+          </p:nvPr>
+        </p:nvSpPr>
+        <p:spPr/>
+        <p:txBody>
+          <a:bodyPr/>
+          <a:lstStyle/>
+          <a:p>
+            <a:r>
+              <a:rPr lang="en-US" dirty="0" smtClean="0"/>
+              <a:t>Mountain pine beetle dispersal</a:t>
+            </a:r>
+          </a:p>
+          <a:p>
+            <a:pPr lvl="1"/>
+            <a:r>
+              <a:rPr lang="en-US" dirty="0" smtClean="0"/>
+              <a:t>Alex Chubaty (PFC/Laval)</a:t>
+            </a:r>
+          </a:p>
+          <a:p>
+            <a:r>
+              <a:rPr lang="en-US" dirty="0" smtClean="0"/>
+              <a:t>Fire spread</a:t>
+            </a:r>
+          </a:p>
+          <a:p>
+            <a:pPr lvl="1"/>
+            <a:r>
+              <a:rPr lang="en-US" dirty="0" smtClean="0"/>
+              <a:t>Steve Cumming (Laval)</a:t>
+            </a:r>
+          </a:p>
+          <a:p>
+            <a:r>
+              <a:rPr lang="en-US" dirty="0" smtClean="0"/>
+              <a:t>Boreal forest succession and regeneration</a:t>
+            </a:r>
+          </a:p>
+          <a:p>
+            <a:pPr lvl="1"/>
+            <a:r>
+              <a:rPr lang="en-US" dirty="0" smtClean="0"/>
+              <a:t>Yong Luo (PFC/</a:t>
+            </a:r>
+            <a:r>
+              <a:rPr lang="en-US" dirty="0" err="1" smtClean="0"/>
+              <a:t>fRI</a:t>
+            </a:r>
+            <a:r>
+              <a:rPr lang="en-US" dirty="0" smtClean="0"/>
+              <a:t>/Laval)</a:t>
+            </a:r>
+          </a:p>
+          <a:p>
+            <a:r>
+              <a:rPr lang="en-US" dirty="0" smtClean="0"/>
+              <a:t>Caribou movement and habitat use</a:t>
+            </a:r>
+          </a:p>
+          <a:p>
+            <a:pPr lvl="1"/>
+            <a:r>
+              <a:rPr lang="en-US" dirty="0" smtClean="0"/>
+              <a:t>Sarah Bauduin (Laval)</a:t>
+            </a:r>
+            <a:endParaRPr lang="en-CA" dirty="0" smtClean="0"/>
+          </a:p>
+          <a:p>
+            <a:endParaRPr lang="en-US" dirty="0" smtClean="0"/>
+          </a:p>
+        </p:txBody>
+      </p:sp>
+    </p:spTree>
+    <p:extLst>
+      <p:ext uri="{BB962C8B-B14F-4D97-AF65-F5344CB8AC3E}">
+        <p14:creationId xmlns:p14="http://schemas.microsoft.com/office/powerpoint/2010/main" val="2208327956"/>
+      </p:ext>
+    </p:extLst>
+  </p:cSld>
+  <p:clrMapOvr>
+    <a:masterClrMapping/>
+  </p:clrMapOvr>
+</p:sld>
+</file>
+
+<file path=ppt/slides/slide21.xml><?xml version="1.0" encoding="utf-8"?>
+<p:sld xmlns:a="http://schemas.openxmlformats.org/drawingml/2006/main" xmlns:r="http://schemas.openxmlformats.org/officeDocument/2006/relationships" xmlns:p="http://schemas.openxmlformats.org/presentationml/2006/main">
+  <p:cSld>
+    <p:spTree>
+      <p:nvGrpSpPr>
+        <p:cNvPr id="1" name=""/>
+        <p:cNvGrpSpPr/>
+        <p:nvPr/>
+      </p:nvGrpSpPr>
+      <p:grpSpPr>
+        <a:xfrm>
+          <a:off x="0" y="0"/>
+          <a:ext cx="0" cy="0"/>
+          <a:chOff x="0" y="0"/>
+          <a:chExt cx="0" cy="0"/>
+        </a:xfrm>
+      </p:grpSpPr>
+      <p:sp>
+        <p:nvSpPr>
+          <p:cNvPr id="2" name="Title 1"/>
+          <p:cNvSpPr>
+            <a:spLocks noGrp="1"/>
+          </p:cNvSpPr>
+          <p:nvPr>
+            <p:ph type="title"/>
+          </p:nvPr>
+        </p:nvSpPr>
+        <p:spPr/>
+        <p:txBody>
+          <a:bodyPr/>
+          <a:lstStyle/>
+          <a:p>
+            <a:r>
+              <a:rPr lang="en-CA" dirty="0" smtClean="0"/>
+              <a:t>Planned collaborators</a:t>
+            </a:r>
+            <a:endParaRPr lang="en-CA" dirty="0"/>
+          </a:p>
+        </p:txBody>
+      </p:sp>
+      <p:sp>
+        <p:nvSpPr>
+          <p:cNvPr id="3" name="Content Placeholder 2"/>
+          <p:cNvSpPr>
+            <a:spLocks noGrp="1"/>
+          </p:cNvSpPr>
+          <p:nvPr>
+            <p:ph idx="1"/>
+          </p:nvPr>
+        </p:nvSpPr>
+        <p:spPr/>
+        <p:txBody>
+          <a:bodyPr/>
+          <a:lstStyle/>
+          <a:p>
+            <a:r>
+              <a:rPr lang="en-CA" sz="2800" dirty="0" smtClean="0"/>
+              <a:t>CFS:</a:t>
+            </a:r>
+          </a:p>
+          <a:p>
+            <a:pPr lvl="1"/>
+            <a:r>
+              <a:rPr lang="en-CA" sz="2400" dirty="0" smtClean="0"/>
+              <a:t>Carbon Accounting Team</a:t>
+            </a:r>
+          </a:p>
+          <a:p>
+            <a:pPr lvl="1"/>
+            <a:r>
+              <a:rPr lang="en-CA" sz="2400" dirty="0" smtClean="0"/>
+              <a:t>Assistant Deputy Minister Innovation Fund &amp; ISA</a:t>
+            </a:r>
+          </a:p>
+          <a:p>
+            <a:pPr lvl="1"/>
+            <a:r>
+              <a:rPr lang="en-CA" sz="2400" dirty="0" smtClean="0"/>
+              <a:t>Boisvenue, Shaw, Cooke, </a:t>
+            </a:r>
+            <a:r>
+              <a:rPr lang="en-CA" sz="2400" dirty="0"/>
+              <a:t>Campbell</a:t>
+            </a:r>
+            <a:r>
+              <a:rPr lang="en-CA" sz="2400" dirty="0" smtClean="0"/>
+              <a:t>, </a:t>
+            </a:r>
+          </a:p>
+          <a:p>
+            <a:r>
+              <a:rPr lang="en-CA" sz="2800" dirty="0" smtClean="0"/>
+              <a:t>Private sector:</a:t>
+            </a:r>
+          </a:p>
+          <a:p>
+            <a:pPr lvl="1"/>
+            <a:r>
+              <a:rPr lang="en-CA" sz="2400" dirty="0" smtClean="0"/>
+              <a:t>Colin Daniel </a:t>
+            </a:r>
+            <a:r>
+              <a:rPr lang="en-CA" sz="2400" dirty="0"/>
+              <a:t>(</a:t>
+            </a:r>
+            <a:r>
+              <a:rPr lang="en-CA" sz="2400" dirty="0" err="1" smtClean="0"/>
+              <a:t>ApexRMS</a:t>
+            </a:r>
+            <a:r>
+              <a:rPr lang="en-CA" sz="2400" dirty="0" smtClean="0"/>
+              <a:t>)</a:t>
+            </a:r>
+          </a:p>
+          <a:p>
+            <a:pPr lvl="1"/>
+            <a:r>
+              <a:rPr lang="en-CA" sz="2400" dirty="0" smtClean="0"/>
+              <a:t>Foothills Research Institute (Healthy Landscapes)</a:t>
+            </a:r>
+          </a:p>
+          <a:p>
+            <a:r>
+              <a:rPr lang="en-CA" sz="2800" dirty="0" smtClean="0"/>
+              <a:t>University:</a:t>
+            </a:r>
+          </a:p>
+          <a:p>
+            <a:pPr lvl="1"/>
+            <a:r>
+              <a:rPr lang="en-CA" sz="2400" dirty="0" smtClean="0"/>
+              <a:t>UBC - Nicholas Coops, Val Lemay</a:t>
+            </a:r>
+          </a:p>
+          <a:p>
+            <a:endParaRPr lang="en-CA" sz="2800" dirty="0" smtClean="0"/>
+          </a:p>
+        </p:txBody>
+      </p:sp>
+    </p:spTree>
+    <p:extLst>
+      <p:ext uri="{BB962C8B-B14F-4D97-AF65-F5344CB8AC3E}">
+        <p14:creationId xmlns:p14="http://schemas.microsoft.com/office/powerpoint/2010/main" val="1513505643"/>
+      </p:ext>
+    </p:extLst>
+  </p:cSld>
+  <p:clrMapOvr>
+    <a:masterClrMapping/>
+  </p:clrMapOvr>
+</p:sld>
+</file>
+
 <file path=ppt/slides/slide22.xml><?xml version="1.0" encoding="utf-8"?>
 <p:sld xmlns:a="http://schemas.openxmlformats.org/drawingml/2006/main" xmlns:r="http://schemas.openxmlformats.org/officeDocument/2006/relationships" xmlns:p="http://schemas.openxmlformats.org/presentationml/2006/main">
   <p:cSld>
@@ -12597,8 +13537,8 @@
           <a:lstStyle/>
           <a:p>
             <a:r>
-              <a:rPr lang="en-CA" dirty="0" smtClean="0"/>
-              <a:t>Current active developers</a:t>
+              <a:rPr lang="en-US" dirty="0" smtClean="0"/>
+              <a:t>Research collaborators</a:t>
             </a:r>
             <a:endParaRPr lang="en-CA" dirty="0"/>
           </a:p>
@@ -12620,28 +13560,50 @@
           <a:lstStyle/>
           <a:p>
             <a:r>
-              <a:rPr lang="en-CA" dirty="0" smtClean="0"/>
-              <a:t>Alex Chubaty</a:t>
-            </a:r>
-          </a:p>
-          <a:p>
-            <a:r>
-              <a:rPr lang="en-CA" dirty="0" smtClean="0"/>
-              <a:t>Eliot McIntire</a:t>
-            </a:r>
-          </a:p>
-          <a:p>
-            <a:r>
-              <a:rPr lang="en-CA" dirty="0" smtClean="0"/>
-              <a:t>Steve Cumming</a:t>
-            </a:r>
+              <a:rPr lang="en-US" dirty="0" smtClean="0"/>
+              <a:t>Eliot McIntire (PFC/Laval)</a:t>
+            </a:r>
+          </a:p>
+          <a:p>
+            <a:r>
+              <a:rPr lang="en-US" dirty="0" smtClean="0"/>
+              <a:t>Jill Johnstone (</a:t>
+            </a:r>
+            <a:r>
+              <a:rPr lang="en-US" dirty="0" err="1" smtClean="0"/>
+              <a:t>Sask</a:t>
+            </a:r>
+            <a:r>
+              <a:rPr lang="en-US" dirty="0" smtClean="0"/>
+              <a:t>)</a:t>
+            </a:r>
+          </a:p>
+          <a:p>
+            <a:r>
+              <a:rPr lang="en-US" dirty="0" smtClean="0"/>
+              <a:t>David Andison (</a:t>
+            </a:r>
+            <a:r>
+              <a:rPr lang="en-US" dirty="0" err="1" smtClean="0"/>
+              <a:t>fRI</a:t>
+            </a:r>
+            <a:r>
+              <a:rPr lang="en-US" dirty="0" smtClean="0"/>
+              <a:t>)</a:t>
+            </a:r>
+          </a:p>
+          <a:p>
+            <a:endParaRPr lang="en-CA" dirty="0" smtClean="0"/>
+          </a:p>
+          <a:p>
+            <a:endParaRPr lang="en-US" dirty="0" smtClean="0"/>
           </a:p>
         </p:txBody>
       </p:sp>
     </p:spTree>
     <p:extLst>
       <p:ext uri="{BB962C8B-B14F-4D97-AF65-F5344CB8AC3E}">
-        <p14:creationId xmlns:p14="http://schemas.microsoft.com/office/powerpoint/2010/main" val="3228462626"/>
+        <p14:creationId xmlns:p14="http://schemas.microsoft.com/office/powerpoint/2010/main" val="287335855"/>
       </p:ext>
     </p:extLst>
   </p:cSld>
@@ -12684,8 +13646,8 @@
           <a:lstStyle/>
           <a:p>
             <a:r>
-              <a:rPr lang="en-US" dirty="0" smtClean="0"/>
-              <a:t>Module collaborators</a:t>
+              <a:rPr lang="en-CA" dirty="0" smtClean="0"/>
+              <a:t>Interested in seeing more?</a:t>
             </a:r>
             <a:endParaRPr lang="en-CA" dirty="0"/>
           </a:p>
@@ -12706,75 +13668,100 @@
           <a:bodyPr/>
           <a:lstStyle/>
           <a:p>
+            <a:pPr marL="0" indent="0" algn="ctr">
+              <a:buNone/>
+            </a:pPr>
+            <a:r>
+              <a:rPr lang="en-US" dirty="0" smtClean="0">
+                <a:hlinkClick r:id="rId2"/>
+              </a:rPr>
+              <a:t>https://github.com/achubaty/SpaDES</a:t>
+            </a:r>
+            <a:endParaRPr lang="en-US" dirty="0" smtClean="0"/>
+          </a:p>
+          <a:p>
+            <a:endParaRPr lang="en-US" dirty="0" smtClean="0"/>
+          </a:p>
+          <a:p>
             <a:r>
               <a:rPr lang="en-US" dirty="0" smtClean="0"/>
-              <a:t>Mountain pine beetle dispersal</a:t>
-            </a:r>
+              <a:t>Still </a:t>
+            </a:r>
+            <a:r>
+              <a:rPr lang="en-US" dirty="0" smtClean="0"/>
+              <a:t>a work in </a:t>
+            </a:r>
+            <a:r>
+              <a:rPr lang="en-US" dirty="0" smtClean="0"/>
+              <a:t>progress</a:t>
+            </a:r>
+            <a:r>
+              <a:rPr lang="en-US" dirty="0" smtClean="0"/>
+              <a:t>, BUT…</a:t>
+            </a:r>
+            <a:endParaRPr lang="en-US" dirty="0" smtClean="0"/>
           </a:p>
           <a:p>
             <a:pPr lvl="1"/>
             <a:r>
               <a:rPr lang="en-US" dirty="0" smtClean="0"/>
-              <a:t>Alex Chubaty (PFC/Laval)</a:t>
-            </a:r>
-          </a:p>
-          <a:p>
+              <a:t>Current development version (0.5.0)</a:t>
+            </a:r>
+            <a:endParaRPr lang="en-US" dirty="0" smtClean="0"/>
+          </a:p>
+          <a:p>
+            <a:pPr lvl="2"/>
             <a:r>
               <a:rPr lang="en-US" dirty="0" smtClean="0"/>
-              <a:t>Fire spread</a:t>
+              <a:t>Almost ready for CRAN!</a:t>
             </a:r>
           </a:p>
           <a:p>
             <a:pPr lvl="1"/>
             <a:r>
               <a:rPr lang="en-US" dirty="0" smtClean="0"/>
-              <a:t>Steve Cumming (Laval)</a:t>
-            </a:r>
-          </a:p>
-          <a:p>
+              <a:t>We welcome feedback</a:t>
+            </a:r>
+            <a:endParaRPr lang="en-US" dirty="0" smtClean="0"/>
+          </a:p>
+          <a:p>
+            <a:pPr lvl="1"/>
             <a:r>
               <a:rPr lang="en-US" dirty="0" smtClean="0"/>
-              <a:t>Boreal forest succession and regeneration</a:t>
-            </a:r>
-          </a:p>
-          <a:p>
-            <a:pPr lvl="1"/>
-            <a:r>
-              <a:rPr lang="en-US" dirty="0" smtClean="0"/>
-              <a:t>Yong Luo (PFC/</a:t>
-            </a:r>
-            <a:r>
-              <a:rPr lang="en-US" dirty="0" err="1" smtClean="0"/>
-              <a:t>fRI</a:t>
-            </a:r>
-            <a:r>
-              <a:rPr lang="en-US" dirty="0" smtClean="0"/>
-              <a:t>/Laval)</a:t>
-            </a:r>
-          </a:p>
-          <a:p>
-            <a:r>
-              <a:rPr lang="en-US" dirty="0" smtClean="0"/>
-              <a:t>Caribou movement and habitat use</a:t>
-            </a:r>
-          </a:p>
-          <a:p>
-            <a:pPr lvl="1"/>
-            <a:r>
-              <a:rPr lang="en-US" dirty="0" smtClean="0"/>
-              <a:t>Sarah Bauduin (Laval)</a:t>
-            </a:r>
-            <a:endParaRPr lang="en-CA" dirty="0" smtClean="0"/>
-          </a:p>
-          <a:p>
-            <a:endParaRPr lang="en-US" dirty="0" smtClean="0"/>
-          </a:p>
-        </p:txBody>
-      </p:sp>
+              <a:t>Looking for contributions</a:t>
+            </a:r>
+            <a:endParaRPr lang="en-US" dirty="0"/>
+          </a:p>
+        </p:txBody>
+      </p:sp>
+      <p:pic>
+        <p:nvPicPr>
+          <p:cNvPr id="4" name="Picture 3"/>
+          <p:cNvPicPr>
+            <a:picLocks noChangeAspect="1"/>
+          </p:cNvPicPr>
+          <p:nvPr/>
+        </p:nvPicPr>
+        <p:blipFill>
+          <a:blip r:embed="rId3"/>
+          <a:stretch>
+            <a:fillRect/>
+          </a:stretch>
+        </p:blipFill>
+        <p:spPr>
+          <a:xfrm>
+            <a:off x="7236296" y="3501008"/>
+            <a:ext cx="1440160" cy="288032"/>
+          </a:xfrm>
+          <a:prstGeom prst="rect">
+            <a:avLst/>
+          </a:prstGeom>
+        </p:spPr>
+      </p:pic>
     </p:spTree>
     <p:extLst>
       <p:ext uri="{BB962C8B-B14F-4D97-AF65-F5344CB8AC3E}">
-        <p14:creationId xmlns:p14="http://schemas.microsoft.com/office/powerpoint/2010/main" val="2208327956"/>
+        <p14:creationId xmlns:p14="http://schemas.microsoft.com/office/powerpoint/2010/main" val="3932920018"/>
       </p:ext>
     </p:extLst>
   </p:cSld>
@@ -12818,7 +13805,11 @@
           <a:p>
             <a:r>
               <a:rPr lang="en-CA" dirty="0" smtClean="0"/>
-              <a:t>Planned collaborators</a:t>
+              <a:t>Contributions </a:t>
+            </a:r>
+            <a:r>
+              <a:rPr lang="en-CA" dirty="0" smtClean="0"/>
+              <a:t>needed</a:t>
             </a:r>
             <a:endParaRPr lang="en-CA" dirty="0"/>
           </a:p>
@@ -12840,93 +13831,92 @@
           <a:lstStyle/>
           <a:p>
             <a:r>
-              <a:rPr lang="en-CA" sz="2800" dirty="0" smtClean="0"/>
-              <a:t>CFS:</a:t>
+              <a:rPr lang="en-CA" dirty="0" smtClean="0"/>
+              <a:t>Additional modules</a:t>
             </a:r>
           </a:p>
           <a:p>
             <a:pPr lvl="1"/>
             <a:r>
-              <a:rPr lang="en-CA" sz="2400" dirty="0" smtClean="0"/>
-              <a:t>Carbon Accounting Team</a:t>
+              <a:rPr lang="en-CA" dirty="0" smtClean="0"/>
+              <a:t>MPB, Fire, Succession, Caribou</a:t>
+            </a:r>
+          </a:p>
+          <a:p>
+            <a:endParaRPr lang="en-CA" dirty="0" smtClean="0"/>
+          </a:p>
+          <a:p>
+            <a:r>
+              <a:rPr lang="en-CA" dirty="0" smtClean="0"/>
+              <a:t>New </a:t>
+            </a:r>
+            <a:r>
+              <a:rPr lang="en-CA" dirty="0" smtClean="0"/>
+              <a:t>modules</a:t>
             </a:r>
           </a:p>
           <a:p>
             <a:pPr lvl="1"/>
             <a:r>
-              <a:rPr lang="en-CA" sz="2400" dirty="0" smtClean="0"/>
-              <a:t>Assistant Deputy Minister Innovation Fund &amp; ISA</a:t>
-            </a:r>
+              <a:rPr lang="en-CA" dirty="0" smtClean="0"/>
+              <a:t>Spruce Budworm, Carbon, </a:t>
+            </a:r>
+            <a:r>
+              <a:rPr lang="en-CA" dirty="0" smtClean="0"/>
+              <a:t>…</a:t>
+            </a:r>
+            <a:endParaRPr lang="en-CA" dirty="0" smtClean="0"/>
           </a:p>
           <a:p>
             <a:pPr lvl="1"/>
             <a:r>
-              <a:rPr lang="en-CA" sz="2400" dirty="0" smtClean="0"/>
-              <a:t>Boisvenue, Shaw, Cooke, </a:t>
-            </a:r>
-            <a:r>
-              <a:rPr lang="en-CA" sz="2400" dirty="0"/>
-              <a:t>Campbell</a:t>
-            </a:r>
-            <a:r>
-              <a:rPr lang="en-CA" sz="2400" dirty="0" smtClean="0"/>
-              <a:t>, </a:t>
-            </a:r>
-          </a:p>
-          <a:p>
-            <a:r>
-              <a:rPr lang="en-CA" sz="2800" dirty="0" smtClean="0"/>
-              <a:t>Private sector:</a:t>
-            </a:r>
-          </a:p>
-          <a:p>
-            <a:pPr lvl="1"/>
-            <a:r>
-              <a:rPr lang="en-CA" sz="2400" dirty="0" smtClean="0"/>
-              <a:t>Colin Daniel </a:t>
-            </a:r>
-            <a:r>
-              <a:rPr lang="en-CA" sz="2400" dirty="0"/>
-              <a:t>(</a:t>
-            </a:r>
-            <a:r>
-              <a:rPr lang="en-CA" sz="2400" dirty="0" err="1" smtClean="0"/>
-              <a:t>ApexRMS</a:t>
-            </a:r>
-            <a:r>
-              <a:rPr lang="en-CA" sz="2400" dirty="0" smtClean="0"/>
-              <a:t>)</a:t>
-            </a:r>
-          </a:p>
-          <a:p>
-            <a:pPr lvl="1"/>
-            <a:r>
-              <a:rPr lang="en-CA" sz="2400" dirty="0" smtClean="0"/>
-              <a:t>Foothills Research Institute (Healthy Landscapes)</a:t>
-            </a:r>
-          </a:p>
-          <a:p>
-            <a:r>
-              <a:rPr lang="en-CA" sz="2800" dirty="0" smtClean="0"/>
-              <a:t>University:</a:t>
-            </a:r>
-          </a:p>
-          <a:p>
-            <a:pPr lvl="1"/>
-            <a:r>
-              <a:rPr lang="en-CA" sz="2400" dirty="0" smtClean="0"/>
-              <a:t>UBC - Nicholas Coops, Val Lemay</a:t>
-            </a:r>
-          </a:p>
-          <a:p>
-            <a:endParaRPr lang="en-CA" sz="2800" dirty="0" smtClean="0"/>
+              <a:rPr lang="en-CA" dirty="0" smtClean="0"/>
+              <a:t>Policy</a:t>
+            </a:r>
+          </a:p>
+          <a:p>
+            <a:pPr lvl="2"/>
+            <a:r>
+              <a:rPr lang="en-CA" dirty="0" smtClean="0"/>
+              <a:t>Risk, Economic forecasts, Planning</a:t>
+            </a:r>
+          </a:p>
+        </p:txBody>
+      </p:sp>
+      <p:sp>
+        <p:nvSpPr>
+          <p:cNvPr id="4" name="TextBox 3"/>
+          <p:cNvSpPr txBox="1"/>
+          <p:nvPr/>
+        </p:nvSpPr>
+        <p:spPr>
+          <a:xfrm>
+            <a:off x="8636191" y="260648"/>
+            <a:ext cx="507809" cy="369332"/>
+          </a:xfrm>
+          <a:prstGeom prst="rect">
+            <a:avLst/>
+          </a:prstGeom>
+          <a:noFill/>
+        </p:spPr>
+        <p:txBody>
+          <a:bodyPr wrap="none" rtlCol="0">
+            <a:spAutoFit/>
+          </a:bodyPr>
+          <a:lstStyle/>
+          <a:p>
+            <a:r>
+              <a:rPr lang="en-US" dirty="0" smtClean="0"/>
+              <a:t>1/2</a:t>
+            </a:r>
+            <a:endParaRPr lang="en-US" dirty="0"/>
           </a:p>
         </p:txBody>
       </p:sp>
     </p:spTree>
     <p:extLst>
       <p:ext uri="{BB962C8B-B14F-4D97-AF65-F5344CB8AC3E}">
-        <p14:creationId xmlns:p14="http://schemas.microsoft.com/office/powerpoint/2010/main" val="1513505643"/>
+        <p14:creationId xmlns:p14="http://schemas.microsoft.com/office/powerpoint/2010/main" val="1425152819"/>
       </p:ext>
     </p:extLst>
   </p:cSld>
@@ -12969,8 +13959,12 @@
           <a:lstStyle/>
           <a:p>
             <a:r>
-              <a:rPr lang="en-US" dirty="0" smtClean="0"/>
-              <a:t>Research collaborators</a:t>
+              <a:rPr lang="en-CA" dirty="0"/>
+              <a:t>Contributions </a:t>
+            </a:r>
+            <a:r>
+              <a:rPr lang="en-CA" dirty="0" smtClean="0"/>
+              <a:t>needed</a:t>
             </a:r>
             <a:endParaRPr lang="en-CA" dirty="0"/>
           </a:p>
@@ -12992,50 +13986,122 @@
           <a:lstStyle/>
           <a:p>
             <a:r>
+              <a:rPr lang="en-CA" dirty="0" smtClean="0"/>
+              <a:t>Improving</a:t>
+            </a:r>
+            <a:endParaRPr lang="en-CA" dirty="0"/>
+          </a:p>
+          <a:p>
+            <a:pPr lvl="1"/>
+            <a:r>
+              <a:rPr lang="en-CA" dirty="0" smtClean="0"/>
+              <a:t>Dependency </a:t>
+            </a:r>
+            <a:r>
+              <a:rPr lang="en-CA" dirty="0" smtClean="0"/>
+              <a:t>expressions</a:t>
+            </a:r>
+          </a:p>
+          <a:p>
+            <a:pPr lvl="2"/>
+            <a:r>
+              <a:rPr lang="en-CA" dirty="0" smtClean="0"/>
+              <a:t>Module, data, spatial region, political region</a:t>
+            </a:r>
+          </a:p>
+          <a:p>
+            <a:endParaRPr lang="en-CA" dirty="0" smtClean="0"/>
+          </a:p>
+          <a:p>
+            <a:r>
+              <a:rPr lang="en-CA" dirty="0" smtClean="0"/>
+              <a:t>Big </a:t>
+            </a:r>
+            <a:r>
+              <a:rPr lang="en-CA" dirty="0" smtClean="0"/>
+              <a:t>data seamlessness	</a:t>
+            </a:r>
+            <a:r>
+              <a:rPr lang="en-CA" dirty="0" smtClean="0"/>
+              <a:t>:</a:t>
+            </a:r>
+            <a:endParaRPr lang="en-CA" dirty="0" smtClean="0"/>
+          </a:p>
+          <a:p>
+            <a:pPr lvl="1"/>
+            <a:r>
+              <a:rPr lang="en-CA" dirty="0" smtClean="0"/>
+              <a:t>R can handle BIG, but </a:t>
+            </a:r>
+            <a:r>
+              <a:rPr lang="en-CA" i="1" dirty="0" smtClean="0"/>
+              <a:t>many </a:t>
+            </a:r>
+            <a:r>
+              <a:rPr lang="en-CA" dirty="0" smtClean="0"/>
+              <a:t>ways to do it</a:t>
+            </a:r>
+            <a:r>
+              <a:rPr lang="en-CA" dirty="0" smtClean="0"/>
+              <a:t>;</a:t>
+            </a:r>
+          </a:p>
+          <a:p>
+            <a:pPr lvl="1"/>
+            <a:r>
+              <a:rPr lang="en-CA" dirty="0" smtClean="0"/>
+              <a:t>What’s best </a:t>
+            </a:r>
+            <a:r>
+              <a:rPr lang="en-CA" dirty="0" smtClean="0"/>
+              <a:t>for each module/</a:t>
+            </a:r>
+            <a:r>
+              <a:rPr lang="en-CA" dirty="0" smtClean="0"/>
+              <a:t>situation?</a:t>
+            </a:r>
+            <a:endParaRPr lang="en-CA" dirty="0" smtClean="0"/>
+          </a:p>
+          <a:p>
+            <a:pPr lvl="1"/>
+            <a:endParaRPr lang="en-CA" dirty="0"/>
+          </a:p>
+        </p:txBody>
+      </p:sp>
+      <p:sp>
+        <p:nvSpPr>
+          <p:cNvPr id="4" name="TextBox 3"/>
+          <p:cNvSpPr txBox="1"/>
+          <p:nvPr/>
+        </p:nvSpPr>
+        <p:spPr>
+          <a:xfrm>
+            <a:off x="8636191" y="260648"/>
+            <a:ext cx="507809" cy="369332"/>
+          </a:xfrm>
+          <a:prstGeom prst="rect">
+            <a:avLst/>
+          </a:prstGeom>
+          <a:noFill/>
+        </p:spPr>
+        <p:txBody>
+          <a:bodyPr wrap="none" rtlCol="0">
+            <a:spAutoFit/>
+          </a:bodyPr>
+          <a:lstStyle/>
+          <a:p>
+            <a:r>
               <a:rPr lang="en-US" dirty="0" smtClean="0"/>
-              <a:t>Eliot McIntire (PFC/Laval)</a:t>
-            </a:r>
-          </a:p>
-          <a:p>
-            <a:r>
-              <a:rPr lang="en-US" dirty="0" smtClean="0"/>
-              <a:t>Jill Johnstone (</a:t>
-            </a:r>
-            <a:r>
-              <a:rPr lang="en-US" dirty="0" err="1" smtClean="0"/>
-              <a:t>Sask</a:t>
-            </a:r>
-            <a:r>
-              <a:rPr lang="en-US" dirty="0" smtClean="0"/>
-              <a:t>)</a:t>
-            </a:r>
-          </a:p>
-          <a:p>
-            <a:r>
-              <a:rPr lang="en-US" dirty="0" smtClean="0"/>
-              <a:t>David Andison (</a:t>
-            </a:r>
-            <a:r>
-              <a:rPr lang="en-US" dirty="0" err="1" smtClean="0"/>
-              <a:t>fRI</a:t>
-            </a:r>
-            <a:r>
-              <a:rPr lang="en-US" dirty="0" smtClean="0"/>
-              <a:t>)</a:t>
-            </a:r>
-          </a:p>
-          <a:p>
-            <a:endParaRPr lang="en-CA" dirty="0" smtClean="0"/>
-          </a:p>
-          <a:p>
-            <a:endParaRPr lang="en-US" dirty="0" smtClean="0"/>
+              <a:t>2/2</a:t>
+            </a:r>
+            <a:endParaRPr lang="en-US" dirty="0"/>
           </a:p>
         </p:txBody>
       </p:sp>
     </p:spTree>
     <p:extLst>
       <p:ext uri="{BB962C8B-B14F-4D97-AF65-F5344CB8AC3E}">
-        <p14:creationId xmlns:p14="http://schemas.microsoft.com/office/powerpoint/2010/main" val="287335855"/>
+        <p14:creationId xmlns:p14="http://schemas.microsoft.com/office/powerpoint/2010/main" val="3283830959"/>
       </p:ext>
     </p:extLst>
   </p:cSld>
@@ -13062,6 +14128,34 @@
           <a:chExt cx="0" cy="0"/>
         </a:xfrm>
       </p:grpSpPr>
+      <p:pic>
+        <p:nvPicPr>
+          <p:cNvPr id="4" name="Content Placeholder 3" descr="demo-shiny-succession.png"/>
+          <p:cNvPicPr>
+            <a:picLocks noGrp="1" noChangeAspect="1"/>
+          </p:cNvPicPr>
+          <p:nvPr>
+            <p:ph idx="1"/>
+          </p:nvPr>
+        </p:nvPicPr>
+        <p:blipFill rotWithShape="1">
+          <a:blip r:embed="rId2">
+            <a:extLst>
+              <a:ext uri="{28A0092B-C50C-407E-A947-70E740481C1C}">
+                <a14:useLocalDpi xmlns:a14="http://schemas.microsoft.com/office/drawing/2010/main" val="0"/>
+              </a:ext>
+            </a:extLst>
+          </a:blip>
+          <a:srcRect l="39933" t="9224" r="1" b="2514"/>
+          <a:stretch/>
+        </p:blipFill>
+        <p:spPr>
+          <a:xfrm>
+            <a:off x="1979712" y="260648"/>
+            <a:ext cx="7115709" cy="6054773"/>
+          </a:xfrm>
+        </p:spPr>
+      </p:pic>
       <p:sp>
         <p:nvSpPr>
           <p:cNvPr id="2" name="Title 1"/>
@@ -13077,76 +14171,9 @@
           <a:bodyPr/>
           <a:lstStyle/>
           <a:p>
-            <a:endParaRPr lang="en-CA" dirty="0"/>
-          </a:p>
-        </p:txBody>
-      </p:sp>
-      <p:sp>
-        <p:nvSpPr>
-          <p:cNvPr id="3" name="Content Placeholder 2"/>
-          <p:cNvSpPr>
-            <a:spLocks noGrp="1"/>
-          </p:cNvSpPr>
-          <p:nvPr>
-            <p:ph idx="1"/>
-          </p:nvPr>
-        </p:nvSpPr>
-        <p:spPr/>
-        <p:txBody>
-          <a:bodyPr/>
-          <a:lstStyle/>
-          <a:p>
-            <a:pPr marL="0" indent="0" algn="ctr">
-              <a:buNone/>
-            </a:pPr>
-            <a:r>
-              <a:rPr lang="en-US" dirty="0" smtClean="0">
-                <a:hlinkClick r:id="rId2"/>
-              </a:rPr>
-              <a:t>https://github.com/achubaty/SpaDES</a:t>
-            </a:r>
-            <a:endParaRPr lang="en-US" dirty="0" smtClean="0"/>
-          </a:p>
-          <a:p>
-            <a:endParaRPr lang="en-US" dirty="0" smtClean="0"/>
-          </a:p>
-          <a:p>
-            <a:r>
-              <a:rPr lang="en-US" dirty="0" err="1" smtClean="0"/>
-              <a:t>SpaDES</a:t>
-            </a:r>
             <a:r>
               <a:rPr lang="en-US" dirty="0" smtClean="0"/>
-              <a:t> in still a work in progress…BUT</a:t>
-            </a:r>
-          </a:p>
-          <a:p>
-            <a:pPr lvl="1"/>
-            <a:r>
-              <a:rPr lang="en-US" dirty="0" smtClean="0"/>
-              <a:t>Will eventually add to CRAN</a:t>
-            </a:r>
-          </a:p>
-          <a:p>
-            <a:pPr lvl="1"/>
-            <a:r>
-              <a:rPr lang="en-US" dirty="0" smtClean="0"/>
-              <a:t>Feedback welcome</a:t>
-            </a:r>
-          </a:p>
-          <a:p>
-            <a:pPr lvl="1"/>
-            <a:r>
-              <a:rPr lang="en-US" dirty="0" smtClean="0"/>
-              <a:t>Contributions</a:t>
-            </a:r>
-            <a:r>
-              <a:rPr lang="en-US" dirty="0"/>
-              <a:t> </a:t>
-            </a:r>
-            <a:r>
-              <a:rPr lang="en-US" dirty="0" smtClean="0"/>
-              <a:t>…</a:t>
+              <a:t>Thank you!</a:t>
             </a:r>
             <a:endParaRPr lang="en-US" dirty="0"/>
           </a:p>
@@ -13155,336 +14182,7 @@
     </p:spTree>
     <p:extLst>
       <p:ext uri="{BB962C8B-B14F-4D97-AF65-F5344CB8AC3E}">
-        <p14:creationId xmlns:p14="http://schemas.microsoft.com/office/powerpoint/2010/main" val="3932920018"/>
-      </p:ext>
-    </p:extLst>
-  </p:cSld>
-  <p:clrMapOvr>
-    <a:masterClrMapping/>
-  </p:clrMapOvr>
-</p:sld>
-</file>
-
-<file path=ppt/slides/slide27.xml><?xml version="1.0" encoding="utf-8"?>
-<p:sld xmlns:a="http://schemas.openxmlformats.org/drawingml/2006/main" xmlns:r="http://schemas.openxmlformats.org/officeDocument/2006/relationships" xmlns:p="http://schemas.openxmlformats.org/presentationml/2006/main">
-  <p:cSld>
-    <p:spTree>
-      <p:nvGrpSpPr>
-        <p:cNvPr id="1" name=""/>
-        <p:cNvGrpSpPr/>
-        <p:nvPr/>
-      </p:nvGrpSpPr>
-      <p:grpSpPr>
-        <a:xfrm>
-          <a:off x="0" y="0"/>
-          <a:ext cx="0" cy="0"/>
-          <a:chOff x="0" y="0"/>
-          <a:chExt cx="0" cy="0"/>
-        </a:xfrm>
-      </p:grpSpPr>
-      <p:sp>
-        <p:nvSpPr>
-          <p:cNvPr id="2" name="Title 1"/>
-          <p:cNvSpPr>
-            <a:spLocks noGrp="1"/>
-          </p:cNvSpPr>
-          <p:nvPr>
-            <p:ph type="title"/>
-          </p:nvPr>
-        </p:nvSpPr>
-        <p:spPr/>
-        <p:txBody>
-          <a:bodyPr/>
-          <a:lstStyle/>
-          <a:p>
-            <a:r>
-              <a:rPr lang="en-CA" dirty="0" smtClean="0"/>
-              <a:t>Contributions that are needed, I of II</a:t>
-            </a:r>
-            <a:endParaRPr lang="en-CA" dirty="0"/>
-          </a:p>
-        </p:txBody>
-      </p:sp>
-      <p:sp>
-        <p:nvSpPr>
-          <p:cNvPr id="3" name="Content Placeholder 2"/>
-          <p:cNvSpPr>
-            <a:spLocks noGrp="1"/>
-          </p:cNvSpPr>
-          <p:nvPr>
-            <p:ph idx="1"/>
-          </p:nvPr>
-        </p:nvSpPr>
-        <p:spPr/>
-        <p:txBody>
-          <a:bodyPr/>
-          <a:lstStyle/>
-          <a:p>
-            <a:r>
-              <a:rPr lang="en-CA" dirty="0" smtClean="0"/>
-              <a:t>Additional modules</a:t>
-            </a:r>
-          </a:p>
-          <a:p>
-            <a:pPr lvl="1"/>
-            <a:r>
-              <a:rPr lang="en-CA" dirty="0" smtClean="0"/>
-              <a:t>MPB, Fire, Succession, Caribou</a:t>
-            </a:r>
-          </a:p>
-          <a:p>
-            <a:r>
-              <a:rPr lang="en-CA" dirty="0" smtClean="0"/>
-              <a:t>New modules</a:t>
-            </a:r>
-          </a:p>
-          <a:p>
-            <a:pPr lvl="1"/>
-            <a:r>
-              <a:rPr lang="en-CA" dirty="0" smtClean="0"/>
-              <a:t>Spruce Budworm, Carbon, </a:t>
-            </a:r>
-          </a:p>
-          <a:p>
-            <a:pPr lvl="1"/>
-            <a:r>
-              <a:rPr lang="en-CA" dirty="0" smtClean="0"/>
-              <a:t>Policy</a:t>
-            </a:r>
-          </a:p>
-          <a:p>
-            <a:pPr lvl="2"/>
-            <a:r>
-              <a:rPr lang="en-CA" dirty="0" smtClean="0"/>
-              <a:t>Risk, Economic forecasts, Planning</a:t>
-            </a:r>
-          </a:p>
-        </p:txBody>
-      </p:sp>
-    </p:spTree>
-    <p:extLst>
-      <p:ext uri="{BB962C8B-B14F-4D97-AF65-F5344CB8AC3E}">
-        <p14:creationId xmlns:p14="http://schemas.microsoft.com/office/powerpoint/2010/main" val="1425152819"/>
-      </p:ext>
-    </p:extLst>
-  </p:cSld>
-  <p:clrMapOvr>
-    <a:masterClrMapping/>
-  </p:clrMapOvr>
-</p:sld>
-</file>
-
-<file path=ppt/slides/slide28.xml><?xml version="1.0" encoding="utf-8"?>
-<p:sld xmlns:a="http://schemas.openxmlformats.org/drawingml/2006/main" xmlns:r="http://schemas.openxmlformats.org/officeDocument/2006/relationships" xmlns:p="http://schemas.openxmlformats.org/presentationml/2006/main">
-  <p:cSld>
-    <p:spTree>
-      <p:nvGrpSpPr>
-        <p:cNvPr id="1" name=""/>
-        <p:cNvGrpSpPr/>
-        <p:nvPr/>
-      </p:nvGrpSpPr>
-      <p:grpSpPr>
-        <a:xfrm>
-          <a:off x="0" y="0"/>
-          <a:ext cx="0" cy="0"/>
-          <a:chOff x="0" y="0"/>
-          <a:chExt cx="0" cy="0"/>
-        </a:xfrm>
-      </p:grpSpPr>
-      <p:sp>
-        <p:nvSpPr>
-          <p:cNvPr id="2" name="Title 1"/>
-          <p:cNvSpPr>
-            <a:spLocks noGrp="1"/>
-          </p:cNvSpPr>
-          <p:nvPr>
-            <p:ph type="title"/>
-          </p:nvPr>
-        </p:nvSpPr>
-        <p:spPr/>
-        <p:txBody>
-          <a:bodyPr/>
-          <a:lstStyle/>
-          <a:p>
-            <a:r>
-              <a:rPr lang="en-CA" dirty="0"/>
-              <a:t>Contributions that are needed, </a:t>
-            </a:r>
-            <a:r>
-              <a:rPr lang="en-CA" dirty="0" smtClean="0"/>
-              <a:t>II </a:t>
-            </a:r>
-            <a:r>
-              <a:rPr lang="en-CA" dirty="0"/>
-              <a:t>of II</a:t>
-            </a:r>
-          </a:p>
-        </p:txBody>
-      </p:sp>
-      <p:sp>
-        <p:nvSpPr>
-          <p:cNvPr id="3" name="Content Placeholder 2"/>
-          <p:cNvSpPr>
-            <a:spLocks noGrp="1"/>
-          </p:cNvSpPr>
-          <p:nvPr>
-            <p:ph idx="1"/>
-          </p:nvPr>
-        </p:nvSpPr>
-        <p:spPr/>
-        <p:txBody>
-          <a:bodyPr/>
-          <a:lstStyle/>
-          <a:p>
-            <a:r>
-              <a:rPr lang="en-CA" dirty="0" smtClean="0"/>
-              <a:t>Improving</a:t>
-            </a:r>
-            <a:endParaRPr lang="en-CA" dirty="0"/>
-          </a:p>
-          <a:p>
-            <a:pPr lvl="1"/>
-            <a:r>
-              <a:rPr lang="en-CA" dirty="0"/>
-              <a:t>dependency </a:t>
-            </a:r>
-            <a:r>
-              <a:rPr lang="en-CA" dirty="0" smtClean="0"/>
-              <a:t>expressions</a:t>
-            </a:r>
-          </a:p>
-          <a:p>
-            <a:pPr lvl="2"/>
-            <a:r>
-              <a:rPr lang="en-CA" dirty="0" smtClean="0"/>
-              <a:t>Module, data, spatial region, political region</a:t>
-            </a:r>
-          </a:p>
-          <a:p>
-            <a:r>
-              <a:rPr lang="en-CA" dirty="0" smtClean="0"/>
-              <a:t>Big data seamlessness	</a:t>
-            </a:r>
-          </a:p>
-          <a:p>
-            <a:pPr lvl="1"/>
-            <a:r>
-              <a:rPr lang="en-CA" dirty="0" smtClean="0"/>
-              <a:t>R can handle BIG, but there are </a:t>
-            </a:r>
-            <a:r>
-              <a:rPr lang="en-CA" i="1" dirty="0" smtClean="0"/>
-              <a:t>many </a:t>
-            </a:r>
-            <a:r>
-              <a:rPr lang="en-CA" dirty="0" smtClean="0"/>
-              <a:t>ways to do it; what are the best for each module/situation</a:t>
-            </a:r>
-          </a:p>
-          <a:p>
-            <a:pPr lvl="1"/>
-            <a:endParaRPr lang="en-CA" dirty="0"/>
-          </a:p>
-        </p:txBody>
-      </p:sp>
-    </p:spTree>
-    <p:extLst>
-      <p:ext uri="{BB962C8B-B14F-4D97-AF65-F5344CB8AC3E}">
-        <p14:creationId xmlns:p14="http://schemas.microsoft.com/office/powerpoint/2010/main" val="3283830959"/>
-      </p:ext>
-    </p:extLst>
-  </p:cSld>
-  <p:clrMapOvr>
-    <a:masterClrMapping/>
-  </p:clrMapOvr>
-</p:sld>
-</file>
-
-<file path=ppt/slides/slide29.xml><?xml version="1.0" encoding="utf-8"?>
-<p:sld xmlns:a="http://schemas.openxmlformats.org/drawingml/2006/main" xmlns:r="http://schemas.openxmlformats.org/officeDocument/2006/relationships" xmlns:p="http://schemas.openxmlformats.org/presentationml/2006/main">
-  <p:cSld>
-    <p:spTree>
-      <p:nvGrpSpPr>
-        <p:cNvPr id="1" name=""/>
-        <p:cNvGrpSpPr/>
-        <p:nvPr/>
-      </p:nvGrpSpPr>
-      <p:grpSpPr>
-        <a:xfrm>
-          <a:off x="0" y="0"/>
-          <a:ext cx="0" cy="0"/>
-          <a:chOff x="0" y="0"/>
-          <a:chExt cx="0" cy="0"/>
-        </a:xfrm>
-      </p:grpSpPr>
-      <p:sp>
-        <p:nvSpPr>
-          <p:cNvPr id="2" name="Title 1"/>
-          <p:cNvSpPr>
-            <a:spLocks noGrp="1"/>
-          </p:cNvSpPr>
-          <p:nvPr>
-            <p:ph type="title"/>
-          </p:nvPr>
-        </p:nvSpPr>
-        <p:spPr/>
-        <p:txBody>
-          <a:bodyPr/>
-          <a:lstStyle/>
-          <a:p>
-            <a:endParaRPr lang="en-CA" dirty="0"/>
-          </a:p>
-        </p:txBody>
-      </p:sp>
-      <p:sp>
-        <p:nvSpPr>
-          <p:cNvPr id="3" name="Content Placeholder 2"/>
-          <p:cNvSpPr>
-            <a:spLocks noGrp="1"/>
-          </p:cNvSpPr>
-          <p:nvPr>
-            <p:ph idx="1"/>
-          </p:nvPr>
-        </p:nvSpPr>
-        <p:spPr/>
-        <p:txBody>
-          <a:bodyPr/>
-          <a:lstStyle/>
-          <a:p>
-            <a:pPr marL="0" indent="0" algn="ctr">
-              <a:buNone/>
-            </a:pPr>
-            <a:r>
-              <a:rPr lang="en-US" dirty="0" smtClean="0">
-                <a:hlinkClick r:id="rId2"/>
-              </a:rPr>
-              <a:t>https://github.com/achubaty/SpaDES</a:t>
-            </a:r>
-            <a:endParaRPr lang="en-US" dirty="0" smtClean="0"/>
-          </a:p>
-          <a:p>
-            <a:endParaRPr lang="en-US" dirty="0" smtClean="0"/>
-          </a:p>
-          <a:p>
-            <a:r>
-              <a:rPr lang="en-US" dirty="0" err="1"/>
-              <a:t>apexrms</a:t>
-            </a:r>
-            <a:endParaRPr lang="en-US" dirty="0"/>
-          </a:p>
-          <a:p>
-            <a:r>
-              <a:rPr lang="en-US" dirty="0" err="1"/>
-              <a:t>fRI</a:t>
-            </a:r>
-            <a:endParaRPr lang="en-US" dirty="0"/>
-          </a:p>
-        </p:txBody>
-      </p:sp>
-    </p:spTree>
-    <p:extLst>
-      <p:ext uri="{BB962C8B-B14F-4D97-AF65-F5344CB8AC3E}">
-        <p14:creationId xmlns:p14="http://schemas.microsoft.com/office/powerpoint/2010/main" val="3050687774"/>
+        <p14:creationId xmlns:p14="http://schemas.microsoft.com/office/powerpoint/2010/main" val="487151374"/>
       </p:ext>
     </p:extLst>
   </p:cSld>
@@ -13544,26 +14242,31 @@
             <p:ph sz="half" idx="1"/>
           </p:nvPr>
         </p:nvSpPr>
-        <p:spPr/>
+        <p:spPr>
+          <a:xfrm>
+            <a:off x="457200" y="2132855"/>
+            <a:ext cx="8147248" cy="1368153"/>
+          </a:xfrm>
+        </p:spPr>
         <p:txBody>
           <a:bodyPr>
-            <a:normAutofit/>
+            <a:normAutofit lnSpcReduction="10000"/>
           </a:bodyPr>
           <a:lstStyle/>
           <a:p>
             <a:r>
-              <a:rPr lang="en-CA" dirty="0" smtClean="0"/>
+              <a:rPr lang="en-CA" b="1" dirty="0" smtClean="0"/>
               <a:t>R is </a:t>
             </a:r>
             <a:r>
-              <a:rPr lang="en-CA" i="1" dirty="0" smtClean="0"/>
+              <a:rPr lang="en-CA" b="1" i="1" dirty="0" smtClean="0"/>
               <a:t>the most comprehensive and powerful </a:t>
             </a:r>
             <a:r>
-              <a:rPr lang="en-CA" dirty="0" smtClean="0"/>
+              <a:rPr lang="en-CA" b="1" dirty="0" smtClean="0"/>
               <a:t>language for understanding and predicting from data</a:t>
             </a:r>
-            <a:endParaRPr lang="en-CA" dirty="0"/>
+            <a:endParaRPr lang="en-CA" b="1" dirty="0"/>
           </a:p>
         </p:txBody>
       </p:sp>
@@ -13577,12 +14280,116 @@
             <p:ph sz="half" idx="2"/>
           </p:nvPr>
         </p:nvSpPr>
-        <p:spPr/>
+        <p:spPr>
+          <a:xfrm>
+            <a:off x="1187624" y="3573016"/>
+            <a:ext cx="7488832" cy="2553147"/>
+          </a:xfrm>
+        </p:spPr>
         <p:txBody>
           <a:bodyPr/>
           <a:lstStyle/>
           <a:p>
-            <a:endParaRPr lang="en-CA"/>
+            <a:r>
+              <a:rPr lang="en-CA" dirty="0" smtClean="0">
+                <a:solidFill>
+                  <a:schemeClr val="accent1"/>
+                </a:solidFill>
+              </a:rPr>
+              <a:t>6079 packages</a:t>
+            </a:r>
+          </a:p>
+          <a:p>
+            <a:r>
+              <a:rPr lang="en-CA" dirty="0" smtClean="0">
+                <a:solidFill>
+                  <a:schemeClr val="accent1"/>
+                </a:solidFill>
+              </a:rPr>
+              <a:t>33 “</a:t>
+            </a:r>
+            <a:r>
+              <a:rPr lang="en-CA" dirty="0" err="1" smtClean="0">
+                <a:solidFill>
+                  <a:schemeClr val="accent1"/>
+                </a:solidFill>
+              </a:rPr>
+              <a:t>taskviews</a:t>
+            </a:r>
+            <a:r>
+              <a:rPr lang="en-CA" dirty="0" smtClean="0">
+                <a:solidFill>
+                  <a:schemeClr val="accent1"/>
+                </a:solidFill>
+              </a:rPr>
+              <a:t>”</a:t>
+            </a:r>
+          </a:p>
+          <a:p>
+            <a:pPr lvl="1"/>
+            <a:r>
+              <a:rPr lang="en-CA" dirty="0">
+                <a:solidFill>
+                  <a:schemeClr val="accent1"/>
+                </a:solidFill>
+                <a:hlinkClick r:id="rId3"/>
+              </a:rPr>
+              <a:t>http://cran.r-project.org/web/views</a:t>
+            </a:r>
+            <a:r>
+              <a:rPr lang="en-CA" dirty="0" smtClean="0">
+                <a:solidFill>
+                  <a:schemeClr val="accent1"/>
+                </a:solidFill>
+                <a:hlinkClick r:id="rId3"/>
+              </a:rPr>
+              <a:t>/</a:t>
+            </a:r>
+            <a:endParaRPr lang="en-CA" dirty="0" smtClean="0">
+              <a:solidFill>
+                <a:schemeClr val="accent1"/>
+              </a:solidFill>
+            </a:endParaRPr>
+          </a:p>
+          <a:p>
+            <a:pPr lvl="1"/>
+            <a:r>
+              <a:rPr lang="en-CA" dirty="0" smtClean="0">
+                <a:solidFill>
+                  <a:schemeClr val="accent1"/>
+                </a:solidFill>
+              </a:rPr>
+              <a:t>E.g., </a:t>
+            </a:r>
+            <a:r>
+              <a:rPr lang="en-CA" dirty="0" err="1" smtClean="0">
+                <a:solidFill>
+                  <a:schemeClr val="accent1"/>
+                </a:solidFill>
+              </a:rPr>
+              <a:t>MetaAnalysis</a:t>
+            </a:r>
+            <a:r>
+              <a:rPr lang="en-CA" dirty="0" smtClean="0">
+                <a:solidFill>
+                  <a:schemeClr val="accent1"/>
+                </a:solidFill>
+              </a:rPr>
+              <a:t>, Optimization, </a:t>
+            </a:r>
+            <a:r>
+              <a:rPr lang="en-CA" dirty="0" err="1" smtClean="0">
+                <a:solidFill>
+                  <a:schemeClr val="accent1"/>
+                </a:solidFill>
+              </a:rPr>
+              <a:t>Phylogenetics</a:t>
+            </a:r>
+            <a:endParaRPr lang="en-CA" dirty="0">
+              <a:solidFill>
+                <a:schemeClr val="accent1"/>
+              </a:solidFill>
+            </a:endParaRPr>
           </a:p>
         </p:txBody>
       </p:sp>
@@ -13595,7 +14402,7 @@
           <p:nvPr/>
         </p:nvPicPr>
         <p:blipFill>
-          <a:blip r:embed="rId2">
+          <a:blip r:embed="rId4">
             <a:extLst>
               <a:ext uri="{28A0092B-C50C-407E-A947-70E740481C1C}">
                 <a14:useLocalDpi xmlns:a14="http://schemas.microsoft.com/office/drawing/2010/main" val="0"/>
@@ -13609,15 +14416,15 @@
         </p:blipFill>
         <p:spPr bwMode="auto">
           <a:xfrm>
-            <a:off x="1619672" y="4077072"/>
-            <a:ext cx="1509320" cy="1147083"/>
+            <a:off x="179512" y="476672"/>
+            <a:ext cx="1872208" cy="1422878"/>
           </a:xfrm>
           <a:prstGeom prst="rect">
             <a:avLst/>
           </a:prstGeom>
           <a:noFill/>
           <a:extLst>
-            <a:ext uri="{909E8E84-426E-40DD-AFC4-6F175D3DCCD1}">
+            <a:ext uri="{909E8E84-426E-40dd-AFC4-6F175D3DCCD1}">
               <a14:hiddenFill xmlns:a14="http://schemas.microsoft.com/office/drawing/2010/main">
                 <a:solidFill>
                   <a:srgbClr val="FFFFFF"/>
@@ -13640,7 +14447,7 @@
   <p:timing>
     <p:tnLst>
       <p:par>
-        <p:cTn id="1" dur="indefinite" restart="never" nodeType="tmRoot"/>
+        <p:cTn xmlns:p14="http://schemas.microsoft.com/office/powerpoint/2010/main" id="1" dur="indefinite" restart="never" nodeType="tmRoot"/>
       </p:par>
     </p:tnLst>
   </p:timing>
@@ -13734,6 +14541,36 @@
           </a:p>
         </p:txBody>
       </p:sp>
+      <p:sp>
+        <p:nvSpPr>
+          <p:cNvPr id="4" name="TextBox 3"/>
+          <p:cNvSpPr txBox="1"/>
+          <p:nvPr/>
+        </p:nvSpPr>
+        <p:spPr>
+          <a:xfrm>
+            <a:off x="8636191" y="260648"/>
+            <a:ext cx="507809" cy="369332"/>
+          </a:xfrm>
+          <a:prstGeom prst="rect">
+            <a:avLst/>
+          </a:prstGeom>
+          <a:noFill/>
+        </p:spPr>
+        <p:txBody>
+          <a:bodyPr wrap="none" rtlCol="0">
+            <a:spAutoFit/>
+          </a:bodyPr>
+          <a:lstStyle/>
+          <a:p>
+            <a:r>
+              <a:rPr lang="en-US" dirty="0" smtClean="0"/>
+              <a:t>1/3</a:t>
+            </a:r>
+            <a:endParaRPr lang="en-US" dirty="0"/>
+          </a:p>
+        </p:txBody>
+      </p:sp>
     </p:spTree>
     <p:extLst>
       <p:ext uri="{BB962C8B-B14F-4D97-AF65-F5344CB8AC3E}">
@@ -13747,7 +14584,7 @@
   <p:timing>
     <p:tnLst>
       <p:par>
-        <p:cTn id="1" dur="indefinite" restart="never" nodeType="tmRoot"/>
+        <p:cTn xmlns:p14="http://schemas.microsoft.com/office/powerpoint/2010/main" id="1" dur="indefinite" restart="never" nodeType="tmRoot"/>
       </p:par>
     </p:tnLst>
   </p:timing>
@@ -13856,6 +14693,36 @@
           </a:p>
         </p:txBody>
       </p:sp>
+      <p:sp>
+        <p:nvSpPr>
+          <p:cNvPr id="4" name="TextBox 3"/>
+          <p:cNvSpPr txBox="1"/>
+          <p:nvPr/>
+        </p:nvSpPr>
+        <p:spPr>
+          <a:xfrm>
+            <a:off x="8636191" y="260648"/>
+            <a:ext cx="507809" cy="369332"/>
+          </a:xfrm>
+          <a:prstGeom prst="rect">
+            <a:avLst/>
+          </a:prstGeom>
+          <a:noFill/>
+        </p:spPr>
+        <p:txBody>
+          <a:bodyPr wrap="none" rtlCol="0">
+            <a:spAutoFit/>
+          </a:bodyPr>
+          <a:lstStyle/>
+          <a:p>
+            <a:r>
+              <a:rPr lang="en-US" dirty="0" smtClean="0"/>
+              <a:t>2/3</a:t>
+            </a:r>
+            <a:endParaRPr lang="en-US" dirty="0"/>
+          </a:p>
+        </p:txBody>
+      </p:sp>
     </p:spTree>
     <p:extLst>
       <p:ext uri="{BB962C8B-B14F-4D97-AF65-F5344CB8AC3E}">
@@ -13869,7 +14736,7 @@
   <p:timing>
     <p:tnLst>
       <p:par>
-        <p:cTn id="1" dur="indefinite" restart="never" nodeType="tmRoot"/>
+        <p:cTn xmlns:p14="http://schemas.microsoft.com/office/powerpoint/2010/main" id="1" dur="indefinite" restart="never" nodeType="tmRoot"/>
       </p:par>
     </p:tnLst>
   </p:timing>
@@ -13984,6 +14851,36 @@
           </a:p>
         </p:txBody>
       </p:sp>
+      <p:sp>
+        <p:nvSpPr>
+          <p:cNvPr id="4" name="TextBox 3"/>
+          <p:cNvSpPr txBox="1"/>
+          <p:nvPr/>
+        </p:nvSpPr>
+        <p:spPr>
+          <a:xfrm>
+            <a:off x="8636191" y="260648"/>
+            <a:ext cx="507809" cy="369332"/>
+          </a:xfrm>
+          <a:prstGeom prst="rect">
+            <a:avLst/>
+          </a:prstGeom>
+          <a:noFill/>
+        </p:spPr>
+        <p:txBody>
+          <a:bodyPr wrap="none" rtlCol="0">
+            <a:spAutoFit/>
+          </a:bodyPr>
+          <a:lstStyle/>
+          <a:p>
+            <a:r>
+              <a:rPr lang="en-US" dirty="0" smtClean="0"/>
+              <a:t>3/3</a:t>
+            </a:r>
+            <a:endParaRPr lang="en-US" dirty="0"/>
+          </a:p>
+        </p:txBody>
+      </p:sp>
     </p:spTree>
     <p:extLst>
       <p:ext uri="{BB962C8B-B14F-4D97-AF65-F5344CB8AC3E}">
@@ -13997,7 +14894,7 @@
   <p:timing>
     <p:tnLst>
       <p:par>
-        <p:cTn id="1" dur="indefinite" restart="never" nodeType="tmRoot"/>
+        <p:cTn xmlns:p14="http://schemas.microsoft.com/office/powerpoint/2010/main" id="1" dur="indefinite" restart="never" nodeType="tmRoot"/>
       </p:par>
     </p:tnLst>
   </p:timing>
@@ -14389,16 +15286,32 @@
           <a:p>
             <a:r>
               <a:rPr lang="en-CA" sz="2800" dirty="0" smtClean="0"/>
-              <a:t>Integrate modules that have a concept of time, and where the module is “interruptible” at particular times</a:t>
-            </a:r>
+              <a:t>Integrate modules that have a concept of </a:t>
+            </a:r>
+            <a:r>
+              <a:rPr lang="en-CA" sz="2800" dirty="0" smtClean="0"/>
+              <a:t>time</a:t>
+            </a:r>
+          </a:p>
+          <a:p>
+            <a:pPr lvl="1"/>
+            <a:r>
+              <a:rPr lang="en-CA" sz="2400" dirty="0" smtClean="0"/>
+              <a:t>Events are scheduled based when they occur/end</a:t>
+            </a:r>
+            <a:endParaRPr lang="en-CA" sz="2400" dirty="0" smtClean="0"/>
           </a:p>
           <a:p>
             <a:endParaRPr lang="en-CA" sz="2800" dirty="0" smtClean="0"/>
           </a:p>
           <a:p>
             <a:r>
+              <a:rPr lang="en-CA" sz="2800" u="sng" dirty="0" smtClean="0"/>
+              <a:t>Goal:</a:t>
+            </a:r>
+            <a:r>
               <a:rPr lang="en-CA" sz="2800" dirty="0" smtClean="0"/>
-              <a:t>Goal: to integrate existing and not yet built simulation modules to ask new policy questions?</a:t>
+              <a:t> to integrate existing and not yet built simulation modules to ask new policy questions?</a:t>
             </a:r>
           </a:p>
         </p:txBody>
